--- a/docs/Apresentacao.pptx
+++ b/docs/Apresentacao.pptx
@@ -5,47 +5,49 @@
     <p:sldMasterId id="2147483657" r:id="rId1"/>
   </p:sldMasterIdLst>
   <p:notesMasterIdLst>
-    <p:notesMasterId r:id="rId19"/>
+    <p:notesMasterId r:id="rId21"/>
   </p:notesMasterIdLst>
   <p:sldIdLst>
     <p:sldId id="256" r:id="rId2"/>
     <p:sldId id="258" r:id="rId3"/>
     <p:sldId id="261" r:id="rId4"/>
-    <p:sldId id="276" r:id="rId5"/>
-    <p:sldId id="286" r:id="rId6"/>
-    <p:sldId id="288" r:id="rId7"/>
-    <p:sldId id="289" r:id="rId8"/>
-    <p:sldId id="290" r:id="rId9"/>
-    <p:sldId id="285" r:id="rId10"/>
-    <p:sldId id="292" r:id="rId11"/>
-    <p:sldId id="259" r:id="rId12"/>
-    <p:sldId id="267" r:id="rId13"/>
-    <p:sldId id="294" r:id="rId14"/>
-    <p:sldId id="297" r:id="rId15"/>
-    <p:sldId id="295" r:id="rId16"/>
-    <p:sldId id="296" r:id="rId17"/>
-    <p:sldId id="298" r:id="rId18"/>
+    <p:sldId id="259" r:id="rId5"/>
+    <p:sldId id="276" r:id="rId6"/>
+    <p:sldId id="300" r:id="rId7"/>
+    <p:sldId id="286" r:id="rId8"/>
+    <p:sldId id="288" r:id="rId9"/>
+    <p:sldId id="289" r:id="rId10"/>
+    <p:sldId id="290" r:id="rId11"/>
+    <p:sldId id="285" r:id="rId12"/>
+    <p:sldId id="292" r:id="rId13"/>
+    <p:sldId id="299" r:id="rId14"/>
+    <p:sldId id="267" r:id="rId15"/>
+    <p:sldId id="294" r:id="rId16"/>
+    <p:sldId id="297" r:id="rId17"/>
+    <p:sldId id="295" r:id="rId18"/>
+    <p:sldId id="296" r:id="rId19"/>
+    <p:sldId id="298" r:id="rId20"/>
   </p:sldIdLst>
   <p:sldSz cx="9144000" cy="5143500" type="screen16x9"/>
   <p:notesSz cx="6858000" cy="9144000"/>
   <p:embeddedFontLst>
     <p:embeddedFont>
       <p:font typeface="Helvetica Neue" panose="020B0604020202020204" charset="0"/>
-      <p:regular r:id="rId20"/>
-      <p:bold r:id="rId21"/>
-      <p:italic r:id="rId22"/>
-      <p:boldItalic r:id="rId23"/>
+      <p:regular r:id="rId22"/>
+      <p:bold r:id="rId23"/>
+      <p:italic r:id="rId24"/>
+      <p:boldItalic r:id="rId25"/>
     </p:embeddedFont>
     <p:embeddedFont>
       <p:font typeface="Muli" panose="020B0604020202020204" charset="0"/>
-      <p:regular r:id="rId24"/>
-      <p:bold r:id="rId25"/>
-      <p:italic r:id="rId26"/>
-      <p:boldItalic r:id="rId27"/>
+      <p:regular r:id="rId26"/>
+      <p:bold r:id="rId27"/>
+      <p:italic r:id="rId28"/>
+      <p:boldItalic r:id="rId29"/>
     </p:embeddedFont>
     <p:embeddedFont>
       <p:font typeface="Nixie One" panose="020B0604020202020204" charset="0"/>
-      <p:regular r:id="rId28"/>
+      <p:regular r:id="rId30"/>
     </p:embeddedFont>
   </p:embeddedFontLst>
   <p:defaultTextStyle>
@@ -833,6 +835,115 @@
   <p:cSld>
     <p:spTree>
       <p:nvGrpSpPr>
+        <p:cNvPr id="1" name="Shape 425"/>
+        <p:cNvGrpSpPr/>
+        <p:nvPr/>
+      </p:nvGrpSpPr>
+      <p:grpSpPr>
+        <a:xfrm>
+          <a:off x="0" y="0"/>
+          <a:ext cx="0" cy="0"/>
+          <a:chOff x="0" y="0"/>
+          <a:chExt cx="0" cy="0"/>
+        </a:xfrm>
+      </p:grpSpPr>
+      <p:sp>
+        <p:nvSpPr>
+          <p:cNvPr id="426" name="Google Shape;426;g35f391192_073:notes"/>
+          <p:cNvSpPr>
+            <a:spLocks noGrp="1" noRot="1" noChangeAspect="1"/>
+          </p:cNvSpPr>
+          <p:nvPr>
+            <p:ph type="sldImg" idx="2"/>
+          </p:nvPr>
+        </p:nvSpPr>
+        <p:spPr>
+          <a:xfrm>
+            <a:off x="381000" y="685800"/>
+            <a:ext cx="6096000" cy="3429000"/>
+          </a:xfrm>
+          <a:custGeom>
+            <a:avLst/>
+            <a:gdLst/>
+            <a:ahLst/>
+            <a:cxnLst/>
+            <a:rect l="l" t="t" r="r" b="b"/>
+            <a:pathLst>
+              <a:path w="120000" h="120000" extrusionOk="0">
+                <a:moveTo>
+                  <a:pt x="0" y="0"/>
+                </a:moveTo>
+                <a:lnTo>
+                  <a:pt x="120000" y="0"/>
+                </a:lnTo>
+                <a:lnTo>
+                  <a:pt x="120000" y="120000"/>
+                </a:lnTo>
+                <a:lnTo>
+                  <a:pt x="0" y="120000"/>
+                </a:lnTo>
+                <a:close/>
+              </a:path>
+            </a:pathLst>
+          </a:custGeom>
+        </p:spPr>
+      </p:sp>
+      <p:sp>
+        <p:nvSpPr>
+          <p:cNvPr id="427" name="Google Shape;427;g35f391192_073:notes"/>
+          <p:cNvSpPr txBox="1">
+            <a:spLocks noGrp="1"/>
+          </p:cNvSpPr>
+          <p:nvPr>
+            <p:ph type="body" idx="1"/>
+          </p:nvPr>
+        </p:nvSpPr>
+        <p:spPr>
+          <a:xfrm>
+            <a:off x="685800" y="4343400"/>
+            <a:ext cx="5486400" cy="4114800"/>
+          </a:xfrm>
+          <a:prstGeom prst="rect">
+            <a:avLst/>
+          </a:prstGeom>
+        </p:spPr>
+        <p:txBody>
+          <a:bodyPr spcFirstLastPara="1" wrap="square" lIns="91425" tIns="91425" rIns="91425" bIns="91425" anchor="t" anchorCtr="0">
+            <a:noAutofit/>
+          </a:bodyPr>
+          <a:lstStyle/>
+          <a:p>
+            <a:pPr marL="0" lvl="0" indent="0" algn="l" rtl="0">
+              <a:spcBef>
+                <a:spcPts val="0"/>
+              </a:spcBef>
+              <a:spcAft>
+                <a:spcPts val="0"/>
+              </a:spcAft>
+              <a:buNone/>
+            </a:pPr>
+            <a:endParaRPr/>
+          </a:p>
+        </p:txBody>
+      </p:sp>
+    </p:spTree>
+    <p:extLst>
+      <p:ext uri="{BB962C8B-B14F-4D97-AF65-F5344CB8AC3E}">
+        <p14:creationId xmlns:p14="http://schemas.microsoft.com/office/powerpoint/2010/main" val="3520798096"/>
+      </p:ext>
+    </p:extLst>
+  </p:cSld>
+  <p:clrMapOvr>
+    <a:masterClrMapping/>
+  </p:clrMapOvr>
+</p:notes>
+</file>
+
+<file path=ppt/notesSlides/notesSlide11.xml><?xml version="1.0" encoding="utf-8"?>
+<p:notes xmlns:a="http://schemas.openxmlformats.org/drawingml/2006/main" xmlns:r="http://schemas.openxmlformats.org/officeDocument/2006/relationships" xmlns:p="http://schemas.openxmlformats.org/presentationml/2006/main" showMasterSp="0" showMasterPhAnim="0">
+  <p:cSld>
+    <p:spTree>
+      <p:nvGrpSpPr>
         <p:cNvPr id="1" name="Shape 368"/>
         <p:cNvGrpSpPr/>
         <p:nvPr/>
@@ -927,6 +1038,115 @@
     </p:spTree>
     <p:extLst>
       <p:ext uri="{BB962C8B-B14F-4D97-AF65-F5344CB8AC3E}">
+        <p14:creationId xmlns:p14="http://schemas.microsoft.com/office/powerpoint/2010/main" val="3721442685"/>
+      </p:ext>
+    </p:extLst>
+  </p:cSld>
+  <p:clrMapOvr>
+    <a:masterClrMapping/>
+  </p:clrMapOvr>
+</p:notes>
+</file>
+
+<file path=ppt/notesSlides/notesSlide12.xml><?xml version="1.0" encoding="utf-8"?>
+<p:notes xmlns:a="http://schemas.openxmlformats.org/drawingml/2006/main" xmlns:r="http://schemas.openxmlformats.org/officeDocument/2006/relationships" xmlns:p="http://schemas.openxmlformats.org/presentationml/2006/main" showMasterSp="0" showMasterPhAnim="0">
+  <p:cSld>
+    <p:spTree>
+      <p:nvGrpSpPr>
+        <p:cNvPr id="1" name="Shape 368"/>
+        <p:cNvGrpSpPr/>
+        <p:nvPr/>
+      </p:nvGrpSpPr>
+      <p:grpSpPr>
+        <a:xfrm>
+          <a:off x="0" y="0"/>
+          <a:ext cx="0" cy="0"/>
+          <a:chOff x="0" y="0"/>
+          <a:chExt cx="0" cy="0"/>
+        </a:xfrm>
+      </p:grpSpPr>
+      <p:sp>
+        <p:nvSpPr>
+          <p:cNvPr id="369" name="Google Shape;369;p:notes"/>
+          <p:cNvSpPr>
+            <a:spLocks noGrp="1" noRot="1" noChangeAspect="1"/>
+          </p:cNvSpPr>
+          <p:nvPr>
+            <p:ph type="sldImg" idx="2"/>
+          </p:nvPr>
+        </p:nvSpPr>
+        <p:spPr>
+          <a:xfrm>
+            <a:off x="381000" y="685800"/>
+            <a:ext cx="6096000" cy="3429000"/>
+          </a:xfrm>
+          <a:custGeom>
+            <a:avLst/>
+            <a:gdLst/>
+            <a:ahLst/>
+            <a:cxnLst/>
+            <a:rect l="l" t="t" r="r" b="b"/>
+            <a:pathLst>
+              <a:path w="120000" h="120000" extrusionOk="0">
+                <a:moveTo>
+                  <a:pt x="0" y="0"/>
+                </a:moveTo>
+                <a:lnTo>
+                  <a:pt x="120000" y="0"/>
+                </a:lnTo>
+                <a:lnTo>
+                  <a:pt x="120000" y="120000"/>
+                </a:lnTo>
+                <a:lnTo>
+                  <a:pt x="0" y="120000"/>
+                </a:lnTo>
+                <a:close/>
+              </a:path>
+            </a:pathLst>
+          </a:custGeom>
+        </p:spPr>
+      </p:sp>
+      <p:sp>
+        <p:nvSpPr>
+          <p:cNvPr id="370" name="Google Shape;370;p:notes"/>
+          <p:cNvSpPr txBox="1">
+            <a:spLocks noGrp="1"/>
+          </p:cNvSpPr>
+          <p:nvPr>
+            <p:ph type="body" idx="1"/>
+          </p:nvPr>
+        </p:nvSpPr>
+        <p:spPr>
+          <a:xfrm>
+            <a:off x="685800" y="4343400"/>
+            <a:ext cx="5486400" cy="4114800"/>
+          </a:xfrm>
+          <a:prstGeom prst="rect">
+            <a:avLst/>
+          </a:prstGeom>
+        </p:spPr>
+        <p:txBody>
+          <a:bodyPr spcFirstLastPara="1" wrap="square" lIns="91425" tIns="91425" rIns="91425" bIns="91425" anchor="t" anchorCtr="0">
+            <a:noAutofit/>
+          </a:bodyPr>
+          <a:lstStyle/>
+          <a:p>
+            <a:pPr marL="0" lvl="0" indent="0" algn="l" rtl="0">
+              <a:spcBef>
+                <a:spcPts val="0"/>
+              </a:spcBef>
+              <a:spcAft>
+                <a:spcPts val="0"/>
+              </a:spcAft>
+              <a:buNone/>
+            </a:pPr>
+            <a:endParaRPr/>
+          </a:p>
+        </p:txBody>
+      </p:sp>
+    </p:spTree>
+    <p:extLst>
+      <p:ext uri="{BB962C8B-B14F-4D97-AF65-F5344CB8AC3E}">
         <p14:creationId xmlns:p14="http://schemas.microsoft.com/office/powerpoint/2010/main" val="4289106260"/>
       </p:ext>
     </p:extLst>
@@ -937,7 +1157,7 @@
 </p:notes>
 </file>
 
-<file path=ppt/notesSlides/notesSlide11.xml><?xml version="1.0" encoding="utf-8"?>
+<file path=ppt/notesSlides/notesSlide13.xml><?xml version="1.0" encoding="utf-8"?>
 <p:notes xmlns:a="http://schemas.openxmlformats.org/drawingml/2006/main" xmlns:r="http://schemas.openxmlformats.org/officeDocument/2006/relationships" xmlns:p="http://schemas.openxmlformats.org/presentationml/2006/main" showMasterSp="0" showMasterPhAnim="0">
   <p:cSld>
     <p:spTree>
@@ -1034,6 +1254,11 @@
         </p:txBody>
       </p:sp>
     </p:spTree>
+    <p:extLst>
+      <p:ext uri="{BB962C8B-B14F-4D97-AF65-F5344CB8AC3E}">
+        <p14:creationId xmlns:p14="http://schemas.microsoft.com/office/powerpoint/2010/main" val="2586886862"/>
+      </p:ext>
+    </p:extLst>
   </p:cSld>
   <p:clrMapOvr>
     <a:masterClrMapping/>
@@ -1041,7 +1266,7 @@
 </p:notes>
 </file>
 
-<file path=ppt/notesSlides/notesSlide12.xml><?xml version="1.0" encoding="utf-8"?>
+<file path=ppt/notesSlides/notesSlide14.xml><?xml version="1.0" encoding="utf-8"?>
 <p:notes xmlns:a="http://schemas.openxmlformats.org/drawingml/2006/main" xmlns:r="http://schemas.openxmlformats.org/officeDocument/2006/relationships" xmlns:p="http://schemas.openxmlformats.org/presentationml/2006/main" showMasterSp="0" showMasterPhAnim="0">
   <p:cSld>
     <p:spTree>
@@ -1138,224 +1363,6 @@
         </p:txBody>
       </p:sp>
     </p:spTree>
-  </p:cSld>
-  <p:clrMapOvr>
-    <a:masterClrMapping/>
-  </p:clrMapOvr>
-</p:notes>
-</file>
-
-<file path=ppt/notesSlides/notesSlide13.xml><?xml version="1.0" encoding="utf-8"?>
-<p:notes xmlns:a="http://schemas.openxmlformats.org/drawingml/2006/main" xmlns:r="http://schemas.openxmlformats.org/officeDocument/2006/relationships" xmlns:p="http://schemas.openxmlformats.org/presentationml/2006/main" showMasterSp="0" showMasterPhAnim="0">
-  <p:cSld>
-    <p:spTree>
-      <p:nvGrpSpPr>
-        <p:cNvPr id="1" name="Shape 425"/>
-        <p:cNvGrpSpPr/>
-        <p:nvPr/>
-      </p:nvGrpSpPr>
-      <p:grpSpPr>
-        <a:xfrm>
-          <a:off x="0" y="0"/>
-          <a:ext cx="0" cy="0"/>
-          <a:chOff x="0" y="0"/>
-          <a:chExt cx="0" cy="0"/>
-        </a:xfrm>
-      </p:grpSpPr>
-      <p:sp>
-        <p:nvSpPr>
-          <p:cNvPr id="426" name="Google Shape;426;g35f391192_073:notes"/>
-          <p:cNvSpPr>
-            <a:spLocks noGrp="1" noRot="1" noChangeAspect="1"/>
-          </p:cNvSpPr>
-          <p:nvPr>
-            <p:ph type="sldImg" idx="2"/>
-          </p:nvPr>
-        </p:nvSpPr>
-        <p:spPr>
-          <a:xfrm>
-            <a:off x="381000" y="685800"/>
-            <a:ext cx="6096000" cy="3429000"/>
-          </a:xfrm>
-          <a:custGeom>
-            <a:avLst/>
-            <a:gdLst/>
-            <a:ahLst/>
-            <a:cxnLst/>
-            <a:rect l="l" t="t" r="r" b="b"/>
-            <a:pathLst>
-              <a:path w="120000" h="120000" extrusionOk="0">
-                <a:moveTo>
-                  <a:pt x="0" y="0"/>
-                </a:moveTo>
-                <a:lnTo>
-                  <a:pt x="120000" y="0"/>
-                </a:lnTo>
-                <a:lnTo>
-                  <a:pt x="120000" y="120000"/>
-                </a:lnTo>
-                <a:lnTo>
-                  <a:pt x="0" y="120000"/>
-                </a:lnTo>
-                <a:close/>
-              </a:path>
-            </a:pathLst>
-          </a:custGeom>
-        </p:spPr>
-      </p:sp>
-      <p:sp>
-        <p:nvSpPr>
-          <p:cNvPr id="427" name="Google Shape;427;g35f391192_073:notes"/>
-          <p:cNvSpPr txBox="1">
-            <a:spLocks noGrp="1"/>
-          </p:cNvSpPr>
-          <p:nvPr>
-            <p:ph type="body" idx="1"/>
-          </p:nvPr>
-        </p:nvSpPr>
-        <p:spPr>
-          <a:xfrm>
-            <a:off x="685800" y="4343400"/>
-            <a:ext cx="5486400" cy="4114800"/>
-          </a:xfrm>
-          <a:prstGeom prst="rect">
-            <a:avLst/>
-          </a:prstGeom>
-        </p:spPr>
-        <p:txBody>
-          <a:bodyPr spcFirstLastPara="1" wrap="square" lIns="91425" tIns="91425" rIns="91425" bIns="91425" anchor="t" anchorCtr="0">
-            <a:noAutofit/>
-          </a:bodyPr>
-          <a:lstStyle/>
-          <a:p>
-            <a:pPr marL="0" lvl="0" indent="0" algn="l" rtl="0">
-              <a:spcBef>
-                <a:spcPts val="0"/>
-              </a:spcBef>
-              <a:spcAft>
-                <a:spcPts val="0"/>
-              </a:spcAft>
-              <a:buNone/>
-            </a:pPr>
-            <a:endParaRPr/>
-          </a:p>
-        </p:txBody>
-      </p:sp>
-    </p:spTree>
-    <p:extLst>
-      <p:ext uri="{BB962C8B-B14F-4D97-AF65-F5344CB8AC3E}">
-        <p14:creationId xmlns:p14="http://schemas.microsoft.com/office/powerpoint/2010/main" val="1677784485"/>
-      </p:ext>
-    </p:extLst>
-  </p:cSld>
-  <p:clrMapOvr>
-    <a:masterClrMapping/>
-  </p:clrMapOvr>
-</p:notes>
-</file>
-
-<file path=ppt/notesSlides/notesSlide14.xml><?xml version="1.0" encoding="utf-8"?>
-<p:notes xmlns:a="http://schemas.openxmlformats.org/drawingml/2006/main" xmlns:r="http://schemas.openxmlformats.org/officeDocument/2006/relationships" xmlns:p="http://schemas.openxmlformats.org/presentationml/2006/main" showMasterSp="0" showMasterPhAnim="0">
-  <p:cSld>
-    <p:spTree>
-      <p:nvGrpSpPr>
-        <p:cNvPr id="1" name="Shape 355"/>
-        <p:cNvGrpSpPr/>
-        <p:nvPr/>
-      </p:nvGrpSpPr>
-      <p:grpSpPr>
-        <a:xfrm>
-          <a:off x="0" y="0"/>
-          <a:ext cx="0" cy="0"/>
-          <a:chOff x="0" y="0"/>
-          <a:chExt cx="0" cy="0"/>
-        </a:xfrm>
-      </p:grpSpPr>
-      <p:sp>
-        <p:nvSpPr>
-          <p:cNvPr id="356" name="Google Shape;356;g35f391192_029:notes"/>
-          <p:cNvSpPr>
-            <a:spLocks noGrp="1" noRot="1" noChangeAspect="1"/>
-          </p:cNvSpPr>
-          <p:nvPr>
-            <p:ph type="sldImg" idx="2"/>
-          </p:nvPr>
-        </p:nvSpPr>
-        <p:spPr>
-          <a:xfrm>
-            <a:off x="381000" y="685800"/>
-            <a:ext cx="6096000" cy="3429000"/>
-          </a:xfrm>
-          <a:custGeom>
-            <a:avLst/>
-            <a:gdLst/>
-            <a:ahLst/>
-            <a:cxnLst/>
-            <a:rect l="l" t="t" r="r" b="b"/>
-            <a:pathLst>
-              <a:path w="120000" h="120000" extrusionOk="0">
-                <a:moveTo>
-                  <a:pt x="0" y="0"/>
-                </a:moveTo>
-                <a:lnTo>
-                  <a:pt x="120000" y="0"/>
-                </a:lnTo>
-                <a:lnTo>
-                  <a:pt x="120000" y="120000"/>
-                </a:lnTo>
-                <a:lnTo>
-                  <a:pt x="0" y="120000"/>
-                </a:lnTo>
-                <a:close/>
-              </a:path>
-            </a:pathLst>
-          </a:custGeom>
-        </p:spPr>
-      </p:sp>
-      <p:sp>
-        <p:nvSpPr>
-          <p:cNvPr id="357" name="Google Shape;357;g35f391192_029:notes"/>
-          <p:cNvSpPr txBox="1">
-            <a:spLocks noGrp="1"/>
-          </p:cNvSpPr>
-          <p:nvPr>
-            <p:ph type="body" idx="1"/>
-          </p:nvPr>
-        </p:nvSpPr>
-        <p:spPr>
-          <a:xfrm>
-            <a:off x="685800" y="4343400"/>
-            <a:ext cx="5486400" cy="4114800"/>
-          </a:xfrm>
-          <a:prstGeom prst="rect">
-            <a:avLst/>
-          </a:prstGeom>
-        </p:spPr>
-        <p:txBody>
-          <a:bodyPr spcFirstLastPara="1" wrap="square" lIns="91425" tIns="91425" rIns="91425" bIns="91425" anchor="t" anchorCtr="0">
-            <a:noAutofit/>
-          </a:bodyPr>
-          <a:lstStyle/>
-          <a:p>
-            <a:pPr marL="0" lvl="0" indent="0" algn="l" rtl="0">
-              <a:spcBef>
-                <a:spcPts val="0"/>
-              </a:spcBef>
-              <a:spcAft>
-                <a:spcPts val="0"/>
-              </a:spcAft>
-              <a:buNone/>
-            </a:pPr>
-            <a:endParaRPr/>
-          </a:p>
-        </p:txBody>
-      </p:sp>
-    </p:spTree>
-    <p:extLst>
-      <p:ext uri="{BB962C8B-B14F-4D97-AF65-F5344CB8AC3E}">
-        <p14:creationId xmlns:p14="http://schemas.microsoft.com/office/powerpoint/2010/main" val="521829534"/>
-      </p:ext>
-    </p:extLst>
   </p:cSld>
   <p:clrMapOvr>
     <a:masterClrMapping/>
@@ -1462,7 +1469,7 @@
     </p:spTree>
     <p:extLst>
       <p:ext uri="{BB962C8B-B14F-4D97-AF65-F5344CB8AC3E}">
-        <p14:creationId xmlns:p14="http://schemas.microsoft.com/office/powerpoint/2010/main" val="3250674325"/>
+        <p14:creationId xmlns:p14="http://schemas.microsoft.com/office/powerpoint/2010/main" val="1677784485"/>
       </p:ext>
     </p:extLst>
   </p:cSld>
@@ -1571,6 +1578,224 @@
     </p:spTree>
     <p:extLst>
       <p:ext uri="{BB962C8B-B14F-4D97-AF65-F5344CB8AC3E}">
+        <p14:creationId xmlns:p14="http://schemas.microsoft.com/office/powerpoint/2010/main" val="521829534"/>
+      </p:ext>
+    </p:extLst>
+  </p:cSld>
+  <p:clrMapOvr>
+    <a:masterClrMapping/>
+  </p:clrMapOvr>
+</p:notes>
+</file>
+
+<file path=ppt/notesSlides/notesSlide17.xml><?xml version="1.0" encoding="utf-8"?>
+<p:notes xmlns:a="http://schemas.openxmlformats.org/drawingml/2006/main" xmlns:r="http://schemas.openxmlformats.org/officeDocument/2006/relationships" xmlns:p="http://schemas.openxmlformats.org/presentationml/2006/main" showMasterSp="0" showMasterPhAnim="0">
+  <p:cSld>
+    <p:spTree>
+      <p:nvGrpSpPr>
+        <p:cNvPr id="1" name="Shape 425"/>
+        <p:cNvGrpSpPr/>
+        <p:nvPr/>
+      </p:nvGrpSpPr>
+      <p:grpSpPr>
+        <a:xfrm>
+          <a:off x="0" y="0"/>
+          <a:ext cx="0" cy="0"/>
+          <a:chOff x="0" y="0"/>
+          <a:chExt cx="0" cy="0"/>
+        </a:xfrm>
+      </p:grpSpPr>
+      <p:sp>
+        <p:nvSpPr>
+          <p:cNvPr id="426" name="Google Shape;426;g35f391192_073:notes"/>
+          <p:cNvSpPr>
+            <a:spLocks noGrp="1" noRot="1" noChangeAspect="1"/>
+          </p:cNvSpPr>
+          <p:nvPr>
+            <p:ph type="sldImg" idx="2"/>
+          </p:nvPr>
+        </p:nvSpPr>
+        <p:spPr>
+          <a:xfrm>
+            <a:off x="381000" y="685800"/>
+            <a:ext cx="6096000" cy="3429000"/>
+          </a:xfrm>
+          <a:custGeom>
+            <a:avLst/>
+            <a:gdLst/>
+            <a:ahLst/>
+            <a:cxnLst/>
+            <a:rect l="l" t="t" r="r" b="b"/>
+            <a:pathLst>
+              <a:path w="120000" h="120000" extrusionOk="0">
+                <a:moveTo>
+                  <a:pt x="0" y="0"/>
+                </a:moveTo>
+                <a:lnTo>
+                  <a:pt x="120000" y="0"/>
+                </a:lnTo>
+                <a:lnTo>
+                  <a:pt x="120000" y="120000"/>
+                </a:lnTo>
+                <a:lnTo>
+                  <a:pt x="0" y="120000"/>
+                </a:lnTo>
+                <a:close/>
+              </a:path>
+            </a:pathLst>
+          </a:custGeom>
+        </p:spPr>
+      </p:sp>
+      <p:sp>
+        <p:nvSpPr>
+          <p:cNvPr id="427" name="Google Shape;427;g35f391192_073:notes"/>
+          <p:cNvSpPr txBox="1">
+            <a:spLocks noGrp="1"/>
+          </p:cNvSpPr>
+          <p:nvPr>
+            <p:ph type="body" idx="1"/>
+          </p:nvPr>
+        </p:nvSpPr>
+        <p:spPr>
+          <a:xfrm>
+            <a:off x="685800" y="4343400"/>
+            <a:ext cx="5486400" cy="4114800"/>
+          </a:xfrm>
+          <a:prstGeom prst="rect">
+            <a:avLst/>
+          </a:prstGeom>
+        </p:spPr>
+        <p:txBody>
+          <a:bodyPr spcFirstLastPara="1" wrap="square" lIns="91425" tIns="91425" rIns="91425" bIns="91425" anchor="t" anchorCtr="0">
+            <a:noAutofit/>
+          </a:bodyPr>
+          <a:lstStyle/>
+          <a:p>
+            <a:pPr marL="0" lvl="0" indent="0" algn="l" rtl="0">
+              <a:spcBef>
+                <a:spcPts val="0"/>
+              </a:spcBef>
+              <a:spcAft>
+                <a:spcPts val="0"/>
+              </a:spcAft>
+              <a:buNone/>
+            </a:pPr>
+            <a:endParaRPr/>
+          </a:p>
+        </p:txBody>
+      </p:sp>
+    </p:spTree>
+    <p:extLst>
+      <p:ext uri="{BB962C8B-B14F-4D97-AF65-F5344CB8AC3E}">
+        <p14:creationId xmlns:p14="http://schemas.microsoft.com/office/powerpoint/2010/main" val="3250674325"/>
+      </p:ext>
+    </p:extLst>
+  </p:cSld>
+  <p:clrMapOvr>
+    <a:masterClrMapping/>
+  </p:clrMapOvr>
+</p:notes>
+</file>
+
+<file path=ppt/notesSlides/notesSlide18.xml><?xml version="1.0" encoding="utf-8"?>
+<p:notes xmlns:a="http://schemas.openxmlformats.org/drawingml/2006/main" xmlns:r="http://schemas.openxmlformats.org/officeDocument/2006/relationships" xmlns:p="http://schemas.openxmlformats.org/presentationml/2006/main" showMasterSp="0" showMasterPhAnim="0">
+  <p:cSld>
+    <p:spTree>
+      <p:nvGrpSpPr>
+        <p:cNvPr id="1" name="Shape 355"/>
+        <p:cNvGrpSpPr/>
+        <p:nvPr/>
+      </p:nvGrpSpPr>
+      <p:grpSpPr>
+        <a:xfrm>
+          <a:off x="0" y="0"/>
+          <a:ext cx="0" cy="0"/>
+          <a:chOff x="0" y="0"/>
+          <a:chExt cx="0" cy="0"/>
+        </a:xfrm>
+      </p:grpSpPr>
+      <p:sp>
+        <p:nvSpPr>
+          <p:cNvPr id="356" name="Google Shape;356;g35f391192_029:notes"/>
+          <p:cNvSpPr>
+            <a:spLocks noGrp="1" noRot="1" noChangeAspect="1"/>
+          </p:cNvSpPr>
+          <p:nvPr>
+            <p:ph type="sldImg" idx="2"/>
+          </p:nvPr>
+        </p:nvSpPr>
+        <p:spPr>
+          <a:xfrm>
+            <a:off x="381000" y="685800"/>
+            <a:ext cx="6096000" cy="3429000"/>
+          </a:xfrm>
+          <a:custGeom>
+            <a:avLst/>
+            <a:gdLst/>
+            <a:ahLst/>
+            <a:cxnLst/>
+            <a:rect l="l" t="t" r="r" b="b"/>
+            <a:pathLst>
+              <a:path w="120000" h="120000" extrusionOk="0">
+                <a:moveTo>
+                  <a:pt x="0" y="0"/>
+                </a:moveTo>
+                <a:lnTo>
+                  <a:pt x="120000" y="0"/>
+                </a:lnTo>
+                <a:lnTo>
+                  <a:pt x="120000" y="120000"/>
+                </a:lnTo>
+                <a:lnTo>
+                  <a:pt x="0" y="120000"/>
+                </a:lnTo>
+                <a:close/>
+              </a:path>
+            </a:pathLst>
+          </a:custGeom>
+        </p:spPr>
+      </p:sp>
+      <p:sp>
+        <p:nvSpPr>
+          <p:cNvPr id="357" name="Google Shape;357;g35f391192_029:notes"/>
+          <p:cNvSpPr txBox="1">
+            <a:spLocks noGrp="1"/>
+          </p:cNvSpPr>
+          <p:nvPr>
+            <p:ph type="body" idx="1"/>
+          </p:nvPr>
+        </p:nvSpPr>
+        <p:spPr>
+          <a:xfrm>
+            <a:off x="685800" y="4343400"/>
+            <a:ext cx="5486400" cy="4114800"/>
+          </a:xfrm>
+          <a:prstGeom prst="rect">
+            <a:avLst/>
+          </a:prstGeom>
+        </p:spPr>
+        <p:txBody>
+          <a:bodyPr spcFirstLastPara="1" wrap="square" lIns="91425" tIns="91425" rIns="91425" bIns="91425" anchor="t" anchorCtr="0">
+            <a:noAutofit/>
+          </a:bodyPr>
+          <a:lstStyle/>
+          <a:p>
+            <a:pPr marL="0" lvl="0" indent="0" algn="l" rtl="0">
+              <a:spcBef>
+                <a:spcPts val="0"/>
+              </a:spcBef>
+              <a:spcAft>
+                <a:spcPts val="0"/>
+              </a:spcAft>
+              <a:buNone/>
+            </a:pPr>
+            <a:endParaRPr/>
+          </a:p>
+        </p:txBody>
+      </p:sp>
+    </p:spTree>
+    <p:extLst>
+      <p:ext uri="{BB962C8B-B14F-4D97-AF65-F5344CB8AC3E}">
         <p14:creationId xmlns:p14="http://schemas.microsoft.com/office/powerpoint/2010/main" val="3418478830"/>
       </p:ext>
     </p:extLst>
@@ -1581,7 +1806,7 @@
 </p:notes>
 </file>
 
-<file path=ppt/notesSlides/notesSlide17.xml><?xml version="1.0" encoding="utf-8"?>
+<file path=ppt/notesSlides/notesSlide19.xml><?xml version="1.0" encoding="utf-8"?>
 <p:notes xmlns:a="http://schemas.openxmlformats.org/drawingml/2006/main" xmlns:r="http://schemas.openxmlformats.org/officeDocument/2006/relationships" xmlns:p="http://schemas.openxmlformats.org/presentationml/2006/main" showMasterSp="0" showMasterPhAnim="0">
   <p:cSld>
     <p:spTree>
@@ -1903,6 +2128,110 @@
   <p:cSld>
     <p:spTree>
       <p:nvGrpSpPr>
+        <p:cNvPr id="1" name="Shape 355"/>
+        <p:cNvGrpSpPr/>
+        <p:nvPr/>
+      </p:nvGrpSpPr>
+      <p:grpSpPr>
+        <a:xfrm>
+          <a:off x="0" y="0"/>
+          <a:ext cx="0" cy="0"/>
+          <a:chOff x="0" y="0"/>
+          <a:chExt cx="0" cy="0"/>
+        </a:xfrm>
+      </p:grpSpPr>
+      <p:sp>
+        <p:nvSpPr>
+          <p:cNvPr id="356" name="Google Shape;356;g35f391192_029:notes"/>
+          <p:cNvSpPr>
+            <a:spLocks noGrp="1" noRot="1" noChangeAspect="1"/>
+          </p:cNvSpPr>
+          <p:nvPr>
+            <p:ph type="sldImg" idx="2"/>
+          </p:nvPr>
+        </p:nvSpPr>
+        <p:spPr>
+          <a:xfrm>
+            <a:off x="381000" y="685800"/>
+            <a:ext cx="6096000" cy="3429000"/>
+          </a:xfrm>
+          <a:custGeom>
+            <a:avLst/>
+            <a:gdLst/>
+            <a:ahLst/>
+            <a:cxnLst/>
+            <a:rect l="l" t="t" r="r" b="b"/>
+            <a:pathLst>
+              <a:path w="120000" h="120000" extrusionOk="0">
+                <a:moveTo>
+                  <a:pt x="0" y="0"/>
+                </a:moveTo>
+                <a:lnTo>
+                  <a:pt x="120000" y="0"/>
+                </a:lnTo>
+                <a:lnTo>
+                  <a:pt x="120000" y="120000"/>
+                </a:lnTo>
+                <a:lnTo>
+                  <a:pt x="0" y="120000"/>
+                </a:lnTo>
+                <a:close/>
+              </a:path>
+            </a:pathLst>
+          </a:custGeom>
+        </p:spPr>
+      </p:sp>
+      <p:sp>
+        <p:nvSpPr>
+          <p:cNvPr id="357" name="Google Shape;357;g35f391192_029:notes"/>
+          <p:cNvSpPr txBox="1">
+            <a:spLocks noGrp="1"/>
+          </p:cNvSpPr>
+          <p:nvPr>
+            <p:ph type="body" idx="1"/>
+          </p:nvPr>
+        </p:nvSpPr>
+        <p:spPr>
+          <a:xfrm>
+            <a:off x="685800" y="4343400"/>
+            <a:ext cx="5486400" cy="4114800"/>
+          </a:xfrm>
+          <a:prstGeom prst="rect">
+            <a:avLst/>
+          </a:prstGeom>
+        </p:spPr>
+        <p:txBody>
+          <a:bodyPr spcFirstLastPara="1" wrap="square" lIns="91425" tIns="91425" rIns="91425" bIns="91425" anchor="t" anchorCtr="0">
+            <a:noAutofit/>
+          </a:bodyPr>
+          <a:lstStyle/>
+          <a:p>
+            <a:pPr marL="0" lvl="0" indent="0" algn="l" rtl="0">
+              <a:spcBef>
+                <a:spcPts val="0"/>
+              </a:spcBef>
+              <a:spcAft>
+                <a:spcPts val="0"/>
+              </a:spcAft>
+              <a:buNone/>
+            </a:pPr>
+            <a:endParaRPr/>
+          </a:p>
+        </p:txBody>
+      </p:sp>
+    </p:spTree>
+  </p:cSld>
+  <p:clrMapOvr>
+    <a:masterClrMapping/>
+  </p:clrMapOvr>
+</p:notes>
+</file>
+
+<file path=ppt/notesSlides/notesSlide5.xml><?xml version="1.0" encoding="utf-8"?>
+<p:notes xmlns:a="http://schemas.openxmlformats.org/drawingml/2006/main" xmlns:r="http://schemas.openxmlformats.org/officeDocument/2006/relationships" xmlns:p="http://schemas.openxmlformats.org/presentationml/2006/main" showMasterSp="0" showMasterPhAnim="0">
+  <p:cSld>
+    <p:spTree>
+      <p:nvGrpSpPr>
         <p:cNvPr id="1" name="Shape 530"/>
         <p:cNvGrpSpPr/>
         <p:nvPr/>
@@ -2002,12 +2331,12 @@
 </p:notes>
 </file>
 
-<file path=ppt/notesSlides/notesSlide5.xml><?xml version="1.0" encoding="utf-8"?>
+<file path=ppt/notesSlides/notesSlide6.xml><?xml version="1.0" encoding="utf-8"?>
 <p:notes xmlns:a="http://schemas.openxmlformats.org/drawingml/2006/main" xmlns:r="http://schemas.openxmlformats.org/officeDocument/2006/relationships" xmlns:p="http://schemas.openxmlformats.org/presentationml/2006/main" showMasterSp="0" showMasterPhAnim="0">
   <p:cSld>
     <p:spTree>
       <p:nvGrpSpPr>
-        <p:cNvPr id="1" name="Shape 425"/>
+        <p:cNvPr id="1" name="Shape 355"/>
         <p:cNvGrpSpPr/>
         <p:nvPr/>
       </p:nvGrpSpPr>
@@ -2021,7 +2350,7 @@
       </p:grpSpPr>
       <p:sp>
         <p:nvSpPr>
-          <p:cNvPr id="426" name="Google Shape;426;g35f391192_073:notes"/>
+          <p:cNvPr id="356" name="Google Shape;356;g35f391192_029:notes"/>
           <p:cNvSpPr>
             <a:spLocks noGrp="1" noRot="1" noChangeAspect="1"/>
           </p:cNvSpPr>
@@ -2062,7 +2391,7 @@
       </p:sp>
       <p:sp>
         <p:nvSpPr>
-          <p:cNvPr id="427" name="Google Shape;427;g35f391192_073:notes"/>
+          <p:cNvPr id="357" name="Google Shape;357;g35f391192_029:notes"/>
           <p:cNvSpPr txBox="1">
             <a:spLocks noGrp="1"/>
           </p:cNvSpPr>
@@ -2101,116 +2430,7 @@
     </p:spTree>
     <p:extLst>
       <p:ext uri="{BB962C8B-B14F-4D97-AF65-F5344CB8AC3E}">
-        <p14:creationId xmlns:p14="http://schemas.microsoft.com/office/powerpoint/2010/main" val="1408424799"/>
-      </p:ext>
-    </p:extLst>
-  </p:cSld>
-  <p:clrMapOvr>
-    <a:masterClrMapping/>
-  </p:clrMapOvr>
-</p:notes>
-</file>
-
-<file path=ppt/notesSlides/notesSlide6.xml><?xml version="1.0" encoding="utf-8"?>
-<p:notes xmlns:a="http://schemas.openxmlformats.org/drawingml/2006/main" xmlns:r="http://schemas.openxmlformats.org/officeDocument/2006/relationships" xmlns:p="http://schemas.openxmlformats.org/presentationml/2006/main" showMasterSp="0" showMasterPhAnim="0">
-  <p:cSld>
-    <p:spTree>
-      <p:nvGrpSpPr>
-        <p:cNvPr id="1" name="Shape 425"/>
-        <p:cNvGrpSpPr/>
-        <p:nvPr/>
-      </p:nvGrpSpPr>
-      <p:grpSpPr>
-        <a:xfrm>
-          <a:off x="0" y="0"/>
-          <a:ext cx="0" cy="0"/>
-          <a:chOff x="0" y="0"/>
-          <a:chExt cx="0" cy="0"/>
-        </a:xfrm>
-      </p:grpSpPr>
-      <p:sp>
-        <p:nvSpPr>
-          <p:cNvPr id="426" name="Google Shape;426;g35f391192_073:notes"/>
-          <p:cNvSpPr>
-            <a:spLocks noGrp="1" noRot="1" noChangeAspect="1"/>
-          </p:cNvSpPr>
-          <p:nvPr>
-            <p:ph type="sldImg" idx="2"/>
-          </p:nvPr>
-        </p:nvSpPr>
-        <p:spPr>
-          <a:xfrm>
-            <a:off x="381000" y="685800"/>
-            <a:ext cx="6096000" cy="3429000"/>
-          </a:xfrm>
-          <a:custGeom>
-            <a:avLst/>
-            <a:gdLst/>
-            <a:ahLst/>
-            <a:cxnLst/>
-            <a:rect l="l" t="t" r="r" b="b"/>
-            <a:pathLst>
-              <a:path w="120000" h="120000" extrusionOk="0">
-                <a:moveTo>
-                  <a:pt x="0" y="0"/>
-                </a:moveTo>
-                <a:lnTo>
-                  <a:pt x="120000" y="0"/>
-                </a:lnTo>
-                <a:lnTo>
-                  <a:pt x="120000" y="120000"/>
-                </a:lnTo>
-                <a:lnTo>
-                  <a:pt x="0" y="120000"/>
-                </a:lnTo>
-                <a:close/>
-              </a:path>
-            </a:pathLst>
-          </a:custGeom>
-        </p:spPr>
-      </p:sp>
-      <p:sp>
-        <p:nvSpPr>
-          <p:cNvPr id="427" name="Google Shape;427;g35f391192_073:notes"/>
-          <p:cNvSpPr txBox="1">
-            <a:spLocks noGrp="1"/>
-          </p:cNvSpPr>
-          <p:nvPr>
-            <p:ph type="body" idx="1"/>
-          </p:nvPr>
-        </p:nvSpPr>
-        <p:spPr>
-          <a:xfrm>
-            <a:off x="685800" y="4343400"/>
-            <a:ext cx="5486400" cy="4114800"/>
-          </a:xfrm>
-          <a:prstGeom prst="rect">
-            <a:avLst/>
-          </a:prstGeom>
-        </p:spPr>
-        <p:txBody>
-          <a:bodyPr spcFirstLastPara="1" wrap="square" lIns="91425" tIns="91425" rIns="91425" bIns="91425" anchor="t" anchorCtr="0">
-            <a:noAutofit/>
-          </a:bodyPr>
-          <a:lstStyle/>
-          <a:p>
-            <a:pPr marL="0" lvl="0" indent="0" algn="l" rtl="0">
-              <a:spcBef>
-                <a:spcPts val="0"/>
-              </a:spcBef>
-              <a:spcAft>
-                <a:spcPts val="0"/>
-              </a:spcAft>
-              <a:buNone/>
-            </a:pPr>
-            <a:endParaRPr/>
-          </a:p>
-        </p:txBody>
-      </p:sp>
-    </p:spTree>
-    <p:extLst>
-      <p:ext uri="{BB962C8B-B14F-4D97-AF65-F5344CB8AC3E}">
-        <p14:creationId xmlns:p14="http://schemas.microsoft.com/office/powerpoint/2010/main" val="3214615284"/>
+        <p14:creationId xmlns:p14="http://schemas.microsoft.com/office/powerpoint/2010/main" val="4194452361"/>
       </p:ext>
     </p:extLst>
   </p:cSld>
@@ -2319,7 +2539,7 @@
     </p:spTree>
     <p:extLst>
       <p:ext uri="{BB962C8B-B14F-4D97-AF65-F5344CB8AC3E}">
-        <p14:creationId xmlns:p14="http://schemas.microsoft.com/office/powerpoint/2010/main" val="3341296684"/>
+        <p14:creationId xmlns:p14="http://schemas.microsoft.com/office/powerpoint/2010/main" val="1408424799"/>
       </p:ext>
     </p:extLst>
   </p:cSld>
@@ -2428,7 +2648,7 @@
     </p:spTree>
     <p:extLst>
       <p:ext uri="{BB962C8B-B14F-4D97-AF65-F5344CB8AC3E}">
-        <p14:creationId xmlns:p14="http://schemas.microsoft.com/office/powerpoint/2010/main" val="3520798096"/>
+        <p14:creationId xmlns:p14="http://schemas.microsoft.com/office/powerpoint/2010/main" val="3214615284"/>
       </p:ext>
     </p:extLst>
   </p:cSld>
@@ -2443,7 +2663,7 @@
   <p:cSld>
     <p:spTree>
       <p:nvGrpSpPr>
-        <p:cNvPr id="1" name="Shape 368"/>
+        <p:cNvPr id="1" name="Shape 425"/>
         <p:cNvGrpSpPr/>
         <p:nvPr/>
       </p:nvGrpSpPr>
@@ -2457,7 +2677,7 @@
       </p:grpSpPr>
       <p:sp>
         <p:nvSpPr>
-          <p:cNvPr id="369" name="Google Shape;369;p:notes"/>
+          <p:cNvPr id="426" name="Google Shape;426;g35f391192_073:notes"/>
           <p:cNvSpPr>
             <a:spLocks noGrp="1" noRot="1" noChangeAspect="1"/>
           </p:cNvSpPr>
@@ -2498,7 +2718,7 @@
       </p:sp>
       <p:sp>
         <p:nvSpPr>
-          <p:cNvPr id="370" name="Google Shape;370;p:notes"/>
+          <p:cNvPr id="427" name="Google Shape;427;g35f391192_073:notes"/>
           <p:cNvSpPr txBox="1">
             <a:spLocks noGrp="1"/>
           </p:cNvSpPr>
@@ -2537,7 +2757,7 @@
     </p:spTree>
     <p:extLst>
       <p:ext uri="{BB962C8B-B14F-4D97-AF65-F5344CB8AC3E}">
-        <p14:creationId xmlns:p14="http://schemas.microsoft.com/office/powerpoint/2010/main" val="3721442685"/>
+        <p14:creationId xmlns:p14="http://schemas.microsoft.com/office/powerpoint/2010/main" val="3341296684"/>
       </p:ext>
     </p:extLst>
   </p:cSld>
@@ -23079,6 +23299,393 @@
   <p:cSld>
     <p:spTree>
       <p:nvGrpSpPr>
+        <p:cNvPr id="1" name="Shape 428"/>
+        <p:cNvGrpSpPr/>
+        <p:nvPr/>
+      </p:nvGrpSpPr>
+      <p:grpSpPr>
+        <a:xfrm>
+          <a:off x="0" y="0"/>
+          <a:ext cx="0" cy="0"/>
+          <a:chOff x="0" y="0"/>
+          <a:chExt cx="0" cy="0"/>
+        </a:xfrm>
+      </p:grpSpPr>
+      <p:sp>
+        <p:nvSpPr>
+          <p:cNvPr id="430" name="Google Shape;430;p22"/>
+          <p:cNvSpPr txBox="1">
+            <a:spLocks noGrp="1"/>
+          </p:cNvSpPr>
+          <p:nvPr>
+            <p:ph type="title" idx="4294967295"/>
+          </p:nvPr>
+        </p:nvSpPr>
+        <p:spPr>
+          <a:xfrm>
+            <a:off x="1730150" y="821757"/>
+            <a:ext cx="5798631" cy="645300"/>
+          </a:xfrm>
+          <a:prstGeom prst="rect">
+            <a:avLst/>
+          </a:prstGeom>
+        </p:spPr>
+        <p:txBody>
+          <a:bodyPr spcFirstLastPara="1" wrap="square" lIns="91425" tIns="91425" rIns="91425" bIns="91425" anchor="b" anchorCtr="0">
+            <a:noAutofit/>
+          </a:bodyPr>
+          <a:lstStyle/>
+          <a:p>
+            <a:pPr marL="0" lvl="0" indent="0" algn="l" rtl="0">
+              <a:spcBef>
+                <a:spcPts val="0"/>
+              </a:spcBef>
+              <a:spcAft>
+                <a:spcPts val="0"/>
+              </a:spcAft>
+              <a:buNone/>
+            </a:pPr>
+            <a:r>
+              <a:rPr lang="en-US" dirty="0"/>
+              <a:t>Como </a:t>
+            </a:r>
+            <a:r>
+              <a:rPr lang="en-US" dirty="0" err="1"/>
+              <a:t>abstrair</a:t>
+            </a:r>
+            <a:r>
+              <a:rPr lang="en-US" dirty="0"/>
+              <a:t> </a:t>
+            </a:r>
+            <a:r>
+              <a:rPr lang="en-US" dirty="0" err="1"/>
+              <a:t>isso</a:t>
+            </a:r>
+            <a:r>
+              <a:rPr lang="en-US" dirty="0"/>
+              <a:t> ? </a:t>
+            </a:r>
+            <a:endParaRPr dirty="0"/>
+          </a:p>
+        </p:txBody>
+      </p:sp>
+      <p:sp>
+        <p:nvSpPr>
+          <p:cNvPr id="433" name="Google Shape;433;p22"/>
+          <p:cNvSpPr txBox="1">
+            <a:spLocks noGrp="1"/>
+          </p:cNvSpPr>
+          <p:nvPr>
+            <p:ph type="sldNum" idx="12"/>
+          </p:nvPr>
+        </p:nvSpPr>
+        <p:spPr>
+          <a:xfrm>
+            <a:off x="13557" y="4785525"/>
+            <a:ext cx="548700" cy="357900"/>
+          </a:xfrm>
+          <a:prstGeom prst="rect">
+            <a:avLst/>
+          </a:prstGeom>
+        </p:spPr>
+        <p:txBody>
+          <a:bodyPr spcFirstLastPara="1" wrap="square" lIns="91425" tIns="91425" rIns="91425" bIns="91425" anchor="t" anchorCtr="0">
+            <a:noAutofit/>
+          </a:bodyPr>
+          <a:lstStyle/>
+          <a:p>
+            <a:pPr marL="0" lvl="0" indent="0" algn="l" rtl="0">
+              <a:spcBef>
+                <a:spcPts val="0"/>
+              </a:spcBef>
+              <a:spcAft>
+                <a:spcPts val="0"/>
+              </a:spcAft>
+              <a:buNone/>
+            </a:pPr>
+            <a:fld id="{00000000-1234-1234-1234-123412341234}" type="slidenum">
+              <a:rPr lang="en"/>
+              <a:t>10</a:t>
+            </a:fld>
+            <a:endParaRPr/>
+          </a:p>
+        </p:txBody>
+      </p:sp>
+      <p:pic>
+        <p:nvPicPr>
+          <p:cNvPr id="4" name="Imagem 3">
+            <a:extLst>
+              <a:ext uri="{FF2B5EF4-FFF2-40B4-BE49-F238E27FC236}">
+                <a16:creationId xmlns:a16="http://schemas.microsoft.com/office/drawing/2014/main" id="{60840D8C-D7A6-4B49-9F47-64E3E9EC4D69}"/>
+              </a:ext>
+            </a:extLst>
+          </p:cNvPr>
+          <p:cNvPicPr>
+            <a:picLocks noChangeAspect="1"/>
+          </p:cNvPicPr>
+          <p:nvPr/>
+        </p:nvPicPr>
+        <p:blipFill>
+          <a:blip r:embed="rId3"/>
+          <a:stretch>
+            <a:fillRect/>
+          </a:stretch>
+        </p:blipFill>
+        <p:spPr>
+          <a:xfrm>
+            <a:off x="1321541" y="1598900"/>
+            <a:ext cx="5971860" cy="2999741"/>
+          </a:xfrm>
+          <a:prstGeom prst="rect">
+            <a:avLst/>
+          </a:prstGeom>
+        </p:spPr>
+      </p:pic>
+    </p:spTree>
+    <p:extLst>
+      <p:ext uri="{BB962C8B-B14F-4D97-AF65-F5344CB8AC3E}">
+        <p14:creationId xmlns:p14="http://schemas.microsoft.com/office/powerpoint/2010/main" val="405942519"/>
+      </p:ext>
+    </p:extLst>
+  </p:cSld>
+  <p:clrMapOvr>
+    <a:masterClrMapping/>
+  </p:clrMapOvr>
+  <p:timing>
+    <p:tnLst>
+      <p:par>
+        <p:cTn id="1" dur="indefinite" restart="never" nodeType="tmRoot">
+          <p:childTnLst>
+            <p:seq concurrent="1" nextAc="seek">
+              <p:cTn id="2" dur="indefinite" nodeType="mainSeq">
+                <p:childTnLst>
+                  <p:par>
+                    <p:cTn id="3" fill="hold">
+                      <p:stCondLst>
+                        <p:cond delay="indefinite"/>
+                      </p:stCondLst>
+                      <p:childTnLst>
+                        <p:par>
+                          <p:cTn id="4" fill="hold">
+                            <p:stCondLst>
+                              <p:cond delay="0"/>
+                            </p:stCondLst>
+                            <p:childTnLst>
+                              <p:par>
+                                <p:cTn id="5" presetID="14" presetClass="entr" presetSubtype="10" fill="hold" nodeType="clickEffect">
+                                  <p:stCondLst>
+                                    <p:cond delay="0"/>
+                                  </p:stCondLst>
+                                  <p:childTnLst>
+                                    <p:set>
+                                      <p:cBhvr>
+                                        <p:cTn id="6" dur="1" fill="hold">
+                                          <p:stCondLst>
+                                            <p:cond delay="0"/>
+                                          </p:stCondLst>
+                                        </p:cTn>
+                                        <p:tgtEl>
+                                          <p:spTgt spid="4"/>
+                                        </p:tgtEl>
+                                        <p:attrNameLst>
+                                          <p:attrName>style.visibility</p:attrName>
+                                        </p:attrNameLst>
+                                      </p:cBhvr>
+                                      <p:to>
+                                        <p:strVal val="visible"/>
+                                      </p:to>
+                                    </p:set>
+                                    <p:animEffect transition="in" filter="randombar(horizontal)">
+                                      <p:cBhvr>
+                                        <p:cTn id="7" dur="750"/>
+                                        <p:tgtEl>
+                                          <p:spTgt spid="4"/>
+                                        </p:tgtEl>
+                                      </p:cBhvr>
+                                    </p:animEffect>
+                                  </p:childTnLst>
+                                </p:cTn>
+                              </p:par>
+                            </p:childTnLst>
+                          </p:cTn>
+                        </p:par>
+                      </p:childTnLst>
+                    </p:cTn>
+                  </p:par>
+                </p:childTnLst>
+              </p:cTn>
+              <p:prevCondLst>
+                <p:cond evt="onPrev" delay="0">
+                  <p:tgtEl>
+                    <p:sldTgt/>
+                  </p:tgtEl>
+                </p:cond>
+              </p:prevCondLst>
+              <p:nextCondLst>
+                <p:cond evt="onNext" delay="0">
+                  <p:tgtEl>
+                    <p:sldTgt/>
+                  </p:tgtEl>
+                </p:cond>
+              </p:nextCondLst>
+            </p:seq>
+          </p:childTnLst>
+        </p:cTn>
+      </p:par>
+    </p:tnLst>
+  </p:timing>
+</p:sld>
+</file>
+
+<file path=ppt/slides/slide11.xml><?xml version="1.0" encoding="utf-8"?>
+<p:sld xmlns:a="http://schemas.openxmlformats.org/drawingml/2006/main" xmlns:r="http://schemas.openxmlformats.org/officeDocument/2006/relationships" xmlns:p="http://schemas.openxmlformats.org/presentationml/2006/main">
+  <p:cSld>
+    <p:spTree>
+      <p:nvGrpSpPr>
+        <p:cNvPr id="1" name="Shape 371"/>
+        <p:cNvGrpSpPr/>
+        <p:nvPr/>
+      </p:nvGrpSpPr>
+      <p:grpSpPr>
+        <a:xfrm>
+          <a:off x="0" y="0"/>
+          <a:ext cx="0" cy="0"/>
+          <a:chOff x="0" y="0"/>
+          <a:chExt cx="0" cy="0"/>
+        </a:xfrm>
+      </p:grpSpPr>
+      <p:sp>
+        <p:nvSpPr>
+          <p:cNvPr id="372" name="Google Shape;372;p16"/>
+          <p:cNvSpPr txBox="1">
+            <a:spLocks noGrp="1"/>
+          </p:cNvSpPr>
+          <p:nvPr>
+            <p:ph type="title"/>
+          </p:nvPr>
+        </p:nvSpPr>
+        <p:spPr>
+          <a:xfrm>
+            <a:off x="2099850" y="954688"/>
+            <a:ext cx="4944300" cy="645300"/>
+          </a:xfrm>
+          <a:prstGeom prst="rect">
+            <a:avLst/>
+          </a:prstGeom>
+        </p:spPr>
+        <p:txBody>
+          <a:bodyPr spcFirstLastPara="1" wrap="square" lIns="91425" tIns="91425" rIns="91425" bIns="91425" anchor="b" anchorCtr="0">
+            <a:noAutofit/>
+          </a:bodyPr>
+          <a:lstStyle/>
+          <a:p>
+            <a:pPr marL="0" lvl="0" indent="0" algn="l" rtl="0">
+              <a:spcBef>
+                <a:spcPts val="0"/>
+              </a:spcBef>
+              <a:spcAft>
+                <a:spcPts val="0"/>
+              </a:spcAft>
+              <a:buNone/>
+            </a:pPr>
+            <a:r>
+              <a:rPr lang="en-US" dirty="0"/>
+              <a:t>Hubs</a:t>
+            </a:r>
+            <a:endParaRPr dirty="0"/>
+          </a:p>
+        </p:txBody>
+      </p:sp>
+      <p:sp>
+        <p:nvSpPr>
+          <p:cNvPr id="374" name="Google Shape;374;p16"/>
+          <p:cNvSpPr txBox="1">
+            <a:spLocks noGrp="1"/>
+          </p:cNvSpPr>
+          <p:nvPr>
+            <p:ph type="sldNum" idx="12"/>
+          </p:nvPr>
+        </p:nvSpPr>
+        <p:spPr>
+          <a:xfrm>
+            <a:off x="13557" y="4785525"/>
+            <a:ext cx="548700" cy="357900"/>
+          </a:xfrm>
+          <a:prstGeom prst="rect">
+            <a:avLst/>
+          </a:prstGeom>
+        </p:spPr>
+        <p:txBody>
+          <a:bodyPr spcFirstLastPara="1" wrap="square" lIns="91425" tIns="91425" rIns="91425" bIns="91425" anchor="t" anchorCtr="0">
+            <a:noAutofit/>
+          </a:bodyPr>
+          <a:lstStyle/>
+          <a:p>
+            <a:pPr marL="0" lvl="0" indent="0" algn="l" rtl="0">
+              <a:spcBef>
+                <a:spcPts val="0"/>
+              </a:spcBef>
+              <a:spcAft>
+                <a:spcPts val="0"/>
+              </a:spcAft>
+              <a:buNone/>
+            </a:pPr>
+            <a:fld id="{00000000-1234-1234-1234-123412341234}" type="slidenum">
+              <a:rPr lang="en"/>
+              <a:t>11</a:t>
+            </a:fld>
+            <a:endParaRPr/>
+          </a:p>
+        </p:txBody>
+      </p:sp>
+      <p:pic>
+        <p:nvPicPr>
+          <p:cNvPr id="5" name="Imagem 4">
+            <a:extLst>
+              <a:ext uri="{FF2B5EF4-FFF2-40B4-BE49-F238E27FC236}">
+                <a16:creationId xmlns:a16="http://schemas.microsoft.com/office/drawing/2014/main" id="{6CA7F25E-7DA9-4BD5-A5D2-2F0B936224D1}"/>
+              </a:ext>
+            </a:extLst>
+          </p:cNvPr>
+          <p:cNvPicPr>
+            <a:picLocks noChangeAspect="1"/>
+          </p:cNvPicPr>
+          <p:nvPr/>
+        </p:nvPicPr>
+        <p:blipFill>
+          <a:blip r:embed="rId3"/>
+          <a:stretch>
+            <a:fillRect/>
+          </a:stretch>
+        </p:blipFill>
+        <p:spPr>
+          <a:xfrm>
+            <a:off x="2634850" y="1968400"/>
+            <a:ext cx="2886478" cy="2581635"/>
+          </a:xfrm>
+          <a:prstGeom prst="rect">
+            <a:avLst/>
+          </a:prstGeom>
+        </p:spPr>
+      </p:pic>
+    </p:spTree>
+    <p:extLst>
+      <p:ext uri="{BB962C8B-B14F-4D97-AF65-F5344CB8AC3E}">
+        <p14:creationId xmlns:p14="http://schemas.microsoft.com/office/powerpoint/2010/main" val="3909053737"/>
+      </p:ext>
+    </p:extLst>
+  </p:cSld>
+  <p:clrMapOvr>
+    <a:masterClrMapping/>
+  </p:clrMapOvr>
+</p:sld>
+</file>
+
+<file path=ppt/slides/slide12.xml><?xml version="1.0" encoding="utf-8"?>
+<p:sld xmlns:a="http://schemas.openxmlformats.org/drawingml/2006/main" xmlns:r="http://schemas.openxmlformats.org/officeDocument/2006/relationships" xmlns:p="http://schemas.openxmlformats.org/presentationml/2006/main">
+  <p:cSld>
+    <p:spTree>
+      <p:nvGrpSpPr>
         <p:cNvPr id="1" name="Shape 371"/>
         <p:cNvGrpSpPr/>
         <p:nvPr/>
@@ -23265,7 +23872,7 @@
             </a:pPr>
             <a:fld id="{00000000-1234-1234-1234-123412341234}" type="slidenum">
               <a:rPr lang="en"/>
-              <a:t>10</a:t>
+              <a:t>12</a:t>
             </a:fld>
             <a:endParaRPr/>
           </a:p>
@@ -23284,7 +23891,7 @@
 </p:sld>
 </file>
 
-<file path=ppt/slides/slide11.xml><?xml version="1.0" encoding="utf-8"?>
+<file path=ppt/slides/slide13.xml><?xml version="1.0" encoding="utf-8"?>
 <p:sld xmlns:a="http://schemas.openxmlformats.org/drawingml/2006/main" xmlns:r="http://schemas.openxmlformats.org/officeDocument/2006/relationships" xmlns:p="http://schemas.openxmlformats.org/presentationml/2006/main">
   <p:cSld>
     <p:spTree>
@@ -23398,6 +24005,11 @@
         </p:txBody>
       </p:sp>
     </p:spTree>
+    <p:extLst>
+      <p:ext uri="{BB962C8B-B14F-4D97-AF65-F5344CB8AC3E}">
+        <p14:creationId xmlns:p14="http://schemas.microsoft.com/office/powerpoint/2010/main" val="74843095"/>
+      </p:ext>
+    </p:extLst>
   </p:cSld>
   <p:clrMapOvr>
     <a:masterClrMapping/>
@@ -23405,7 +24017,7 @@
 </p:sld>
 </file>
 
-<file path=ppt/slides/slide12.xml><?xml version="1.0" encoding="utf-8"?>
+<file path=ppt/slides/slide14.xml><?xml version="1.0" encoding="utf-8"?>
 <p:sld xmlns:a="http://schemas.openxmlformats.org/drawingml/2006/main" xmlns:r="http://schemas.openxmlformats.org/officeDocument/2006/relationships" xmlns:p="http://schemas.openxmlformats.org/presentationml/2006/main">
   <p:cSld>
     <p:spTree>
@@ -23508,7 +24120,7 @@
             </a:pPr>
             <a:fld id="{00000000-1234-1234-1234-123412341234}" type="slidenum">
               <a:rPr lang="en"/>
-              <a:t>12</a:t>
+              <a:t>14</a:t>
             </a:fld>
             <a:endParaRPr/>
           </a:p>
@@ -23846,7 +24458,7 @@
 </p:sld>
 </file>
 
-<file path=ppt/slides/slide13.xml><?xml version="1.0" encoding="utf-8"?>
+<file path=ppt/slides/slide15.xml><?xml version="1.0" encoding="utf-8"?>
 <p:sld xmlns:a="http://schemas.openxmlformats.org/drawingml/2006/main" xmlns:r="http://schemas.openxmlformats.org/officeDocument/2006/relationships" xmlns:p="http://schemas.openxmlformats.org/presentationml/2006/main">
   <p:cSld>
     <p:spTree>
@@ -23898,10 +24510,10 @@
               <a:buNone/>
             </a:pPr>
             <a:r>
-              <a:rPr lang="en-US" b="1" dirty="0"/>
+              <a:rPr lang="en-US" dirty="0"/>
               <a:t>Redis Backplane</a:t>
             </a:r>
-            <a:endParaRPr b="1" dirty="0"/>
+            <a:endParaRPr dirty="0"/>
           </a:p>
         </p:txBody>
       </p:sp>
@@ -23941,7 +24553,7 @@
             </a:pPr>
             <a:fld id="{00000000-1234-1234-1234-123412341234}" type="slidenum">
               <a:rPr lang="en"/>
-              <a:t>13</a:t>
+              <a:t>15</a:t>
             </a:fld>
             <a:endParaRPr/>
           </a:p>
@@ -23981,282 +24593,6 @@
     <p:extLst>
       <p:ext uri="{BB962C8B-B14F-4D97-AF65-F5344CB8AC3E}">
         <p14:creationId xmlns:p14="http://schemas.microsoft.com/office/powerpoint/2010/main" val="3257483473"/>
-      </p:ext>
-    </p:extLst>
-  </p:cSld>
-  <p:clrMapOvr>
-    <a:masterClrMapping/>
-  </p:clrMapOvr>
-</p:sld>
-</file>
-
-<file path=ppt/slides/slide14.xml><?xml version="1.0" encoding="utf-8"?>
-<p:sld xmlns:a="http://schemas.openxmlformats.org/drawingml/2006/main" xmlns:r="http://schemas.openxmlformats.org/officeDocument/2006/relationships" xmlns:p="http://schemas.openxmlformats.org/presentationml/2006/main">
-  <p:cSld>
-    <p:spTree>
-      <p:nvGrpSpPr>
-        <p:cNvPr id="1" name="Shape 358"/>
-        <p:cNvGrpSpPr/>
-        <p:nvPr/>
-      </p:nvGrpSpPr>
-      <p:grpSpPr>
-        <a:xfrm>
-          <a:off x="0" y="0"/>
-          <a:ext cx="0" cy="0"/>
-          <a:chOff x="0" y="0"/>
-          <a:chExt cx="0" cy="0"/>
-        </a:xfrm>
-      </p:grpSpPr>
-      <p:sp>
-        <p:nvSpPr>
-          <p:cNvPr id="359" name="Google Shape;359;p14"/>
-          <p:cNvSpPr txBox="1">
-            <a:spLocks noGrp="1"/>
-          </p:cNvSpPr>
-          <p:nvPr>
-            <p:ph type="ctrTitle"/>
-          </p:nvPr>
-        </p:nvSpPr>
-        <p:spPr>
-          <a:xfrm>
-            <a:off x="2990155" y="2142891"/>
-            <a:ext cx="5638800" cy="1159800"/>
-          </a:xfrm>
-          <a:prstGeom prst="rect">
-            <a:avLst/>
-          </a:prstGeom>
-        </p:spPr>
-        <p:txBody>
-          <a:bodyPr spcFirstLastPara="1" wrap="square" lIns="91425" tIns="91425" rIns="91425" bIns="91425" anchor="b" anchorCtr="0">
-            <a:noAutofit/>
-          </a:bodyPr>
-          <a:lstStyle/>
-          <a:p>
-            <a:pPr marL="0" lvl="0" indent="0" algn="l" rtl="0">
-              <a:spcBef>
-                <a:spcPts val="0"/>
-              </a:spcBef>
-              <a:spcAft>
-                <a:spcPts val="0"/>
-              </a:spcAft>
-              <a:buNone/>
-            </a:pPr>
-            <a:r>
-              <a:rPr lang="en-US" sz="8800" b="1" dirty="0"/>
-              <a:t>DEMO</a:t>
-            </a:r>
-            <a:endParaRPr sz="8800" b="1" dirty="0"/>
-          </a:p>
-        </p:txBody>
-      </p:sp>
-      <p:sp>
-        <p:nvSpPr>
-          <p:cNvPr id="361" name="Google Shape;361;p14"/>
-          <p:cNvSpPr txBox="1"/>
-          <p:nvPr/>
-        </p:nvSpPr>
-        <p:spPr>
-          <a:xfrm>
-            <a:off x="409575" y="1676400"/>
-            <a:ext cx="2067000" cy="1771800"/>
-          </a:xfrm>
-          <a:prstGeom prst="rect">
-            <a:avLst/>
-          </a:prstGeom>
-          <a:noFill/>
-          <a:ln>
-            <a:noFill/>
-          </a:ln>
-        </p:spPr>
-        <p:txBody>
-          <a:bodyPr spcFirstLastPara="1" wrap="square" lIns="91425" tIns="91425" rIns="91425" bIns="91425" anchor="ctr" anchorCtr="0">
-            <a:noAutofit/>
-          </a:bodyPr>
-          <a:lstStyle/>
-          <a:p>
-            <a:pPr marL="0" lvl="0" indent="0" algn="ctr" rtl="0">
-              <a:spcBef>
-                <a:spcPts val="0"/>
-              </a:spcBef>
-              <a:spcAft>
-                <a:spcPts val="0"/>
-              </a:spcAft>
-              <a:buNone/>
-            </a:pPr>
-            <a:r>
-              <a:rPr lang="en" sz="4800" b="1" dirty="0">
-                <a:solidFill>
-                  <a:srgbClr val="FFFFFF"/>
-                </a:solidFill>
-                <a:latin typeface="Nixie One"/>
-                <a:sym typeface="Nixie One"/>
-              </a:rPr>
-              <a:t>2</a:t>
-            </a:r>
-            <a:endParaRPr b="1" dirty="0">
-              <a:solidFill>
-                <a:srgbClr val="FFFFFF"/>
-              </a:solidFill>
-            </a:endParaRPr>
-          </a:p>
-        </p:txBody>
-      </p:sp>
-    </p:spTree>
-    <p:extLst>
-      <p:ext uri="{BB962C8B-B14F-4D97-AF65-F5344CB8AC3E}">
-        <p14:creationId xmlns:p14="http://schemas.microsoft.com/office/powerpoint/2010/main" val="2118364153"/>
-      </p:ext>
-    </p:extLst>
-  </p:cSld>
-  <p:clrMapOvr>
-    <a:masterClrMapping/>
-  </p:clrMapOvr>
-</p:sld>
-</file>
-
-<file path=ppt/slides/slide15.xml><?xml version="1.0" encoding="utf-8"?>
-<p:sld xmlns:a="http://schemas.openxmlformats.org/drawingml/2006/main" xmlns:r="http://schemas.openxmlformats.org/officeDocument/2006/relationships" xmlns:p="http://schemas.openxmlformats.org/presentationml/2006/main">
-  <p:cSld>
-    <p:spTree>
-      <p:nvGrpSpPr>
-        <p:cNvPr id="1" name="Shape 428"/>
-        <p:cNvGrpSpPr/>
-        <p:nvPr/>
-      </p:nvGrpSpPr>
-      <p:grpSpPr>
-        <a:xfrm>
-          <a:off x="0" y="0"/>
-          <a:ext cx="0" cy="0"/>
-          <a:chOff x="0" y="0"/>
-          <a:chExt cx="0" cy="0"/>
-        </a:xfrm>
-      </p:grpSpPr>
-      <p:sp>
-        <p:nvSpPr>
-          <p:cNvPr id="430" name="Google Shape;430;p22"/>
-          <p:cNvSpPr txBox="1">
-            <a:spLocks noGrp="1"/>
-          </p:cNvSpPr>
-          <p:nvPr>
-            <p:ph type="title" idx="4294967295"/>
-          </p:nvPr>
-        </p:nvSpPr>
-        <p:spPr>
-          <a:xfrm>
-            <a:off x="1612560" y="801734"/>
-            <a:ext cx="6269968" cy="645300"/>
-          </a:xfrm>
-          <a:prstGeom prst="rect">
-            <a:avLst/>
-          </a:prstGeom>
-        </p:spPr>
-        <p:txBody>
-          <a:bodyPr spcFirstLastPara="1" wrap="square" lIns="91425" tIns="91425" rIns="91425" bIns="91425" anchor="b" anchorCtr="0">
-            <a:noAutofit/>
-          </a:bodyPr>
-          <a:lstStyle/>
-          <a:p>
-            <a:pPr marL="0" lvl="0" indent="0" algn="l" rtl="0">
-              <a:spcBef>
-                <a:spcPts val="0"/>
-              </a:spcBef>
-              <a:spcAft>
-                <a:spcPts val="0"/>
-              </a:spcAft>
-              <a:buNone/>
-            </a:pPr>
-            <a:r>
-              <a:rPr lang="en-US" b="1" dirty="0"/>
-              <a:t>Azure </a:t>
-            </a:r>
-            <a:r>
-              <a:rPr lang="en-US" b="1" dirty="0" err="1"/>
-              <a:t>SignalR</a:t>
-            </a:r>
-            <a:r>
-              <a:rPr lang="en-US" b="1" dirty="0"/>
-              <a:t> Services</a:t>
-            </a:r>
-            <a:endParaRPr b="1" dirty="0"/>
-          </a:p>
-        </p:txBody>
-      </p:sp>
-      <p:sp>
-        <p:nvSpPr>
-          <p:cNvPr id="433" name="Google Shape;433;p22"/>
-          <p:cNvSpPr txBox="1">
-            <a:spLocks noGrp="1"/>
-          </p:cNvSpPr>
-          <p:nvPr>
-            <p:ph type="sldNum" idx="12"/>
-          </p:nvPr>
-        </p:nvSpPr>
-        <p:spPr>
-          <a:xfrm>
-            <a:off x="13557" y="4785525"/>
-            <a:ext cx="548700" cy="357900"/>
-          </a:xfrm>
-          <a:prstGeom prst="rect">
-            <a:avLst/>
-          </a:prstGeom>
-        </p:spPr>
-        <p:txBody>
-          <a:bodyPr spcFirstLastPara="1" wrap="square" lIns="91425" tIns="91425" rIns="91425" bIns="91425" anchor="t" anchorCtr="0">
-            <a:noAutofit/>
-          </a:bodyPr>
-          <a:lstStyle/>
-          <a:p>
-            <a:pPr marL="0" lvl="0" indent="0" algn="l" rtl="0">
-              <a:spcBef>
-                <a:spcPts val="0"/>
-              </a:spcBef>
-              <a:spcAft>
-                <a:spcPts val="0"/>
-              </a:spcAft>
-              <a:buNone/>
-            </a:pPr>
-            <a:fld id="{00000000-1234-1234-1234-123412341234}" type="slidenum">
-              <a:rPr lang="en"/>
-              <a:t>15</a:t>
-            </a:fld>
-            <a:endParaRPr/>
-          </a:p>
-        </p:txBody>
-      </p:sp>
-      <p:pic>
-        <p:nvPicPr>
-          <p:cNvPr id="6" name="Imagem 5">
-            <a:extLst>
-              <a:ext uri="{FF2B5EF4-FFF2-40B4-BE49-F238E27FC236}">
-                <a16:creationId xmlns:a16="http://schemas.microsoft.com/office/drawing/2014/main" id="{42F35C6F-2D2E-4B69-BEC1-A8A537698F99}"/>
-              </a:ext>
-            </a:extLst>
-          </p:cNvPr>
-          <p:cNvPicPr>
-            <a:picLocks noChangeAspect="1"/>
-          </p:cNvPicPr>
-          <p:nvPr/>
-        </p:nvPicPr>
-        <p:blipFill>
-          <a:blip r:embed="rId3"/>
-          <a:stretch>
-            <a:fillRect/>
-          </a:stretch>
-        </p:blipFill>
-        <p:spPr>
-          <a:xfrm>
-            <a:off x="1728787" y="1828664"/>
-            <a:ext cx="5686425" cy="2076450"/>
-          </a:xfrm>
-          <a:prstGeom prst="rect">
-            <a:avLst/>
-          </a:prstGeom>
-        </p:spPr>
-      </p:pic>
-    </p:spTree>
-    <p:extLst>
-      <p:ext uri="{BB962C8B-B14F-4D97-AF65-F5344CB8AC3E}">
-        <p14:creationId xmlns:p14="http://schemas.microsoft.com/office/powerpoint/2010/main" val="1876427296"/>
       </p:ext>
     </p:extLst>
   </p:cSld>
@@ -24367,6 +24703,282 @@
                 <a:latin typeface="Nixie One"/>
                 <a:sym typeface="Nixie One"/>
               </a:rPr>
+              <a:t>2</a:t>
+            </a:r>
+            <a:endParaRPr b="1" dirty="0">
+              <a:solidFill>
+                <a:srgbClr val="FFFFFF"/>
+              </a:solidFill>
+            </a:endParaRPr>
+          </a:p>
+        </p:txBody>
+      </p:sp>
+    </p:spTree>
+    <p:extLst>
+      <p:ext uri="{BB962C8B-B14F-4D97-AF65-F5344CB8AC3E}">
+        <p14:creationId xmlns:p14="http://schemas.microsoft.com/office/powerpoint/2010/main" val="2118364153"/>
+      </p:ext>
+    </p:extLst>
+  </p:cSld>
+  <p:clrMapOvr>
+    <a:masterClrMapping/>
+  </p:clrMapOvr>
+</p:sld>
+</file>
+
+<file path=ppt/slides/slide17.xml><?xml version="1.0" encoding="utf-8"?>
+<p:sld xmlns:a="http://schemas.openxmlformats.org/drawingml/2006/main" xmlns:r="http://schemas.openxmlformats.org/officeDocument/2006/relationships" xmlns:p="http://schemas.openxmlformats.org/presentationml/2006/main">
+  <p:cSld>
+    <p:spTree>
+      <p:nvGrpSpPr>
+        <p:cNvPr id="1" name="Shape 428"/>
+        <p:cNvGrpSpPr/>
+        <p:nvPr/>
+      </p:nvGrpSpPr>
+      <p:grpSpPr>
+        <a:xfrm>
+          <a:off x="0" y="0"/>
+          <a:ext cx="0" cy="0"/>
+          <a:chOff x="0" y="0"/>
+          <a:chExt cx="0" cy="0"/>
+        </a:xfrm>
+      </p:grpSpPr>
+      <p:sp>
+        <p:nvSpPr>
+          <p:cNvPr id="430" name="Google Shape;430;p22"/>
+          <p:cNvSpPr txBox="1">
+            <a:spLocks noGrp="1"/>
+          </p:cNvSpPr>
+          <p:nvPr>
+            <p:ph type="title" idx="4294967295"/>
+          </p:nvPr>
+        </p:nvSpPr>
+        <p:spPr>
+          <a:xfrm>
+            <a:off x="1612560" y="801734"/>
+            <a:ext cx="6269968" cy="645300"/>
+          </a:xfrm>
+          <a:prstGeom prst="rect">
+            <a:avLst/>
+          </a:prstGeom>
+        </p:spPr>
+        <p:txBody>
+          <a:bodyPr spcFirstLastPara="1" wrap="square" lIns="91425" tIns="91425" rIns="91425" bIns="91425" anchor="b" anchorCtr="0">
+            <a:noAutofit/>
+          </a:bodyPr>
+          <a:lstStyle/>
+          <a:p>
+            <a:pPr marL="0" lvl="0" indent="0" algn="l" rtl="0">
+              <a:spcBef>
+                <a:spcPts val="0"/>
+              </a:spcBef>
+              <a:spcAft>
+                <a:spcPts val="0"/>
+              </a:spcAft>
+              <a:buNone/>
+            </a:pPr>
+            <a:r>
+              <a:rPr lang="en-US" dirty="0"/>
+              <a:t>Azure </a:t>
+            </a:r>
+            <a:r>
+              <a:rPr lang="en-US" dirty="0" err="1"/>
+              <a:t>SignalR</a:t>
+            </a:r>
+            <a:r>
+              <a:rPr lang="en-US" dirty="0"/>
+              <a:t> Services</a:t>
+            </a:r>
+            <a:endParaRPr dirty="0"/>
+          </a:p>
+        </p:txBody>
+      </p:sp>
+      <p:sp>
+        <p:nvSpPr>
+          <p:cNvPr id="433" name="Google Shape;433;p22"/>
+          <p:cNvSpPr txBox="1">
+            <a:spLocks noGrp="1"/>
+          </p:cNvSpPr>
+          <p:nvPr>
+            <p:ph type="sldNum" idx="12"/>
+          </p:nvPr>
+        </p:nvSpPr>
+        <p:spPr>
+          <a:xfrm>
+            <a:off x="13557" y="4785525"/>
+            <a:ext cx="548700" cy="357900"/>
+          </a:xfrm>
+          <a:prstGeom prst="rect">
+            <a:avLst/>
+          </a:prstGeom>
+        </p:spPr>
+        <p:txBody>
+          <a:bodyPr spcFirstLastPara="1" wrap="square" lIns="91425" tIns="91425" rIns="91425" bIns="91425" anchor="t" anchorCtr="0">
+            <a:noAutofit/>
+          </a:bodyPr>
+          <a:lstStyle/>
+          <a:p>
+            <a:pPr marL="0" lvl="0" indent="0" algn="l" rtl="0">
+              <a:spcBef>
+                <a:spcPts val="0"/>
+              </a:spcBef>
+              <a:spcAft>
+                <a:spcPts val="0"/>
+              </a:spcAft>
+              <a:buNone/>
+            </a:pPr>
+            <a:fld id="{00000000-1234-1234-1234-123412341234}" type="slidenum">
+              <a:rPr lang="en"/>
+              <a:t>17</a:t>
+            </a:fld>
+            <a:endParaRPr/>
+          </a:p>
+        </p:txBody>
+      </p:sp>
+      <p:pic>
+        <p:nvPicPr>
+          <p:cNvPr id="6" name="Imagem 5">
+            <a:extLst>
+              <a:ext uri="{FF2B5EF4-FFF2-40B4-BE49-F238E27FC236}">
+                <a16:creationId xmlns:a16="http://schemas.microsoft.com/office/drawing/2014/main" id="{42F35C6F-2D2E-4B69-BEC1-A8A537698F99}"/>
+              </a:ext>
+            </a:extLst>
+          </p:cNvPr>
+          <p:cNvPicPr>
+            <a:picLocks noChangeAspect="1"/>
+          </p:cNvPicPr>
+          <p:nvPr/>
+        </p:nvPicPr>
+        <p:blipFill>
+          <a:blip r:embed="rId3"/>
+          <a:stretch>
+            <a:fillRect/>
+          </a:stretch>
+        </p:blipFill>
+        <p:spPr>
+          <a:xfrm>
+            <a:off x="1728787" y="1828664"/>
+            <a:ext cx="5686425" cy="2076450"/>
+          </a:xfrm>
+          <a:prstGeom prst="rect">
+            <a:avLst/>
+          </a:prstGeom>
+        </p:spPr>
+      </p:pic>
+    </p:spTree>
+    <p:extLst>
+      <p:ext uri="{BB962C8B-B14F-4D97-AF65-F5344CB8AC3E}">
+        <p14:creationId xmlns:p14="http://schemas.microsoft.com/office/powerpoint/2010/main" val="1876427296"/>
+      </p:ext>
+    </p:extLst>
+  </p:cSld>
+  <p:clrMapOvr>
+    <a:masterClrMapping/>
+  </p:clrMapOvr>
+</p:sld>
+</file>
+
+<file path=ppt/slides/slide18.xml><?xml version="1.0" encoding="utf-8"?>
+<p:sld xmlns:a="http://schemas.openxmlformats.org/drawingml/2006/main" xmlns:r="http://schemas.openxmlformats.org/officeDocument/2006/relationships" xmlns:p="http://schemas.openxmlformats.org/presentationml/2006/main">
+  <p:cSld>
+    <p:spTree>
+      <p:nvGrpSpPr>
+        <p:cNvPr id="1" name="Shape 358"/>
+        <p:cNvGrpSpPr/>
+        <p:nvPr/>
+      </p:nvGrpSpPr>
+      <p:grpSpPr>
+        <a:xfrm>
+          <a:off x="0" y="0"/>
+          <a:ext cx="0" cy="0"/>
+          <a:chOff x="0" y="0"/>
+          <a:chExt cx="0" cy="0"/>
+        </a:xfrm>
+      </p:grpSpPr>
+      <p:sp>
+        <p:nvSpPr>
+          <p:cNvPr id="359" name="Google Shape;359;p14"/>
+          <p:cNvSpPr txBox="1">
+            <a:spLocks noGrp="1"/>
+          </p:cNvSpPr>
+          <p:nvPr>
+            <p:ph type="ctrTitle"/>
+          </p:nvPr>
+        </p:nvSpPr>
+        <p:spPr>
+          <a:xfrm>
+            <a:off x="2990155" y="2142891"/>
+            <a:ext cx="5638800" cy="1159800"/>
+          </a:xfrm>
+          <a:prstGeom prst="rect">
+            <a:avLst/>
+          </a:prstGeom>
+        </p:spPr>
+        <p:txBody>
+          <a:bodyPr spcFirstLastPara="1" wrap="square" lIns="91425" tIns="91425" rIns="91425" bIns="91425" anchor="b" anchorCtr="0">
+            <a:noAutofit/>
+          </a:bodyPr>
+          <a:lstStyle/>
+          <a:p>
+            <a:pPr marL="0" lvl="0" indent="0" algn="l" rtl="0">
+              <a:spcBef>
+                <a:spcPts val="0"/>
+              </a:spcBef>
+              <a:spcAft>
+                <a:spcPts val="0"/>
+              </a:spcAft>
+              <a:buNone/>
+            </a:pPr>
+            <a:r>
+              <a:rPr lang="en-US" sz="8800" b="1" dirty="0"/>
+              <a:t>DEMO</a:t>
+            </a:r>
+            <a:endParaRPr sz="8800" b="1" dirty="0"/>
+          </a:p>
+        </p:txBody>
+      </p:sp>
+      <p:sp>
+        <p:nvSpPr>
+          <p:cNvPr id="361" name="Google Shape;361;p14"/>
+          <p:cNvSpPr txBox="1"/>
+          <p:nvPr/>
+        </p:nvSpPr>
+        <p:spPr>
+          <a:xfrm>
+            <a:off x="409575" y="1676400"/>
+            <a:ext cx="2067000" cy="1771800"/>
+          </a:xfrm>
+          <a:prstGeom prst="rect">
+            <a:avLst/>
+          </a:prstGeom>
+          <a:noFill/>
+          <a:ln>
+            <a:noFill/>
+          </a:ln>
+        </p:spPr>
+        <p:txBody>
+          <a:bodyPr spcFirstLastPara="1" wrap="square" lIns="91425" tIns="91425" rIns="91425" bIns="91425" anchor="ctr" anchorCtr="0">
+            <a:noAutofit/>
+          </a:bodyPr>
+          <a:lstStyle/>
+          <a:p>
+            <a:pPr marL="0" lvl="0" indent="0" algn="ctr" rtl="0">
+              <a:spcBef>
+                <a:spcPts val="0"/>
+              </a:spcBef>
+              <a:spcAft>
+                <a:spcPts val="0"/>
+              </a:spcAft>
+              <a:buNone/>
+            </a:pPr>
+            <a:r>
+              <a:rPr lang="en" sz="4800" b="1" dirty="0">
+                <a:solidFill>
+                  <a:srgbClr val="FFFFFF"/>
+                </a:solidFill>
+                <a:latin typeface="Nixie One"/>
+                <a:sym typeface="Nixie One"/>
+              </a:rPr>
               <a:t>3</a:t>
             </a:r>
             <a:endParaRPr b="1" dirty="0">
@@ -24390,7 +25002,7 @@
 </p:sld>
 </file>
 
-<file path=ppt/slides/slide17.xml><?xml version="1.0" encoding="utf-8"?>
+<file path=ppt/slides/slide19.xml><?xml version="1.0" encoding="utf-8"?>
 <p:sld xmlns:a="http://schemas.openxmlformats.org/drawingml/2006/main" xmlns:r="http://schemas.openxmlformats.org/officeDocument/2006/relationships" xmlns:p="http://schemas.openxmlformats.org/presentationml/2006/main">
   <p:cSld>
     <p:spTree>
@@ -24624,7 +25236,7 @@
             </a:pPr>
             <a:fld id="{00000000-1234-1234-1234-123412341234}" type="slidenum">
               <a:rPr lang="en"/>
-              <a:t>17</a:t>
+              <a:t>19</a:t>
             </a:fld>
             <a:endParaRPr/>
           </a:p>
@@ -24764,7 +25376,7 @@
         </p:nvSpPr>
         <p:spPr>
           <a:xfrm>
-            <a:off x="3045792" y="1799549"/>
+            <a:off x="3045792" y="1806223"/>
             <a:ext cx="4802776" cy="2461500"/>
           </a:xfrm>
           <a:prstGeom prst="rect">
@@ -25273,10 +25885,1187 @@
   <p:clrMapOvr>
     <a:masterClrMapping/>
   </p:clrMapOvr>
+  <p:timing>
+    <p:tnLst>
+      <p:par>
+        <p:cTn id="1" dur="indefinite" restart="never" nodeType="tmRoot">
+          <p:childTnLst>
+            <p:seq concurrent="1" nextAc="seek">
+              <p:cTn id="2" dur="indefinite" nodeType="mainSeq">
+                <p:childTnLst>
+                  <p:par>
+                    <p:cTn id="3" fill="hold">
+                      <p:stCondLst>
+                        <p:cond delay="indefinite"/>
+                      </p:stCondLst>
+                      <p:childTnLst>
+                        <p:par>
+                          <p:cTn id="4" fill="hold">
+                            <p:stCondLst>
+                              <p:cond delay="0"/>
+                            </p:stCondLst>
+                            <p:childTnLst>
+                              <p:par>
+                                <p:cTn id="5" presetID="42" presetClass="entr" presetSubtype="0" fill="hold" grpId="0" nodeType="clickEffect">
+                                  <p:stCondLst>
+                                    <p:cond delay="0"/>
+                                  </p:stCondLst>
+                                  <p:childTnLst>
+                                    <p:set>
+                                      <p:cBhvr>
+                                        <p:cTn id="6" dur="1" fill="hold">
+                                          <p:stCondLst>
+                                            <p:cond delay="0"/>
+                                          </p:stCondLst>
+                                        </p:cTn>
+                                        <p:tgtEl>
+                                          <p:spTgt spid="373">
+                                            <p:txEl>
+                                              <p:pRg st="0" end="0"/>
+                                            </p:txEl>
+                                          </p:spTgt>
+                                        </p:tgtEl>
+                                        <p:attrNameLst>
+                                          <p:attrName>style.visibility</p:attrName>
+                                        </p:attrNameLst>
+                                      </p:cBhvr>
+                                      <p:to>
+                                        <p:strVal val="visible"/>
+                                      </p:to>
+                                    </p:set>
+                                    <p:animEffect transition="in" filter="fade">
+                                      <p:cBhvr>
+                                        <p:cTn id="7" dur="500"/>
+                                        <p:tgtEl>
+                                          <p:spTgt spid="373">
+                                            <p:txEl>
+                                              <p:pRg st="0" end="0"/>
+                                            </p:txEl>
+                                          </p:spTgt>
+                                        </p:tgtEl>
+                                      </p:cBhvr>
+                                    </p:animEffect>
+                                    <p:anim calcmode="lin" valueType="num">
+                                      <p:cBhvr>
+                                        <p:cTn id="8" dur="500" fill="hold"/>
+                                        <p:tgtEl>
+                                          <p:spTgt spid="373">
+                                            <p:txEl>
+                                              <p:pRg st="0" end="0"/>
+                                            </p:txEl>
+                                          </p:spTgt>
+                                        </p:tgtEl>
+                                        <p:attrNameLst>
+                                          <p:attrName>ppt_x</p:attrName>
+                                        </p:attrNameLst>
+                                      </p:cBhvr>
+                                      <p:tavLst>
+                                        <p:tav tm="0">
+                                          <p:val>
+                                            <p:strVal val="#ppt_x"/>
+                                          </p:val>
+                                        </p:tav>
+                                        <p:tav tm="100000">
+                                          <p:val>
+                                            <p:strVal val="#ppt_x"/>
+                                          </p:val>
+                                        </p:tav>
+                                      </p:tavLst>
+                                    </p:anim>
+                                    <p:anim calcmode="lin" valueType="num">
+                                      <p:cBhvr>
+                                        <p:cTn id="9" dur="500" fill="hold"/>
+                                        <p:tgtEl>
+                                          <p:spTgt spid="373">
+                                            <p:txEl>
+                                              <p:pRg st="0" end="0"/>
+                                            </p:txEl>
+                                          </p:spTgt>
+                                        </p:tgtEl>
+                                        <p:attrNameLst>
+                                          <p:attrName>ppt_y</p:attrName>
+                                        </p:attrNameLst>
+                                      </p:cBhvr>
+                                      <p:tavLst>
+                                        <p:tav tm="0">
+                                          <p:val>
+                                            <p:strVal val="#ppt_y+.1"/>
+                                          </p:val>
+                                        </p:tav>
+                                        <p:tav tm="100000">
+                                          <p:val>
+                                            <p:strVal val="#ppt_y"/>
+                                          </p:val>
+                                        </p:tav>
+                                      </p:tavLst>
+                                    </p:anim>
+                                  </p:childTnLst>
+                                </p:cTn>
+                              </p:par>
+                            </p:childTnLst>
+                          </p:cTn>
+                        </p:par>
+                      </p:childTnLst>
+                    </p:cTn>
+                  </p:par>
+                  <p:par>
+                    <p:cTn id="10" fill="hold">
+                      <p:stCondLst>
+                        <p:cond delay="indefinite"/>
+                      </p:stCondLst>
+                      <p:childTnLst>
+                        <p:par>
+                          <p:cTn id="11" fill="hold">
+                            <p:stCondLst>
+                              <p:cond delay="0"/>
+                            </p:stCondLst>
+                            <p:childTnLst>
+                              <p:par>
+                                <p:cTn id="12" presetID="42" presetClass="entr" presetSubtype="0" fill="hold" grpId="0" nodeType="clickEffect">
+                                  <p:stCondLst>
+                                    <p:cond delay="0"/>
+                                  </p:stCondLst>
+                                  <p:childTnLst>
+                                    <p:set>
+                                      <p:cBhvr>
+                                        <p:cTn id="13" dur="1" fill="hold">
+                                          <p:stCondLst>
+                                            <p:cond delay="0"/>
+                                          </p:stCondLst>
+                                        </p:cTn>
+                                        <p:tgtEl>
+                                          <p:spTgt spid="373">
+                                            <p:txEl>
+                                              <p:pRg st="1" end="1"/>
+                                            </p:txEl>
+                                          </p:spTgt>
+                                        </p:tgtEl>
+                                        <p:attrNameLst>
+                                          <p:attrName>style.visibility</p:attrName>
+                                        </p:attrNameLst>
+                                      </p:cBhvr>
+                                      <p:to>
+                                        <p:strVal val="visible"/>
+                                      </p:to>
+                                    </p:set>
+                                    <p:animEffect transition="in" filter="fade">
+                                      <p:cBhvr>
+                                        <p:cTn id="14" dur="500"/>
+                                        <p:tgtEl>
+                                          <p:spTgt spid="373">
+                                            <p:txEl>
+                                              <p:pRg st="1" end="1"/>
+                                            </p:txEl>
+                                          </p:spTgt>
+                                        </p:tgtEl>
+                                      </p:cBhvr>
+                                    </p:animEffect>
+                                    <p:anim calcmode="lin" valueType="num">
+                                      <p:cBhvr>
+                                        <p:cTn id="15" dur="500" fill="hold"/>
+                                        <p:tgtEl>
+                                          <p:spTgt spid="373">
+                                            <p:txEl>
+                                              <p:pRg st="1" end="1"/>
+                                            </p:txEl>
+                                          </p:spTgt>
+                                        </p:tgtEl>
+                                        <p:attrNameLst>
+                                          <p:attrName>ppt_x</p:attrName>
+                                        </p:attrNameLst>
+                                      </p:cBhvr>
+                                      <p:tavLst>
+                                        <p:tav tm="0">
+                                          <p:val>
+                                            <p:strVal val="#ppt_x"/>
+                                          </p:val>
+                                        </p:tav>
+                                        <p:tav tm="100000">
+                                          <p:val>
+                                            <p:strVal val="#ppt_x"/>
+                                          </p:val>
+                                        </p:tav>
+                                      </p:tavLst>
+                                    </p:anim>
+                                    <p:anim calcmode="lin" valueType="num">
+                                      <p:cBhvr>
+                                        <p:cTn id="16" dur="500" fill="hold"/>
+                                        <p:tgtEl>
+                                          <p:spTgt spid="373">
+                                            <p:txEl>
+                                              <p:pRg st="1" end="1"/>
+                                            </p:txEl>
+                                          </p:spTgt>
+                                        </p:tgtEl>
+                                        <p:attrNameLst>
+                                          <p:attrName>ppt_y</p:attrName>
+                                        </p:attrNameLst>
+                                      </p:cBhvr>
+                                      <p:tavLst>
+                                        <p:tav tm="0">
+                                          <p:val>
+                                            <p:strVal val="#ppt_y+.1"/>
+                                          </p:val>
+                                        </p:tav>
+                                        <p:tav tm="100000">
+                                          <p:val>
+                                            <p:strVal val="#ppt_y"/>
+                                          </p:val>
+                                        </p:tav>
+                                      </p:tavLst>
+                                    </p:anim>
+                                  </p:childTnLst>
+                                </p:cTn>
+                              </p:par>
+                            </p:childTnLst>
+                          </p:cTn>
+                        </p:par>
+                      </p:childTnLst>
+                    </p:cTn>
+                  </p:par>
+                  <p:par>
+                    <p:cTn id="17" fill="hold">
+                      <p:stCondLst>
+                        <p:cond delay="indefinite"/>
+                      </p:stCondLst>
+                      <p:childTnLst>
+                        <p:par>
+                          <p:cTn id="18" fill="hold">
+                            <p:stCondLst>
+                              <p:cond delay="0"/>
+                            </p:stCondLst>
+                            <p:childTnLst>
+                              <p:par>
+                                <p:cTn id="19" presetID="42" presetClass="entr" presetSubtype="0" fill="hold" grpId="0" nodeType="clickEffect">
+                                  <p:stCondLst>
+                                    <p:cond delay="0"/>
+                                  </p:stCondLst>
+                                  <p:childTnLst>
+                                    <p:set>
+                                      <p:cBhvr>
+                                        <p:cTn id="20" dur="1" fill="hold">
+                                          <p:stCondLst>
+                                            <p:cond delay="0"/>
+                                          </p:stCondLst>
+                                        </p:cTn>
+                                        <p:tgtEl>
+                                          <p:spTgt spid="373">
+                                            <p:txEl>
+                                              <p:pRg st="2" end="2"/>
+                                            </p:txEl>
+                                          </p:spTgt>
+                                        </p:tgtEl>
+                                        <p:attrNameLst>
+                                          <p:attrName>style.visibility</p:attrName>
+                                        </p:attrNameLst>
+                                      </p:cBhvr>
+                                      <p:to>
+                                        <p:strVal val="visible"/>
+                                      </p:to>
+                                    </p:set>
+                                    <p:animEffect transition="in" filter="fade">
+                                      <p:cBhvr>
+                                        <p:cTn id="21" dur="500"/>
+                                        <p:tgtEl>
+                                          <p:spTgt spid="373">
+                                            <p:txEl>
+                                              <p:pRg st="2" end="2"/>
+                                            </p:txEl>
+                                          </p:spTgt>
+                                        </p:tgtEl>
+                                      </p:cBhvr>
+                                    </p:animEffect>
+                                    <p:anim calcmode="lin" valueType="num">
+                                      <p:cBhvr>
+                                        <p:cTn id="22" dur="500" fill="hold"/>
+                                        <p:tgtEl>
+                                          <p:spTgt spid="373">
+                                            <p:txEl>
+                                              <p:pRg st="2" end="2"/>
+                                            </p:txEl>
+                                          </p:spTgt>
+                                        </p:tgtEl>
+                                        <p:attrNameLst>
+                                          <p:attrName>ppt_x</p:attrName>
+                                        </p:attrNameLst>
+                                      </p:cBhvr>
+                                      <p:tavLst>
+                                        <p:tav tm="0">
+                                          <p:val>
+                                            <p:strVal val="#ppt_x"/>
+                                          </p:val>
+                                        </p:tav>
+                                        <p:tav tm="100000">
+                                          <p:val>
+                                            <p:strVal val="#ppt_x"/>
+                                          </p:val>
+                                        </p:tav>
+                                      </p:tavLst>
+                                    </p:anim>
+                                    <p:anim calcmode="lin" valueType="num">
+                                      <p:cBhvr>
+                                        <p:cTn id="23" dur="500" fill="hold"/>
+                                        <p:tgtEl>
+                                          <p:spTgt spid="373">
+                                            <p:txEl>
+                                              <p:pRg st="2" end="2"/>
+                                            </p:txEl>
+                                          </p:spTgt>
+                                        </p:tgtEl>
+                                        <p:attrNameLst>
+                                          <p:attrName>ppt_y</p:attrName>
+                                        </p:attrNameLst>
+                                      </p:cBhvr>
+                                      <p:tavLst>
+                                        <p:tav tm="0">
+                                          <p:val>
+                                            <p:strVal val="#ppt_y+.1"/>
+                                          </p:val>
+                                        </p:tav>
+                                        <p:tav tm="100000">
+                                          <p:val>
+                                            <p:strVal val="#ppt_y"/>
+                                          </p:val>
+                                        </p:tav>
+                                      </p:tavLst>
+                                    </p:anim>
+                                  </p:childTnLst>
+                                </p:cTn>
+                              </p:par>
+                            </p:childTnLst>
+                          </p:cTn>
+                        </p:par>
+                      </p:childTnLst>
+                    </p:cTn>
+                  </p:par>
+                  <p:par>
+                    <p:cTn id="24" fill="hold">
+                      <p:stCondLst>
+                        <p:cond delay="indefinite"/>
+                      </p:stCondLst>
+                      <p:childTnLst>
+                        <p:par>
+                          <p:cTn id="25" fill="hold">
+                            <p:stCondLst>
+                              <p:cond delay="0"/>
+                            </p:stCondLst>
+                            <p:childTnLst>
+                              <p:par>
+                                <p:cTn id="26" presetID="42" presetClass="entr" presetSubtype="0" fill="hold" grpId="0" nodeType="clickEffect">
+                                  <p:stCondLst>
+                                    <p:cond delay="0"/>
+                                  </p:stCondLst>
+                                  <p:childTnLst>
+                                    <p:set>
+                                      <p:cBhvr>
+                                        <p:cTn id="27" dur="1" fill="hold">
+                                          <p:stCondLst>
+                                            <p:cond delay="0"/>
+                                          </p:stCondLst>
+                                        </p:cTn>
+                                        <p:tgtEl>
+                                          <p:spTgt spid="373">
+                                            <p:txEl>
+                                              <p:pRg st="3" end="3"/>
+                                            </p:txEl>
+                                          </p:spTgt>
+                                        </p:tgtEl>
+                                        <p:attrNameLst>
+                                          <p:attrName>style.visibility</p:attrName>
+                                        </p:attrNameLst>
+                                      </p:cBhvr>
+                                      <p:to>
+                                        <p:strVal val="visible"/>
+                                      </p:to>
+                                    </p:set>
+                                    <p:animEffect transition="in" filter="fade">
+                                      <p:cBhvr>
+                                        <p:cTn id="28" dur="500"/>
+                                        <p:tgtEl>
+                                          <p:spTgt spid="373">
+                                            <p:txEl>
+                                              <p:pRg st="3" end="3"/>
+                                            </p:txEl>
+                                          </p:spTgt>
+                                        </p:tgtEl>
+                                      </p:cBhvr>
+                                    </p:animEffect>
+                                    <p:anim calcmode="lin" valueType="num">
+                                      <p:cBhvr>
+                                        <p:cTn id="29" dur="500" fill="hold"/>
+                                        <p:tgtEl>
+                                          <p:spTgt spid="373">
+                                            <p:txEl>
+                                              <p:pRg st="3" end="3"/>
+                                            </p:txEl>
+                                          </p:spTgt>
+                                        </p:tgtEl>
+                                        <p:attrNameLst>
+                                          <p:attrName>ppt_x</p:attrName>
+                                        </p:attrNameLst>
+                                      </p:cBhvr>
+                                      <p:tavLst>
+                                        <p:tav tm="0">
+                                          <p:val>
+                                            <p:strVal val="#ppt_x"/>
+                                          </p:val>
+                                        </p:tav>
+                                        <p:tav tm="100000">
+                                          <p:val>
+                                            <p:strVal val="#ppt_x"/>
+                                          </p:val>
+                                        </p:tav>
+                                      </p:tavLst>
+                                    </p:anim>
+                                    <p:anim calcmode="lin" valueType="num">
+                                      <p:cBhvr>
+                                        <p:cTn id="30" dur="500" fill="hold"/>
+                                        <p:tgtEl>
+                                          <p:spTgt spid="373">
+                                            <p:txEl>
+                                              <p:pRg st="3" end="3"/>
+                                            </p:txEl>
+                                          </p:spTgt>
+                                        </p:tgtEl>
+                                        <p:attrNameLst>
+                                          <p:attrName>ppt_y</p:attrName>
+                                        </p:attrNameLst>
+                                      </p:cBhvr>
+                                      <p:tavLst>
+                                        <p:tav tm="0">
+                                          <p:val>
+                                            <p:strVal val="#ppt_y+.1"/>
+                                          </p:val>
+                                        </p:tav>
+                                        <p:tav tm="100000">
+                                          <p:val>
+                                            <p:strVal val="#ppt_y"/>
+                                          </p:val>
+                                        </p:tav>
+                                      </p:tavLst>
+                                    </p:anim>
+                                  </p:childTnLst>
+                                </p:cTn>
+                              </p:par>
+                            </p:childTnLst>
+                          </p:cTn>
+                        </p:par>
+                      </p:childTnLst>
+                    </p:cTn>
+                  </p:par>
+                  <p:par>
+                    <p:cTn id="31" fill="hold">
+                      <p:stCondLst>
+                        <p:cond delay="indefinite"/>
+                      </p:stCondLst>
+                      <p:childTnLst>
+                        <p:par>
+                          <p:cTn id="32" fill="hold">
+                            <p:stCondLst>
+                              <p:cond delay="0"/>
+                            </p:stCondLst>
+                            <p:childTnLst>
+                              <p:par>
+                                <p:cTn id="33" presetID="42" presetClass="entr" presetSubtype="0" fill="hold" grpId="0" nodeType="clickEffect">
+                                  <p:stCondLst>
+                                    <p:cond delay="0"/>
+                                  </p:stCondLst>
+                                  <p:childTnLst>
+                                    <p:set>
+                                      <p:cBhvr>
+                                        <p:cTn id="34" dur="1" fill="hold">
+                                          <p:stCondLst>
+                                            <p:cond delay="0"/>
+                                          </p:stCondLst>
+                                        </p:cTn>
+                                        <p:tgtEl>
+                                          <p:spTgt spid="373">
+                                            <p:txEl>
+                                              <p:pRg st="4" end="4"/>
+                                            </p:txEl>
+                                          </p:spTgt>
+                                        </p:tgtEl>
+                                        <p:attrNameLst>
+                                          <p:attrName>style.visibility</p:attrName>
+                                        </p:attrNameLst>
+                                      </p:cBhvr>
+                                      <p:to>
+                                        <p:strVal val="visible"/>
+                                      </p:to>
+                                    </p:set>
+                                    <p:animEffect transition="in" filter="fade">
+                                      <p:cBhvr>
+                                        <p:cTn id="35" dur="500"/>
+                                        <p:tgtEl>
+                                          <p:spTgt spid="373">
+                                            <p:txEl>
+                                              <p:pRg st="4" end="4"/>
+                                            </p:txEl>
+                                          </p:spTgt>
+                                        </p:tgtEl>
+                                      </p:cBhvr>
+                                    </p:animEffect>
+                                    <p:anim calcmode="lin" valueType="num">
+                                      <p:cBhvr>
+                                        <p:cTn id="36" dur="500" fill="hold"/>
+                                        <p:tgtEl>
+                                          <p:spTgt spid="373">
+                                            <p:txEl>
+                                              <p:pRg st="4" end="4"/>
+                                            </p:txEl>
+                                          </p:spTgt>
+                                        </p:tgtEl>
+                                        <p:attrNameLst>
+                                          <p:attrName>ppt_x</p:attrName>
+                                        </p:attrNameLst>
+                                      </p:cBhvr>
+                                      <p:tavLst>
+                                        <p:tav tm="0">
+                                          <p:val>
+                                            <p:strVal val="#ppt_x"/>
+                                          </p:val>
+                                        </p:tav>
+                                        <p:tav tm="100000">
+                                          <p:val>
+                                            <p:strVal val="#ppt_x"/>
+                                          </p:val>
+                                        </p:tav>
+                                      </p:tavLst>
+                                    </p:anim>
+                                    <p:anim calcmode="lin" valueType="num">
+                                      <p:cBhvr>
+                                        <p:cTn id="37" dur="500" fill="hold"/>
+                                        <p:tgtEl>
+                                          <p:spTgt spid="373">
+                                            <p:txEl>
+                                              <p:pRg st="4" end="4"/>
+                                            </p:txEl>
+                                          </p:spTgt>
+                                        </p:tgtEl>
+                                        <p:attrNameLst>
+                                          <p:attrName>ppt_y</p:attrName>
+                                        </p:attrNameLst>
+                                      </p:cBhvr>
+                                      <p:tavLst>
+                                        <p:tav tm="0">
+                                          <p:val>
+                                            <p:strVal val="#ppt_y+.1"/>
+                                          </p:val>
+                                        </p:tav>
+                                        <p:tav tm="100000">
+                                          <p:val>
+                                            <p:strVal val="#ppt_y"/>
+                                          </p:val>
+                                        </p:tav>
+                                      </p:tavLst>
+                                    </p:anim>
+                                  </p:childTnLst>
+                                </p:cTn>
+                              </p:par>
+                            </p:childTnLst>
+                          </p:cTn>
+                        </p:par>
+                      </p:childTnLst>
+                    </p:cTn>
+                  </p:par>
+                  <p:par>
+                    <p:cTn id="38" fill="hold">
+                      <p:stCondLst>
+                        <p:cond delay="indefinite"/>
+                      </p:stCondLst>
+                      <p:childTnLst>
+                        <p:par>
+                          <p:cTn id="39" fill="hold">
+                            <p:stCondLst>
+                              <p:cond delay="0"/>
+                            </p:stCondLst>
+                            <p:childTnLst>
+                              <p:par>
+                                <p:cTn id="40" presetID="42" presetClass="entr" presetSubtype="0" fill="hold" grpId="0" nodeType="clickEffect">
+                                  <p:stCondLst>
+                                    <p:cond delay="0"/>
+                                  </p:stCondLst>
+                                  <p:childTnLst>
+                                    <p:set>
+                                      <p:cBhvr>
+                                        <p:cTn id="41" dur="1" fill="hold">
+                                          <p:stCondLst>
+                                            <p:cond delay="0"/>
+                                          </p:stCondLst>
+                                        </p:cTn>
+                                        <p:tgtEl>
+                                          <p:spTgt spid="373">
+                                            <p:txEl>
+                                              <p:pRg st="5" end="5"/>
+                                            </p:txEl>
+                                          </p:spTgt>
+                                        </p:tgtEl>
+                                        <p:attrNameLst>
+                                          <p:attrName>style.visibility</p:attrName>
+                                        </p:attrNameLst>
+                                      </p:cBhvr>
+                                      <p:to>
+                                        <p:strVal val="visible"/>
+                                      </p:to>
+                                    </p:set>
+                                    <p:animEffect transition="in" filter="fade">
+                                      <p:cBhvr>
+                                        <p:cTn id="42" dur="500"/>
+                                        <p:tgtEl>
+                                          <p:spTgt spid="373">
+                                            <p:txEl>
+                                              <p:pRg st="5" end="5"/>
+                                            </p:txEl>
+                                          </p:spTgt>
+                                        </p:tgtEl>
+                                      </p:cBhvr>
+                                    </p:animEffect>
+                                    <p:anim calcmode="lin" valueType="num">
+                                      <p:cBhvr>
+                                        <p:cTn id="43" dur="500" fill="hold"/>
+                                        <p:tgtEl>
+                                          <p:spTgt spid="373">
+                                            <p:txEl>
+                                              <p:pRg st="5" end="5"/>
+                                            </p:txEl>
+                                          </p:spTgt>
+                                        </p:tgtEl>
+                                        <p:attrNameLst>
+                                          <p:attrName>ppt_x</p:attrName>
+                                        </p:attrNameLst>
+                                      </p:cBhvr>
+                                      <p:tavLst>
+                                        <p:tav tm="0">
+                                          <p:val>
+                                            <p:strVal val="#ppt_x"/>
+                                          </p:val>
+                                        </p:tav>
+                                        <p:tav tm="100000">
+                                          <p:val>
+                                            <p:strVal val="#ppt_x"/>
+                                          </p:val>
+                                        </p:tav>
+                                      </p:tavLst>
+                                    </p:anim>
+                                    <p:anim calcmode="lin" valueType="num">
+                                      <p:cBhvr>
+                                        <p:cTn id="44" dur="500" fill="hold"/>
+                                        <p:tgtEl>
+                                          <p:spTgt spid="373">
+                                            <p:txEl>
+                                              <p:pRg st="5" end="5"/>
+                                            </p:txEl>
+                                          </p:spTgt>
+                                        </p:tgtEl>
+                                        <p:attrNameLst>
+                                          <p:attrName>ppt_y</p:attrName>
+                                        </p:attrNameLst>
+                                      </p:cBhvr>
+                                      <p:tavLst>
+                                        <p:tav tm="0">
+                                          <p:val>
+                                            <p:strVal val="#ppt_y+.1"/>
+                                          </p:val>
+                                        </p:tav>
+                                        <p:tav tm="100000">
+                                          <p:val>
+                                            <p:strVal val="#ppt_y"/>
+                                          </p:val>
+                                        </p:tav>
+                                      </p:tavLst>
+                                    </p:anim>
+                                  </p:childTnLst>
+                                </p:cTn>
+                              </p:par>
+                            </p:childTnLst>
+                          </p:cTn>
+                        </p:par>
+                      </p:childTnLst>
+                    </p:cTn>
+                  </p:par>
+                  <p:par>
+                    <p:cTn id="45" fill="hold">
+                      <p:stCondLst>
+                        <p:cond delay="indefinite"/>
+                      </p:stCondLst>
+                      <p:childTnLst>
+                        <p:par>
+                          <p:cTn id="46" fill="hold">
+                            <p:stCondLst>
+                              <p:cond delay="0"/>
+                            </p:stCondLst>
+                            <p:childTnLst>
+                              <p:par>
+                                <p:cTn id="47" presetID="42" presetClass="entr" presetSubtype="0" fill="hold" grpId="0" nodeType="clickEffect">
+                                  <p:stCondLst>
+                                    <p:cond delay="0"/>
+                                  </p:stCondLst>
+                                  <p:childTnLst>
+                                    <p:set>
+                                      <p:cBhvr>
+                                        <p:cTn id="48" dur="1" fill="hold">
+                                          <p:stCondLst>
+                                            <p:cond delay="0"/>
+                                          </p:stCondLst>
+                                        </p:cTn>
+                                        <p:tgtEl>
+                                          <p:spTgt spid="373">
+                                            <p:txEl>
+                                              <p:pRg st="6" end="6"/>
+                                            </p:txEl>
+                                          </p:spTgt>
+                                        </p:tgtEl>
+                                        <p:attrNameLst>
+                                          <p:attrName>style.visibility</p:attrName>
+                                        </p:attrNameLst>
+                                      </p:cBhvr>
+                                      <p:to>
+                                        <p:strVal val="visible"/>
+                                      </p:to>
+                                    </p:set>
+                                    <p:animEffect transition="in" filter="fade">
+                                      <p:cBhvr>
+                                        <p:cTn id="49" dur="500"/>
+                                        <p:tgtEl>
+                                          <p:spTgt spid="373">
+                                            <p:txEl>
+                                              <p:pRg st="6" end="6"/>
+                                            </p:txEl>
+                                          </p:spTgt>
+                                        </p:tgtEl>
+                                      </p:cBhvr>
+                                    </p:animEffect>
+                                    <p:anim calcmode="lin" valueType="num">
+                                      <p:cBhvr>
+                                        <p:cTn id="50" dur="500" fill="hold"/>
+                                        <p:tgtEl>
+                                          <p:spTgt spid="373">
+                                            <p:txEl>
+                                              <p:pRg st="6" end="6"/>
+                                            </p:txEl>
+                                          </p:spTgt>
+                                        </p:tgtEl>
+                                        <p:attrNameLst>
+                                          <p:attrName>ppt_x</p:attrName>
+                                        </p:attrNameLst>
+                                      </p:cBhvr>
+                                      <p:tavLst>
+                                        <p:tav tm="0">
+                                          <p:val>
+                                            <p:strVal val="#ppt_x"/>
+                                          </p:val>
+                                        </p:tav>
+                                        <p:tav tm="100000">
+                                          <p:val>
+                                            <p:strVal val="#ppt_x"/>
+                                          </p:val>
+                                        </p:tav>
+                                      </p:tavLst>
+                                    </p:anim>
+                                    <p:anim calcmode="lin" valueType="num">
+                                      <p:cBhvr>
+                                        <p:cTn id="51" dur="500" fill="hold"/>
+                                        <p:tgtEl>
+                                          <p:spTgt spid="373">
+                                            <p:txEl>
+                                              <p:pRg st="6" end="6"/>
+                                            </p:txEl>
+                                          </p:spTgt>
+                                        </p:tgtEl>
+                                        <p:attrNameLst>
+                                          <p:attrName>ppt_y</p:attrName>
+                                        </p:attrNameLst>
+                                      </p:cBhvr>
+                                      <p:tavLst>
+                                        <p:tav tm="0">
+                                          <p:val>
+                                            <p:strVal val="#ppt_y+.1"/>
+                                          </p:val>
+                                        </p:tav>
+                                        <p:tav tm="100000">
+                                          <p:val>
+                                            <p:strVal val="#ppt_y"/>
+                                          </p:val>
+                                        </p:tav>
+                                      </p:tavLst>
+                                    </p:anim>
+                                  </p:childTnLst>
+                                </p:cTn>
+                              </p:par>
+                            </p:childTnLst>
+                          </p:cTn>
+                        </p:par>
+                      </p:childTnLst>
+                    </p:cTn>
+                  </p:par>
+                  <p:par>
+                    <p:cTn id="52" fill="hold">
+                      <p:stCondLst>
+                        <p:cond delay="indefinite"/>
+                      </p:stCondLst>
+                      <p:childTnLst>
+                        <p:par>
+                          <p:cTn id="53" fill="hold">
+                            <p:stCondLst>
+                              <p:cond delay="0"/>
+                            </p:stCondLst>
+                            <p:childTnLst>
+                              <p:par>
+                                <p:cTn id="54" presetID="42" presetClass="entr" presetSubtype="0" fill="hold" grpId="0" nodeType="clickEffect">
+                                  <p:stCondLst>
+                                    <p:cond delay="0"/>
+                                  </p:stCondLst>
+                                  <p:childTnLst>
+                                    <p:set>
+                                      <p:cBhvr>
+                                        <p:cTn id="55" dur="1" fill="hold">
+                                          <p:stCondLst>
+                                            <p:cond delay="0"/>
+                                          </p:stCondLst>
+                                        </p:cTn>
+                                        <p:tgtEl>
+                                          <p:spTgt spid="373">
+                                            <p:txEl>
+                                              <p:pRg st="7" end="7"/>
+                                            </p:txEl>
+                                          </p:spTgt>
+                                        </p:tgtEl>
+                                        <p:attrNameLst>
+                                          <p:attrName>style.visibility</p:attrName>
+                                        </p:attrNameLst>
+                                      </p:cBhvr>
+                                      <p:to>
+                                        <p:strVal val="visible"/>
+                                      </p:to>
+                                    </p:set>
+                                    <p:animEffect transition="in" filter="fade">
+                                      <p:cBhvr>
+                                        <p:cTn id="56" dur="500"/>
+                                        <p:tgtEl>
+                                          <p:spTgt spid="373">
+                                            <p:txEl>
+                                              <p:pRg st="7" end="7"/>
+                                            </p:txEl>
+                                          </p:spTgt>
+                                        </p:tgtEl>
+                                      </p:cBhvr>
+                                    </p:animEffect>
+                                    <p:anim calcmode="lin" valueType="num">
+                                      <p:cBhvr>
+                                        <p:cTn id="57" dur="500" fill="hold"/>
+                                        <p:tgtEl>
+                                          <p:spTgt spid="373">
+                                            <p:txEl>
+                                              <p:pRg st="7" end="7"/>
+                                            </p:txEl>
+                                          </p:spTgt>
+                                        </p:tgtEl>
+                                        <p:attrNameLst>
+                                          <p:attrName>ppt_x</p:attrName>
+                                        </p:attrNameLst>
+                                      </p:cBhvr>
+                                      <p:tavLst>
+                                        <p:tav tm="0">
+                                          <p:val>
+                                            <p:strVal val="#ppt_x"/>
+                                          </p:val>
+                                        </p:tav>
+                                        <p:tav tm="100000">
+                                          <p:val>
+                                            <p:strVal val="#ppt_x"/>
+                                          </p:val>
+                                        </p:tav>
+                                      </p:tavLst>
+                                    </p:anim>
+                                    <p:anim calcmode="lin" valueType="num">
+                                      <p:cBhvr>
+                                        <p:cTn id="58" dur="500" fill="hold"/>
+                                        <p:tgtEl>
+                                          <p:spTgt spid="373">
+                                            <p:txEl>
+                                              <p:pRg st="7" end="7"/>
+                                            </p:txEl>
+                                          </p:spTgt>
+                                        </p:tgtEl>
+                                        <p:attrNameLst>
+                                          <p:attrName>ppt_y</p:attrName>
+                                        </p:attrNameLst>
+                                      </p:cBhvr>
+                                      <p:tavLst>
+                                        <p:tav tm="0">
+                                          <p:val>
+                                            <p:strVal val="#ppt_y+.1"/>
+                                          </p:val>
+                                        </p:tav>
+                                        <p:tav tm="100000">
+                                          <p:val>
+                                            <p:strVal val="#ppt_y"/>
+                                          </p:val>
+                                        </p:tav>
+                                      </p:tavLst>
+                                    </p:anim>
+                                  </p:childTnLst>
+                                </p:cTn>
+                              </p:par>
+                            </p:childTnLst>
+                          </p:cTn>
+                        </p:par>
+                      </p:childTnLst>
+                    </p:cTn>
+                  </p:par>
+                  <p:par>
+                    <p:cTn id="59" fill="hold">
+                      <p:stCondLst>
+                        <p:cond delay="indefinite"/>
+                      </p:stCondLst>
+                      <p:childTnLst>
+                        <p:par>
+                          <p:cTn id="60" fill="hold">
+                            <p:stCondLst>
+                              <p:cond delay="0"/>
+                            </p:stCondLst>
+                            <p:childTnLst>
+                              <p:par>
+                                <p:cTn id="61" presetID="42" presetClass="entr" presetSubtype="0" fill="hold" grpId="0" nodeType="clickEffect">
+                                  <p:stCondLst>
+                                    <p:cond delay="0"/>
+                                  </p:stCondLst>
+                                  <p:childTnLst>
+                                    <p:set>
+                                      <p:cBhvr>
+                                        <p:cTn id="62" dur="1" fill="hold">
+                                          <p:stCondLst>
+                                            <p:cond delay="0"/>
+                                          </p:stCondLst>
+                                        </p:cTn>
+                                        <p:tgtEl>
+                                          <p:spTgt spid="373">
+                                            <p:txEl>
+                                              <p:pRg st="8" end="8"/>
+                                            </p:txEl>
+                                          </p:spTgt>
+                                        </p:tgtEl>
+                                        <p:attrNameLst>
+                                          <p:attrName>style.visibility</p:attrName>
+                                        </p:attrNameLst>
+                                      </p:cBhvr>
+                                      <p:to>
+                                        <p:strVal val="visible"/>
+                                      </p:to>
+                                    </p:set>
+                                    <p:animEffect transition="in" filter="fade">
+                                      <p:cBhvr>
+                                        <p:cTn id="63" dur="500"/>
+                                        <p:tgtEl>
+                                          <p:spTgt spid="373">
+                                            <p:txEl>
+                                              <p:pRg st="8" end="8"/>
+                                            </p:txEl>
+                                          </p:spTgt>
+                                        </p:tgtEl>
+                                      </p:cBhvr>
+                                    </p:animEffect>
+                                    <p:anim calcmode="lin" valueType="num">
+                                      <p:cBhvr>
+                                        <p:cTn id="64" dur="500" fill="hold"/>
+                                        <p:tgtEl>
+                                          <p:spTgt spid="373">
+                                            <p:txEl>
+                                              <p:pRg st="8" end="8"/>
+                                            </p:txEl>
+                                          </p:spTgt>
+                                        </p:tgtEl>
+                                        <p:attrNameLst>
+                                          <p:attrName>ppt_x</p:attrName>
+                                        </p:attrNameLst>
+                                      </p:cBhvr>
+                                      <p:tavLst>
+                                        <p:tav tm="0">
+                                          <p:val>
+                                            <p:strVal val="#ppt_x"/>
+                                          </p:val>
+                                        </p:tav>
+                                        <p:tav tm="100000">
+                                          <p:val>
+                                            <p:strVal val="#ppt_x"/>
+                                          </p:val>
+                                        </p:tav>
+                                      </p:tavLst>
+                                    </p:anim>
+                                    <p:anim calcmode="lin" valueType="num">
+                                      <p:cBhvr>
+                                        <p:cTn id="65" dur="500" fill="hold"/>
+                                        <p:tgtEl>
+                                          <p:spTgt spid="373">
+                                            <p:txEl>
+                                              <p:pRg st="8" end="8"/>
+                                            </p:txEl>
+                                          </p:spTgt>
+                                        </p:tgtEl>
+                                        <p:attrNameLst>
+                                          <p:attrName>ppt_y</p:attrName>
+                                        </p:attrNameLst>
+                                      </p:cBhvr>
+                                      <p:tavLst>
+                                        <p:tav tm="0">
+                                          <p:val>
+                                            <p:strVal val="#ppt_y+.1"/>
+                                          </p:val>
+                                        </p:tav>
+                                        <p:tav tm="100000">
+                                          <p:val>
+                                            <p:strVal val="#ppt_y"/>
+                                          </p:val>
+                                        </p:tav>
+                                      </p:tavLst>
+                                    </p:anim>
+                                  </p:childTnLst>
+                                </p:cTn>
+                              </p:par>
+                            </p:childTnLst>
+                          </p:cTn>
+                        </p:par>
+                      </p:childTnLst>
+                    </p:cTn>
+                  </p:par>
+                </p:childTnLst>
+              </p:cTn>
+              <p:prevCondLst>
+                <p:cond evt="onPrev" delay="0">
+                  <p:tgtEl>
+                    <p:sldTgt/>
+                  </p:tgtEl>
+                </p:cond>
+              </p:prevCondLst>
+              <p:nextCondLst>
+                <p:cond evt="onNext" delay="0">
+                  <p:tgtEl>
+                    <p:sldTgt/>
+                  </p:tgtEl>
+                </p:cond>
+              </p:nextCondLst>
+            </p:seq>
+          </p:childTnLst>
+        </p:cTn>
+      </p:par>
+    </p:tnLst>
+    <p:bldLst>
+      <p:bldP spid="373" grpId="0" uiExpand="1" build="p"/>
+    </p:bldLst>
+  </p:timing>
 </p:sld>
 </file>
 
 <file path=ppt/slides/slide4.xml><?xml version="1.0" encoding="utf-8"?>
+<p:sld xmlns:a="http://schemas.openxmlformats.org/drawingml/2006/main" xmlns:r="http://schemas.openxmlformats.org/officeDocument/2006/relationships" xmlns:p="http://schemas.openxmlformats.org/presentationml/2006/main">
+  <p:cSld>
+    <p:spTree>
+      <p:nvGrpSpPr>
+        <p:cNvPr id="1" name="Shape 358"/>
+        <p:cNvGrpSpPr/>
+        <p:nvPr/>
+      </p:nvGrpSpPr>
+      <p:grpSpPr>
+        <a:xfrm>
+          <a:off x="0" y="0"/>
+          <a:ext cx="0" cy="0"/>
+          <a:chOff x="0" y="0"/>
+          <a:chExt cx="0" cy="0"/>
+        </a:xfrm>
+      </p:grpSpPr>
+      <p:sp>
+        <p:nvSpPr>
+          <p:cNvPr id="359" name="Google Shape;359;p14"/>
+          <p:cNvSpPr txBox="1">
+            <a:spLocks noGrp="1"/>
+          </p:cNvSpPr>
+          <p:nvPr>
+            <p:ph type="ctrTitle"/>
+          </p:nvPr>
+        </p:nvSpPr>
+        <p:spPr>
+          <a:xfrm>
+            <a:off x="2990155" y="2142891"/>
+            <a:ext cx="5638800" cy="1159800"/>
+          </a:xfrm>
+          <a:prstGeom prst="rect">
+            <a:avLst/>
+          </a:prstGeom>
+        </p:spPr>
+        <p:txBody>
+          <a:bodyPr spcFirstLastPara="1" wrap="square" lIns="91425" tIns="91425" rIns="91425" bIns="91425" anchor="b" anchorCtr="0">
+            <a:noAutofit/>
+          </a:bodyPr>
+          <a:lstStyle/>
+          <a:p>
+            <a:pPr marL="0" lvl="0" indent="0" algn="l" rtl="0">
+              <a:spcBef>
+                <a:spcPts val="0"/>
+              </a:spcBef>
+              <a:spcAft>
+                <a:spcPts val="0"/>
+              </a:spcAft>
+              <a:buNone/>
+            </a:pPr>
+            <a:r>
+              <a:rPr lang="en-US" sz="8800" b="1" dirty="0"/>
+              <a:t>Por que ?</a:t>
+            </a:r>
+            <a:endParaRPr sz="8800" b="1" dirty="0"/>
+          </a:p>
+        </p:txBody>
+      </p:sp>
+      <p:sp>
+        <p:nvSpPr>
+          <p:cNvPr id="361" name="Google Shape;361;p14"/>
+          <p:cNvSpPr txBox="1"/>
+          <p:nvPr/>
+        </p:nvSpPr>
+        <p:spPr>
+          <a:xfrm>
+            <a:off x="409575" y="1676400"/>
+            <a:ext cx="2067000" cy="1771800"/>
+          </a:xfrm>
+          <a:prstGeom prst="rect">
+            <a:avLst/>
+          </a:prstGeom>
+          <a:noFill/>
+          <a:ln>
+            <a:noFill/>
+          </a:ln>
+        </p:spPr>
+        <p:txBody>
+          <a:bodyPr spcFirstLastPara="1" wrap="square" lIns="91425" tIns="91425" rIns="91425" bIns="91425" anchor="ctr" anchorCtr="0">
+            <a:noAutofit/>
+          </a:bodyPr>
+          <a:lstStyle/>
+          <a:p>
+            <a:pPr marL="0" lvl="0" indent="0" algn="ctr" rtl="0">
+              <a:spcBef>
+                <a:spcPts val="0"/>
+              </a:spcBef>
+              <a:spcAft>
+                <a:spcPts val="0"/>
+              </a:spcAft>
+              <a:buNone/>
+            </a:pPr>
+            <a:endParaRPr b="1" dirty="0">
+              <a:solidFill>
+                <a:srgbClr val="FFFFFF"/>
+              </a:solidFill>
+            </a:endParaRPr>
+          </a:p>
+        </p:txBody>
+      </p:sp>
+    </p:spTree>
+  </p:cSld>
+  <p:clrMapOvr>
+    <a:masterClrMapping/>
+  </p:clrMapOvr>
+</p:sld>
+</file>
+
+<file path=ppt/slides/slide5.xml><?xml version="1.0" encoding="utf-8"?>
 <p:sld xmlns:a="http://schemas.openxmlformats.org/drawingml/2006/main" xmlns:r="http://schemas.openxmlformats.org/officeDocument/2006/relationships" xmlns:p="http://schemas.openxmlformats.org/presentationml/2006/main">
   <p:cSld>
     <p:spTree>
@@ -26472,7 +28261,7 @@
             </a:pPr>
             <a:fld id="{00000000-1234-1234-1234-123412341234}" type="slidenum">
               <a:rPr lang="en"/>
-              <a:t>4</a:t>
+              <a:t>5</a:t>
             </a:fld>
             <a:endParaRPr/>
           </a:p>
@@ -26537,7 +28326,7 @@
           <a:lstStyle/>
           <a:p>
             <a:r>
-              <a:rPr lang="en-US" sz="4000" b="1" dirty="0" err="1">
+              <a:rPr lang="en-US" sz="4000" dirty="0" err="1">
                 <a:solidFill>
                   <a:srgbClr val="19BBD5"/>
                 </a:solidFill>
@@ -26546,7 +28335,7 @@
               </a:rPr>
               <a:t>Exemplos</a:t>
             </a:r>
-            <a:endParaRPr lang="en-US" sz="4000" b="1" dirty="0">
+            <a:endParaRPr lang="en-US" sz="4000" dirty="0">
               <a:solidFill>
                 <a:srgbClr val="19BBD5"/>
               </a:solidFill>
@@ -26561,10 +28350,740 @@
   <p:clrMapOvr>
     <a:masterClrMapping/>
   </p:clrMapOvr>
+  <p:timing>
+    <p:tnLst>
+      <p:par>
+        <p:cTn id="1" dur="indefinite" restart="never" nodeType="tmRoot">
+          <p:childTnLst>
+            <p:seq concurrent="1" nextAc="seek">
+              <p:cTn id="2" dur="indefinite" nodeType="mainSeq">
+                <p:childTnLst>
+                  <p:par>
+                    <p:cTn id="3" fill="hold">
+                      <p:stCondLst>
+                        <p:cond delay="indefinite"/>
+                      </p:stCondLst>
+                      <p:childTnLst>
+                        <p:par>
+                          <p:cTn id="4" fill="hold">
+                            <p:stCondLst>
+                              <p:cond delay="0"/>
+                            </p:stCondLst>
+                            <p:childTnLst>
+                              <p:par>
+                                <p:cTn id="5" presetID="42" presetClass="entr" presetSubtype="0" fill="hold" grpId="0" nodeType="clickEffect">
+                                  <p:stCondLst>
+                                    <p:cond delay="0"/>
+                                  </p:stCondLst>
+                                  <p:childTnLst>
+                                    <p:set>
+                                      <p:cBhvr>
+                                        <p:cTn id="6" dur="1" fill="hold">
+                                          <p:stCondLst>
+                                            <p:cond delay="0"/>
+                                          </p:stCondLst>
+                                        </p:cTn>
+                                        <p:tgtEl>
+                                          <p:spTgt spid="535">
+                                            <p:txEl>
+                                              <p:pRg st="0" end="0"/>
+                                            </p:txEl>
+                                          </p:spTgt>
+                                        </p:tgtEl>
+                                        <p:attrNameLst>
+                                          <p:attrName>style.visibility</p:attrName>
+                                        </p:attrNameLst>
+                                      </p:cBhvr>
+                                      <p:to>
+                                        <p:strVal val="visible"/>
+                                      </p:to>
+                                    </p:set>
+                                    <p:animEffect transition="in" filter="fade">
+                                      <p:cBhvr>
+                                        <p:cTn id="7" dur="500"/>
+                                        <p:tgtEl>
+                                          <p:spTgt spid="535">
+                                            <p:txEl>
+                                              <p:pRg st="0" end="0"/>
+                                            </p:txEl>
+                                          </p:spTgt>
+                                        </p:tgtEl>
+                                      </p:cBhvr>
+                                    </p:animEffect>
+                                    <p:anim calcmode="lin" valueType="num">
+                                      <p:cBhvr>
+                                        <p:cTn id="8" dur="500" fill="hold"/>
+                                        <p:tgtEl>
+                                          <p:spTgt spid="535">
+                                            <p:txEl>
+                                              <p:pRg st="0" end="0"/>
+                                            </p:txEl>
+                                          </p:spTgt>
+                                        </p:tgtEl>
+                                        <p:attrNameLst>
+                                          <p:attrName>ppt_x</p:attrName>
+                                        </p:attrNameLst>
+                                      </p:cBhvr>
+                                      <p:tavLst>
+                                        <p:tav tm="0">
+                                          <p:val>
+                                            <p:strVal val="#ppt_x"/>
+                                          </p:val>
+                                        </p:tav>
+                                        <p:tav tm="100000">
+                                          <p:val>
+                                            <p:strVal val="#ppt_x"/>
+                                          </p:val>
+                                        </p:tav>
+                                      </p:tavLst>
+                                    </p:anim>
+                                    <p:anim calcmode="lin" valueType="num">
+                                      <p:cBhvr>
+                                        <p:cTn id="9" dur="500" fill="hold"/>
+                                        <p:tgtEl>
+                                          <p:spTgt spid="535">
+                                            <p:txEl>
+                                              <p:pRg st="0" end="0"/>
+                                            </p:txEl>
+                                          </p:spTgt>
+                                        </p:tgtEl>
+                                        <p:attrNameLst>
+                                          <p:attrName>ppt_y</p:attrName>
+                                        </p:attrNameLst>
+                                      </p:cBhvr>
+                                      <p:tavLst>
+                                        <p:tav tm="0">
+                                          <p:val>
+                                            <p:strVal val="#ppt_y+.1"/>
+                                          </p:val>
+                                        </p:tav>
+                                        <p:tav tm="100000">
+                                          <p:val>
+                                            <p:strVal val="#ppt_y"/>
+                                          </p:val>
+                                        </p:tav>
+                                      </p:tavLst>
+                                    </p:anim>
+                                  </p:childTnLst>
+                                </p:cTn>
+                              </p:par>
+                            </p:childTnLst>
+                          </p:cTn>
+                        </p:par>
+                      </p:childTnLst>
+                    </p:cTn>
+                  </p:par>
+                  <p:par>
+                    <p:cTn id="10" fill="hold">
+                      <p:stCondLst>
+                        <p:cond delay="indefinite"/>
+                      </p:stCondLst>
+                      <p:childTnLst>
+                        <p:par>
+                          <p:cTn id="11" fill="hold">
+                            <p:stCondLst>
+                              <p:cond delay="0"/>
+                            </p:stCondLst>
+                            <p:childTnLst>
+                              <p:par>
+                                <p:cTn id="12" presetID="42" presetClass="entr" presetSubtype="0" fill="hold" grpId="0" nodeType="clickEffect">
+                                  <p:stCondLst>
+                                    <p:cond delay="0"/>
+                                  </p:stCondLst>
+                                  <p:childTnLst>
+                                    <p:set>
+                                      <p:cBhvr>
+                                        <p:cTn id="13" dur="1" fill="hold">
+                                          <p:stCondLst>
+                                            <p:cond delay="0"/>
+                                          </p:stCondLst>
+                                        </p:cTn>
+                                        <p:tgtEl>
+                                          <p:spTgt spid="535">
+                                            <p:txEl>
+                                              <p:pRg st="1" end="1"/>
+                                            </p:txEl>
+                                          </p:spTgt>
+                                        </p:tgtEl>
+                                        <p:attrNameLst>
+                                          <p:attrName>style.visibility</p:attrName>
+                                        </p:attrNameLst>
+                                      </p:cBhvr>
+                                      <p:to>
+                                        <p:strVal val="visible"/>
+                                      </p:to>
+                                    </p:set>
+                                    <p:animEffect transition="in" filter="fade">
+                                      <p:cBhvr>
+                                        <p:cTn id="14" dur="500"/>
+                                        <p:tgtEl>
+                                          <p:spTgt spid="535">
+                                            <p:txEl>
+                                              <p:pRg st="1" end="1"/>
+                                            </p:txEl>
+                                          </p:spTgt>
+                                        </p:tgtEl>
+                                      </p:cBhvr>
+                                    </p:animEffect>
+                                    <p:anim calcmode="lin" valueType="num">
+                                      <p:cBhvr>
+                                        <p:cTn id="15" dur="500" fill="hold"/>
+                                        <p:tgtEl>
+                                          <p:spTgt spid="535">
+                                            <p:txEl>
+                                              <p:pRg st="1" end="1"/>
+                                            </p:txEl>
+                                          </p:spTgt>
+                                        </p:tgtEl>
+                                        <p:attrNameLst>
+                                          <p:attrName>ppt_x</p:attrName>
+                                        </p:attrNameLst>
+                                      </p:cBhvr>
+                                      <p:tavLst>
+                                        <p:tav tm="0">
+                                          <p:val>
+                                            <p:strVal val="#ppt_x"/>
+                                          </p:val>
+                                        </p:tav>
+                                        <p:tav tm="100000">
+                                          <p:val>
+                                            <p:strVal val="#ppt_x"/>
+                                          </p:val>
+                                        </p:tav>
+                                      </p:tavLst>
+                                    </p:anim>
+                                    <p:anim calcmode="lin" valueType="num">
+                                      <p:cBhvr>
+                                        <p:cTn id="16" dur="500" fill="hold"/>
+                                        <p:tgtEl>
+                                          <p:spTgt spid="535">
+                                            <p:txEl>
+                                              <p:pRg st="1" end="1"/>
+                                            </p:txEl>
+                                          </p:spTgt>
+                                        </p:tgtEl>
+                                        <p:attrNameLst>
+                                          <p:attrName>ppt_y</p:attrName>
+                                        </p:attrNameLst>
+                                      </p:cBhvr>
+                                      <p:tavLst>
+                                        <p:tav tm="0">
+                                          <p:val>
+                                            <p:strVal val="#ppt_y+.1"/>
+                                          </p:val>
+                                        </p:tav>
+                                        <p:tav tm="100000">
+                                          <p:val>
+                                            <p:strVal val="#ppt_y"/>
+                                          </p:val>
+                                        </p:tav>
+                                      </p:tavLst>
+                                    </p:anim>
+                                  </p:childTnLst>
+                                </p:cTn>
+                              </p:par>
+                            </p:childTnLst>
+                          </p:cTn>
+                        </p:par>
+                      </p:childTnLst>
+                    </p:cTn>
+                  </p:par>
+                  <p:par>
+                    <p:cTn id="17" fill="hold">
+                      <p:stCondLst>
+                        <p:cond delay="indefinite"/>
+                      </p:stCondLst>
+                      <p:childTnLst>
+                        <p:par>
+                          <p:cTn id="18" fill="hold">
+                            <p:stCondLst>
+                              <p:cond delay="0"/>
+                            </p:stCondLst>
+                            <p:childTnLst>
+                              <p:par>
+                                <p:cTn id="19" presetID="42" presetClass="entr" presetSubtype="0" fill="hold" grpId="0" nodeType="clickEffect">
+                                  <p:stCondLst>
+                                    <p:cond delay="0"/>
+                                  </p:stCondLst>
+                                  <p:childTnLst>
+                                    <p:set>
+                                      <p:cBhvr>
+                                        <p:cTn id="20" dur="1" fill="hold">
+                                          <p:stCondLst>
+                                            <p:cond delay="0"/>
+                                          </p:stCondLst>
+                                        </p:cTn>
+                                        <p:tgtEl>
+                                          <p:spTgt spid="535">
+                                            <p:txEl>
+                                              <p:pRg st="2" end="2"/>
+                                            </p:txEl>
+                                          </p:spTgt>
+                                        </p:tgtEl>
+                                        <p:attrNameLst>
+                                          <p:attrName>style.visibility</p:attrName>
+                                        </p:attrNameLst>
+                                      </p:cBhvr>
+                                      <p:to>
+                                        <p:strVal val="visible"/>
+                                      </p:to>
+                                    </p:set>
+                                    <p:animEffect transition="in" filter="fade">
+                                      <p:cBhvr>
+                                        <p:cTn id="21" dur="500"/>
+                                        <p:tgtEl>
+                                          <p:spTgt spid="535">
+                                            <p:txEl>
+                                              <p:pRg st="2" end="2"/>
+                                            </p:txEl>
+                                          </p:spTgt>
+                                        </p:tgtEl>
+                                      </p:cBhvr>
+                                    </p:animEffect>
+                                    <p:anim calcmode="lin" valueType="num">
+                                      <p:cBhvr>
+                                        <p:cTn id="22" dur="500" fill="hold"/>
+                                        <p:tgtEl>
+                                          <p:spTgt spid="535">
+                                            <p:txEl>
+                                              <p:pRg st="2" end="2"/>
+                                            </p:txEl>
+                                          </p:spTgt>
+                                        </p:tgtEl>
+                                        <p:attrNameLst>
+                                          <p:attrName>ppt_x</p:attrName>
+                                        </p:attrNameLst>
+                                      </p:cBhvr>
+                                      <p:tavLst>
+                                        <p:tav tm="0">
+                                          <p:val>
+                                            <p:strVal val="#ppt_x"/>
+                                          </p:val>
+                                        </p:tav>
+                                        <p:tav tm="100000">
+                                          <p:val>
+                                            <p:strVal val="#ppt_x"/>
+                                          </p:val>
+                                        </p:tav>
+                                      </p:tavLst>
+                                    </p:anim>
+                                    <p:anim calcmode="lin" valueType="num">
+                                      <p:cBhvr>
+                                        <p:cTn id="23" dur="500" fill="hold"/>
+                                        <p:tgtEl>
+                                          <p:spTgt spid="535">
+                                            <p:txEl>
+                                              <p:pRg st="2" end="2"/>
+                                            </p:txEl>
+                                          </p:spTgt>
+                                        </p:tgtEl>
+                                        <p:attrNameLst>
+                                          <p:attrName>ppt_y</p:attrName>
+                                        </p:attrNameLst>
+                                      </p:cBhvr>
+                                      <p:tavLst>
+                                        <p:tav tm="0">
+                                          <p:val>
+                                            <p:strVal val="#ppt_y+.1"/>
+                                          </p:val>
+                                        </p:tav>
+                                        <p:tav tm="100000">
+                                          <p:val>
+                                            <p:strVal val="#ppt_y"/>
+                                          </p:val>
+                                        </p:tav>
+                                      </p:tavLst>
+                                    </p:anim>
+                                  </p:childTnLst>
+                                </p:cTn>
+                              </p:par>
+                            </p:childTnLst>
+                          </p:cTn>
+                        </p:par>
+                      </p:childTnLst>
+                    </p:cTn>
+                  </p:par>
+                  <p:par>
+                    <p:cTn id="24" fill="hold">
+                      <p:stCondLst>
+                        <p:cond delay="indefinite"/>
+                      </p:stCondLst>
+                      <p:childTnLst>
+                        <p:par>
+                          <p:cTn id="25" fill="hold">
+                            <p:stCondLst>
+                              <p:cond delay="0"/>
+                            </p:stCondLst>
+                            <p:childTnLst>
+                              <p:par>
+                                <p:cTn id="26" presetID="42" presetClass="entr" presetSubtype="0" fill="hold" grpId="0" nodeType="clickEffect">
+                                  <p:stCondLst>
+                                    <p:cond delay="0"/>
+                                  </p:stCondLst>
+                                  <p:childTnLst>
+                                    <p:set>
+                                      <p:cBhvr>
+                                        <p:cTn id="27" dur="1" fill="hold">
+                                          <p:stCondLst>
+                                            <p:cond delay="0"/>
+                                          </p:stCondLst>
+                                        </p:cTn>
+                                        <p:tgtEl>
+                                          <p:spTgt spid="535">
+                                            <p:txEl>
+                                              <p:pRg st="3" end="3"/>
+                                            </p:txEl>
+                                          </p:spTgt>
+                                        </p:tgtEl>
+                                        <p:attrNameLst>
+                                          <p:attrName>style.visibility</p:attrName>
+                                        </p:attrNameLst>
+                                      </p:cBhvr>
+                                      <p:to>
+                                        <p:strVal val="visible"/>
+                                      </p:to>
+                                    </p:set>
+                                    <p:animEffect transition="in" filter="fade">
+                                      <p:cBhvr>
+                                        <p:cTn id="28" dur="500"/>
+                                        <p:tgtEl>
+                                          <p:spTgt spid="535">
+                                            <p:txEl>
+                                              <p:pRg st="3" end="3"/>
+                                            </p:txEl>
+                                          </p:spTgt>
+                                        </p:tgtEl>
+                                      </p:cBhvr>
+                                    </p:animEffect>
+                                    <p:anim calcmode="lin" valueType="num">
+                                      <p:cBhvr>
+                                        <p:cTn id="29" dur="500" fill="hold"/>
+                                        <p:tgtEl>
+                                          <p:spTgt spid="535">
+                                            <p:txEl>
+                                              <p:pRg st="3" end="3"/>
+                                            </p:txEl>
+                                          </p:spTgt>
+                                        </p:tgtEl>
+                                        <p:attrNameLst>
+                                          <p:attrName>ppt_x</p:attrName>
+                                        </p:attrNameLst>
+                                      </p:cBhvr>
+                                      <p:tavLst>
+                                        <p:tav tm="0">
+                                          <p:val>
+                                            <p:strVal val="#ppt_x"/>
+                                          </p:val>
+                                        </p:tav>
+                                        <p:tav tm="100000">
+                                          <p:val>
+                                            <p:strVal val="#ppt_x"/>
+                                          </p:val>
+                                        </p:tav>
+                                      </p:tavLst>
+                                    </p:anim>
+                                    <p:anim calcmode="lin" valueType="num">
+                                      <p:cBhvr>
+                                        <p:cTn id="30" dur="500" fill="hold"/>
+                                        <p:tgtEl>
+                                          <p:spTgt spid="535">
+                                            <p:txEl>
+                                              <p:pRg st="3" end="3"/>
+                                            </p:txEl>
+                                          </p:spTgt>
+                                        </p:tgtEl>
+                                        <p:attrNameLst>
+                                          <p:attrName>ppt_y</p:attrName>
+                                        </p:attrNameLst>
+                                      </p:cBhvr>
+                                      <p:tavLst>
+                                        <p:tav tm="0">
+                                          <p:val>
+                                            <p:strVal val="#ppt_y+.1"/>
+                                          </p:val>
+                                        </p:tav>
+                                        <p:tav tm="100000">
+                                          <p:val>
+                                            <p:strVal val="#ppt_y"/>
+                                          </p:val>
+                                        </p:tav>
+                                      </p:tavLst>
+                                    </p:anim>
+                                  </p:childTnLst>
+                                </p:cTn>
+                              </p:par>
+                            </p:childTnLst>
+                          </p:cTn>
+                        </p:par>
+                      </p:childTnLst>
+                    </p:cTn>
+                  </p:par>
+                  <p:par>
+                    <p:cTn id="31" fill="hold">
+                      <p:stCondLst>
+                        <p:cond delay="indefinite"/>
+                      </p:stCondLst>
+                      <p:childTnLst>
+                        <p:par>
+                          <p:cTn id="32" fill="hold">
+                            <p:stCondLst>
+                              <p:cond delay="0"/>
+                            </p:stCondLst>
+                            <p:childTnLst>
+                              <p:par>
+                                <p:cTn id="33" presetID="42" presetClass="entr" presetSubtype="0" fill="hold" grpId="0" nodeType="clickEffect">
+                                  <p:stCondLst>
+                                    <p:cond delay="0"/>
+                                  </p:stCondLst>
+                                  <p:childTnLst>
+                                    <p:set>
+                                      <p:cBhvr>
+                                        <p:cTn id="34" dur="1" fill="hold">
+                                          <p:stCondLst>
+                                            <p:cond delay="0"/>
+                                          </p:stCondLst>
+                                        </p:cTn>
+                                        <p:tgtEl>
+                                          <p:spTgt spid="535">
+                                            <p:txEl>
+                                              <p:pRg st="4" end="4"/>
+                                            </p:txEl>
+                                          </p:spTgt>
+                                        </p:tgtEl>
+                                        <p:attrNameLst>
+                                          <p:attrName>style.visibility</p:attrName>
+                                        </p:attrNameLst>
+                                      </p:cBhvr>
+                                      <p:to>
+                                        <p:strVal val="visible"/>
+                                      </p:to>
+                                    </p:set>
+                                    <p:animEffect transition="in" filter="fade">
+                                      <p:cBhvr>
+                                        <p:cTn id="35" dur="500"/>
+                                        <p:tgtEl>
+                                          <p:spTgt spid="535">
+                                            <p:txEl>
+                                              <p:pRg st="4" end="4"/>
+                                            </p:txEl>
+                                          </p:spTgt>
+                                        </p:tgtEl>
+                                      </p:cBhvr>
+                                    </p:animEffect>
+                                    <p:anim calcmode="lin" valueType="num">
+                                      <p:cBhvr>
+                                        <p:cTn id="36" dur="500" fill="hold"/>
+                                        <p:tgtEl>
+                                          <p:spTgt spid="535">
+                                            <p:txEl>
+                                              <p:pRg st="4" end="4"/>
+                                            </p:txEl>
+                                          </p:spTgt>
+                                        </p:tgtEl>
+                                        <p:attrNameLst>
+                                          <p:attrName>ppt_x</p:attrName>
+                                        </p:attrNameLst>
+                                      </p:cBhvr>
+                                      <p:tavLst>
+                                        <p:tav tm="0">
+                                          <p:val>
+                                            <p:strVal val="#ppt_x"/>
+                                          </p:val>
+                                        </p:tav>
+                                        <p:tav tm="100000">
+                                          <p:val>
+                                            <p:strVal val="#ppt_x"/>
+                                          </p:val>
+                                        </p:tav>
+                                      </p:tavLst>
+                                    </p:anim>
+                                    <p:anim calcmode="lin" valueType="num">
+                                      <p:cBhvr>
+                                        <p:cTn id="37" dur="500" fill="hold"/>
+                                        <p:tgtEl>
+                                          <p:spTgt spid="535">
+                                            <p:txEl>
+                                              <p:pRg st="4" end="4"/>
+                                            </p:txEl>
+                                          </p:spTgt>
+                                        </p:tgtEl>
+                                        <p:attrNameLst>
+                                          <p:attrName>ppt_y</p:attrName>
+                                        </p:attrNameLst>
+                                      </p:cBhvr>
+                                      <p:tavLst>
+                                        <p:tav tm="0">
+                                          <p:val>
+                                            <p:strVal val="#ppt_y+.1"/>
+                                          </p:val>
+                                        </p:tav>
+                                        <p:tav tm="100000">
+                                          <p:val>
+                                            <p:strVal val="#ppt_y"/>
+                                          </p:val>
+                                        </p:tav>
+                                      </p:tavLst>
+                                    </p:anim>
+                                  </p:childTnLst>
+                                </p:cTn>
+                              </p:par>
+                            </p:childTnLst>
+                          </p:cTn>
+                        </p:par>
+                      </p:childTnLst>
+                    </p:cTn>
+                  </p:par>
+                </p:childTnLst>
+              </p:cTn>
+              <p:prevCondLst>
+                <p:cond evt="onPrev" delay="0">
+                  <p:tgtEl>
+                    <p:sldTgt/>
+                  </p:tgtEl>
+                </p:cond>
+              </p:prevCondLst>
+              <p:nextCondLst>
+                <p:cond evt="onNext" delay="0">
+                  <p:tgtEl>
+                    <p:sldTgt/>
+                  </p:tgtEl>
+                </p:cond>
+              </p:nextCondLst>
+            </p:seq>
+          </p:childTnLst>
+        </p:cTn>
+      </p:par>
+    </p:tnLst>
+    <p:bldLst>
+      <p:bldP spid="535" grpId="0" uiExpand="1" build="p"/>
+    </p:bldLst>
+  </p:timing>
 </p:sld>
 </file>
 
-<file path=ppt/slides/slide5.xml><?xml version="1.0" encoding="utf-8"?>
+<file path=ppt/slides/slide6.xml><?xml version="1.0" encoding="utf-8"?>
+<p:sld xmlns:a="http://schemas.openxmlformats.org/drawingml/2006/main" xmlns:r="http://schemas.openxmlformats.org/officeDocument/2006/relationships" xmlns:p="http://schemas.openxmlformats.org/presentationml/2006/main">
+  <p:cSld>
+    <p:spTree>
+      <p:nvGrpSpPr>
+        <p:cNvPr id="1" name="Shape 358"/>
+        <p:cNvGrpSpPr/>
+        <p:nvPr/>
+      </p:nvGrpSpPr>
+      <p:grpSpPr>
+        <a:xfrm>
+          <a:off x="0" y="0"/>
+          <a:ext cx="0" cy="0"/>
+          <a:chOff x="0" y="0"/>
+          <a:chExt cx="0" cy="0"/>
+        </a:xfrm>
+      </p:grpSpPr>
+      <p:sp>
+        <p:nvSpPr>
+          <p:cNvPr id="359" name="Google Shape;359;p14"/>
+          <p:cNvSpPr txBox="1">
+            <a:spLocks noGrp="1"/>
+          </p:cNvSpPr>
+          <p:nvPr>
+            <p:ph type="ctrTitle"/>
+          </p:nvPr>
+        </p:nvSpPr>
+        <p:spPr>
+          <a:xfrm>
+            <a:off x="2856666" y="1749098"/>
+            <a:ext cx="5638800" cy="1159800"/>
+          </a:xfrm>
+          <a:prstGeom prst="rect">
+            <a:avLst/>
+          </a:prstGeom>
+        </p:spPr>
+        <p:txBody>
+          <a:bodyPr spcFirstLastPara="1" wrap="square" lIns="91425" tIns="91425" rIns="91425" bIns="91425" anchor="b" anchorCtr="0">
+            <a:noAutofit/>
+          </a:bodyPr>
+          <a:lstStyle/>
+          <a:p>
+            <a:pPr marL="0" lvl="0" indent="0" algn="l" rtl="0">
+              <a:spcBef>
+                <a:spcPts val="0"/>
+              </a:spcBef>
+              <a:spcAft>
+                <a:spcPts val="0"/>
+              </a:spcAft>
+              <a:buNone/>
+            </a:pPr>
+            <a:r>
+              <a:rPr lang="en-US" sz="4000" b="1" dirty="0"/>
+              <a:t>Como </a:t>
+            </a:r>
+            <a:r>
+              <a:rPr lang="en-US" sz="4000" b="1" dirty="0" err="1"/>
+              <a:t>implemento</a:t>
+            </a:r>
+            <a:r>
+              <a:rPr lang="en-US" sz="4000" b="1" dirty="0"/>
+              <a:t> ?</a:t>
+            </a:r>
+            <a:endParaRPr sz="4000" b="1" dirty="0"/>
+          </a:p>
+        </p:txBody>
+      </p:sp>
+      <p:sp>
+        <p:nvSpPr>
+          <p:cNvPr id="361" name="Google Shape;361;p14"/>
+          <p:cNvSpPr txBox="1"/>
+          <p:nvPr/>
+        </p:nvSpPr>
+        <p:spPr>
+          <a:xfrm>
+            <a:off x="409575" y="1676400"/>
+            <a:ext cx="2067000" cy="1771800"/>
+          </a:xfrm>
+          <a:prstGeom prst="rect">
+            <a:avLst/>
+          </a:prstGeom>
+          <a:noFill/>
+          <a:ln>
+            <a:noFill/>
+          </a:ln>
+        </p:spPr>
+        <p:txBody>
+          <a:bodyPr spcFirstLastPara="1" wrap="square" lIns="91425" tIns="91425" rIns="91425" bIns="91425" anchor="ctr" anchorCtr="0">
+            <a:noAutofit/>
+          </a:bodyPr>
+          <a:lstStyle/>
+          <a:p>
+            <a:pPr marL="0" lvl="0" indent="0" algn="ctr" rtl="0">
+              <a:spcBef>
+                <a:spcPts val="0"/>
+              </a:spcBef>
+              <a:spcAft>
+                <a:spcPts val="0"/>
+              </a:spcAft>
+              <a:buNone/>
+            </a:pPr>
+            <a:endParaRPr b="1" dirty="0">
+              <a:solidFill>
+                <a:srgbClr val="FFFFFF"/>
+              </a:solidFill>
+            </a:endParaRPr>
+          </a:p>
+        </p:txBody>
+      </p:sp>
+    </p:spTree>
+    <p:extLst>
+      <p:ext uri="{BB962C8B-B14F-4D97-AF65-F5344CB8AC3E}">
+        <p14:creationId xmlns:p14="http://schemas.microsoft.com/office/powerpoint/2010/main" val="3756154022"/>
+      </p:ext>
+    </p:extLst>
+  </p:cSld>
+  <p:clrMapOvr>
+    <a:masterClrMapping/>
+  </p:clrMapOvr>
+</p:sld>
+</file>
+
+<file path=ppt/slides/slide7.xml><?xml version="1.0" encoding="utf-8"?>
 <p:sld xmlns:a="http://schemas.openxmlformats.org/drawingml/2006/main" xmlns:r="http://schemas.openxmlformats.org/officeDocument/2006/relationships" xmlns:p="http://schemas.openxmlformats.org/presentationml/2006/main">
   <p:cSld>
     <p:spTree>
@@ -26616,10 +29135,10 @@
               <a:buNone/>
             </a:pPr>
             <a:r>
-              <a:rPr lang="en-US" b="1" dirty="0"/>
+              <a:rPr lang="en-US" dirty="0"/>
               <a:t>Long Pooling</a:t>
             </a:r>
-            <a:endParaRPr b="1" dirty="0"/>
+            <a:endParaRPr dirty="0"/>
           </a:p>
         </p:txBody>
       </p:sp>
@@ -26659,7 +29178,7 @@
             </a:pPr>
             <a:fld id="{00000000-1234-1234-1234-123412341234}" type="slidenum">
               <a:rPr lang="en"/>
-              <a:t>5</a:t>
+              <a:t>7</a:t>
             </a:fld>
             <a:endParaRPr/>
           </a:p>
@@ -26708,7 +29227,7 @@
 </p:sld>
 </file>
 
-<file path=ppt/slides/slide6.xml><?xml version="1.0" encoding="utf-8"?>
+<file path=ppt/slides/slide8.xml><?xml version="1.0" encoding="utf-8"?>
 <p:sld xmlns:a="http://schemas.openxmlformats.org/drawingml/2006/main" xmlns:r="http://schemas.openxmlformats.org/officeDocument/2006/relationships" xmlns:p="http://schemas.openxmlformats.org/presentationml/2006/main">
   <p:cSld>
     <p:spTree>
@@ -26793,7 +29312,7 @@
             </a:pPr>
             <a:fld id="{00000000-1234-1234-1234-123412341234}" type="slidenum">
               <a:rPr lang="en"/>
-              <a:t>6</a:t>
+              <a:t>8</a:t>
             </a:fld>
             <a:endParaRPr/>
           </a:p>
@@ -26842,7 +29361,7 @@
 </p:sld>
 </file>
 
-<file path=ppt/slides/slide7.xml><?xml version="1.0" encoding="utf-8"?>
+<file path=ppt/slides/slide9.xml><?xml version="1.0" encoding="utf-8"?>
 <p:sld xmlns:a="http://schemas.openxmlformats.org/drawingml/2006/main" xmlns:r="http://schemas.openxmlformats.org/officeDocument/2006/relationships" xmlns:p="http://schemas.openxmlformats.org/presentationml/2006/main">
   <p:cSld>
     <p:spTree>
@@ -26894,10 +29413,10 @@
               <a:buNone/>
             </a:pPr>
             <a:r>
-              <a:rPr lang="en-US" b="1" dirty="0"/>
+              <a:rPr lang="en-US" dirty="0"/>
               <a:t>WebSocket</a:t>
             </a:r>
-            <a:endParaRPr b="1" dirty="0"/>
+            <a:endParaRPr dirty="0"/>
           </a:p>
         </p:txBody>
       </p:sp>
@@ -26937,7 +29456,7 @@
             </a:pPr>
             <a:fld id="{00000000-1234-1234-1234-123412341234}" type="slidenum">
               <a:rPr lang="en"/>
-              <a:t>7</a:t>
+              <a:t>9</a:t>
             </a:fld>
             <a:endParaRPr/>
           </a:p>
@@ -26977,310 +29496,6 @@
     <p:extLst>
       <p:ext uri="{BB962C8B-B14F-4D97-AF65-F5344CB8AC3E}">
         <p14:creationId xmlns:p14="http://schemas.microsoft.com/office/powerpoint/2010/main" val="18174635"/>
-      </p:ext>
-    </p:extLst>
-  </p:cSld>
-  <p:clrMapOvr>
-    <a:masterClrMapping/>
-  </p:clrMapOvr>
-</p:sld>
-</file>
-
-<file path=ppt/slides/slide8.xml><?xml version="1.0" encoding="utf-8"?>
-<p:sld xmlns:a="http://schemas.openxmlformats.org/drawingml/2006/main" xmlns:r="http://schemas.openxmlformats.org/officeDocument/2006/relationships" xmlns:p="http://schemas.openxmlformats.org/presentationml/2006/main">
-  <p:cSld>
-    <p:spTree>
-      <p:nvGrpSpPr>
-        <p:cNvPr id="1" name="Shape 428"/>
-        <p:cNvGrpSpPr/>
-        <p:nvPr/>
-      </p:nvGrpSpPr>
-      <p:grpSpPr>
-        <a:xfrm>
-          <a:off x="0" y="0"/>
-          <a:ext cx="0" cy="0"/>
-          <a:chOff x="0" y="0"/>
-          <a:chExt cx="0" cy="0"/>
-        </a:xfrm>
-      </p:grpSpPr>
-      <p:sp>
-        <p:nvSpPr>
-          <p:cNvPr id="430" name="Google Shape;430;p22"/>
-          <p:cNvSpPr txBox="1">
-            <a:spLocks noGrp="1"/>
-          </p:cNvSpPr>
-          <p:nvPr>
-            <p:ph type="title" idx="4294967295"/>
-          </p:nvPr>
-        </p:nvSpPr>
-        <p:spPr>
-          <a:xfrm>
-            <a:off x="1730150" y="821757"/>
-            <a:ext cx="5798631" cy="645300"/>
-          </a:xfrm>
-          <a:prstGeom prst="rect">
-            <a:avLst/>
-          </a:prstGeom>
-        </p:spPr>
-        <p:txBody>
-          <a:bodyPr spcFirstLastPara="1" wrap="square" lIns="91425" tIns="91425" rIns="91425" bIns="91425" anchor="b" anchorCtr="0">
-            <a:noAutofit/>
-          </a:bodyPr>
-          <a:lstStyle/>
-          <a:p>
-            <a:pPr marL="0" lvl="0" indent="0" algn="l" rtl="0">
-              <a:spcBef>
-                <a:spcPts val="0"/>
-              </a:spcBef>
-              <a:spcAft>
-                <a:spcPts val="0"/>
-              </a:spcAft>
-              <a:buNone/>
-            </a:pPr>
-            <a:r>
-              <a:rPr lang="en-US" b="1" dirty="0"/>
-              <a:t>Como </a:t>
-            </a:r>
-            <a:r>
-              <a:rPr lang="en-US" b="1" dirty="0" err="1"/>
-              <a:t>abstrair</a:t>
-            </a:r>
-            <a:r>
-              <a:rPr lang="en-US" b="1" dirty="0"/>
-              <a:t> </a:t>
-            </a:r>
-            <a:r>
-              <a:rPr lang="en-US" b="1" dirty="0" err="1"/>
-              <a:t>isso</a:t>
-            </a:r>
-            <a:r>
-              <a:rPr lang="en-US" b="1" dirty="0"/>
-              <a:t> ? </a:t>
-            </a:r>
-            <a:endParaRPr b="1" dirty="0"/>
-          </a:p>
-        </p:txBody>
-      </p:sp>
-      <p:sp>
-        <p:nvSpPr>
-          <p:cNvPr id="433" name="Google Shape;433;p22"/>
-          <p:cNvSpPr txBox="1">
-            <a:spLocks noGrp="1"/>
-          </p:cNvSpPr>
-          <p:nvPr>
-            <p:ph type="sldNum" idx="12"/>
-          </p:nvPr>
-        </p:nvSpPr>
-        <p:spPr>
-          <a:xfrm>
-            <a:off x="13557" y="4785525"/>
-            <a:ext cx="548700" cy="357900"/>
-          </a:xfrm>
-          <a:prstGeom prst="rect">
-            <a:avLst/>
-          </a:prstGeom>
-        </p:spPr>
-        <p:txBody>
-          <a:bodyPr spcFirstLastPara="1" wrap="square" lIns="91425" tIns="91425" rIns="91425" bIns="91425" anchor="t" anchorCtr="0">
-            <a:noAutofit/>
-          </a:bodyPr>
-          <a:lstStyle/>
-          <a:p>
-            <a:pPr marL="0" lvl="0" indent="0" algn="l" rtl="0">
-              <a:spcBef>
-                <a:spcPts val="0"/>
-              </a:spcBef>
-              <a:spcAft>
-                <a:spcPts val="0"/>
-              </a:spcAft>
-              <a:buNone/>
-            </a:pPr>
-            <a:fld id="{00000000-1234-1234-1234-123412341234}" type="slidenum">
-              <a:rPr lang="en"/>
-              <a:t>8</a:t>
-            </a:fld>
-            <a:endParaRPr/>
-          </a:p>
-        </p:txBody>
-      </p:sp>
-      <p:pic>
-        <p:nvPicPr>
-          <p:cNvPr id="4" name="Imagem 3">
-            <a:extLst>
-              <a:ext uri="{FF2B5EF4-FFF2-40B4-BE49-F238E27FC236}">
-                <a16:creationId xmlns:a16="http://schemas.microsoft.com/office/drawing/2014/main" id="{60840D8C-D7A6-4B49-9F47-64E3E9EC4D69}"/>
-              </a:ext>
-            </a:extLst>
-          </p:cNvPr>
-          <p:cNvPicPr>
-            <a:picLocks noChangeAspect="1"/>
-          </p:cNvPicPr>
-          <p:nvPr/>
-        </p:nvPicPr>
-        <p:blipFill>
-          <a:blip r:embed="rId3"/>
-          <a:stretch>
-            <a:fillRect/>
-          </a:stretch>
-        </p:blipFill>
-        <p:spPr>
-          <a:xfrm>
-            <a:off x="1321541" y="1598900"/>
-            <a:ext cx="5971860" cy="2999741"/>
-          </a:xfrm>
-          <a:prstGeom prst="rect">
-            <a:avLst/>
-          </a:prstGeom>
-        </p:spPr>
-      </p:pic>
-    </p:spTree>
-    <p:extLst>
-      <p:ext uri="{BB962C8B-B14F-4D97-AF65-F5344CB8AC3E}">
-        <p14:creationId xmlns:p14="http://schemas.microsoft.com/office/powerpoint/2010/main" val="405942519"/>
-      </p:ext>
-    </p:extLst>
-  </p:cSld>
-  <p:clrMapOvr>
-    <a:masterClrMapping/>
-  </p:clrMapOvr>
-</p:sld>
-</file>
-
-<file path=ppt/slides/slide9.xml><?xml version="1.0" encoding="utf-8"?>
-<p:sld xmlns:a="http://schemas.openxmlformats.org/drawingml/2006/main" xmlns:r="http://schemas.openxmlformats.org/officeDocument/2006/relationships" xmlns:p="http://schemas.openxmlformats.org/presentationml/2006/main">
-  <p:cSld>
-    <p:spTree>
-      <p:nvGrpSpPr>
-        <p:cNvPr id="1" name="Shape 371"/>
-        <p:cNvGrpSpPr/>
-        <p:nvPr/>
-      </p:nvGrpSpPr>
-      <p:grpSpPr>
-        <a:xfrm>
-          <a:off x="0" y="0"/>
-          <a:ext cx="0" cy="0"/>
-          <a:chOff x="0" y="0"/>
-          <a:chExt cx="0" cy="0"/>
-        </a:xfrm>
-      </p:grpSpPr>
-      <p:sp>
-        <p:nvSpPr>
-          <p:cNvPr id="372" name="Google Shape;372;p16"/>
-          <p:cNvSpPr txBox="1">
-            <a:spLocks noGrp="1"/>
-          </p:cNvSpPr>
-          <p:nvPr>
-            <p:ph type="title"/>
-          </p:nvPr>
-        </p:nvSpPr>
-        <p:spPr>
-          <a:xfrm>
-            <a:off x="2099850" y="954688"/>
-            <a:ext cx="4944300" cy="645300"/>
-          </a:xfrm>
-          <a:prstGeom prst="rect">
-            <a:avLst/>
-          </a:prstGeom>
-        </p:spPr>
-        <p:txBody>
-          <a:bodyPr spcFirstLastPara="1" wrap="square" lIns="91425" tIns="91425" rIns="91425" bIns="91425" anchor="b" anchorCtr="0">
-            <a:noAutofit/>
-          </a:bodyPr>
-          <a:lstStyle/>
-          <a:p>
-            <a:pPr marL="0" lvl="0" indent="0" algn="l" rtl="0">
-              <a:spcBef>
-                <a:spcPts val="0"/>
-              </a:spcBef>
-              <a:spcAft>
-                <a:spcPts val="0"/>
-              </a:spcAft>
-              <a:buNone/>
-            </a:pPr>
-            <a:r>
-              <a:rPr lang="en-US" b="1" dirty="0"/>
-              <a:t>Hubs</a:t>
-            </a:r>
-            <a:endParaRPr b="1" dirty="0"/>
-          </a:p>
-        </p:txBody>
-      </p:sp>
-      <p:sp>
-        <p:nvSpPr>
-          <p:cNvPr id="374" name="Google Shape;374;p16"/>
-          <p:cNvSpPr txBox="1">
-            <a:spLocks noGrp="1"/>
-          </p:cNvSpPr>
-          <p:nvPr>
-            <p:ph type="sldNum" idx="12"/>
-          </p:nvPr>
-        </p:nvSpPr>
-        <p:spPr>
-          <a:xfrm>
-            <a:off x="13557" y="4785525"/>
-            <a:ext cx="548700" cy="357900"/>
-          </a:xfrm>
-          <a:prstGeom prst="rect">
-            <a:avLst/>
-          </a:prstGeom>
-        </p:spPr>
-        <p:txBody>
-          <a:bodyPr spcFirstLastPara="1" wrap="square" lIns="91425" tIns="91425" rIns="91425" bIns="91425" anchor="t" anchorCtr="0">
-            <a:noAutofit/>
-          </a:bodyPr>
-          <a:lstStyle/>
-          <a:p>
-            <a:pPr marL="0" lvl="0" indent="0" algn="l" rtl="0">
-              <a:spcBef>
-                <a:spcPts val="0"/>
-              </a:spcBef>
-              <a:spcAft>
-                <a:spcPts val="0"/>
-              </a:spcAft>
-              <a:buNone/>
-            </a:pPr>
-            <a:fld id="{00000000-1234-1234-1234-123412341234}" type="slidenum">
-              <a:rPr lang="en"/>
-              <a:t>9</a:t>
-            </a:fld>
-            <a:endParaRPr/>
-          </a:p>
-        </p:txBody>
-      </p:sp>
-      <p:pic>
-        <p:nvPicPr>
-          <p:cNvPr id="5" name="Imagem 4">
-            <a:extLst>
-              <a:ext uri="{FF2B5EF4-FFF2-40B4-BE49-F238E27FC236}">
-                <a16:creationId xmlns:a16="http://schemas.microsoft.com/office/drawing/2014/main" id="{6CA7F25E-7DA9-4BD5-A5D2-2F0B936224D1}"/>
-              </a:ext>
-            </a:extLst>
-          </p:cNvPr>
-          <p:cNvPicPr>
-            <a:picLocks noChangeAspect="1"/>
-          </p:cNvPicPr>
-          <p:nvPr/>
-        </p:nvPicPr>
-        <p:blipFill>
-          <a:blip r:embed="rId3"/>
-          <a:stretch>
-            <a:fillRect/>
-          </a:stretch>
-        </p:blipFill>
-        <p:spPr>
-          <a:xfrm>
-            <a:off x="2634850" y="1968400"/>
-            <a:ext cx="2886478" cy="2581635"/>
-          </a:xfrm>
-          <a:prstGeom prst="rect">
-            <a:avLst/>
-          </a:prstGeom>
-        </p:spPr>
-      </p:pic>
-    </p:spTree>
-    <p:extLst>
-      <p:ext uri="{BB962C8B-B14F-4D97-AF65-F5344CB8AC3E}">
-        <p14:creationId xmlns:p14="http://schemas.microsoft.com/office/powerpoint/2010/main" val="3909053737"/>
       </p:ext>
     </p:extLst>
   </p:cSld>

--- a/docs/Apresentacao.pptx
+++ b/docs/Apresentacao.pptx
@@ -5,7 +5,7 @@
     <p:sldMasterId id="2147483658" r:id="rId1"/>
   </p:sldMasterIdLst>
   <p:notesMasterIdLst>
-    <p:notesMasterId r:id="rId22"/>
+    <p:notesMasterId r:id="rId20"/>
   </p:notesMasterIdLst>
   <p:sldIdLst>
     <p:sldId id="256" r:id="rId2"/>
@@ -22,38 +22,43 @@
     <p:sldId id="285" r:id="rId13"/>
     <p:sldId id="307" r:id="rId14"/>
     <p:sldId id="292" r:id="rId15"/>
-    <p:sldId id="299" r:id="rId16"/>
-    <p:sldId id="267" r:id="rId17"/>
-    <p:sldId id="294" r:id="rId18"/>
-    <p:sldId id="305" r:id="rId19"/>
-    <p:sldId id="308" r:id="rId20"/>
-    <p:sldId id="306" r:id="rId21"/>
+    <p:sldId id="267" r:id="rId16"/>
+    <p:sldId id="294" r:id="rId17"/>
+    <p:sldId id="308" r:id="rId18"/>
+    <p:sldId id="306" r:id="rId19"/>
   </p:sldIdLst>
   <p:sldSz cx="9144000" cy="5143500" type="screen16x9"/>
   <p:notesSz cx="6858000" cy="9144000"/>
   <p:embeddedFontLst>
     <p:embeddedFont>
       <p:font typeface="Calibri" panose="020F0502020204030204" pitchFamily="34" charset="0"/>
-      <p:regular r:id="rId23"/>
-      <p:bold r:id="rId24"/>
-      <p:italic r:id="rId25"/>
-      <p:boldItalic r:id="rId26"/>
+      <p:regular r:id="rId21"/>
+      <p:bold r:id="rId22"/>
+      <p:italic r:id="rId23"/>
+      <p:boldItalic r:id="rId24"/>
     </p:embeddedFont>
     <p:embeddedFont>
       <p:font typeface="Calibri Light" panose="020F0302020204030204" pitchFamily="34" charset="0"/>
-      <p:regular r:id="rId27"/>
-      <p:italic r:id="rId28"/>
+      <p:regular r:id="rId25"/>
+      <p:italic r:id="rId26"/>
     </p:embeddedFont>
     <p:embeddedFont>
       <p:font typeface="Muli" panose="020B0604020202020204" charset="0"/>
-      <p:regular r:id="rId29"/>
-      <p:bold r:id="rId30"/>
-      <p:italic r:id="rId31"/>
-      <p:boldItalic r:id="rId32"/>
+      <p:regular r:id="rId27"/>
+      <p:bold r:id="rId28"/>
+      <p:italic r:id="rId29"/>
+      <p:boldItalic r:id="rId30"/>
     </p:embeddedFont>
     <p:embeddedFont>
       <p:font typeface="Nixie One" panose="020B0604020202020204" charset="0"/>
-      <p:regular r:id="rId33"/>
+      <p:regular r:id="rId31"/>
+    </p:embeddedFont>
+    <p:embeddedFont>
+      <p:font typeface="Roboto" panose="02000000000000000000" pitchFamily="2" charset="0"/>
+      <p:regular r:id="rId32"/>
+      <p:bold r:id="rId33"/>
+      <p:italic r:id="rId34"/>
+      <p:boldItalic r:id="rId35"/>
     </p:embeddedFont>
   </p:embeddedFontLst>
   <p:defaultTextStyle>
@@ -1252,7 +1257,7 @@
   <p:cSld>
     <p:spTree>
       <p:nvGrpSpPr>
-        <p:cNvPr id="1" name="Shape 355"/>
+        <p:cNvPr id="1" name="Shape 425"/>
         <p:cNvGrpSpPr/>
         <p:nvPr/>
       </p:nvGrpSpPr>
@@ -1266,7 +1271,7 @@
       </p:grpSpPr>
       <p:sp>
         <p:nvSpPr>
-          <p:cNvPr id="356" name="Google Shape;356;g35f391192_029:notes"/>
+          <p:cNvPr id="426" name="Google Shape;426;g35f391192_073:notes"/>
           <p:cNvSpPr>
             <a:spLocks noGrp="1" noRot="1" noChangeAspect="1"/>
           </p:cNvSpPr>
@@ -1307,7 +1312,7 @@
       </p:sp>
       <p:sp>
         <p:nvSpPr>
-          <p:cNvPr id="357" name="Google Shape;357;g35f391192_029:notes"/>
+          <p:cNvPr id="427" name="Google Shape;427;g35f391192_073:notes"/>
           <p:cNvSpPr txBox="1">
             <a:spLocks noGrp="1"/>
           </p:cNvSpPr>
@@ -1344,11 +1349,6 @@
         </p:txBody>
       </p:sp>
     </p:spTree>
-    <p:extLst>
-      <p:ext uri="{BB962C8B-B14F-4D97-AF65-F5344CB8AC3E}">
-        <p14:creationId xmlns:p14="http://schemas.microsoft.com/office/powerpoint/2010/main" val="2586886862"/>
-      </p:ext>
-    </p:extLst>
   </p:cSld>
   <p:clrMapOvr>
     <a:masterClrMapping/>
@@ -1453,6 +1453,11 @@
         </p:txBody>
       </p:sp>
     </p:spTree>
+    <p:extLst>
+      <p:ext uri="{BB962C8B-B14F-4D97-AF65-F5344CB8AC3E}">
+        <p14:creationId xmlns:p14="http://schemas.microsoft.com/office/powerpoint/2010/main" val="1677784485"/>
+      </p:ext>
+    </p:extLst>
   </p:cSld>
   <p:clrMapOvr>
     <a:masterClrMapping/>
@@ -1559,7 +1564,7 @@
     </p:spTree>
     <p:extLst>
       <p:ext uri="{BB962C8B-B14F-4D97-AF65-F5344CB8AC3E}">
-        <p14:creationId xmlns:p14="http://schemas.microsoft.com/office/powerpoint/2010/main" val="1677784485"/>
+        <p14:creationId xmlns:p14="http://schemas.microsoft.com/office/powerpoint/2010/main" val="1777854892"/>
       </p:ext>
     </p:extLst>
   </p:cSld>
@@ -1668,116 +1673,7 @@
     </p:spTree>
     <p:extLst>
       <p:ext uri="{BB962C8B-B14F-4D97-AF65-F5344CB8AC3E}">
-        <p14:creationId xmlns:p14="http://schemas.microsoft.com/office/powerpoint/2010/main" val="247874003"/>
-      </p:ext>
-    </p:extLst>
-  </p:cSld>
-  <p:clrMapOvr>
-    <a:masterClrMapping/>
-  </p:clrMapOvr>
-</p:notes>
-</file>
-
-<file path=ppt/notesSlides/notesSlide19.xml><?xml version="1.0" encoding="utf-8"?>
-<p:notes xmlns:a="http://schemas.openxmlformats.org/drawingml/2006/main" xmlns:r="http://schemas.openxmlformats.org/officeDocument/2006/relationships" xmlns:p="http://schemas.openxmlformats.org/presentationml/2006/main" showMasterSp="0" showMasterPhAnim="0">
-  <p:cSld>
-    <p:spTree>
-      <p:nvGrpSpPr>
-        <p:cNvPr id="1" name="Shape 425"/>
-        <p:cNvGrpSpPr/>
-        <p:nvPr/>
-      </p:nvGrpSpPr>
-      <p:grpSpPr>
-        <a:xfrm>
-          <a:off x="0" y="0"/>
-          <a:ext cx="0" cy="0"/>
-          <a:chOff x="0" y="0"/>
-          <a:chExt cx="0" cy="0"/>
-        </a:xfrm>
-      </p:grpSpPr>
-      <p:sp>
-        <p:nvSpPr>
-          <p:cNvPr id="426" name="Google Shape;426;g35f391192_073:notes"/>
-          <p:cNvSpPr>
-            <a:spLocks noGrp="1" noRot="1" noChangeAspect="1"/>
-          </p:cNvSpPr>
-          <p:nvPr>
-            <p:ph type="sldImg" idx="2"/>
-          </p:nvPr>
-        </p:nvSpPr>
-        <p:spPr>
-          <a:xfrm>
-            <a:off x="381000" y="685800"/>
-            <a:ext cx="6096000" cy="3429000"/>
-          </a:xfrm>
-          <a:custGeom>
-            <a:avLst/>
-            <a:gdLst/>
-            <a:ahLst/>
-            <a:cxnLst/>
-            <a:rect l="l" t="t" r="r" b="b"/>
-            <a:pathLst>
-              <a:path w="120000" h="120000" extrusionOk="0">
-                <a:moveTo>
-                  <a:pt x="0" y="0"/>
-                </a:moveTo>
-                <a:lnTo>
-                  <a:pt x="120000" y="0"/>
-                </a:lnTo>
-                <a:lnTo>
-                  <a:pt x="120000" y="120000"/>
-                </a:lnTo>
-                <a:lnTo>
-                  <a:pt x="0" y="120000"/>
-                </a:lnTo>
-                <a:close/>
-              </a:path>
-            </a:pathLst>
-          </a:custGeom>
-        </p:spPr>
-      </p:sp>
-      <p:sp>
-        <p:nvSpPr>
-          <p:cNvPr id="427" name="Google Shape;427;g35f391192_073:notes"/>
-          <p:cNvSpPr txBox="1">
-            <a:spLocks noGrp="1"/>
-          </p:cNvSpPr>
-          <p:nvPr>
-            <p:ph type="body" idx="1"/>
-          </p:nvPr>
-        </p:nvSpPr>
-        <p:spPr>
-          <a:xfrm>
-            <a:off x="685800" y="4343400"/>
-            <a:ext cx="5486400" cy="4114800"/>
-          </a:xfrm>
-          <a:prstGeom prst="rect">
-            <a:avLst/>
-          </a:prstGeom>
-        </p:spPr>
-        <p:txBody>
-          <a:bodyPr spcFirstLastPara="1" wrap="square" lIns="91425" tIns="91425" rIns="91425" bIns="91425" anchor="t" anchorCtr="0">
-            <a:noAutofit/>
-          </a:bodyPr>
-          <a:lstStyle/>
-          <a:p>
-            <a:pPr marL="0" lvl="0" indent="0" algn="l" rtl="0">
-              <a:spcBef>
-                <a:spcPts val="0"/>
-              </a:spcBef>
-              <a:spcAft>
-                <a:spcPts val="0"/>
-              </a:spcAft>
-              <a:buNone/>
-            </a:pPr>
-            <a:endParaRPr/>
-          </a:p>
-        </p:txBody>
-      </p:sp>
-    </p:spTree>
-    <p:extLst>
-      <p:ext uri="{BB962C8B-B14F-4D97-AF65-F5344CB8AC3E}">
-        <p14:creationId xmlns:p14="http://schemas.microsoft.com/office/powerpoint/2010/main" val="1777854892"/>
+        <p14:creationId xmlns:p14="http://schemas.microsoft.com/office/powerpoint/2010/main" val="682412507"/>
       </p:ext>
     </p:extLst>
   </p:cSld>
@@ -1884,115 +1780,6 @@
         </p:txBody>
       </p:sp>
     </p:spTree>
-  </p:cSld>
-  <p:clrMapOvr>
-    <a:masterClrMapping/>
-  </p:clrMapOvr>
-</p:notes>
-</file>
-
-<file path=ppt/notesSlides/notesSlide20.xml><?xml version="1.0" encoding="utf-8"?>
-<p:notes xmlns:a="http://schemas.openxmlformats.org/drawingml/2006/main" xmlns:r="http://schemas.openxmlformats.org/officeDocument/2006/relationships" xmlns:p="http://schemas.openxmlformats.org/presentationml/2006/main" showMasterSp="0" showMasterPhAnim="0">
-  <p:cSld>
-    <p:spTree>
-      <p:nvGrpSpPr>
-        <p:cNvPr id="1" name="Shape 355"/>
-        <p:cNvGrpSpPr/>
-        <p:nvPr/>
-      </p:nvGrpSpPr>
-      <p:grpSpPr>
-        <a:xfrm>
-          <a:off x="0" y="0"/>
-          <a:ext cx="0" cy="0"/>
-          <a:chOff x="0" y="0"/>
-          <a:chExt cx="0" cy="0"/>
-        </a:xfrm>
-      </p:grpSpPr>
-      <p:sp>
-        <p:nvSpPr>
-          <p:cNvPr id="356" name="Google Shape;356;g35f391192_029:notes"/>
-          <p:cNvSpPr>
-            <a:spLocks noGrp="1" noRot="1" noChangeAspect="1"/>
-          </p:cNvSpPr>
-          <p:nvPr>
-            <p:ph type="sldImg" idx="2"/>
-          </p:nvPr>
-        </p:nvSpPr>
-        <p:spPr>
-          <a:xfrm>
-            <a:off x="381000" y="685800"/>
-            <a:ext cx="6096000" cy="3429000"/>
-          </a:xfrm>
-          <a:custGeom>
-            <a:avLst/>
-            <a:gdLst/>
-            <a:ahLst/>
-            <a:cxnLst/>
-            <a:rect l="l" t="t" r="r" b="b"/>
-            <a:pathLst>
-              <a:path w="120000" h="120000" extrusionOk="0">
-                <a:moveTo>
-                  <a:pt x="0" y="0"/>
-                </a:moveTo>
-                <a:lnTo>
-                  <a:pt x="120000" y="0"/>
-                </a:lnTo>
-                <a:lnTo>
-                  <a:pt x="120000" y="120000"/>
-                </a:lnTo>
-                <a:lnTo>
-                  <a:pt x="0" y="120000"/>
-                </a:lnTo>
-                <a:close/>
-              </a:path>
-            </a:pathLst>
-          </a:custGeom>
-        </p:spPr>
-      </p:sp>
-      <p:sp>
-        <p:nvSpPr>
-          <p:cNvPr id="357" name="Google Shape;357;g35f391192_029:notes"/>
-          <p:cNvSpPr txBox="1">
-            <a:spLocks noGrp="1"/>
-          </p:cNvSpPr>
-          <p:nvPr>
-            <p:ph type="body" idx="1"/>
-          </p:nvPr>
-        </p:nvSpPr>
-        <p:spPr>
-          <a:xfrm>
-            <a:off x="685800" y="4343400"/>
-            <a:ext cx="5486400" cy="4114800"/>
-          </a:xfrm>
-          <a:prstGeom prst="rect">
-            <a:avLst/>
-          </a:prstGeom>
-        </p:spPr>
-        <p:txBody>
-          <a:bodyPr spcFirstLastPara="1" wrap="square" lIns="91425" tIns="91425" rIns="91425" bIns="91425" anchor="t" anchorCtr="0">
-            <a:noAutofit/>
-          </a:bodyPr>
-          <a:lstStyle/>
-          <a:p>
-            <a:pPr marL="0" lvl="0" indent="0" algn="l" rtl="0">
-              <a:spcBef>
-                <a:spcPts val="0"/>
-              </a:spcBef>
-              <a:spcAft>
-                <a:spcPts val="0"/>
-              </a:spcAft>
-              <a:buNone/>
-            </a:pPr>
-            <a:endParaRPr/>
-          </a:p>
-        </p:txBody>
-      </p:sp>
-    </p:spTree>
-    <p:extLst>
-      <p:ext uri="{BB962C8B-B14F-4D97-AF65-F5344CB8AC3E}">
-        <p14:creationId xmlns:p14="http://schemas.microsoft.com/office/powerpoint/2010/main" val="682412507"/>
-      </p:ext>
-    </p:extLst>
   </p:cSld>
   <p:clrMapOvr>
     <a:masterClrMapping/>
@@ -2974,7 +2761,7 @@
           <a:p>
             <a:fld id="{4BDF68E2-58F2-4D09-BE8B-E3BD06533059}" type="datetimeFigureOut">
               <a:rPr lang="en-US" dirty="0"/>
-              <a:t>3/9/2019</a:t>
+              <a:t>6/1/2019</a:t>
             </a:fld>
             <a:endParaRPr lang="en-US" dirty="0"/>
           </a:p>
@@ -3192,7 +2979,7 @@
           <a:p>
             <a:fld id="{2E2D6473-DF6D-4702-B328-E0DD40540A4E}" type="datetimeFigureOut">
               <a:rPr lang="en-US" dirty="0"/>
-              <a:t>3/9/2019</a:t>
+              <a:t>6/1/2019</a:t>
             </a:fld>
             <a:endParaRPr lang="en-US" dirty="0"/>
           </a:p>
@@ -3458,7 +3245,7 @@
           <a:p>
             <a:fld id="{E26F7E3A-B166-407D-9866-32884E7D5B37}" type="datetimeFigureOut">
               <a:rPr lang="en-US" dirty="0"/>
-              <a:t>3/9/2019</a:t>
+              <a:t>6/1/2019</a:t>
             </a:fld>
             <a:endParaRPr lang="en-US" dirty="0"/>
           </a:p>
@@ -4500,7 +4287,7 @@
           <a:p>
             <a:fld id="{528FC5F6-F338-4AE4-BB23-26385BCFC423}" type="datetimeFigureOut">
               <a:rPr lang="en-US" dirty="0"/>
-              <a:t>3/9/2019</a:t>
+              <a:t>6/1/2019</a:t>
             </a:fld>
             <a:endParaRPr lang="en-US" dirty="0"/>
           </a:p>
@@ -4853,7 +4640,7 @@
           <a:p>
             <a:fld id="{20EBB0C4-6273-4C6E-B9BD-2EDC30F1CD52}" type="datetimeFigureOut">
               <a:rPr lang="en-US" dirty="0"/>
-              <a:t>3/9/2019</a:t>
+              <a:t>6/1/2019</a:t>
             </a:fld>
             <a:endParaRPr lang="en-US" dirty="0"/>
           </a:p>
@@ -5138,7 +4925,7 @@
           <a:p>
             <a:fld id="{19AB4D41-86C1-4908-B66A-0B50CEB3BF29}" type="datetimeFigureOut">
               <a:rPr lang="en-US" dirty="0"/>
-              <a:t>3/9/2019</a:t>
+              <a:t>6/1/2019</a:t>
             </a:fld>
             <a:endParaRPr lang="en-US" dirty="0"/>
           </a:p>
@@ -5527,7 +5314,7 @@
           <a:p>
             <a:fld id="{E6426E2C-56C1-4E0D-A793-0088A7FDD37E}" type="datetimeFigureOut">
               <a:rPr lang="en-US" dirty="0"/>
-              <a:t>3/9/2019</a:t>
+              <a:t>6/1/2019</a:t>
             </a:fld>
             <a:endParaRPr lang="en-US" dirty="0"/>
           </a:p>
@@ -5655,7 +5442,7 @@
           <a:p>
             <a:fld id="{C8C39B41-D8B5-4052-B551-9B5525EAA8B6}" type="datetimeFigureOut">
               <a:rPr lang="en-US" dirty="0"/>
-              <a:t>3/9/2019</a:t>
+              <a:t>6/1/2019</a:t>
             </a:fld>
             <a:endParaRPr lang="en-US" dirty="0"/>
           </a:p>
@@ -5836,7 +5623,7 @@
           <a:p>
             <a:fld id="{4D94136C-8742-45B2-AF27-D93DF72833A9}" type="datetimeFigureOut">
               <a:rPr lang="en-US" dirty="0"/>
-              <a:t>3/9/2019</a:t>
+              <a:t>6/1/2019</a:t>
             </a:fld>
             <a:endParaRPr lang="en-US" dirty="0"/>
           </a:p>
@@ -6200,7 +5987,7 @@
           <a:p>
             <a:fld id="{32ABBEA6-7C60-4B02-AE87-00D78D8422AF}" type="datetimeFigureOut">
               <a:rPr lang="en-US" dirty="0"/>
-              <a:t>3/9/2019</a:t>
+              <a:t>6/1/2019</a:t>
             </a:fld>
             <a:endParaRPr lang="en-US" dirty="0"/>
           </a:p>
@@ -6592,7 +6379,7 @@
           <a:p>
             <a:fld id="{C9CAD897-D46E-4AD2-BD9B-49DD3E640873}" type="datetimeFigureOut">
               <a:rPr lang="en-US" dirty="0"/>
-              <a:t>3/9/2019</a:t>
+              <a:t>6/1/2019</a:t>
             </a:fld>
             <a:endParaRPr lang="en-US" dirty="0"/>
           </a:p>
@@ -6889,7 +6676,7 @@
           <a:p>
             <a:fld id="{98624D31-43A5-475A-80CF-332C9F6DCF35}" type="datetimeFigureOut">
               <a:rPr lang="en-US" dirty="0"/>
-              <a:t>3/9/2019</a:t>
+              <a:t>6/1/2019</a:t>
             </a:fld>
             <a:endParaRPr lang="en-US" dirty="0"/>
           </a:p>
@@ -7494,44 +7281,6 @@
       </p:grpSpPr>
       <p:sp>
         <p:nvSpPr>
-          <p:cNvPr id="433" name="Google Shape;433;p22"/>
-          <p:cNvSpPr txBox="1">
-            <a:spLocks noGrp="1"/>
-          </p:cNvSpPr>
-          <p:nvPr>
-            <p:ph type="sldNum" sz="quarter" idx="12"/>
-          </p:nvPr>
-        </p:nvSpPr>
-        <p:spPr>
-          <a:prstGeom prst="rect">
-            <a:avLst/>
-          </a:prstGeom>
-        </p:spPr>
-        <p:txBody>
-          <a:bodyPr spcFirstLastPara="1" wrap="square" lIns="91425" tIns="91425" rIns="91425" bIns="91425" anchor="t" anchorCtr="0">
-            <a:noAutofit/>
-          </a:bodyPr>
-          <a:lstStyle/>
-          <a:p>
-            <a:pPr marL="0" lvl="0" indent="0" algn="l" rtl="0">
-              <a:spcBef>
-                <a:spcPts val="0"/>
-              </a:spcBef>
-              <a:spcAft>
-                <a:spcPts val="0"/>
-              </a:spcAft>
-              <a:buNone/>
-            </a:pPr>
-            <a:fld id="{00000000-1234-1234-1234-123412341234}" type="slidenum">
-              <a:rPr lang="en"/>
-              <a:t>10</a:t>
-            </a:fld>
-            <a:endParaRPr/>
-          </a:p>
-        </p:txBody>
-      </p:sp>
-      <p:sp>
-        <p:nvSpPr>
           <p:cNvPr id="430" name="Google Shape;430;p22"/>
           <p:cNvSpPr txBox="1">
             <a:spLocks noGrp="1"/>
@@ -7542,8 +7291,8 @@
         </p:nvSpPr>
         <p:spPr>
           <a:xfrm>
-            <a:off x="3356336" y="701675"/>
-            <a:ext cx="2431328" cy="644525"/>
+            <a:off x="3212800" y="694586"/>
+            <a:ext cx="2718399" cy="644525"/>
           </a:xfrm>
           <a:prstGeom prst="rect">
             <a:avLst/>
@@ -7557,10 +7306,16 @@
           <a:p>
             <a:pPr lvl="0"/>
             <a:r>
-              <a:rPr lang="en-US" sz="4000" dirty="0"/>
+              <a:rPr lang="en-US" sz="4000" dirty="0">
+                <a:latin typeface="Roboto" panose="02000000000000000000" pitchFamily="2" charset="0"/>
+                <a:ea typeface="Roboto" panose="02000000000000000000" pitchFamily="2" charset="0"/>
+              </a:rPr>
               <a:t>WebSocket</a:t>
             </a:r>
-            <a:endParaRPr sz="4000" dirty="0"/>
+            <a:endParaRPr sz="4000" dirty="0">
+              <a:latin typeface="Roboto" panose="02000000000000000000" pitchFamily="2" charset="0"/>
+              <a:ea typeface="Roboto" panose="02000000000000000000" pitchFamily="2" charset="0"/>
+            </a:endParaRPr>
           </a:p>
         </p:txBody>
       </p:sp>
@@ -7611,6 +7366,8 @@
                 <a:solidFill>
                   <a:schemeClr val="tx1"/>
                 </a:solidFill>
+                <a:latin typeface="Roboto" panose="02000000000000000000" pitchFamily="2" charset="0"/>
+                <a:ea typeface="Roboto" panose="02000000000000000000" pitchFamily="2" charset="0"/>
               </a:rPr>
               <a:t>Handshake</a:t>
             </a:r>
@@ -7664,6 +7421,8 @@
                 <a:solidFill>
                   <a:schemeClr val="tx1"/>
                 </a:solidFill>
+                <a:latin typeface="Roboto" panose="02000000000000000000" pitchFamily="2" charset="0"/>
+                <a:ea typeface="Roboto" panose="02000000000000000000" pitchFamily="2" charset="0"/>
               </a:rPr>
               <a:t>Handshake</a:t>
             </a:r>
@@ -7717,6 +7476,8 @@
                 <a:solidFill>
                   <a:schemeClr val="tx1"/>
                 </a:solidFill>
+                <a:latin typeface="Roboto" panose="02000000000000000000" pitchFamily="2" charset="0"/>
+                <a:ea typeface="Roboto" panose="02000000000000000000" pitchFamily="2" charset="0"/>
               </a:rPr>
               <a:t>Connection</a:t>
             </a:r>
@@ -7770,6 +7531,8 @@
                 <a:solidFill>
                   <a:schemeClr val="tx1"/>
                 </a:solidFill>
+                <a:latin typeface="Roboto" panose="02000000000000000000" pitchFamily="2" charset="0"/>
+                <a:ea typeface="Roboto" panose="02000000000000000000" pitchFamily="2" charset="0"/>
               </a:rPr>
               <a:t>Close Connection</a:t>
             </a:r>
@@ -8100,44 +7863,6 @@
       </p:grpSpPr>
       <p:sp>
         <p:nvSpPr>
-          <p:cNvPr id="433" name="Google Shape;433;p22"/>
-          <p:cNvSpPr txBox="1">
-            <a:spLocks noGrp="1"/>
-          </p:cNvSpPr>
-          <p:nvPr>
-            <p:ph type="sldNum" sz="quarter" idx="12"/>
-          </p:nvPr>
-        </p:nvSpPr>
-        <p:spPr>
-          <a:prstGeom prst="rect">
-            <a:avLst/>
-          </a:prstGeom>
-        </p:spPr>
-        <p:txBody>
-          <a:bodyPr spcFirstLastPara="1" wrap="square" lIns="91425" tIns="91425" rIns="91425" bIns="91425" anchor="t" anchorCtr="0">
-            <a:noAutofit/>
-          </a:bodyPr>
-          <a:lstStyle/>
-          <a:p>
-            <a:pPr marL="0" lvl="0" indent="0" algn="l" rtl="0">
-              <a:spcBef>
-                <a:spcPts val="0"/>
-              </a:spcBef>
-              <a:spcAft>
-                <a:spcPts val="0"/>
-              </a:spcAft>
-              <a:buNone/>
-            </a:pPr>
-            <a:fld id="{00000000-1234-1234-1234-123412341234}" type="slidenum">
-              <a:rPr lang="en"/>
-              <a:t>11</a:t>
-            </a:fld>
-            <a:endParaRPr/>
-          </a:p>
-        </p:txBody>
-      </p:sp>
-      <p:sp>
-        <p:nvSpPr>
           <p:cNvPr id="430" name="Google Shape;430;p22"/>
           <p:cNvSpPr txBox="1">
             <a:spLocks noGrp="1"/>
@@ -8148,8 +7873,8 @@
         </p:nvSpPr>
         <p:spPr>
           <a:xfrm>
-            <a:off x="2569513" y="642216"/>
-            <a:ext cx="4357760" cy="644525"/>
+            <a:off x="2181434" y="503549"/>
+            <a:ext cx="4781129" cy="644525"/>
           </a:xfrm>
           <a:prstGeom prst="rect">
             <a:avLst/>
@@ -8171,26 +7896,44 @@
               <a:buNone/>
             </a:pPr>
             <a:r>
-              <a:rPr lang="en-US" sz="4000" dirty="0"/>
+              <a:rPr lang="en-US" sz="4000" dirty="0">
+                <a:latin typeface="Roboto" panose="02000000000000000000" pitchFamily="2" charset="0"/>
+                <a:ea typeface="Roboto" panose="02000000000000000000" pitchFamily="2" charset="0"/>
+              </a:rPr>
               <a:t>Como </a:t>
             </a:r>
             <a:r>
-              <a:rPr lang="en-US" sz="4000" dirty="0" err="1"/>
+              <a:rPr lang="en-US" sz="4000" dirty="0" err="1">
+                <a:latin typeface="Roboto" panose="02000000000000000000" pitchFamily="2" charset="0"/>
+                <a:ea typeface="Roboto" panose="02000000000000000000" pitchFamily="2" charset="0"/>
+              </a:rPr>
               <a:t>abstrair</a:t>
             </a:r>
             <a:r>
-              <a:rPr lang="en-US" sz="4000" dirty="0"/>
+              <a:rPr lang="en-US" sz="4000" dirty="0">
+                <a:latin typeface="Roboto" panose="02000000000000000000" pitchFamily="2" charset="0"/>
+                <a:ea typeface="Roboto" panose="02000000000000000000" pitchFamily="2" charset="0"/>
+              </a:rPr>
               <a:t> </a:t>
             </a:r>
             <a:r>
-              <a:rPr lang="en-US" sz="4000" dirty="0" err="1"/>
+              <a:rPr lang="en-US" sz="4000" dirty="0" err="1">
+                <a:latin typeface="Roboto" panose="02000000000000000000" pitchFamily="2" charset="0"/>
+                <a:ea typeface="Roboto" panose="02000000000000000000" pitchFamily="2" charset="0"/>
+              </a:rPr>
               <a:t>isso</a:t>
             </a:r>
             <a:r>
-              <a:rPr lang="en-US" sz="4000" dirty="0"/>
+              <a:rPr lang="en-US" sz="4000" dirty="0">
+                <a:latin typeface="Roboto" panose="02000000000000000000" pitchFamily="2" charset="0"/>
+                <a:ea typeface="Roboto" panose="02000000000000000000" pitchFamily="2" charset="0"/>
+              </a:rPr>
               <a:t> ? </a:t>
             </a:r>
-            <a:endParaRPr sz="4000" dirty="0"/>
+            <a:endParaRPr sz="4000" dirty="0">
+              <a:latin typeface="Roboto" panose="02000000000000000000" pitchFamily="2" charset="0"/>
+              <a:ea typeface="Roboto" panose="02000000000000000000" pitchFamily="2" charset="0"/>
+            </a:endParaRPr>
           </a:p>
         </p:txBody>
       </p:sp>
@@ -8339,44 +8082,6 @@
       </p:grpSpPr>
       <p:sp>
         <p:nvSpPr>
-          <p:cNvPr id="374" name="Google Shape;374;p16"/>
-          <p:cNvSpPr txBox="1">
-            <a:spLocks noGrp="1"/>
-          </p:cNvSpPr>
-          <p:nvPr>
-            <p:ph type="sldNum" sz="quarter" idx="12"/>
-          </p:nvPr>
-        </p:nvSpPr>
-        <p:spPr>
-          <a:prstGeom prst="rect">
-            <a:avLst/>
-          </a:prstGeom>
-        </p:spPr>
-        <p:txBody>
-          <a:bodyPr spcFirstLastPara="1" wrap="square" lIns="91425" tIns="91425" rIns="91425" bIns="91425" anchor="t" anchorCtr="0">
-            <a:noAutofit/>
-          </a:bodyPr>
-          <a:lstStyle/>
-          <a:p>
-            <a:pPr marL="0" lvl="0" indent="0" algn="l" rtl="0">
-              <a:spcBef>
-                <a:spcPts val="0"/>
-              </a:spcBef>
-              <a:spcAft>
-                <a:spcPts val="0"/>
-              </a:spcAft>
-              <a:buNone/>
-            </a:pPr>
-            <a:fld id="{00000000-1234-1234-1234-123412341234}" type="slidenum">
-              <a:rPr lang="en"/>
-              <a:t>12</a:t>
-            </a:fld>
-            <a:endParaRPr/>
-          </a:p>
-        </p:txBody>
-      </p:sp>
-      <p:sp>
-        <p:nvSpPr>
           <p:cNvPr id="372" name="Google Shape;372;p16"/>
           <p:cNvSpPr txBox="1">
             <a:spLocks noGrp="1"/>
@@ -8387,8 +8092,8 @@
         </p:nvSpPr>
         <p:spPr>
           <a:xfrm>
-            <a:off x="4014354" y="676997"/>
-            <a:ext cx="1115291" cy="646112"/>
+            <a:off x="4003804" y="637320"/>
+            <a:ext cx="1301925" cy="646112"/>
           </a:xfrm>
           <a:prstGeom prst="rect">
             <a:avLst/>
@@ -8410,10 +8115,16 @@
               <a:buNone/>
             </a:pPr>
             <a:r>
-              <a:rPr lang="en-US" dirty="0"/>
+              <a:rPr lang="en-US" dirty="0">
+                <a:latin typeface="Roboto" panose="02000000000000000000" pitchFamily="2" charset="0"/>
+                <a:ea typeface="Roboto" panose="02000000000000000000" pitchFamily="2" charset="0"/>
+              </a:rPr>
               <a:t>Hubs</a:t>
             </a:r>
-            <a:endParaRPr dirty="0"/>
+            <a:endParaRPr dirty="0">
+              <a:latin typeface="Roboto" panose="02000000000000000000" pitchFamily="2" charset="0"/>
+              <a:ea typeface="Roboto" panose="02000000000000000000" pitchFamily="2" charset="0"/>
+            </a:endParaRPr>
           </a:p>
         </p:txBody>
       </p:sp>
@@ -8609,7 +8320,10 @@
           <a:lstStyle/>
           <a:p>
             <a:pPr algn="ctr"/>
-            <a:endParaRPr lang="en-US"/>
+            <a:endParaRPr lang="en-US">
+              <a:latin typeface="Roboto" panose="02000000000000000000" pitchFamily="2" charset="0"/>
+              <a:ea typeface="Roboto" panose="02000000000000000000" pitchFamily="2" charset="0"/>
+            </a:endParaRPr>
           </a:p>
         </p:txBody>
       </p:sp>
@@ -8656,7 +8370,10 @@
           <a:lstStyle/>
           <a:p>
             <a:pPr algn="ctr"/>
-            <a:endParaRPr lang="en-US"/>
+            <a:endParaRPr lang="en-US">
+              <a:latin typeface="Roboto" panose="02000000000000000000" pitchFamily="2" charset="0"/>
+              <a:ea typeface="Roboto" panose="02000000000000000000" pitchFamily="2" charset="0"/>
+            </a:endParaRPr>
           </a:p>
         </p:txBody>
       </p:sp>
@@ -8703,7 +8420,10 @@
           <a:lstStyle/>
           <a:p>
             <a:pPr algn="ctr"/>
-            <a:endParaRPr lang="en-US"/>
+            <a:endParaRPr lang="en-US">
+              <a:latin typeface="Roboto" panose="02000000000000000000" pitchFamily="2" charset="0"/>
+              <a:ea typeface="Roboto" panose="02000000000000000000" pitchFamily="2" charset="0"/>
+            </a:endParaRPr>
           </a:p>
         </p:txBody>
       </p:sp>
@@ -8750,7 +8470,10 @@
           <a:lstStyle/>
           <a:p>
             <a:pPr algn="ctr"/>
-            <a:endParaRPr lang="en-US"/>
+            <a:endParaRPr lang="en-US">
+              <a:latin typeface="Roboto" panose="02000000000000000000" pitchFamily="2" charset="0"/>
+              <a:ea typeface="Roboto" panose="02000000000000000000" pitchFamily="2" charset="0"/>
+            </a:endParaRPr>
           </a:p>
         </p:txBody>
       </p:sp>
@@ -8797,7 +8520,10 @@
           <a:lstStyle/>
           <a:p>
             <a:pPr algn="ctr"/>
-            <a:endParaRPr lang="en-US"/>
+            <a:endParaRPr lang="en-US">
+              <a:latin typeface="Roboto" panose="02000000000000000000" pitchFamily="2" charset="0"/>
+              <a:ea typeface="Roboto" panose="02000000000000000000" pitchFamily="2" charset="0"/>
+            </a:endParaRPr>
           </a:p>
         </p:txBody>
       </p:sp>
@@ -8816,7 +8542,7 @@
         <p:spPr>
           <a:xfrm>
             <a:off x="2273775" y="2310551"/>
-            <a:ext cx="644728" cy="400110"/>
+            <a:ext cx="679994" cy="400110"/>
           </a:xfrm>
           <a:prstGeom prst="rect">
             <a:avLst/>
@@ -8830,18 +8556,30 @@
           <a:lstStyle/>
           <a:p>
             <a:r>
-              <a:rPr lang="en-US" sz="1000" dirty="0" err="1"/>
+              <a:rPr lang="en-US" sz="1000" dirty="0" err="1">
+                <a:latin typeface="Roboto" panose="02000000000000000000" pitchFamily="2" charset="0"/>
+                <a:ea typeface="Roboto" panose="02000000000000000000" pitchFamily="2" charset="0"/>
+              </a:rPr>
               <a:t>Cliente</a:t>
             </a:r>
             <a:r>
-              <a:rPr lang="en-US" sz="1000" dirty="0"/>
+              <a:rPr lang="en-US" sz="1000" dirty="0">
+                <a:latin typeface="Roboto" panose="02000000000000000000" pitchFamily="2" charset="0"/>
+                <a:ea typeface="Roboto" panose="02000000000000000000" pitchFamily="2" charset="0"/>
+              </a:rPr>
               <a:t> 1</a:t>
             </a:r>
             <a:br>
-              <a:rPr lang="en-US" sz="1000" dirty="0"/>
+              <a:rPr lang="en-US" sz="1000" dirty="0">
+                <a:latin typeface="Roboto" panose="02000000000000000000" pitchFamily="2" charset="0"/>
+                <a:ea typeface="Roboto" panose="02000000000000000000" pitchFamily="2" charset="0"/>
+              </a:rPr>
             </a:br>
             <a:r>
-              <a:rPr lang="en-US" sz="1000" dirty="0"/>
+              <a:rPr lang="en-US" sz="1000" dirty="0">
+                <a:latin typeface="Roboto" panose="02000000000000000000" pitchFamily="2" charset="0"/>
+                <a:ea typeface="Roboto" panose="02000000000000000000" pitchFamily="2" charset="0"/>
+              </a:rPr>
               <a:t>Grupo A</a:t>
             </a:r>
           </a:p>
@@ -8862,7 +8600,7 @@
         <p:spPr>
           <a:xfrm>
             <a:off x="2002438" y="4177360"/>
-            <a:ext cx="644728" cy="400110"/>
+            <a:ext cx="679994" cy="400110"/>
           </a:xfrm>
           <a:prstGeom prst="rect">
             <a:avLst/>
@@ -8876,18 +8614,30 @@
           <a:lstStyle/>
           <a:p>
             <a:r>
-              <a:rPr lang="en-US" sz="1000" dirty="0" err="1"/>
+              <a:rPr lang="en-US" sz="1000" dirty="0" err="1">
+                <a:latin typeface="Roboto" panose="02000000000000000000" pitchFamily="2" charset="0"/>
+                <a:ea typeface="Roboto" panose="02000000000000000000" pitchFamily="2" charset="0"/>
+              </a:rPr>
               <a:t>Cliente</a:t>
             </a:r>
             <a:r>
-              <a:rPr lang="en-US" sz="1000" dirty="0"/>
+              <a:rPr lang="en-US" sz="1000" dirty="0">
+                <a:latin typeface="Roboto" panose="02000000000000000000" pitchFamily="2" charset="0"/>
+                <a:ea typeface="Roboto" panose="02000000000000000000" pitchFamily="2" charset="0"/>
+              </a:rPr>
               <a:t> 2</a:t>
             </a:r>
             <a:br>
-              <a:rPr lang="en-US" sz="1000" dirty="0"/>
+              <a:rPr lang="en-US" sz="1000" dirty="0">
+                <a:latin typeface="Roboto" panose="02000000000000000000" pitchFamily="2" charset="0"/>
+                <a:ea typeface="Roboto" panose="02000000000000000000" pitchFamily="2" charset="0"/>
+              </a:rPr>
             </a:br>
             <a:r>
-              <a:rPr lang="en-US" sz="1000" dirty="0"/>
+              <a:rPr lang="en-US" sz="1000" dirty="0">
+                <a:latin typeface="Roboto" panose="02000000000000000000" pitchFamily="2" charset="0"/>
+                <a:ea typeface="Roboto" panose="02000000000000000000" pitchFamily="2" charset="0"/>
+              </a:rPr>
               <a:t>Grupo B</a:t>
             </a:r>
           </a:p>
@@ -8908,7 +8658,7 @@
         <p:spPr>
           <a:xfrm>
             <a:off x="6215803" y="4182021"/>
-            <a:ext cx="644728" cy="400110"/>
+            <a:ext cx="679994" cy="400110"/>
           </a:xfrm>
           <a:prstGeom prst="rect">
             <a:avLst/>
@@ -8922,18 +8672,30 @@
           <a:lstStyle/>
           <a:p>
             <a:r>
-              <a:rPr lang="en-US" sz="1000" dirty="0" err="1"/>
+              <a:rPr lang="en-US" sz="1000" dirty="0" err="1">
+                <a:latin typeface="Roboto" panose="02000000000000000000" pitchFamily="2" charset="0"/>
+                <a:ea typeface="Roboto" panose="02000000000000000000" pitchFamily="2" charset="0"/>
+              </a:rPr>
               <a:t>Cliente</a:t>
             </a:r>
             <a:r>
-              <a:rPr lang="en-US" sz="1000" dirty="0"/>
+              <a:rPr lang="en-US" sz="1000" dirty="0">
+                <a:latin typeface="Roboto" panose="02000000000000000000" pitchFamily="2" charset="0"/>
+                <a:ea typeface="Roboto" panose="02000000000000000000" pitchFamily="2" charset="0"/>
+              </a:rPr>
               <a:t> 4</a:t>
             </a:r>
             <a:br>
-              <a:rPr lang="en-US" sz="1000" dirty="0"/>
+              <a:rPr lang="en-US" sz="1000" dirty="0">
+                <a:latin typeface="Roboto" panose="02000000000000000000" pitchFamily="2" charset="0"/>
+                <a:ea typeface="Roboto" panose="02000000000000000000" pitchFamily="2" charset="0"/>
+              </a:rPr>
             </a:br>
             <a:r>
-              <a:rPr lang="en-US" sz="1000" dirty="0"/>
+              <a:rPr lang="en-US" sz="1000" dirty="0">
+                <a:latin typeface="Roboto" panose="02000000000000000000" pitchFamily="2" charset="0"/>
+                <a:ea typeface="Roboto" panose="02000000000000000000" pitchFamily="2" charset="0"/>
+              </a:rPr>
               <a:t>Grupo B</a:t>
             </a:r>
           </a:p>
@@ -8954,7 +8716,7 @@
         <p:spPr>
           <a:xfrm>
             <a:off x="6403064" y="2236927"/>
-            <a:ext cx="644728" cy="400110"/>
+            <a:ext cx="679994" cy="400110"/>
           </a:xfrm>
           <a:prstGeom prst="rect">
             <a:avLst/>
@@ -8968,18 +8730,30 @@
           <a:lstStyle/>
           <a:p>
             <a:r>
-              <a:rPr lang="en-US" sz="1000" dirty="0" err="1"/>
+              <a:rPr lang="en-US" sz="1000" dirty="0" err="1">
+                <a:latin typeface="Roboto" panose="02000000000000000000" pitchFamily="2" charset="0"/>
+                <a:ea typeface="Roboto" panose="02000000000000000000" pitchFamily="2" charset="0"/>
+              </a:rPr>
               <a:t>Cliente</a:t>
             </a:r>
             <a:r>
-              <a:rPr lang="en-US" sz="1000" dirty="0"/>
+              <a:rPr lang="en-US" sz="1000" dirty="0">
+                <a:latin typeface="Roboto" panose="02000000000000000000" pitchFamily="2" charset="0"/>
+                <a:ea typeface="Roboto" panose="02000000000000000000" pitchFamily="2" charset="0"/>
+              </a:rPr>
               <a:t> 3</a:t>
             </a:r>
             <a:br>
-              <a:rPr lang="en-US" sz="1000" dirty="0"/>
+              <a:rPr lang="en-US" sz="1000" dirty="0">
+                <a:latin typeface="Roboto" panose="02000000000000000000" pitchFamily="2" charset="0"/>
+                <a:ea typeface="Roboto" panose="02000000000000000000" pitchFamily="2" charset="0"/>
+              </a:rPr>
             </a:br>
             <a:r>
-              <a:rPr lang="en-US" sz="1000" dirty="0"/>
+              <a:rPr lang="en-US" sz="1000" dirty="0">
+                <a:latin typeface="Roboto" panose="02000000000000000000" pitchFamily="2" charset="0"/>
+                <a:ea typeface="Roboto" panose="02000000000000000000" pitchFamily="2" charset="0"/>
+              </a:rPr>
               <a:t>Grupo A</a:t>
             </a:r>
           </a:p>
@@ -9265,44 +9039,6 @@
       </p:grpSpPr>
       <p:sp>
         <p:nvSpPr>
-          <p:cNvPr id="374" name="Google Shape;374;p16"/>
-          <p:cNvSpPr txBox="1">
-            <a:spLocks noGrp="1"/>
-          </p:cNvSpPr>
-          <p:nvPr>
-            <p:ph type="sldNum" sz="quarter" idx="12"/>
-          </p:nvPr>
-        </p:nvSpPr>
-        <p:spPr>
-          <a:prstGeom prst="rect">
-            <a:avLst/>
-          </a:prstGeom>
-        </p:spPr>
-        <p:txBody>
-          <a:bodyPr spcFirstLastPara="1" wrap="square" lIns="91425" tIns="91425" rIns="91425" bIns="91425" anchor="t" anchorCtr="0">
-            <a:noAutofit/>
-          </a:bodyPr>
-          <a:lstStyle/>
-          <a:p>
-            <a:pPr marL="0" lvl="0" indent="0" algn="l" rtl="0">
-              <a:spcBef>
-                <a:spcPts val="0"/>
-              </a:spcBef>
-              <a:spcAft>
-                <a:spcPts val="0"/>
-              </a:spcAft>
-              <a:buNone/>
-            </a:pPr>
-            <a:fld id="{00000000-1234-1234-1234-123412341234}" type="slidenum">
-              <a:rPr lang="en"/>
-              <a:t>13</a:t>
-            </a:fld>
-            <a:endParaRPr/>
-          </a:p>
-        </p:txBody>
-      </p:sp>
-      <p:sp>
-        <p:nvSpPr>
           <p:cNvPr id="372" name="Google Shape;372;p16"/>
           <p:cNvSpPr txBox="1">
             <a:spLocks noGrp="1"/>
@@ -9314,7 +9050,7 @@
         <p:spPr>
           <a:xfrm>
             <a:off x="4014354" y="676997"/>
-            <a:ext cx="1115291" cy="646112"/>
+            <a:ext cx="1280660" cy="646112"/>
           </a:xfrm>
           <a:prstGeom prst="rect">
             <a:avLst/>
@@ -9336,10 +9072,16 @@
               <a:buNone/>
             </a:pPr>
             <a:r>
-              <a:rPr lang="en-US" dirty="0"/>
+              <a:rPr lang="en-US" dirty="0">
+                <a:latin typeface="Roboto" panose="02000000000000000000" pitchFamily="2" charset="0"/>
+                <a:ea typeface="Roboto" panose="02000000000000000000" pitchFamily="2" charset="0"/>
+              </a:rPr>
               <a:t>Hubs</a:t>
             </a:r>
-            <a:endParaRPr dirty="0"/>
+            <a:endParaRPr dirty="0">
+              <a:latin typeface="Roboto" panose="02000000000000000000" pitchFamily="2" charset="0"/>
+              <a:ea typeface="Roboto" panose="02000000000000000000" pitchFamily="2" charset="0"/>
+            </a:endParaRPr>
           </a:p>
         </p:txBody>
       </p:sp>
@@ -9535,7 +9277,10 @@
           <a:lstStyle/>
           <a:p>
             <a:pPr algn="ctr"/>
-            <a:endParaRPr lang="en-US"/>
+            <a:endParaRPr lang="en-US">
+              <a:latin typeface="Roboto" panose="02000000000000000000" pitchFamily="2" charset="0"/>
+              <a:ea typeface="Roboto" panose="02000000000000000000" pitchFamily="2" charset="0"/>
+            </a:endParaRPr>
           </a:p>
         </p:txBody>
       </p:sp>
@@ -9582,7 +9327,10 @@
           <a:lstStyle/>
           <a:p>
             <a:pPr algn="ctr"/>
-            <a:endParaRPr lang="en-US"/>
+            <a:endParaRPr lang="en-US">
+              <a:latin typeface="Roboto" panose="02000000000000000000" pitchFamily="2" charset="0"/>
+              <a:ea typeface="Roboto" panose="02000000000000000000" pitchFamily="2" charset="0"/>
+            </a:endParaRPr>
           </a:p>
         </p:txBody>
       </p:sp>
@@ -9629,7 +9377,10 @@
           <a:lstStyle/>
           <a:p>
             <a:pPr algn="ctr"/>
-            <a:endParaRPr lang="en-US"/>
+            <a:endParaRPr lang="en-US">
+              <a:latin typeface="Roboto" panose="02000000000000000000" pitchFamily="2" charset="0"/>
+              <a:ea typeface="Roboto" panose="02000000000000000000" pitchFamily="2" charset="0"/>
+            </a:endParaRPr>
           </a:p>
         </p:txBody>
       </p:sp>
@@ -9648,7 +9399,7 @@
         <p:spPr>
           <a:xfrm>
             <a:off x="2273775" y="2310551"/>
-            <a:ext cx="644728" cy="400110"/>
+            <a:ext cx="679994" cy="400110"/>
           </a:xfrm>
           <a:prstGeom prst="rect">
             <a:avLst/>
@@ -9662,18 +9413,30 @@
           <a:lstStyle/>
           <a:p>
             <a:r>
-              <a:rPr lang="en-US" sz="1000" dirty="0" err="1"/>
+              <a:rPr lang="en-US" sz="1000" dirty="0" err="1">
+                <a:latin typeface="Roboto" panose="02000000000000000000" pitchFamily="2" charset="0"/>
+                <a:ea typeface="Roboto" panose="02000000000000000000" pitchFamily="2" charset="0"/>
+              </a:rPr>
               <a:t>Cliente</a:t>
             </a:r>
             <a:r>
-              <a:rPr lang="en-US" sz="1000" dirty="0"/>
+              <a:rPr lang="en-US" sz="1000" dirty="0">
+                <a:latin typeface="Roboto" panose="02000000000000000000" pitchFamily="2" charset="0"/>
+                <a:ea typeface="Roboto" panose="02000000000000000000" pitchFamily="2" charset="0"/>
+              </a:rPr>
               <a:t> 1</a:t>
             </a:r>
             <a:br>
-              <a:rPr lang="en-US" sz="1000" dirty="0"/>
+              <a:rPr lang="en-US" sz="1000" dirty="0">
+                <a:latin typeface="Roboto" panose="02000000000000000000" pitchFamily="2" charset="0"/>
+                <a:ea typeface="Roboto" panose="02000000000000000000" pitchFamily="2" charset="0"/>
+              </a:rPr>
             </a:br>
             <a:r>
-              <a:rPr lang="en-US" sz="1000" dirty="0"/>
+              <a:rPr lang="en-US" sz="1000" dirty="0">
+                <a:latin typeface="Roboto" panose="02000000000000000000" pitchFamily="2" charset="0"/>
+                <a:ea typeface="Roboto" panose="02000000000000000000" pitchFamily="2" charset="0"/>
+              </a:rPr>
               <a:t>Grupo A</a:t>
             </a:r>
           </a:p>
@@ -9694,7 +9457,7 @@
         <p:spPr>
           <a:xfrm>
             <a:off x="2002438" y="4177360"/>
-            <a:ext cx="644728" cy="400110"/>
+            <a:ext cx="679994" cy="400110"/>
           </a:xfrm>
           <a:prstGeom prst="rect">
             <a:avLst/>
@@ -9708,18 +9471,30 @@
           <a:lstStyle/>
           <a:p>
             <a:r>
-              <a:rPr lang="en-US" sz="1000" dirty="0" err="1"/>
+              <a:rPr lang="en-US" sz="1000" dirty="0" err="1">
+                <a:latin typeface="Roboto" panose="02000000000000000000" pitchFamily="2" charset="0"/>
+                <a:ea typeface="Roboto" panose="02000000000000000000" pitchFamily="2" charset="0"/>
+              </a:rPr>
               <a:t>Cliente</a:t>
             </a:r>
             <a:r>
-              <a:rPr lang="en-US" sz="1000" dirty="0"/>
+              <a:rPr lang="en-US" sz="1000" dirty="0">
+                <a:latin typeface="Roboto" panose="02000000000000000000" pitchFamily="2" charset="0"/>
+                <a:ea typeface="Roboto" panose="02000000000000000000" pitchFamily="2" charset="0"/>
+              </a:rPr>
               <a:t> 2</a:t>
             </a:r>
             <a:br>
-              <a:rPr lang="en-US" sz="1000" dirty="0"/>
+              <a:rPr lang="en-US" sz="1000" dirty="0">
+                <a:latin typeface="Roboto" panose="02000000000000000000" pitchFamily="2" charset="0"/>
+                <a:ea typeface="Roboto" panose="02000000000000000000" pitchFamily="2" charset="0"/>
+              </a:rPr>
             </a:br>
             <a:r>
-              <a:rPr lang="en-US" sz="1000" dirty="0"/>
+              <a:rPr lang="en-US" sz="1000" dirty="0">
+                <a:latin typeface="Roboto" panose="02000000000000000000" pitchFamily="2" charset="0"/>
+                <a:ea typeface="Roboto" panose="02000000000000000000" pitchFamily="2" charset="0"/>
+              </a:rPr>
               <a:t>Grupo B</a:t>
             </a:r>
           </a:p>
@@ -9740,7 +9515,7 @@
         <p:spPr>
           <a:xfrm>
             <a:off x="6215803" y="4182021"/>
-            <a:ext cx="644728" cy="400110"/>
+            <a:ext cx="679994" cy="400110"/>
           </a:xfrm>
           <a:prstGeom prst="rect">
             <a:avLst/>
@@ -9754,18 +9529,30 @@
           <a:lstStyle/>
           <a:p>
             <a:r>
-              <a:rPr lang="en-US" sz="1000" dirty="0" err="1"/>
+              <a:rPr lang="en-US" sz="1000" dirty="0" err="1">
+                <a:latin typeface="Roboto" panose="02000000000000000000" pitchFamily="2" charset="0"/>
+                <a:ea typeface="Roboto" panose="02000000000000000000" pitchFamily="2" charset="0"/>
+              </a:rPr>
               <a:t>Cliente</a:t>
             </a:r>
             <a:r>
-              <a:rPr lang="en-US" sz="1000" dirty="0"/>
+              <a:rPr lang="en-US" sz="1000" dirty="0">
+                <a:latin typeface="Roboto" panose="02000000000000000000" pitchFamily="2" charset="0"/>
+                <a:ea typeface="Roboto" panose="02000000000000000000" pitchFamily="2" charset="0"/>
+              </a:rPr>
               <a:t> 4</a:t>
             </a:r>
             <a:br>
-              <a:rPr lang="en-US" sz="1000" dirty="0"/>
+              <a:rPr lang="en-US" sz="1000" dirty="0">
+                <a:latin typeface="Roboto" panose="02000000000000000000" pitchFamily="2" charset="0"/>
+                <a:ea typeface="Roboto" panose="02000000000000000000" pitchFamily="2" charset="0"/>
+              </a:rPr>
             </a:br>
             <a:r>
-              <a:rPr lang="en-US" sz="1000" dirty="0"/>
+              <a:rPr lang="en-US" sz="1000" dirty="0">
+                <a:latin typeface="Roboto" panose="02000000000000000000" pitchFamily="2" charset="0"/>
+                <a:ea typeface="Roboto" panose="02000000000000000000" pitchFamily="2" charset="0"/>
+              </a:rPr>
               <a:t>Grupo B</a:t>
             </a:r>
           </a:p>
@@ -9786,7 +9573,7 @@
         <p:spPr>
           <a:xfrm>
             <a:off x="6403064" y="2236927"/>
-            <a:ext cx="644728" cy="400110"/>
+            <a:ext cx="679994" cy="400110"/>
           </a:xfrm>
           <a:prstGeom prst="rect">
             <a:avLst/>
@@ -9800,18 +9587,30 @@
           <a:lstStyle/>
           <a:p>
             <a:r>
-              <a:rPr lang="en-US" sz="1000" dirty="0" err="1"/>
+              <a:rPr lang="en-US" sz="1000" dirty="0" err="1">
+                <a:latin typeface="Roboto" panose="02000000000000000000" pitchFamily="2" charset="0"/>
+                <a:ea typeface="Roboto" panose="02000000000000000000" pitchFamily="2" charset="0"/>
+              </a:rPr>
               <a:t>Cliente</a:t>
             </a:r>
             <a:r>
-              <a:rPr lang="en-US" sz="1000" dirty="0"/>
+              <a:rPr lang="en-US" sz="1000" dirty="0">
+                <a:latin typeface="Roboto" panose="02000000000000000000" pitchFamily="2" charset="0"/>
+                <a:ea typeface="Roboto" panose="02000000000000000000" pitchFamily="2" charset="0"/>
+              </a:rPr>
               <a:t> 3</a:t>
             </a:r>
             <a:br>
-              <a:rPr lang="en-US" sz="1000" dirty="0"/>
+              <a:rPr lang="en-US" sz="1000" dirty="0">
+                <a:latin typeface="Roboto" panose="02000000000000000000" pitchFamily="2" charset="0"/>
+                <a:ea typeface="Roboto" panose="02000000000000000000" pitchFamily="2" charset="0"/>
+              </a:rPr>
             </a:br>
             <a:r>
-              <a:rPr lang="en-US" sz="1000" dirty="0"/>
+              <a:rPr lang="en-US" sz="1000" dirty="0">
+                <a:latin typeface="Roboto" panose="02000000000000000000" pitchFamily="2" charset="0"/>
+                <a:ea typeface="Roboto" panose="02000000000000000000" pitchFamily="2" charset="0"/>
+              </a:rPr>
               <a:t>Grupo A</a:t>
             </a:r>
           </a:p>
@@ -10025,44 +9824,6 @@
       </p:grpSpPr>
       <p:sp>
         <p:nvSpPr>
-          <p:cNvPr id="374" name="Google Shape;374;p16"/>
-          <p:cNvSpPr txBox="1">
-            <a:spLocks noGrp="1"/>
-          </p:cNvSpPr>
-          <p:nvPr>
-            <p:ph type="sldNum" sz="quarter" idx="12"/>
-          </p:nvPr>
-        </p:nvSpPr>
-        <p:spPr>
-          <a:prstGeom prst="rect">
-            <a:avLst/>
-          </a:prstGeom>
-        </p:spPr>
-        <p:txBody>
-          <a:bodyPr spcFirstLastPara="1" wrap="square" lIns="91425" tIns="91425" rIns="91425" bIns="91425" anchor="t" anchorCtr="0">
-            <a:noAutofit/>
-          </a:bodyPr>
-          <a:lstStyle/>
-          <a:p>
-            <a:pPr marL="0" lvl="0" indent="0" algn="l" rtl="0">
-              <a:spcBef>
-                <a:spcPts val="0"/>
-              </a:spcBef>
-              <a:spcAft>
-                <a:spcPts val="0"/>
-              </a:spcAft>
-              <a:buNone/>
-            </a:pPr>
-            <a:fld id="{00000000-1234-1234-1234-123412341234}" type="slidenum">
-              <a:rPr lang="en"/>
-              <a:t>14</a:t>
-            </a:fld>
-            <a:endParaRPr/>
-          </a:p>
-        </p:txBody>
-      </p:sp>
-      <p:sp>
-        <p:nvSpPr>
           <p:cNvPr id="372" name="Google Shape;372;p16"/>
           <p:cNvSpPr txBox="1">
             <a:spLocks noGrp="1"/>
@@ -10073,8 +9834,8 @@
         </p:nvSpPr>
         <p:spPr>
           <a:xfrm>
-            <a:off x="3761509" y="963036"/>
-            <a:ext cx="1620982" cy="646112"/>
+            <a:off x="3647209" y="814180"/>
+            <a:ext cx="1849581" cy="646112"/>
           </a:xfrm>
           <a:prstGeom prst="rect">
             <a:avLst/>
@@ -10096,10 +9857,16 @@
               <a:buNone/>
             </a:pPr>
             <a:r>
-              <a:rPr lang="en-US" dirty="0" err="1"/>
+              <a:rPr lang="en-US" dirty="0" err="1">
+                <a:latin typeface="Roboto" panose="02000000000000000000" pitchFamily="2" charset="0"/>
+                <a:ea typeface="Roboto" panose="02000000000000000000" pitchFamily="2" charset="0"/>
+              </a:rPr>
               <a:t>Clientes</a:t>
             </a:r>
-            <a:endParaRPr dirty="0"/>
+            <a:endParaRPr dirty="0">
+              <a:latin typeface="Roboto" panose="02000000000000000000" pitchFamily="2" charset="0"/>
+              <a:ea typeface="Roboto" panose="02000000000000000000" pitchFamily="2" charset="0"/>
+            </a:endParaRPr>
           </a:p>
         </p:txBody>
       </p:sp>
@@ -10140,10 +9907,16 @@
               <a:buAutoNum type="arabicPeriod"/>
             </a:pPr>
             <a:r>
-              <a:rPr lang="en-US" dirty="0" err="1"/>
+              <a:rPr lang="en-US" dirty="0" err="1">
+                <a:latin typeface="Roboto" panose="02000000000000000000" pitchFamily="2" charset="0"/>
+                <a:ea typeface="Roboto" panose="02000000000000000000" pitchFamily="2" charset="0"/>
+              </a:rPr>
               <a:t>Javascript</a:t>
             </a:r>
-            <a:endParaRPr lang="en-US" dirty="0"/>
+            <a:endParaRPr lang="en-US" dirty="0">
+              <a:latin typeface="Roboto" panose="02000000000000000000" pitchFamily="2" charset="0"/>
+              <a:ea typeface="Roboto" panose="02000000000000000000" pitchFamily="2" charset="0"/>
+            </a:endParaRPr>
           </a:p>
           <a:p>
             <a:pPr marL="482600" lvl="0" indent="-342900" algn="l" rtl="0">
@@ -10158,7 +9931,10 @@
               <a:buAutoNum type="arabicPeriod"/>
             </a:pPr>
             <a:r>
-              <a:rPr lang="en-US" dirty="0"/>
+              <a:rPr lang="en-US" dirty="0">
+                <a:latin typeface="Roboto" panose="02000000000000000000" pitchFamily="2" charset="0"/>
+                <a:ea typeface="Roboto" panose="02000000000000000000" pitchFamily="2" charset="0"/>
+              </a:rPr>
               <a:t>Typescript</a:t>
             </a:r>
           </a:p>
@@ -10175,7 +9951,10 @@
               <a:buAutoNum type="arabicPeriod"/>
             </a:pPr>
             <a:r>
-              <a:rPr lang="en-US" dirty="0"/>
+              <a:rPr lang="en-US" dirty="0">
+                <a:latin typeface="Roboto" panose="02000000000000000000" pitchFamily="2" charset="0"/>
+                <a:ea typeface="Roboto" panose="02000000000000000000" pitchFamily="2" charset="0"/>
+              </a:rPr>
               <a:t>Java</a:t>
             </a:r>
           </a:p>
@@ -10192,10 +9971,16 @@
               <a:buAutoNum type="arabicPeriod"/>
             </a:pPr>
             <a:r>
-              <a:rPr lang="en-US" dirty="0"/>
+              <a:rPr lang="en-US" dirty="0">
+                <a:latin typeface="Roboto" panose="02000000000000000000" pitchFamily="2" charset="0"/>
+                <a:ea typeface="Roboto" panose="02000000000000000000" pitchFamily="2" charset="0"/>
+              </a:rPr>
               <a:t>.NET</a:t>
             </a:r>
-            <a:endParaRPr dirty="0"/>
+            <a:endParaRPr dirty="0">
+              <a:latin typeface="Roboto" panose="02000000000000000000" pitchFamily="2" charset="0"/>
+              <a:ea typeface="Roboto" panose="02000000000000000000" pitchFamily="2" charset="0"/>
+            </a:endParaRPr>
           </a:p>
         </p:txBody>
       </p:sp>
@@ -10217,132 +10002,6 @@
   <p:cSld>
     <p:spTree>
       <p:nvGrpSpPr>
-        <p:cNvPr id="1" name="Shape 358"/>
-        <p:cNvGrpSpPr/>
-        <p:nvPr/>
-      </p:nvGrpSpPr>
-      <p:grpSpPr>
-        <a:xfrm>
-          <a:off x="0" y="0"/>
-          <a:ext cx="0" cy="0"/>
-          <a:chOff x="0" y="0"/>
-          <a:chExt cx="0" cy="0"/>
-        </a:xfrm>
-      </p:grpSpPr>
-      <p:sp>
-        <p:nvSpPr>
-          <p:cNvPr id="359" name="Google Shape;359;p14"/>
-          <p:cNvSpPr txBox="1">
-            <a:spLocks noGrp="1"/>
-          </p:cNvSpPr>
-          <p:nvPr>
-            <p:ph type="ctrTitle" idx="4294967295"/>
-          </p:nvPr>
-        </p:nvSpPr>
-        <p:spPr>
-          <a:xfrm>
-            <a:off x="3034145" y="1932709"/>
-            <a:ext cx="3075709" cy="1158875"/>
-          </a:xfrm>
-          <a:prstGeom prst="rect">
-            <a:avLst/>
-          </a:prstGeom>
-        </p:spPr>
-        <p:txBody>
-          <a:bodyPr spcFirstLastPara="1" wrap="square" lIns="91425" tIns="91425" rIns="91425" bIns="91425" anchor="b" anchorCtr="0">
-            <a:noAutofit/>
-          </a:bodyPr>
-          <a:lstStyle/>
-          <a:p>
-            <a:pPr marL="0" lvl="0" indent="0" algn="l" rtl="0">
-              <a:spcBef>
-                <a:spcPts val="0"/>
-              </a:spcBef>
-              <a:spcAft>
-                <a:spcPts val="0"/>
-              </a:spcAft>
-              <a:buNone/>
-            </a:pPr>
-            <a:r>
-              <a:rPr lang="en-US" sz="8800" b="1" dirty="0"/>
-              <a:t>DEMO</a:t>
-            </a:r>
-            <a:endParaRPr sz="8800" b="1" dirty="0"/>
-          </a:p>
-        </p:txBody>
-      </p:sp>
-      <p:sp>
-        <p:nvSpPr>
-          <p:cNvPr id="361" name="Google Shape;361;p14"/>
-          <p:cNvSpPr txBox="1"/>
-          <p:nvPr/>
-        </p:nvSpPr>
-        <p:spPr>
-          <a:xfrm>
-            <a:off x="409575" y="1676400"/>
-            <a:ext cx="2067000" cy="1771800"/>
-          </a:xfrm>
-          <a:prstGeom prst="rect">
-            <a:avLst/>
-          </a:prstGeom>
-          <a:noFill/>
-          <a:ln>
-            <a:noFill/>
-          </a:ln>
-        </p:spPr>
-        <p:txBody>
-          <a:bodyPr spcFirstLastPara="1" wrap="square" lIns="91425" tIns="91425" rIns="91425" bIns="91425" anchor="ctr" anchorCtr="0">
-            <a:noAutofit/>
-          </a:bodyPr>
-          <a:lstStyle/>
-          <a:p>
-            <a:pPr marL="0" lvl="0" indent="0" algn="ctr" rtl="0">
-              <a:spcBef>
-                <a:spcPts val="0"/>
-              </a:spcBef>
-              <a:spcAft>
-                <a:spcPts val="0"/>
-              </a:spcAft>
-              <a:buNone/>
-            </a:pPr>
-            <a:r>
-              <a:rPr lang="en" sz="4800" b="1" dirty="0">
-                <a:solidFill>
-                  <a:srgbClr val="FFFFFF"/>
-                </a:solidFill>
-                <a:latin typeface="Nixie One"/>
-                <a:ea typeface="Nixie One"/>
-                <a:cs typeface="Nixie One"/>
-                <a:sym typeface="Nixie One"/>
-              </a:rPr>
-              <a:t>1</a:t>
-            </a:r>
-            <a:endParaRPr b="1" dirty="0">
-              <a:solidFill>
-                <a:srgbClr val="FFFFFF"/>
-              </a:solidFill>
-            </a:endParaRPr>
-          </a:p>
-        </p:txBody>
-      </p:sp>
-    </p:spTree>
-    <p:extLst>
-      <p:ext uri="{BB962C8B-B14F-4D97-AF65-F5344CB8AC3E}">
-        <p14:creationId xmlns:p14="http://schemas.microsoft.com/office/powerpoint/2010/main" val="74843095"/>
-      </p:ext>
-    </p:extLst>
-  </p:cSld>
-  <p:clrMapOvr>
-    <a:masterClrMapping/>
-  </p:clrMapOvr>
-</p:sld>
-</file>
-
-<file path=ppt/slides/slide16.xml><?xml version="1.0" encoding="utf-8"?>
-<p:sld xmlns:a="http://schemas.openxmlformats.org/drawingml/2006/main" xmlns:r="http://schemas.openxmlformats.org/officeDocument/2006/relationships" xmlns:p="http://schemas.openxmlformats.org/presentationml/2006/main">
-  <p:cSld>
-    <p:spTree>
-      <p:nvGrpSpPr>
         <p:cNvPr id="1" name="Shape 428"/>
         <p:cNvGrpSpPr/>
         <p:nvPr/>
@@ -10357,44 +10016,6 @@
       </p:grpSpPr>
       <p:sp>
         <p:nvSpPr>
-          <p:cNvPr id="433" name="Google Shape;433;p22"/>
-          <p:cNvSpPr txBox="1">
-            <a:spLocks noGrp="1"/>
-          </p:cNvSpPr>
-          <p:nvPr>
-            <p:ph type="sldNum" sz="quarter" idx="12"/>
-          </p:nvPr>
-        </p:nvSpPr>
-        <p:spPr>
-          <a:prstGeom prst="rect">
-            <a:avLst/>
-          </a:prstGeom>
-        </p:spPr>
-        <p:txBody>
-          <a:bodyPr spcFirstLastPara="1" wrap="square" lIns="91425" tIns="91425" rIns="91425" bIns="91425" anchor="t" anchorCtr="0">
-            <a:noAutofit/>
-          </a:bodyPr>
-          <a:lstStyle/>
-          <a:p>
-            <a:pPr marL="0" lvl="0" indent="0" algn="l" rtl="0">
-              <a:spcBef>
-                <a:spcPts val="0"/>
-              </a:spcBef>
-              <a:spcAft>
-                <a:spcPts val="0"/>
-              </a:spcAft>
-              <a:buNone/>
-            </a:pPr>
-            <a:fld id="{00000000-1234-1234-1234-123412341234}" type="slidenum">
-              <a:rPr lang="en"/>
-              <a:t>16</a:t>
-            </a:fld>
-            <a:endParaRPr/>
-          </a:p>
-        </p:txBody>
-      </p:sp>
-      <p:sp>
-        <p:nvSpPr>
           <p:cNvPr id="430" name="Google Shape;430;p22"/>
           <p:cNvSpPr txBox="1">
             <a:spLocks noGrp="1"/>
@@ -10405,8 +10026,8 @@
         </p:nvSpPr>
         <p:spPr>
           <a:xfrm>
-            <a:off x="2980265" y="889145"/>
-            <a:ext cx="2916382" cy="646112"/>
+            <a:off x="2921983" y="867880"/>
+            <a:ext cx="3300033" cy="646112"/>
           </a:xfrm>
           <a:prstGeom prst="rect">
             <a:avLst/>
@@ -10428,18 +10049,30 @@
               <a:buNone/>
             </a:pPr>
             <a:r>
-              <a:rPr lang="en-US" dirty="0"/>
+              <a:rPr lang="en-US" dirty="0">
+                <a:latin typeface="Roboto" panose="02000000000000000000" pitchFamily="2" charset="0"/>
+                <a:ea typeface="Roboto" panose="02000000000000000000" pitchFamily="2" charset="0"/>
+              </a:rPr>
               <a:t>Como </a:t>
             </a:r>
             <a:r>
-              <a:rPr lang="en-US" dirty="0" err="1"/>
+              <a:rPr lang="en-US" dirty="0" err="1">
+                <a:latin typeface="Roboto" panose="02000000000000000000" pitchFamily="2" charset="0"/>
+                <a:ea typeface="Roboto" panose="02000000000000000000" pitchFamily="2" charset="0"/>
+              </a:rPr>
               <a:t>escalar</a:t>
             </a:r>
             <a:r>
-              <a:rPr lang="en-US" dirty="0"/>
+              <a:rPr lang="en-US" dirty="0">
+                <a:latin typeface="Roboto" panose="02000000000000000000" pitchFamily="2" charset="0"/>
+                <a:ea typeface="Roboto" panose="02000000000000000000" pitchFamily="2" charset="0"/>
+              </a:rPr>
               <a:t> ?</a:t>
             </a:r>
-            <a:endParaRPr dirty="0"/>
+            <a:endParaRPr dirty="0">
+              <a:latin typeface="Roboto" panose="02000000000000000000" pitchFamily="2" charset="0"/>
+              <a:ea typeface="Roboto" panose="02000000000000000000" pitchFamily="2" charset="0"/>
+            </a:endParaRPr>
           </a:p>
         </p:txBody>
       </p:sp>
@@ -10722,8 +10355,8 @@
                     <a:lumOff val="25000"/>
                   </a:schemeClr>
                 </a:solidFill>
-                <a:latin typeface="+mn-lt"/>
-                <a:ea typeface="+mn-ea"/>
+                <a:latin typeface="Roboto" panose="02000000000000000000" pitchFamily="2" charset="0"/>
+                <a:ea typeface="Roboto" panose="02000000000000000000" pitchFamily="2" charset="0"/>
                 <a:cs typeface="+mn-cs"/>
                 <a:sym typeface="Muli"/>
               </a:rPr>
@@ -10753,8 +10386,8 @@
                     <a:lumOff val="25000"/>
                   </a:schemeClr>
                 </a:solidFill>
-                <a:latin typeface="+mn-lt"/>
-                <a:ea typeface="+mn-ea"/>
+                <a:latin typeface="Roboto" panose="02000000000000000000" pitchFamily="2" charset="0"/>
+                <a:ea typeface="Roboto" panose="02000000000000000000" pitchFamily="2" charset="0"/>
                 <a:cs typeface="+mn-cs"/>
                 <a:sym typeface="Muli"/>
               </a:rPr>
@@ -10768,8 +10401,8 @@
                     <a:lumOff val="25000"/>
                   </a:schemeClr>
                 </a:solidFill>
-                <a:latin typeface="+mn-lt"/>
-                <a:ea typeface="+mn-ea"/>
+                <a:latin typeface="Roboto" panose="02000000000000000000" pitchFamily="2" charset="0"/>
+                <a:ea typeface="Roboto" panose="02000000000000000000" pitchFamily="2" charset="0"/>
                 <a:cs typeface="+mn-cs"/>
                 <a:sym typeface="Muli"/>
               </a:rPr>
@@ -10783,8 +10416,8 @@
                     <a:lumOff val="25000"/>
                   </a:schemeClr>
                 </a:solidFill>
-                <a:latin typeface="+mn-lt"/>
-                <a:ea typeface="+mn-ea"/>
+                <a:latin typeface="Roboto" panose="02000000000000000000" pitchFamily="2" charset="0"/>
+                <a:ea typeface="Roboto" panose="02000000000000000000" pitchFamily="2" charset="0"/>
                 <a:cs typeface="+mn-cs"/>
                 <a:sym typeface="Muli"/>
               </a:rPr>
@@ -11037,7 +10670,7 @@
 </p:sld>
 </file>
 
-<file path=ppt/slides/slide17.xml><?xml version="1.0" encoding="utf-8"?>
+<file path=ppt/slides/slide16.xml><?xml version="1.0" encoding="utf-8"?>
 <p:sld xmlns:a="http://schemas.openxmlformats.org/drawingml/2006/main" xmlns:r="http://schemas.openxmlformats.org/officeDocument/2006/relationships" xmlns:p="http://schemas.openxmlformats.org/presentationml/2006/main">
   <p:cSld>
     <p:spTree>
@@ -11056,44 +10689,6 @@
       </p:grpSpPr>
       <p:sp>
         <p:nvSpPr>
-          <p:cNvPr id="433" name="Google Shape;433;p22"/>
-          <p:cNvSpPr txBox="1">
-            <a:spLocks noGrp="1"/>
-          </p:cNvSpPr>
-          <p:nvPr>
-            <p:ph type="sldNum" sz="quarter" idx="12"/>
-          </p:nvPr>
-        </p:nvSpPr>
-        <p:spPr>
-          <a:prstGeom prst="rect">
-            <a:avLst/>
-          </a:prstGeom>
-        </p:spPr>
-        <p:txBody>
-          <a:bodyPr spcFirstLastPara="1" wrap="square" lIns="91425" tIns="91425" rIns="91425" bIns="91425" anchor="t" anchorCtr="0">
-            <a:noAutofit/>
-          </a:bodyPr>
-          <a:lstStyle/>
-          <a:p>
-            <a:pPr marL="0" lvl="0" indent="0" algn="l" rtl="0">
-              <a:spcBef>
-                <a:spcPts val="0"/>
-              </a:spcBef>
-              <a:spcAft>
-                <a:spcPts val="0"/>
-              </a:spcAft>
-              <a:buNone/>
-            </a:pPr>
-            <a:fld id="{00000000-1234-1234-1234-123412341234}" type="slidenum">
-              <a:rPr lang="en"/>
-              <a:t>17</a:t>
-            </a:fld>
-            <a:endParaRPr/>
-          </a:p>
-        </p:txBody>
-      </p:sp>
-      <p:sp>
-        <p:nvSpPr>
           <p:cNvPr id="430" name="Google Shape;430;p22"/>
           <p:cNvSpPr txBox="1">
             <a:spLocks noGrp="1"/>
@@ -11104,8 +10699,8 @@
         </p:nvSpPr>
         <p:spPr>
           <a:xfrm>
-            <a:off x="3015152" y="562161"/>
-            <a:ext cx="3113695" cy="644525"/>
+            <a:off x="2934958" y="409436"/>
+            <a:ext cx="3491974" cy="644525"/>
           </a:xfrm>
           <a:prstGeom prst="rect">
             <a:avLst/>
@@ -11127,10 +10722,16 @@
               <a:buNone/>
             </a:pPr>
             <a:r>
-              <a:rPr lang="en-US" dirty="0"/>
+              <a:rPr lang="en-US" dirty="0">
+                <a:latin typeface="Roboto" panose="02000000000000000000" pitchFamily="2" charset="0"/>
+                <a:ea typeface="Roboto" panose="02000000000000000000" pitchFamily="2" charset="0"/>
+              </a:rPr>
               <a:t>Redis Backplane</a:t>
             </a:r>
-            <a:endParaRPr dirty="0"/>
+            <a:endParaRPr dirty="0">
+              <a:latin typeface="Roboto" panose="02000000000000000000" pitchFamily="2" charset="0"/>
+              <a:ea typeface="Roboto" panose="02000000000000000000" pitchFamily="2" charset="0"/>
+            </a:endParaRPr>
           </a:p>
         </p:txBody>
       </p:sp>
@@ -11236,7 +10837,10 @@
           <a:lstStyle/>
           <a:p>
             <a:pPr algn="ctr"/>
-            <a:endParaRPr lang="en-US"/>
+            <a:endParaRPr lang="en-US">
+              <a:latin typeface="Roboto" panose="02000000000000000000" pitchFamily="2" charset="0"/>
+              <a:ea typeface="Roboto" panose="02000000000000000000" pitchFamily="2" charset="0"/>
+            </a:endParaRPr>
           </a:p>
         </p:txBody>
       </p:sp>
@@ -11283,7 +10887,10 @@
           <a:lstStyle/>
           <a:p>
             <a:pPr algn="ctr"/>
-            <a:endParaRPr lang="en-US"/>
+            <a:endParaRPr lang="en-US">
+              <a:latin typeface="Roboto" panose="02000000000000000000" pitchFamily="2" charset="0"/>
+              <a:ea typeface="Roboto" panose="02000000000000000000" pitchFamily="2" charset="0"/>
+            </a:endParaRPr>
           </a:p>
         </p:txBody>
       </p:sp>
@@ -11302,7 +10909,7 @@
         <p:spPr>
           <a:xfrm>
             <a:off x="2137225" y="1420537"/>
-            <a:ext cx="644728" cy="400110"/>
+            <a:ext cx="705494" cy="400110"/>
           </a:xfrm>
           <a:prstGeom prst="rect">
             <a:avLst/>
@@ -11316,18 +10923,30 @@
           <a:lstStyle/>
           <a:p>
             <a:r>
-              <a:rPr lang="en-US" sz="1000" dirty="0" err="1"/>
+              <a:rPr lang="en-US" sz="1000" dirty="0" err="1">
+                <a:latin typeface="Roboto" panose="02000000000000000000" pitchFamily="2" charset="0"/>
+                <a:ea typeface="Roboto" panose="02000000000000000000" pitchFamily="2" charset="0"/>
+              </a:rPr>
               <a:t>Cliente</a:t>
             </a:r>
             <a:r>
-              <a:rPr lang="en-US" sz="1000" dirty="0"/>
+              <a:rPr lang="en-US" sz="1000" dirty="0">
+                <a:latin typeface="Roboto" panose="02000000000000000000" pitchFamily="2" charset="0"/>
+                <a:ea typeface="Roboto" panose="02000000000000000000" pitchFamily="2" charset="0"/>
+              </a:rPr>
               <a:t> 1</a:t>
             </a:r>
             <a:br>
-              <a:rPr lang="en-US" sz="1000" dirty="0"/>
+              <a:rPr lang="en-US" sz="1000" dirty="0">
+                <a:latin typeface="Roboto" panose="02000000000000000000" pitchFamily="2" charset="0"/>
+                <a:ea typeface="Roboto" panose="02000000000000000000" pitchFamily="2" charset="0"/>
+              </a:rPr>
             </a:br>
             <a:r>
-              <a:rPr lang="en-US" sz="1000" dirty="0"/>
+              <a:rPr lang="en-US" sz="1000" dirty="0">
+                <a:latin typeface="Roboto" panose="02000000000000000000" pitchFamily="2" charset="0"/>
+                <a:ea typeface="Roboto" panose="02000000000000000000" pitchFamily="2" charset="0"/>
+              </a:rPr>
               <a:t>Grupo A</a:t>
             </a:r>
           </a:p>
@@ -11347,8 +10966,8 @@
         </p:nvSpPr>
         <p:spPr>
           <a:xfrm>
-            <a:off x="2173557" y="2258036"/>
-            <a:ext cx="644728" cy="400110"/>
+            <a:off x="2173556" y="2258036"/>
+            <a:ext cx="722991" cy="400110"/>
           </a:xfrm>
           <a:prstGeom prst="rect">
             <a:avLst/>
@@ -11362,18 +10981,30 @@
           <a:lstStyle/>
           <a:p>
             <a:r>
-              <a:rPr lang="en-US" sz="1000" dirty="0" err="1"/>
+              <a:rPr lang="en-US" sz="1000" dirty="0" err="1">
+                <a:latin typeface="Roboto" panose="02000000000000000000" pitchFamily="2" charset="0"/>
+                <a:ea typeface="Roboto" panose="02000000000000000000" pitchFamily="2" charset="0"/>
+              </a:rPr>
               <a:t>Cliente</a:t>
             </a:r>
             <a:r>
-              <a:rPr lang="en-US" sz="1000" dirty="0"/>
+              <a:rPr lang="en-US" sz="1000" dirty="0">
+                <a:latin typeface="Roboto" panose="02000000000000000000" pitchFamily="2" charset="0"/>
+                <a:ea typeface="Roboto" panose="02000000000000000000" pitchFamily="2" charset="0"/>
+              </a:rPr>
               <a:t> 2</a:t>
             </a:r>
             <a:br>
-              <a:rPr lang="en-US" sz="1000" dirty="0"/>
+              <a:rPr lang="en-US" sz="1000" dirty="0">
+                <a:latin typeface="Roboto" panose="02000000000000000000" pitchFamily="2" charset="0"/>
+                <a:ea typeface="Roboto" panose="02000000000000000000" pitchFamily="2" charset="0"/>
+              </a:rPr>
             </a:br>
             <a:r>
-              <a:rPr lang="en-US" sz="1000" dirty="0"/>
+              <a:rPr lang="en-US" sz="1000" dirty="0">
+                <a:latin typeface="Roboto" panose="02000000000000000000" pitchFamily="2" charset="0"/>
+                <a:ea typeface="Roboto" panose="02000000000000000000" pitchFamily="2" charset="0"/>
+              </a:rPr>
               <a:t>Grupo B</a:t>
             </a:r>
           </a:p>
@@ -11454,7 +11085,7 @@
         <p:spPr>
           <a:xfrm>
             <a:off x="2169093" y="2926855"/>
-            <a:ext cx="644728" cy="400110"/>
+            <a:ext cx="673626" cy="400110"/>
           </a:xfrm>
           <a:prstGeom prst="rect">
             <a:avLst/>
@@ -11468,18 +11099,30 @@
           <a:lstStyle/>
           <a:p>
             <a:r>
-              <a:rPr lang="en-US" sz="1000" dirty="0" err="1"/>
+              <a:rPr lang="en-US" sz="1000" dirty="0" err="1">
+                <a:latin typeface="Roboto" panose="02000000000000000000" pitchFamily="2" charset="0"/>
+                <a:ea typeface="Roboto" panose="02000000000000000000" pitchFamily="2" charset="0"/>
+              </a:rPr>
               <a:t>Cliente</a:t>
             </a:r>
             <a:r>
-              <a:rPr lang="en-US" sz="1000" dirty="0"/>
+              <a:rPr lang="en-US" sz="1000" dirty="0">
+                <a:latin typeface="Roboto" panose="02000000000000000000" pitchFamily="2" charset="0"/>
+                <a:ea typeface="Roboto" panose="02000000000000000000" pitchFamily="2" charset="0"/>
+              </a:rPr>
               <a:t> 3</a:t>
             </a:r>
             <a:br>
-              <a:rPr lang="en-US" sz="1000" dirty="0"/>
+              <a:rPr lang="en-US" sz="1000" dirty="0">
+                <a:latin typeface="Roboto" panose="02000000000000000000" pitchFamily="2" charset="0"/>
+                <a:ea typeface="Roboto" panose="02000000000000000000" pitchFamily="2" charset="0"/>
+              </a:rPr>
             </a:br>
             <a:r>
-              <a:rPr lang="en-US" sz="1000" dirty="0"/>
+              <a:rPr lang="en-US" sz="1000" dirty="0">
+                <a:latin typeface="Roboto" panose="02000000000000000000" pitchFamily="2" charset="0"/>
+                <a:ea typeface="Roboto" panose="02000000000000000000" pitchFamily="2" charset="0"/>
+              </a:rPr>
               <a:t>Grupo A</a:t>
             </a:r>
           </a:p>
@@ -11500,7 +11143,7 @@
         <p:spPr>
           <a:xfrm>
             <a:off x="2200961" y="3741348"/>
-            <a:ext cx="644728" cy="400110"/>
+            <a:ext cx="673626" cy="400110"/>
           </a:xfrm>
           <a:prstGeom prst="rect">
             <a:avLst/>
@@ -11514,18 +11157,30 @@
           <a:lstStyle/>
           <a:p>
             <a:r>
-              <a:rPr lang="en-US" sz="1000" dirty="0" err="1"/>
+              <a:rPr lang="en-US" sz="1000" dirty="0" err="1">
+                <a:latin typeface="Roboto" panose="02000000000000000000" pitchFamily="2" charset="0"/>
+                <a:ea typeface="Roboto" panose="02000000000000000000" pitchFamily="2" charset="0"/>
+              </a:rPr>
               <a:t>Cliente</a:t>
             </a:r>
             <a:r>
-              <a:rPr lang="en-US" sz="1000" dirty="0"/>
+              <a:rPr lang="en-US" sz="1000" dirty="0">
+                <a:latin typeface="Roboto" panose="02000000000000000000" pitchFamily="2" charset="0"/>
+                <a:ea typeface="Roboto" panose="02000000000000000000" pitchFamily="2" charset="0"/>
+              </a:rPr>
               <a:t> 4</a:t>
             </a:r>
             <a:br>
-              <a:rPr lang="en-US" sz="1000" dirty="0"/>
+              <a:rPr lang="en-US" sz="1000" dirty="0">
+                <a:latin typeface="Roboto" panose="02000000000000000000" pitchFamily="2" charset="0"/>
+                <a:ea typeface="Roboto" panose="02000000000000000000" pitchFamily="2" charset="0"/>
+              </a:rPr>
             </a:br>
             <a:r>
-              <a:rPr lang="en-US" sz="1000" dirty="0"/>
+              <a:rPr lang="en-US" sz="1000" dirty="0">
+                <a:latin typeface="Roboto" panose="02000000000000000000" pitchFamily="2" charset="0"/>
+                <a:ea typeface="Roboto" panose="02000000000000000000" pitchFamily="2" charset="0"/>
+              </a:rPr>
               <a:t>Grupo B</a:t>
             </a:r>
           </a:p>
@@ -11663,7 +11318,10 @@
           <a:lstStyle/>
           <a:p>
             <a:pPr algn="ctr"/>
-            <a:endParaRPr lang="en-US"/>
+            <a:endParaRPr lang="en-US">
+              <a:latin typeface="Roboto" panose="02000000000000000000" pitchFamily="2" charset="0"/>
+              <a:ea typeface="Roboto" panose="02000000000000000000" pitchFamily="2" charset="0"/>
+            </a:endParaRPr>
           </a:p>
         </p:txBody>
       </p:sp>
@@ -11740,7 +11398,10 @@
           <a:lstStyle/>
           <a:p>
             <a:pPr algn="ctr"/>
-            <a:endParaRPr lang="en-US"/>
+            <a:endParaRPr lang="en-US">
+              <a:latin typeface="Roboto" panose="02000000000000000000" pitchFamily="2" charset="0"/>
+              <a:ea typeface="Roboto" panose="02000000000000000000" pitchFamily="2" charset="0"/>
+            </a:endParaRPr>
           </a:p>
         </p:txBody>
       </p:sp>
@@ -11787,7 +11448,10 @@
           <a:lstStyle/>
           <a:p>
             <a:pPr algn="ctr"/>
-            <a:endParaRPr lang="en-US"/>
+            <a:endParaRPr lang="en-US">
+              <a:latin typeface="Roboto" panose="02000000000000000000" pitchFamily="2" charset="0"/>
+              <a:ea typeface="Roboto" panose="02000000000000000000" pitchFamily="2" charset="0"/>
+            </a:endParaRPr>
           </a:p>
         </p:txBody>
       </p:sp>
@@ -11834,7 +11498,10 @@
           <a:lstStyle/>
           <a:p>
             <a:pPr algn="ctr"/>
-            <a:endParaRPr lang="en-US"/>
+            <a:endParaRPr lang="en-US">
+              <a:latin typeface="Roboto" panose="02000000000000000000" pitchFamily="2" charset="0"/>
+              <a:ea typeface="Roboto" panose="02000000000000000000" pitchFamily="2" charset="0"/>
+            </a:endParaRPr>
           </a:p>
         </p:txBody>
       </p:sp>
@@ -11881,7 +11548,10 @@
           <a:lstStyle/>
           <a:p>
             <a:pPr algn="ctr"/>
-            <a:endParaRPr lang="en-US"/>
+            <a:endParaRPr lang="en-US">
+              <a:latin typeface="Roboto" panose="02000000000000000000" pitchFamily="2" charset="0"/>
+              <a:ea typeface="Roboto" panose="02000000000000000000" pitchFamily="2" charset="0"/>
+            </a:endParaRPr>
           </a:p>
         </p:txBody>
       </p:sp>
@@ -11928,7 +11598,10 @@
           <a:lstStyle/>
           <a:p>
             <a:pPr algn="ctr"/>
-            <a:endParaRPr lang="en-US"/>
+            <a:endParaRPr lang="en-US">
+              <a:latin typeface="Roboto" panose="02000000000000000000" pitchFamily="2" charset="0"/>
+              <a:ea typeface="Roboto" panose="02000000000000000000" pitchFamily="2" charset="0"/>
+            </a:endParaRPr>
           </a:p>
         </p:txBody>
       </p:sp>
@@ -11975,7 +11648,10 @@
           <a:lstStyle/>
           <a:p>
             <a:pPr algn="ctr"/>
-            <a:endParaRPr lang="en-US"/>
+            <a:endParaRPr lang="en-US">
+              <a:latin typeface="Roboto" panose="02000000000000000000" pitchFamily="2" charset="0"/>
+              <a:ea typeface="Roboto" panose="02000000000000000000" pitchFamily="2" charset="0"/>
+            </a:endParaRPr>
           </a:p>
         </p:txBody>
       </p:sp>
@@ -12420,133 +12096,7 @@
 </p:sld>
 </file>
 
-<file path=ppt/slides/slide18.xml><?xml version="1.0" encoding="utf-8"?>
-<p:sld xmlns:a="http://schemas.openxmlformats.org/drawingml/2006/main" xmlns:r="http://schemas.openxmlformats.org/officeDocument/2006/relationships" xmlns:p="http://schemas.openxmlformats.org/presentationml/2006/main">
-  <p:cSld>
-    <p:spTree>
-      <p:nvGrpSpPr>
-        <p:cNvPr id="1" name="Shape 358"/>
-        <p:cNvGrpSpPr/>
-        <p:nvPr/>
-      </p:nvGrpSpPr>
-      <p:grpSpPr>
-        <a:xfrm>
-          <a:off x="0" y="0"/>
-          <a:ext cx="0" cy="0"/>
-          <a:chOff x="0" y="0"/>
-          <a:chExt cx="0" cy="0"/>
-        </a:xfrm>
-      </p:grpSpPr>
-      <p:sp>
-        <p:nvSpPr>
-          <p:cNvPr id="359" name="Google Shape;359;p14"/>
-          <p:cNvSpPr txBox="1">
-            <a:spLocks noGrp="1"/>
-          </p:cNvSpPr>
-          <p:nvPr>
-            <p:ph type="ctrTitle" idx="4294967295"/>
-          </p:nvPr>
-        </p:nvSpPr>
-        <p:spPr>
-          <a:xfrm>
-            <a:off x="3034145" y="1932709"/>
-            <a:ext cx="3075709" cy="1158875"/>
-          </a:xfrm>
-          <a:prstGeom prst="rect">
-            <a:avLst/>
-          </a:prstGeom>
-        </p:spPr>
-        <p:txBody>
-          <a:bodyPr spcFirstLastPara="1" wrap="square" lIns="91425" tIns="91425" rIns="91425" bIns="91425" anchor="b" anchorCtr="0">
-            <a:noAutofit/>
-          </a:bodyPr>
-          <a:lstStyle/>
-          <a:p>
-            <a:pPr marL="0" lvl="0" indent="0" algn="l" rtl="0">
-              <a:spcBef>
-                <a:spcPts val="0"/>
-              </a:spcBef>
-              <a:spcAft>
-                <a:spcPts val="0"/>
-              </a:spcAft>
-              <a:buNone/>
-            </a:pPr>
-            <a:r>
-              <a:rPr lang="en-US" sz="8800" b="1" dirty="0"/>
-              <a:t>DEMO</a:t>
-            </a:r>
-            <a:endParaRPr sz="8800" b="1" dirty="0"/>
-          </a:p>
-        </p:txBody>
-      </p:sp>
-      <p:sp>
-        <p:nvSpPr>
-          <p:cNvPr id="361" name="Google Shape;361;p14"/>
-          <p:cNvSpPr txBox="1"/>
-          <p:nvPr/>
-        </p:nvSpPr>
-        <p:spPr>
-          <a:xfrm>
-            <a:off x="409575" y="1676400"/>
-            <a:ext cx="2067000" cy="1771800"/>
-          </a:xfrm>
-          <a:prstGeom prst="rect">
-            <a:avLst/>
-          </a:prstGeom>
-          <a:noFill/>
-          <a:ln>
-            <a:noFill/>
-          </a:ln>
-        </p:spPr>
-        <p:txBody>
-          <a:bodyPr spcFirstLastPara="1" wrap="square" lIns="91425" tIns="91425" rIns="91425" bIns="91425" anchor="ctr" anchorCtr="0">
-            <a:noAutofit/>
-          </a:bodyPr>
-          <a:lstStyle/>
-          <a:p>
-            <a:pPr marL="0" lvl="0" indent="0" algn="ctr" rtl="0">
-              <a:spcBef>
-                <a:spcPts val="0"/>
-              </a:spcBef>
-              <a:spcAft>
-                <a:spcPts val="0"/>
-              </a:spcAft>
-              <a:buNone/>
-            </a:pPr>
-            <a:r>
-              <a:rPr lang="en" sz="4800" b="1" dirty="0">
-                <a:solidFill>
-                  <a:srgbClr val="FFFFFF"/>
-                </a:solidFill>
-                <a:latin typeface="Nixie One"/>
-                <a:ea typeface="Nixie One"/>
-                <a:cs typeface="Nixie One"/>
-                <a:sym typeface="Nixie One"/>
-              </a:rPr>
-              <a:t>1</a:t>
-            </a:r>
-            <a:endParaRPr b="1" dirty="0">
-              <a:solidFill>
-                <a:srgbClr val="FFFFFF"/>
-              </a:solidFill>
-            </a:endParaRPr>
-          </a:p>
-        </p:txBody>
-      </p:sp>
-    </p:spTree>
-    <p:extLst>
-      <p:ext uri="{BB962C8B-B14F-4D97-AF65-F5344CB8AC3E}">
-        <p14:creationId xmlns:p14="http://schemas.microsoft.com/office/powerpoint/2010/main" val="3345568012"/>
-      </p:ext>
-    </p:extLst>
-  </p:cSld>
-  <p:clrMapOvr>
-    <a:masterClrMapping/>
-  </p:clrMapOvr>
-</p:sld>
-</file>
-
-<file path=ppt/slides/slide19.xml><?xml version="1.0" encoding="utf-8"?>
+<file path=ppt/slides/slide17.xml><?xml version="1.0" encoding="utf-8"?>
 <p:sld xmlns:a="http://schemas.openxmlformats.org/drawingml/2006/main" xmlns:r="http://schemas.openxmlformats.org/officeDocument/2006/relationships" xmlns:p="http://schemas.openxmlformats.org/presentationml/2006/main">
   <p:cSld>
     <p:spTree>
@@ -12595,44 +12145,6 @@
       </p:pic>
       <p:sp>
         <p:nvSpPr>
-          <p:cNvPr id="433" name="Google Shape;433;p22"/>
-          <p:cNvSpPr txBox="1">
-            <a:spLocks noGrp="1"/>
-          </p:cNvSpPr>
-          <p:nvPr>
-            <p:ph type="sldNum" sz="quarter" idx="12"/>
-          </p:nvPr>
-        </p:nvSpPr>
-        <p:spPr>
-          <a:prstGeom prst="rect">
-            <a:avLst/>
-          </a:prstGeom>
-        </p:spPr>
-        <p:txBody>
-          <a:bodyPr spcFirstLastPara="1" wrap="square" lIns="91425" tIns="91425" rIns="91425" bIns="91425" anchor="t" anchorCtr="0">
-            <a:noAutofit/>
-          </a:bodyPr>
-          <a:lstStyle/>
-          <a:p>
-            <a:pPr marL="0" lvl="0" indent="0" algn="l" rtl="0">
-              <a:spcBef>
-                <a:spcPts val="0"/>
-              </a:spcBef>
-              <a:spcAft>
-                <a:spcPts val="0"/>
-              </a:spcAft>
-              <a:buNone/>
-            </a:pPr>
-            <a:fld id="{00000000-1234-1234-1234-123412341234}" type="slidenum">
-              <a:rPr lang="en"/>
-              <a:t>19</a:t>
-            </a:fld>
-            <a:endParaRPr/>
-          </a:p>
-        </p:txBody>
-      </p:sp>
-      <p:sp>
-        <p:nvSpPr>
           <p:cNvPr id="430" name="Google Shape;430;p22"/>
           <p:cNvSpPr txBox="1">
             <a:spLocks noGrp="1"/>
@@ -12643,8 +12155,8 @@
         </p:nvSpPr>
         <p:spPr>
           <a:xfrm>
-            <a:off x="2578550" y="417900"/>
-            <a:ext cx="4192472" cy="644525"/>
+            <a:off x="2185954" y="344104"/>
+            <a:ext cx="4772092" cy="644525"/>
           </a:xfrm>
           <a:prstGeom prst="rect">
             <a:avLst/>
@@ -12662,18 +12174,30 @@
               </a:spcBef>
             </a:pPr>
             <a:r>
-              <a:rPr lang="en-US" dirty="0"/>
+              <a:rPr lang="en-US" dirty="0">
+                <a:latin typeface="Roboto" panose="02000000000000000000" pitchFamily="2" charset="0"/>
+                <a:ea typeface="Roboto" panose="02000000000000000000" pitchFamily="2" charset="0"/>
+              </a:rPr>
               <a:t>Azure </a:t>
             </a:r>
             <a:r>
-              <a:rPr lang="en-US" dirty="0" err="1"/>
+              <a:rPr lang="en-US" dirty="0" err="1">
+                <a:latin typeface="Roboto" panose="02000000000000000000" pitchFamily="2" charset="0"/>
+                <a:ea typeface="Roboto" panose="02000000000000000000" pitchFamily="2" charset="0"/>
+              </a:rPr>
               <a:t>SignalR</a:t>
             </a:r>
             <a:r>
-              <a:rPr lang="en-US" dirty="0"/>
+              <a:rPr lang="en-US" dirty="0">
+                <a:latin typeface="Roboto" panose="02000000000000000000" pitchFamily="2" charset="0"/>
+                <a:ea typeface="Roboto" panose="02000000000000000000" pitchFamily="2" charset="0"/>
+              </a:rPr>
               <a:t> Services</a:t>
             </a:r>
-            <a:endParaRPr dirty="0"/>
+            <a:endParaRPr dirty="0">
+              <a:latin typeface="Roboto" panose="02000000000000000000" pitchFamily="2" charset="0"/>
+              <a:ea typeface="Roboto" panose="02000000000000000000" pitchFamily="2" charset="0"/>
+            </a:endParaRPr>
           </a:p>
         </p:txBody>
       </p:sp>
@@ -12752,7 +12276,7 @@
         <p:spPr>
           <a:xfrm>
             <a:off x="2050615" y="1338081"/>
-            <a:ext cx="644728" cy="400110"/>
+            <a:ext cx="717610" cy="400110"/>
           </a:xfrm>
           <a:prstGeom prst="rect">
             <a:avLst/>
@@ -12766,18 +12290,30 @@
           <a:lstStyle/>
           <a:p>
             <a:r>
-              <a:rPr lang="en-US" sz="1000" dirty="0" err="1"/>
+              <a:rPr lang="en-US" sz="1000" dirty="0" err="1">
+                <a:latin typeface="Roboto" panose="02000000000000000000" pitchFamily="2" charset="0"/>
+                <a:ea typeface="Roboto" panose="02000000000000000000" pitchFamily="2" charset="0"/>
+              </a:rPr>
               <a:t>Cliente</a:t>
             </a:r>
             <a:r>
-              <a:rPr lang="en-US" sz="1000" dirty="0"/>
+              <a:rPr lang="en-US" sz="1000" dirty="0">
+                <a:latin typeface="Roboto" panose="02000000000000000000" pitchFamily="2" charset="0"/>
+                <a:ea typeface="Roboto" panose="02000000000000000000" pitchFamily="2" charset="0"/>
+              </a:rPr>
               <a:t> 1</a:t>
             </a:r>
             <a:br>
-              <a:rPr lang="en-US" sz="1000" dirty="0"/>
+              <a:rPr lang="en-US" sz="1000" dirty="0">
+                <a:latin typeface="Roboto" panose="02000000000000000000" pitchFamily="2" charset="0"/>
+                <a:ea typeface="Roboto" panose="02000000000000000000" pitchFamily="2" charset="0"/>
+              </a:rPr>
             </a:br>
             <a:r>
-              <a:rPr lang="en-US" sz="1000" dirty="0"/>
+              <a:rPr lang="en-US" sz="1000" dirty="0">
+                <a:latin typeface="Roboto" panose="02000000000000000000" pitchFamily="2" charset="0"/>
+                <a:ea typeface="Roboto" panose="02000000000000000000" pitchFamily="2" charset="0"/>
+              </a:rPr>
               <a:t>Grupo A</a:t>
             </a:r>
           </a:p>
@@ -12797,8 +12333,8 @@
         </p:nvSpPr>
         <p:spPr>
           <a:xfrm>
-            <a:off x="2086947" y="2175580"/>
-            <a:ext cx="644728" cy="400110"/>
+            <a:off x="2086946" y="2175580"/>
+            <a:ext cx="727837" cy="400110"/>
           </a:xfrm>
           <a:prstGeom prst="rect">
             <a:avLst/>
@@ -12812,18 +12348,30 @@
           <a:lstStyle/>
           <a:p>
             <a:r>
-              <a:rPr lang="en-US" sz="1000" dirty="0" err="1"/>
+              <a:rPr lang="en-US" sz="1000" dirty="0" err="1">
+                <a:latin typeface="Roboto" panose="02000000000000000000" pitchFamily="2" charset="0"/>
+                <a:ea typeface="Roboto" panose="02000000000000000000" pitchFamily="2" charset="0"/>
+              </a:rPr>
               <a:t>Cliente</a:t>
             </a:r>
             <a:r>
-              <a:rPr lang="en-US" sz="1000" dirty="0"/>
+              <a:rPr lang="en-US" sz="1000" dirty="0">
+                <a:latin typeface="Roboto" panose="02000000000000000000" pitchFamily="2" charset="0"/>
+                <a:ea typeface="Roboto" panose="02000000000000000000" pitchFamily="2" charset="0"/>
+              </a:rPr>
               <a:t> 2</a:t>
             </a:r>
             <a:br>
-              <a:rPr lang="en-US" sz="1000" dirty="0"/>
+              <a:rPr lang="en-US" sz="1000" dirty="0">
+                <a:latin typeface="Roboto" panose="02000000000000000000" pitchFamily="2" charset="0"/>
+                <a:ea typeface="Roboto" panose="02000000000000000000" pitchFamily="2" charset="0"/>
+              </a:rPr>
             </a:br>
             <a:r>
-              <a:rPr lang="en-US" sz="1000" dirty="0"/>
+              <a:rPr lang="en-US" sz="1000" dirty="0">
+                <a:latin typeface="Roboto" panose="02000000000000000000" pitchFamily="2" charset="0"/>
+                <a:ea typeface="Roboto" panose="02000000000000000000" pitchFamily="2" charset="0"/>
+              </a:rPr>
               <a:t>Grupo B</a:t>
             </a:r>
           </a:p>
@@ -12903,8 +12451,8 @@
         </p:nvSpPr>
         <p:spPr>
           <a:xfrm>
-            <a:off x="2082483" y="2844399"/>
-            <a:ext cx="644728" cy="400110"/>
+            <a:off x="2082482" y="2844399"/>
+            <a:ext cx="727837" cy="400110"/>
           </a:xfrm>
           <a:prstGeom prst="rect">
             <a:avLst/>
@@ -12918,18 +12466,30 @@
           <a:lstStyle/>
           <a:p>
             <a:r>
-              <a:rPr lang="en-US" sz="1000" dirty="0" err="1"/>
+              <a:rPr lang="en-US" sz="1000" dirty="0" err="1">
+                <a:latin typeface="Roboto" panose="02000000000000000000" pitchFamily="2" charset="0"/>
+                <a:ea typeface="Roboto" panose="02000000000000000000" pitchFamily="2" charset="0"/>
+              </a:rPr>
               <a:t>Cliente</a:t>
             </a:r>
             <a:r>
-              <a:rPr lang="en-US" sz="1000" dirty="0"/>
+              <a:rPr lang="en-US" sz="1000" dirty="0">
+                <a:latin typeface="Roboto" panose="02000000000000000000" pitchFamily="2" charset="0"/>
+                <a:ea typeface="Roboto" panose="02000000000000000000" pitchFamily="2" charset="0"/>
+              </a:rPr>
               <a:t> 3</a:t>
             </a:r>
             <a:br>
-              <a:rPr lang="en-US" sz="1000" dirty="0"/>
+              <a:rPr lang="en-US" sz="1000" dirty="0">
+                <a:latin typeface="Roboto" panose="02000000000000000000" pitchFamily="2" charset="0"/>
+                <a:ea typeface="Roboto" panose="02000000000000000000" pitchFamily="2" charset="0"/>
+              </a:rPr>
             </a:br>
             <a:r>
-              <a:rPr lang="en-US" sz="1000" dirty="0"/>
+              <a:rPr lang="en-US" sz="1000" dirty="0">
+                <a:latin typeface="Roboto" panose="02000000000000000000" pitchFamily="2" charset="0"/>
+                <a:ea typeface="Roboto" panose="02000000000000000000" pitchFamily="2" charset="0"/>
+              </a:rPr>
               <a:t>Grupo A</a:t>
             </a:r>
           </a:p>
@@ -12950,7 +12510,7 @@
         <p:spPr>
           <a:xfrm>
             <a:off x="2114351" y="3658892"/>
-            <a:ext cx="644728" cy="400110"/>
+            <a:ext cx="727836" cy="400110"/>
           </a:xfrm>
           <a:prstGeom prst="rect">
             <a:avLst/>
@@ -12964,18 +12524,30 @@
           <a:lstStyle/>
           <a:p>
             <a:r>
-              <a:rPr lang="en-US" sz="1000" dirty="0" err="1"/>
+              <a:rPr lang="en-US" sz="1000" dirty="0" err="1">
+                <a:latin typeface="Roboto" panose="02000000000000000000" pitchFamily="2" charset="0"/>
+                <a:ea typeface="Roboto" panose="02000000000000000000" pitchFamily="2" charset="0"/>
+              </a:rPr>
               <a:t>Cliente</a:t>
             </a:r>
             <a:r>
-              <a:rPr lang="en-US" sz="1000" dirty="0"/>
+              <a:rPr lang="en-US" sz="1000" dirty="0">
+                <a:latin typeface="Roboto" panose="02000000000000000000" pitchFamily="2" charset="0"/>
+                <a:ea typeface="Roboto" panose="02000000000000000000" pitchFamily="2" charset="0"/>
+              </a:rPr>
               <a:t> 4</a:t>
             </a:r>
             <a:br>
-              <a:rPr lang="en-US" sz="1000" dirty="0"/>
+              <a:rPr lang="en-US" sz="1000" dirty="0">
+                <a:latin typeface="Roboto" panose="02000000000000000000" pitchFamily="2" charset="0"/>
+                <a:ea typeface="Roboto" panose="02000000000000000000" pitchFamily="2" charset="0"/>
+              </a:rPr>
             </a:br>
             <a:r>
-              <a:rPr lang="en-US" sz="1000" dirty="0"/>
+              <a:rPr lang="en-US" sz="1000" dirty="0">
+                <a:latin typeface="Roboto" panose="02000000000000000000" pitchFamily="2" charset="0"/>
+                <a:ea typeface="Roboto" panose="02000000000000000000" pitchFamily="2" charset="0"/>
+              </a:rPr>
               <a:t>Grupo B</a:t>
             </a:r>
           </a:p>
@@ -13113,7 +12685,10 @@
           <a:lstStyle/>
           <a:p>
             <a:pPr algn="ctr"/>
-            <a:endParaRPr lang="en-US"/>
+            <a:endParaRPr lang="en-US">
+              <a:latin typeface="Roboto" panose="02000000000000000000" pitchFamily="2" charset="0"/>
+              <a:ea typeface="Roboto" panose="02000000000000000000" pitchFamily="2" charset="0"/>
+            </a:endParaRPr>
           </a:p>
         </p:txBody>
       </p:sp>
@@ -13159,7 +12734,10 @@
           <a:lstStyle/>
           <a:p>
             <a:pPr algn="ctr"/>
-            <a:endParaRPr lang="en-US"/>
+            <a:endParaRPr lang="en-US">
+              <a:latin typeface="Roboto" panose="02000000000000000000" pitchFamily="2" charset="0"/>
+              <a:ea typeface="Roboto" panose="02000000000000000000" pitchFamily="2" charset="0"/>
+            </a:endParaRPr>
           </a:p>
         </p:txBody>
       </p:sp>
@@ -13205,7 +12783,10 @@
           <a:lstStyle/>
           <a:p>
             <a:pPr algn="ctr"/>
-            <a:endParaRPr lang="en-US"/>
+            <a:endParaRPr lang="en-US">
+              <a:latin typeface="Roboto" panose="02000000000000000000" pitchFamily="2" charset="0"/>
+              <a:ea typeface="Roboto" panose="02000000000000000000" pitchFamily="2" charset="0"/>
+            </a:endParaRPr>
           </a:p>
         </p:txBody>
       </p:sp>
@@ -13251,7 +12832,10 @@
           <a:lstStyle/>
           <a:p>
             <a:pPr algn="ctr"/>
-            <a:endParaRPr lang="en-US"/>
+            <a:endParaRPr lang="en-US">
+              <a:latin typeface="Roboto" panose="02000000000000000000" pitchFamily="2" charset="0"/>
+              <a:ea typeface="Roboto" panose="02000000000000000000" pitchFamily="2" charset="0"/>
+            </a:endParaRPr>
           </a:p>
         </p:txBody>
       </p:sp>
@@ -13297,7 +12881,10 @@
           <a:lstStyle/>
           <a:p>
             <a:pPr algn="ctr"/>
-            <a:endParaRPr lang="en-US"/>
+            <a:endParaRPr lang="en-US">
+              <a:latin typeface="Roboto" panose="02000000000000000000" pitchFamily="2" charset="0"/>
+              <a:ea typeface="Roboto" panose="02000000000000000000" pitchFamily="2" charset="0"/>
+            </a:endParaRPr>
           </a:p>
         </p:txBody>
       </p:sp>
@@ -13343,7 +12930,10 @@
           <a:lstStyle/>
           <a:p>
             <a:pPr algn="ctr"/>
-            <a:endParaRPr lang="en-US"/>
+            <a:endParaRPr lang="en-US">
+              <a:latin typeface="Roboto" panose="02000000000000000000" pitchFamily="2" charset="0"/>
+              <a:ea typeface="Roboto" panose="02000000000000000000" pitchFamily="2" charset="0"/>
+            </a:endParaRPr>
           </a:p>
         </p:txBody>
       </p:sp>
@@ -13389,7 +12979,10 @@
           <a:lstStyle/>
           <a:p>
             <a:pPr algn="ctr"/>
-            <a:endParaRPr lang="en-US"/>
+            <a:endParaRPr lang="en-US">
+              <a:latin typeface="Roboto" panose="02000000000000000000" pitchFamily="2" charset="0"/>
+              <a:ea typeface="Roboto" panose="02000000000000000000" pitchFamily="2" charset="0"/>
+            </a:endParaRPr>
           </a:p>
         </p:txBody>
       </p:sp>
@@ -13652,425 +13245,7 @@
 </p:sld>
 </file>
 
-<file path=ppt/slides/slide2.xml><?xml version="1.0" encoding="utf-8"?>
-<p:sld xmlns:a="http://schemas.openxmlformats.org/drawingml/2006/main" xmlns:r="http://schemas.openxmlformats.org/officeDocument/2006/relationships" xmlns:p="http://schemas.openxmlformats.org/presentationml/2006/main">
-  <p:cSld>
-    <p:spTree>
-      <p:nvGrpSpPr>
-        <p:cNvPr id="1" name="Shape 350"/>
-        <p:cNvGrpSpPr/>
-        <p:nvPr/>
-      </p:nvGrpSpPr>
-      <p:grpSpPr>
-        <a:xfrm>
-          <a:off x="0" y="0"/>
-          <a:ext cx="0" cy="0"/>
-          <a:chOff x="0" y="0"/>
-          <a:chExt cx="0" cy="0"/>
-        </a:xfrm>
-      </p:grpSpPr>
-      <p:sp>
-        <p:nvSpPr>
-          <p:cNvPr id="352" name="Google Shape;352;p13"/>
-          <p:cNvSpPr txBox="1">
-            <a:spLocks noGrp="1"/>
-          </p:cNvSpPr>
-          <p:nvPr>
-            <p:ph type="body" sz="half" idx="2"/>
-          </p:nvPr>
-        </p:nvSpPr>
-        <p:spPr>
-          <a:xfrm>
-            <a:off x="3310851" y="596534"/>
-            <a:ext cx="5496362" cy="1502430"/>
-          </a:xfrm>
-          <a:prstGeom prst="rect">
-            <a:avLst/>
-          </a:prstGeom>
-        </p:spPr>
-        <p:txBody>
-          <a:bodyPr spcFirstLastPara="1" wrap="square" lIns="91425" tIns="91425" rIns="91425" bIns="91425" anchor="t" anchorCtr="0">
-            <a:noAutofit/>
-          </a:bodyPr>
-          <a:lstStyle/>
-          <a:p>
-            <a:pPr marL="0" indent="0">
-              <a:lnSpc>
-                <a:spcPct val="85000"/>
-              </a:lnSpc>
-              <a:spcBef>
-                <a:spcPct val="0"/>
-              </a:spcBef>
-              <a:spcAft>
-                <a:spcPts val="0"/>
-              </a:spcAft>
-            </a:pPr>
-            <a:r>
-              <a:rPr lang="en-US" sz="4800" spc="-38" dirty="0" err="1">
-                <a:solidFill>
-                  <a:schemeClr val="tx1">
-                    <a:lumMod val="85000"/>
-                    <a:lumOff val="15000"/>
-                  </a:schemeClr>
-                </a:solidFill>
-                <a:latin typeface="+mj-lt"/>
-                <a:ea typeface="+mj-ea"/>
-                <a:cs typeface="+mj-cs"/>
-              </a:rPr>
-              <a:t>Fabrício</a:t>
-            </a:r>
-            <a:r>
-              <a:rPr lang="en-US" sz="4800" spc="-38" dirty="0">
-                <a:solidFill>
-                  <a:schemeClr val="tx1">
-                    <a:lumMod val="85000"/>
-                    <a:lumOff val="15000"/>
-                  </a:schemeClr>
-                </a:solidFill>
-                <a:latin typeface="+mj-lt"/>
-                <a:ea typeface="+mj-ea"/>
-                <a:cs typeface="+mj-cs"/>
-              </a:rPr>
-              <a:t> Veronez</a:t>
-            </a:r>
-            <a:endParaRPr sz="4800" spc="-38" dirty="0">
-              <a:solidFill>
-                <a:schemeClr val="tx1">
-                  <a:lumMod val="85000"/>
-                  <a:lumOff val="15000"/>
-                </a:schemeClr>
-              </a:solidFill>
-              <a:latin typeface="+mj-lt"/>
-              <a:ea typeface="+mj-ea"/>
-              <a:cs typeface="+mj-cs"/>
-            </a:endParaRPr>
-          </a:p>
-          <a:p>
-            <a:pPr marL="0" indent="0">
-              <a:lnSpc>
-                <a:spcPct val="85000"/>
-              </a:lnSpc>
-              <a:spcBef>
-                <a:spcPct val="0"/>
-              </a:spcBef>
-              <a:spcAft>
-                <a:spcPts val="0"/>
-              </a:spcAft>
-            </a:pPr>
-            <a:r>
-              <a:rPr lang="en-US" sz="3200" spc="-38" dirty="0" err="1">
-                <a:solidFill>
-                  <a:schemeClr val="tx1">
-                    <a:lumMod val="85000"/>
-                    <a:lumOff val="15000"/>
-                  </a:schemeClr>
-                </a:solidFill>
-                <a:latin typeface="+mj-lt"/>
-                <a:ea typeface="+mj-ea"/>
-                <a:cs typeface="+mj-cs"/>
-              </a:rPr>
-              <a:t>Arquiteto</a:t>
-            </a:r>
-            <a:r>
-              <a:rPr lang="en-US" sz="3200" spc="-38" dirty="0">
-                <a:solidFill>
-                  <a:schemeClr val="tx1">
-                    <a:lumMod val="85000"/>
-                    <a:lumOff val="15000"/>
-                  </a:schemeClr>
-                </a:solidFill>
-                <a:latin typeface="+mj-lt"/>
-                <a:ea typeface="+mj-ea"/>
-                <a:cs typeface="+mj-cs"/>
-              </a:rPr>
-              <a:t> de Software</a:t>
-            </a:r>
-            <a:endParaRPr sz="3200" spc="-38" dirty="0">
-              <a:solidFill>
-                <a:schemeClr val="tx1">
-                  <a:lumMod val="85000"/>
-                  <a:lumOff val="15000"/>
-                </a:schemeClr>
-              </a:solidFill>
-              <a:latin typeface="+mj-lt"/>
-              <a:ea typeface="+mj-ea"/>
-              <a:cs typeface="+mj-cs"/>
-            </a:endParaRPr>
-          </a:p>
-        </p:txBody>
-      </p:sp>
-      <p:sp>
-        <p:nvSpPr>
-          <p:cNvPr id="354" name="Google Shape;354;p13"/>
-          <p:cNvSpPr txBox="1">
-            <a:spLocks noGrp="1"/>
-          </p:cNvSpPr>
-          <p:nvPr>
-            <p:ph type="sldNum" sz="quarter" idx="12"/>
-          </p:nvPr>
-        </p:nvSpPr>
-        <p:spPr>
-          <a:prstGeom prst="rect">
-            <a:avLst/>
-          </a:prstGeom>
-        </p:spPr>
-        <p:txBody>
-          <a:bodyPr spcFirstLastPara="1" wrap="square" lIns="91425" tIns="91425" rIns="91425" bIns="91425" anchor="t" anchorCtr="0">
-            <a:noAutofit/>
-          </a:bodyPr>
-          <a:lstStyle/>
-          <a:p>
-            <a:pPr marL="0" lvl="0" indent="0" algn="l" rtl="0">
-              <a:spcBef>
-                <a:spcPts val="0"/>
-              </a:spcBef>
-              <a:spcAft>
-                <a:spcPts val="0"/>
-              </a:spcAft>
-              <a:buNone/>
-            </a:pPr>
-            <a:fld id="{00000000-1234-1234-1234-123412341234}" type="slidenum">
-              <a:rPr lang="en"/>
-              <a:t>2</a:t>
-            </a:fld>
-            <a:endParaRPr/>
-          </a:p>
-        </p:txBody>
-      </p:sp>
-      <p:pic>
-        <p:nvPicPr>
-          <p:cNvPr id="353" name="Google Shape;353;p13"/>
-          <p:cNvPicPr preferRelativeResize="0"/>
-          <p:nvPr/>
-        </p:nvPicPr>
-        <p:blipFill>
-          <a:blip r:embed="rId3"/>
-          <a:stretch>
-            <a:fillRect/>
-          </a:stretch>
-        </p:blipFill>
-        <p:spPr>
-          <a:xfrm>
-            <a:off x="594074" y="596534"/>
-            <a:ext cx="1854975" cy="1693800"/>
-          </a:xfrm>
-          <a:prstGeom prst="hexagon">
-            <a:avLst>
-              <a:gd name="adj" fmla="val 28393"/>
-              <a:gd name="vf" fmla="val 115470"/>
-            </a:avLst>
-          </a:prstGeom>
-          <a:noFill/>
-          <a:ln>
-            <a:noFill/>
-          </a:ln>
-        </p:spPr>
-      </p:pic>
-      <p:pic>
-        <p:nvPicPr>
-          <p:cNvPr id="3" name="Imagem 2">
-            <a:extLst>
-              <a:ext uri="{FF2B5EF4-FFF2-40B4-BE49-F238E27FC236}">
-                <a16:creationId xmlns:a16="http://schemas.microsoft.com/office/drawing/2014/main" id="{6F62818C-F0D8-4F4C-A8D7-B34AD1E126F1}"/>
-              </a:ext>
-            </a:extLst>
-          </p:cNvPr>
-          <p:cNvPicPr>
-            <a:picLocks noChangeAspect="1"/>
-          </p:cNvPicPr>
-          <p:nvPr/>
-        </p:nvPicPr>
-        <p:blipFill>
-          <a:blip r:embed="rId4"/>
-          <a:stretch>
-            <a:fillRect/>
-          </a:stretch>
-        </p:blipFill>
-        <p:spPr>
-          <a:xfrm>
-            <a:off x="274403" y="3989964"/>
-            <a:ext cx="2494319" cy="854875"/>
-          </a:xfrm>
-          <a:prstGeom prst="rect">
-            <a:avLst/>
-          </a:prstGeom>
-        </p:spPr>
-      </p:pic>
-      <p:sp>
-        <p:nvSpPr>
-          <p:cNvPr id="6" name="CaixaDeTexto 5">
-            <a:extLst>
-              <a:ext uri="{FF2B5EF4-FFF2-40B4-BE49-F238E27FC236}">
-                <a16:creationId xmlns:a16="http://schemas.microsoft.com/office/drawing/2014/main" id="{6651CF45-E80F-4411-9B8E-B0A56F36D7B7}"/>
-              </a:ext>
-            </a:extLst>
-          </p:cNvPr>
-          <p:cNvSpPr txBox="1"/>
-          <p:nvPr/>
-        </p:nvSpPr>
-        <p:spPr>
-          <a:xfrm>
-            <a:off x="3310851" y="3341722"/>
-            <a:ext cx="5098512" cy="1311128"/>
-          </a:xfrm>
-          <a:prstGeom prst="rect">
-            <a:avLst/>
-          </a:prstGeom>
-          <a:noFill/>
-        </p:spPr>
-        <p:txBody>
-          <a:bodyPr wrap="none" rtlCol="0">
-            <a:spAutoFit/>
-          </a:bodyPr>
-          <a:lstStyle/>
-          <a:p>
-            <a:pPr>
-              <a:lnSpc>
-                <a:spcPct val="85000"/>
-              </a:lnSpc>
-              <a:spcBef>
-                <a:spcPct val="0"/>
-              </a:spcBef>
-            </a:pPr>
-            <a:r>
-              <a:rPr lang="en-US" spc="-38" dirty="0">
-                <a:solidFill>
-                  <a:schemeClr val="tx1">
-                    <a:lumMod val="85000"/>
-                    <a:lumOff val="15000"/>
-                  </a:schemeClr>
-                </a:solidFill>
-              </a:rPr>
-              <a:t>http://www.fabricioveronez.net</a:t>
-            </a:r>
-          </a:p>
-          <a:p>
-            <a:pPr>
-              <a:lnSpc>
-                <a:spcPct val="85000"/>
-              </a:lnSpc>
-              <a:spcBef>
-                <a:spcPct val="0"/>
-              </a:spcBef>
-            </a:pPr>
-            <a:r>
-              <a:rPr lang="en-US" spc="-38" dirty="0">
-                <a:solidFill>
-                  <a:schemeClr val="tx1">
-                    <a:lumMod val="85000"/>
-                    <a:lumOff val="15000"/>
-                  </a:schemeClr>
-                </a:solidFill>
-              </a:rPr>
-              <a:t>Email - fabricioveronez@gmail.com</a:t>
-            </a:r>
-          </a:p>
-          <a:p>
-            <a:pPr>
-              <a:lnSpc>
-                <a:spcPct val="85000"/>
-              </a:lnSpc>
-              <a:spcBef>
-                <a:spcPct val="0"/>
-              </a:spcBef>
-            </a:pPr>
-            <a:r>
-              <a:rPr lang="en-US" spc="-38" dirty="0" err="1">
-                <a:solidFill>
-                  <a:schemeClr val="tx1">
-                    <a:lumMod val="85000"/>
-                    <a:lumOff val="15000"/>
-                  </a:schemeClr>
-                </a:solidFill>
-              </a:rPr>
-              <a:t>Linkedin</a:t>
-            </a:r>
-            <a:r>
-              <a:rPr lang="en-US" spc="-38" dirty="0">
-                <a:solidFill>
-                  <a:schemeClr val="tx1">
-                    <a:lumMod val="85000"/>
-                    <a:lumOff val="15000"/>
-                  </a:schemeClr>
-                </a:solidFill>
-              </a:rPr>
-              <a:t> - </a:t>
-            </a:r>
-            <a:r>
-              <a:rPr lang="en-US" spc="-38" dirty="0">
-                <a:solidFill>
-                  <a:schemeClr val="tx1">
-                    <a:lumMod val="85000"/>
-                    <a:lumOff val="15000"/>
-                  </a:schemeClr>
-                </a:solidFill>
-                <a:hlinkClick r:id="rId5"/>
-              </a:rPr>
-              <a:t>http://www.linkedin.com/in/fabricioveronez</a:t>
-            </a:r>
-            <a:endParaRPr lang="en-US" spc="-38" dirty="0">
-              <a:solidFill>
-                <a:schemeClr val="tx1">
-                  <a:lumMod val="85000"/>
-                  <a:lumOff val="15000"/>
-                </a:schemeClr>
-              </a:solidFill>
-            </a:endParaRPr>
-          </a:p>
-          <a:p>
-            <a:pPr>
-              <a:lnSpc>
-                <a:spcPct val="85000"/>
-              </a:lnSpc>
-              <a:spcBef>
-                <a:spcPct val="0"/>
-              </a:spcBef>
-            </a:pPr>
-            <a:r>
-              <a:rPr lang="en-US" spc="-38" dirty="0">
-                <a:solidFill>
-                  <a:schemeClr val="tx1">
-                    <a:lumMod val="85000"/>
-                    <a:lumOff val="15000"/>
-                  </a:schemeClr>
-                </a:solidFill>
-              </a:rPr>
-              <a:t>Telegram - </a:t>
-            </a:r>
-            <a:r>
-              <a:rPr lang="en-US" spc="-38" dirty="0" err="1">
-                <a:solidFill>
-                  <a:schemeClr val="tx1">
-                    <a:lumMod val="85000"/>
-                    <a:lumOff val="15000"/>
-                  </a:schemeClr>
-                </a:solidFill>
-              </a:rPr>
-              <a:t>fabricioveronez</a:t>
-            </a:r>
-            <a:endParaRPr lang="en-US" spc="-38" dirty="0">
-              <a:solidFill>
-                <a:schemeClr val="tx1">
-                  <a:lumMod val="85000"/>
-                  <a:lumOff val="15000"/>
-                </a:schemeClr>
-              </a:solidFill>
-            </a:endParaRPr>
-          </a:p>
-          <a:p>
-            <a:endParaRPr lang="en-US" dirty="0"/>
-          </a:p>
-        </p:txBody>
-      </p:sp>
-    </p:spTree>
-  </p:cSld>
-  <p:clrMapOvr>
-    <a:masterClrMapping/>
-  </p:clrMapOvr>
-</p:sld>
-</file>
-
-<file path=ppt/slides/slide20.xml><?xml version="1.0" encoding="utf-8"?>
+<file path=ppt/slides/slide18.xml><?xml version="1.0" encoding="utf-8"?>
 <p:sld xmlns:a="http://schemas.openxmlformats.org/drawingml/2006/main" xmlns:r="http://schemas.openxmlformats.org/officeDocument/2006/relationships" xmlns:p="http://schemas.openxmlformats.org/presentationml/2006/main">
   <p:cSld>
     <p:spTree>
@@ -14099,8 +13274,8 @@
         </p:nvSpPr>
         <p:spPr>
           <a:xfrm>
-            <a:off x="3034145" y="1932709"/>
-            <a:ext cx="3075709" cy="1158875"/>
+            <a:off x="2885128" y="1903228"/>
+            <a:ext cx="3373743" cy="1158875"/>
           </a:xfrm>
           <a:prstGeom prst="rect">
             <a:avLst/>
@@ -14122,10 +13297,16 @@
               <a:buNone/>
             </a:pPr>
             <a:r>
-              <a:rPr lang="en-US" sz="8800" b="1" dirty="0"/>
+              <a:rPr lang="en-US" sz="8800" b="1" dirty="0">
+                <a:latin typeface="Roboto" panose="02000000000000000000" pitchFamily="2" charset="0"/>
+                <a:ea typeface="Roboto" panose="02000000000000000000" pitchFamily="2" charset="0"/>
+              </a:rPr>
               <a:t>DEMO</a:t>
             </a:r>
-            <a:endParaRPr sz="8800" b="1" dirty="0"/>
+            <a:endParaRPr sz="8800" b="1" dirty="0">
+              <a:latin typeface="Roboto" panose="02000000000000000000" pitchFamily="2" charset="0"/>
+              <a:ea typeface="Roboto" panose="02000000000000000000" pitchFamily="2" charset="0"/>
+            </a:endParaRPr>
           </a:p>
         </p:txBody>
       </p:sp>
@@ -14189,6 +13370,441 @@
         <p14:creationId xmlns:p14="http://schemas.microsoft.com/office/powerpoint/2010/main" val="2182354493"/>
       </p:ext>
     </p:extLst>
+  </p:cSld>
+  <p:clrMapOvr>
+    <a:masterClrMapping/>
+  </p:clrMapOvr>
+</p:sld>
+</file>
+
+<file path=ppt/slides/slide2.xml><?xml version="1.0" encoding="utf-8"?>
+<p:sld xmlns:a="http://schemas.openxmlformats.org/drawingml/2006/main" xmlns:r="http://schemas.openxmlformats.org/officeDocument/2006/relationships" xmlns:p="http://schemas.openxmlformats.org/presentationml/2006/main">
+  <p:cSld>
+    <p:spTree>
+      <p:nvGrpSpPr>
+        <p:cNvPr id="1" name="Shape 350"/>
+        <p:cNvGrpSpPr/>
+        <p:nvPr/>
+      </p:nvGrpSpPr>
+      <p:grpSpPr>
+        <a:xfrm>
+          <a:off x="0" y="0"/>
+          <a:ext cx="0" cy="0"/>
+          <a:chOff x="0" y="0"/>
+          <a:chExt cx="0" cy="0"/>
+        </a:xfrm>
+      </p:grpSpPr>
+      <p:sp>
+        <p:nvSpPr>
+          <p:cNvPr id="9" name="Google Shape;352;p13">
+            <a:extLst>
+              <a:ext uri="{FF2B5EF4-FFF2-40B4-BE49-F238E27FC236}">
+                <a16:creationId xmlns:a16="http://schemas.microsoft.com/office/drawing/2014/main" id="{1018BA2E-FDE0-4044-AA13-4C495BF1C438}"/>
+              </a:ext>
+            </a:extLst>
+          </p:cNvPr>
+          <p:cNvSpPr txBox="1">
+            <a:spLocks noGrp="1"/>
+          </p:cNvSpPr>
+          <p:nvPr>
+            <p:ph type="body" sz="half" idx="2"/>
+          </p:nvPr>
+        </p:nvSpPr>
+        <p:spPr>
+          <a:xfrm>
+            <a:off x="3310851" y="596534"/>
+            <a:ext cx="5496362" cy="1502430"/>
+          </a:xfrm>
+          <a:prstGeom prst="rect">
+            <a:avLst/>
+          </a:prstGeom>
+        </p:spPr>
+        <p:txBody>
+          <a:bodyPr spcFirstLastPara="1" wrap="square" lIns="91425" tIns="91425" rIns="91425" bIns="91425" anchor="t" anchorCtr="0">
+            <a:noAutofit/>
+          </a:bodyPr>
+          <a:lstStyle/>
+          <a:p>
+            <a:pPr marL="0" indent="0">
+              <a:lnSpc>
+                <a:spcPct val="85000"/>
+              </a:lnSpc>
+              <a:spcBef>
+                <a:spcPct val="0"/>
+              </a:spcBef>
+              <a:spcAft>
+                <a:spcPts val="0"/>
+              </a:spcAft>
+            </a:pPr>
+            <a:r>
+              <a:rPr lang="en-US" sz="4800" spc="-38" dirty="0" err="1">
+                <a:solidFill>
+                  <a:schemeClr val="tx1">
+                    <a:lumMod val="85000"/>
+                    <a:lumOff val="15000"/>
+                  </a:schemeClr>
+                </a:solidFill>
+                <a:latin typeface="Roboto" panose="02000000000000000000" pitchFamily="2" charset="0"/>
+                <a:ea typeface="Roboto" panose="02000000000000000000" pitchFamily="2" charset="0"/>
+                <a:cs typeface="+mj-cs"/>
+              </a:rPr>
+              <a:t>Fabrício</a:t>
+            </a:r>
+            <a:r>
+              <a:rPr lang="en-US" sz="4800" spc="-38" dirty="0">
+                <a:solidFill>
+                  <a:schemeClr val="tx1">
+                    <a:lumMod val="85000"/>
+                    <a:lumOff val="15000"/>
+                  </a:schemeClr>
+                </a:solidFill>
+                <a:latin typeface="Roboto" panose="02000000000000000000" pitchFamily="2" charset="0"/>
+                <a:ea typeface="Roboto" panose="02000000000000000000" pitchFamily="2" charset="0"/>
+                <a:cs typeface="+mj-cs"/>
+              </a:rPr>
+              <a:t> Veronez</a:t>
+            </a:r>
+            <a:endParaRPr sz="4800" spc="-38" dirty="0">
+              <a:solidFill>
+                <a:schemeClr val="tx1">
+                  <a:lumMod val="85000"/>
+                  <a:lumOff val="15000"/>
+                </a:schemeClr>
+              </a:solidFill>
+              <a:latin typeface="Roboto" panose="02000000000000000000" pitchFamily="2" charset="0"/>
+              <a:ea typeface="Roboto" panose="02000000000000000000" pitchFamily="2" charset="0"/>
+              <a:cs typeface="+mj-cs"/>
+            </a:endParaRPr>
+          </a:p>
+          <a:p>
+            <a:pPr marL="0" indent="0">
+              <a:lnSpc>
+                <a:spcPct val="85000"/>
+              </a:lnSpc>
+              <a:spcBef>
+                <a:spcPct val="0"/>
+              </a:spcBef>
+              <a:spcAft>
+                <a:spcPts val="0"/>
+              </a:spcAft>
+            </a:pPr>
+            <a:r>
+              <a:rPr lang="en-US" sz="3200" spc="-38" dirty="0" err="1">
+                <a:solidFill>
+                  <a:schemeClr val="tx1">
+                    <a:lumMod val="85000"/>
+                    <a:lumOff val="15000"/>
+                  </a:schemeClr>
+                </a:solidFill>
+                <a:latin typeface="Roboto" panose="02000000000000000000" pitchFamily="2" charset="0"/>
+                <a:ea typeface="Roboto" panose="02000000000000000000" pitchFamily="2" charset="0"/>
+                <a:cs typeface="+mj-cs"/>
+              </a:rPr>
+              <a:t>Arquiteto</a:t>
+            </a:r>
+            <a:r>
+              <a:rPr lang="en-US" sz="3200" spc="-38" dirty="0">
+                <a:solidFill>
+                  <a:schemeClr val="tx1">
+                    <a:lumMod val="85000"/>
+                    <a:lumOff val="15000"/>
+                  </a:schemeClr>
+                </a:solidFill>
+                <a:latin typeface="Roboto" panose="02000000000000000000" pitchFamily="2" charset="0"/>
+                <a:ea typeface="Roboto" panose="02000000000000000000" pitchFamily="2" charset="0"/>
+                <a:cs typeface="+mj-cs"/>
+              </a:rPr>
+              <a:t> de Software</a:t>
+            </a:r>
+            <a:endParaRPr sz="3200" spc="-38" dirty="0">
+              <a:solidFill>
+                <a:schemeClr val="tx1">
+                  <a:lumMod val="85000"/>
+                  <a:lumOff val="15000"/>
+                </a:schemeClr>
+              </a:solidFill>
+              <a:latin typeface="Roboto" panose="02000000000000000000" pitchFamily="2" charset="0"/>
+              <a:ea typeface="Roboto" panose="02000000000000000000" pitchFamily="2" charset="0"/>
+              <a:cs typeface="+mj-cs"/>
+            </a:endParaRPr>
+          </a:p>
+        </p:txBody>
+      </p:sp>
+      <p:pic>
+        <p:nvPicPr>
+          <p:cNvPr id="11" name="Imagem 10">
+            <a:extLst>
+              <a:ext uri="{FF2B5EF4-FFF2-40B4-BE49-F238E27FC236}">
+                <a16:creationId xmlns:a16="http://schemas.microsoft.com/office/drawing/2014/main" id="{53A8025E-23B3-4AF4-AA26-D444209F168D}"/>
+              </a:ext>
+            </a:extLst>
+          </p:cNvPr>
+          <p:cNvPicPr>
+            <a:picLocks noChangeAspect="1"/>
+          </p:cNvPicPr>
+          <p:nvPr/>
+        </p:nvPicPr>
+        <p:blipFill>
+          <a:blip r:embed="rId3"/>
+          <a:stretch>
+            <a:fillRect/>
+          </a:stretch>
+        </p:blipFill>
+        <p:spPr>
+          <a:xfrm>
+            <a:off x="274403" y="3989964"/>
+            <a:ext cx="2494319" cy="854875"/>
+          </a:xfrm>
+          <a:prstGeom prst="rect">
+            <a:avLst/>
+          </a:prstGeom>
+        </p:spPr>
+      </p:pic>
+      <p:sp>
+        <p:nvSpPr>
+          <p:cNvPr id="12" name="CaixaDeTexto 11">
+            <a:extLst>
+              <a:ext uri="{FF2B5EF4-FFF2-40B4-BE49-F238E27FC236}">
+                <a16:creationId xmlns:a16="http://schemas.microsoft.com/office/drawing/2014/main" id="{2CFE1A40-C45B-403D-8565-3D82BCD84EDC}"/>
+              </a:ext>
+            </a:extLst>
+          </p:cNvPr>
+          <p:cNvSpPr txBox="1"/>
+          <p:nvPr/>
+        </p:nvSpPr>
+        <p:spPr>
+          <a:xfrm>
+            <a:off x="3310851" y="3341722"/>
+            <a:ext cx="5456750" cy="1311128"/>
+          </a:xfrm>
+          <a:prstGeom prst="rect">
+            <a:avLst/>
+          </a:prstGeom>
+          <a:noFill/>
+        </p:spPr>
+        <p:txBody>
+          <a:bodyPr wrap="none" rtlCol="0">
+            <a:spAutoFit/>
+          </a:bodyPr>
+          <a:lstStyle/>
+          <a:p>
+            <a:pPr>
+              <a:lnSpc>
+                <a:spcPct val="85000"/>
+              </a:lnSpc>
+              <a:spcBef>
+                <a:spcPct val="0"/>
+              </a:spcBef>
+            </a:pPr>
+            <a:r>
+              <a:rPr lang="en-US" spc="-38" dirty="0">
+                <a:solidFill>
+                  <a:schemeClr val="tx1">
+                    <a:lumMod val="85000"/>
+                    <a:lumOff val="15000"/>
+                  </a:schemeClr>
+                </a:solidFill>
+                <a:latin typeface="Roboto" panose="02000000000000000000" pitchFamily="2" charset="0"/>
+                <a:ea typeface="Roboto" panose="02000000000000000000" pitchFamily="2" charset="0"/>
+              </a:rPr>
+              <a:t>http://www.fabricioveronez.net</a:t>
+            </a:r>
+          </a:p>
+          <a:p>
+            <a:pPr>
+              <a:lnSpc>
+                <a:spcPct val="85000"/>
+              </a:lnSpc>
+              <a:spcBef>
+                <a:spcPct val="0"/>
+              </a:spcBef>
+            </a:pPr>
+            <a:r>
+              <a:rPr lang="en-US" spc="-38" dirty="0">
+                <a:solidFill>
+                  <a:schemeClr val="tx1">
+                    <a:lumMod val="85000"/>
+                    <a:lumOff val="15000"/>
+                  </a:schemeClr>
+                </a:solidFill>
+                <a:latin typeface="Roboto" panose="02000000000000000000" pitchFamily="2" charset="0"/>
+                <a:ea typeface="Roboto" panose="02000000000000000000" pitchFamily="2" charset="0"/>
+              </a:rPr>
+              <a:t>Email - fabricioveronez@gmail.com</a:t>
+            </a:r>
+          </a:p>
+          <a:p>
+            <a:pPr>
+              <a:lnSpc>
+                <a:spcPct val="85000"/>
+              </a:lnSpc>
+              <a:spcBef>
+                <a:spcPct val="0"/>
+              </a:spcBef>
+            </a:pPr>
+            <a:r>
+              <a:rPr lang="en-US" spc="-38" dirty="0" err="1">
+                <a:solidFill>
+                  <a:schemeClr val="tx1">
+                    <a:lumMod val="85000"/>
+                    <a:lumOff val="15000"/>
+                  </a:schemeClr>
+                </a:solidFill>
+                <a:latin typeface="Roboto" panose="02000000000000000000" pitchFamily="2" charset="0"/>
+                <a:ea typeface="Roboto" panose="02000000000000000000" pitchFamily="2" charset="0"/>
+              </a:rPr>
+              <a:t>Linkedin</a:t>
+            </a:r>
+            <a:r>
+              <a:rPr lang="en-US" spc="-38" dirty="0">
+                <a:solidFill>
+                  <a:schemeClr val="tx1">
+                    <a:lumMod val="85000"/>
+                    <a:lumOff val="15000"/>
+                  </a:schemeClr>
+                </a:solidFill>
+                <a:latin typeface="Roboto" panose="02000000000000000000" pitchFamily="2" charset="0"/>
+                <a:ea typeface="Roboto" panose="02000000000000000000" pitchFamily="2" charset="0"/>
+              </a:rPr>
+              <a:t> - </a:t>
+            </a:r>
+            <a:r>
+              <a:rPr lang="en-US" spc="-38" dirty="0">
+                <a:solidFill>
+                  <a:schemeClr val="tx1">
+                    <a:lumMod val="85000"/>
+                    <a:lumOff val="15000"/>
+                  </a:schemeClr>
+                </a:solidFill>
+                <a:latin typeface="Roboto" panose="02000000000000000000" pitchFamily="2" charset="0"/>
+                <a:ea typeface="Roboto" panose="02000000000000000000" pitchFamily="2" charset="0"/>
+                <a:hlinkClick r:id="rId4"/>
+              </a:rPr>
+              <a:t>http://www.linkedin.com/in/fabricioveronez</a:t>
+            </a:r>
+            <a:endParaRPr lang="en-US" spc="-38" dirty="0">
+              <a:solidFill>
+                <a:schemeClr val="tx1">
+                  <a:lumMod val="85000"/>
+                  <a:lumOff val="15000"/>
+                </a:schemeClr>
+              </a:solidFill>
+              <a:latin typeface="Roboto" panose="02000000000000000000" pitchFamily="2" charset="0"/>
+              <a:ea typeface="Roboto" panose="02000000000000000000" pitchFamily="2" charset="0"/>
+            </a:endParaRPr>
+          </a:p>
+          <a:p>
+            <a:pPr>
+              <a:lnSpc>
+                <a:spcPct val="85000"/>
+              </a:lnSpc>
+              <a:spcBef>
+                <a:spcPct val="0"/>
+              </a:spcBef>
+            </a:pPr>
+            <a:r>
+              <a:rPr lang="en-US" spc="-38" dirty="0">
+                <a:solidFill>
+                  <a:schemeClr val="tx1">
+                    <a:lumMod val="85000"/>
+                    <a:lumOff val="15000"/>
+                  </a:schemeClr>
+                </a:solidFill>
+                <a:latin typeface="Roboto" panose="02000000000000000000" pitchFamily="2" charset="0"/>
+                <a:ea typeface="Roboto" panose="02000000000000000000" pitchFamily="2" charset="0"/>
+              </a:rPr>
+              <a:t>Telegram - </a:t>
+            </a:r>
+            <a:r>
+              <a:rPr lang="en-US" spc="-38" dirty="0" err="1">
+                <a:solidFill>
+                  <a:schemeClr val="tx1">
+                    <a:lumMod val="85000"/>
+                    <a:lumOff val="15000"/>
+                  </a:schemeClr>
+                </a:solidFill>
+                <a:latin typeface="Roboto" panose="02000000000000000000" pitchFamily="2" charset="0"/>
+                <a:ea typeface="Roboto" panose="02000000000000000000" pitchFamily="2" charset="0"/>
+              </a:rPr>
+              <a:t>fabricioveronez</a:t>
+            </a:r>
+            <a:endParaRPr lang="en-US" spc="-38" dirty="0">
+              <a:solidFill>
+                <a:schemeClr val="tx1">
+                  <a:lumMod val="85000"/>
+                  <a:lumOff val="15000"/>
+                </a:schemeClr>
+              </a:solidFill>
+              <a:latin typeface="Roboto" panose="02000000000000000000" pitchFamily="2" charset="0"/>
+              <a:ea typeface="Roboto" panose="02000000000000000000" pitchFamily="2" charset="0"/>
+            </a:endParaRPr>
+          </a:p>
+          <a:p>
+            <a:endParaRPr lang="en-US" dirty="0"/>
+          </a:p>
+        </p:txBody>
+      </p:sp>
+      <p:pic>
+        <p:nvPicPr>
+          <p:cNvPr id="13" name="Imagem 12">
+            <a:extLst>
+              <a:ext uri="{FF2B5EF4-FFF2-40B4-BE49-F238E27FC236}">
+                <a16:creationId xmlns:a16="http://schemas.microsoft.com/office/drawing/2014/main" id="{2F9450F7-57C3-4B2A-84A1-BEC5AB05EFB2}"/>
+              </a:ext>
+            </a:extLst>
+          </p:cNvPr>
+          <p:cNvPicPr>
+            <a:picLocks noChangeAspect="1"/>
+          </p:cNvPicPr>
+          <p:nvPr/>
+        </p:nvPicPr>
+        <p:blipFill>
+          <a:blip r:embed="rId5"/>
+          <a:stretch>
+            <a:fillRect/>
+          </a:stretch>
+        </p:blipFill>
+        <p:spPr>
+          <a:xfrm>
+            <a:off x="457831" y="284018"/>
+            <a:ext cx="2127461" cy="2127461"/>
+          </a:xfrm>
+          <a:prstGeom prst="rect">
+            <a:avLst/>
+          </a:prstGeom>
+        </p:spPr>
+      </p:pic>
+      <p:pic>
+        <p:nvPicPr>
+          <p:cNvPr id="14" name="Imagem 13">
+            <a:extLst>
+              <a:ext uri="{FF2B5EF4-FFF2-40B4-BE49-F238E27FC236}">
+                <a16:creationId xmlns:a16="http://schemas.microsoft.com/office/drawing/2014/main" id="{2814084F-88C0-4E7A-B6DE-A817038DB86C}"/>
+              </a:ext>
+            </a:extLst>
+          </p:cNvPr>
+          <p:cNvPicPr>
+            <a:picLocks noChangeAspect="1"/>
+          </p:cNvPicPr>
+          <p:nvPr/>
+        </p:nvPicPr>
+        <p:blipFill>
+          <a:blip r:embed="rId6"/>
+          <a:stretch>
+            <a:fillRect/>
+          </a:stretch>
+        </p:blipFill>
+        <p:spPr>
+          <a:xfrm>
+            <a:off x="3385580" y="1191862"/>
+            <a:ext cx="3482360" cy="1957871"/>
+          </a:xfrm>
+          <a:prstGeom prst="rect">
+            <a:avLst/>
+          </a:prstGeom>
+        </p:spPr>
+      </p:pic>
+    </p:spTree>
   </p:cSld>
   <p:clrMapOvr>
     <a:masterClrMapping/>
@@ -14248,10 +13864,16 @@
               <a:buNone/>
             </a:pPr>
             <a:r>
-              <a:rPr lang="en-US" dirty="0" err="1"/>
+              <a:rPr lang="en-US" dirty="0" err="1">
+                <a:latin typeface="Roboto" panose="02000000000000000000" pitchFamily="2" charset="0"/>
+                <a:ea typeface="Roboto" panose="02000000000000000000" pitchFamily="2" charset="0"/>
+              </a:rPr>
               <a:t>Tópicos</a:t>
             </a:r>
-            <a:endParaRPr dirty="0"/>
+            <a:endParaRPr dirty="0">
+              <a:latin typeface="Roboto" panose="02000000000000000000" pitchFamily="2" charset="0"/>
+              <a:ea typeface="Roboto" panose="02000000000000000000" pitchFamily="2" charset="0"/>
+            </a:endParaRPr>
           </a:p>
         </p:txBody>
       </p:sp>
@@ -14292,10 +13914,16 @@
               <a:buAutoNum type="arabicPeriod"/>
             </a:pPr>
             <a:r>
-              <a:rPr lang="en-US" dirty="0" err="1"/>
+              <a:rPr lang="en-US" dirty="0" err="1">
+                <a:latin typeface="Roboto" panose="02000000000000000000" pitchFamily="2" charset="0"/>
+                <a:ea typeface="Roboto" panose="02000000000000000000" pitchFamily="2" charset="0"/>
+              </a:rPr>
               <a:t>Aplicabilidade</a:t>
             </a:r>
-            <a:endParaRPr dirty="0"/>
+            <a:endParaRPr dirty="0">
+              <a:latin typeface="Roboto" panose="02000000000000000000" pitchFamily="2" charset="0"/>
+              <a:ea typeface="Roboto" panose="02000000000000000000" pitchFamily="2" charset="0"/>
+            </a:endParaRPr>
           </a:p>
           <a:p>
             <a:pPr marL="482600" lvl="0" indent="-342900" algn="l" rtl="0">
@@ -14310,10 +13938,16 @@
               <a:buAutoNum type="arabicPeriod"/>
             </a:pPr>
             <a:r>
-              <a:rPr lang="en" dirty="0"/>
+              <a:rPr lang="en" dirty="0">
+                <a:latin typeface="Roboto" panose="02000000000000000000" pitchFamily="2" charset="0"/>
+                <a:ea typeface="Roboto" panose="02000000000000000000" pitchFamily="2" charset="0"/>
+              </a:rPr>
               <a:t>Técnicas de implementação</a:t>
             </a:r>
-            <a:endParaRPr dirty="0"/>
+            <a:endParaRPr dirty="0">
+              <a:latin typeface="Roboto" panose="02000000000000000000" pitchFamily="2" charset="0"/>
+              <a:ea typeface="Roboto" panose="02000000000000000000" pitchFamily="2" charset="0"/>
+            </a:endParaRPr>
           </a:p>
           <a:p>
             <a:pPr marL="482600" lvl="0" indent="-342900" algn="l" rtl="0">
@@ -14328,10 +13962,16 @@
               <a:buAutoNum type="arabicPeriod"/>
             </a:pPr>
             <a:r>
-              <a:rPr lang="en-US" dirty="0" err="1"/>
+              <a:rPr lang="en-US" dirty="0" err="1">
+                <a:latin typeface="Roboto" panose="02000000000000000000" pitchFamily="2" charset="0"/>
+                <a:ea typeface="Roboto" panose="02000000000000000000" pitchFamily="2" charset="0"/>
+              </a:rPr>
               <a:t>SignalR</a:t>
             </a:r>
-            <a:endParaRPr lang="en-US" dirty="0"/>
+            <a:endParaRPr lang="en-US" dirty="0">
+              <a:latin typeface="Roboto" panose="02000000000000000000" pitchFamily="2" charset="0"/>
+              <a:ea typeface="Roboto" panose="02000000000000000000" pitchFamily="2" charset="0"/>
+            </a:endParaRPr>
           </a:p>
           <a:p>
             <a:pPr marL="482600" lvl="0" indent="-342900" algn="l" rtl="0">
@@ -14346,9 +13986,16 @@
               <a:buAutoNum type="arabicPeriod"/>
             </a:pPr>
             <a:r>
-              <a:rPr lang="en-US" dirty="0"/>
-              <a:t>Demo 1</a:t>
+              <a:rPr lang="en-US" dirty="0" err="1">
+                <a:latin typeface="Roboto" panose="02000000000000000000" pitchFamily="2" charset="0"/>
+                <a:ea typeface="Roboto" panose="02000000000000000000" pitchFamily="2" charset="0"/>
+              </a:rPr>
+              <a:t>Escalabilidade</a:t>
             </a:r>
+            <a:endParaRPr lang="en-US" dirty="0">
+              <a:latin typeface="Roboto" panose="02000000000000000000" pitchFamily="2" charset="0"/>
+              <a:ea typeface="Roboto" panose="02000000000000000000" pitchFamily="2" charset="0"/>
+            </a:endParaRPr>
           </a:p>
           <a:p>
             <a:pPr marL="482600" lvl="0" indent="-342900" algn="l" rtl="0">
@@ -14363,10 +14010,12 @@
               <a:buAutoNum type="arabicPeriod"/>
             </a:pPr>
             <a:r>
-              <a:rPr lang="en-US" dirty="0" err="1"/>
-              <a:t>Escalabilidade</a:t>
+              <a:rPr lang="en-US" dirty="0">
+                <a:latin typeface="Roboto" panose="02000000000000000000" pitchFamily="2" charset="0"/>
+                <a:ea typeface="Roboto" panose="02000000000000000000" pitchFamily="2" charset="0"/>
+              </a:rPr>
+              <a:t>Backplane </a:t>
             </a:r>
-            <a:endParaRPr lang="en-US" dirty="0"/>
           </a:p>
           <a:p>
             <a:pPr marL="482600" lvl="0" indent="-342900" algn="l" rtl="0">
@@ -14381,8 +14030,11 @@
               <a:buAutoNum type="arabicPeriod"/>
             </a:pPr>
             <a:r>
-              <a:rPr lang="en-US" dirty="0"/>
-              <a:t>Backplane </a:t>
+              <a:rPr lang="en-US" dirty="0">
+                <a:latin typeface="Roboto" panose="02000000000000000000" pitchFamily="2" charset="0"/>
+                <a:ea typeface="Roboto" panose="02000000000000000000" pitchFamily="2" charset="0"/>
+              </a:rPr>
+              <a:t>Azure Signal Services</a:t>
             </a:r>
           </a:p>
           <a:p>
@@ -14398,44 +14050,16 @@
               <a:buAutoNum type="arabicPeriod"/>
             </a:pPr>
             <a:r>
-              <a:rPr lang="en-US" dirty="0"/>
-              <a:t>Demo 2</a:t>
+              <a:rPr lang="en-US" dirty="0">
+                <a:latin typeface="Roboto" panose="02000000000000000000" pitchFamily="2" charset="0"/>
+                <a:ea typeface="Roboto" panose="02000000000000000000" pitchFamily="2" charset="0"/>
+              </a:rPr>
+              <a:t>Demos</a:t>
             </a:r>
-          </a:p>
-          <a:p>
-            <a:pPr marL="482600" lvl="0" indent="-342900" algn="l" rtl="0">
-              <a:spcBef>
-                <a:spcPts val="0"/>
-              </a:spcBef>
-              <a:spcAft>
-                <a:spcPts val="0"/>
-              </a:spcAft>
-              <a:buSzPts val="1400"/>
-              <a:buFont typeface="+mj-lt"/>
-              <a:buAutoNum type="arabicPeriod"/>
-            </a:pPr>
-            <a:r>
-              <a:rPr lang="en-US" dirty="0"/>
-              <a:t>Azure Signal Services</a:t>
-            </a:r>
-          </a:p>
-          <a:p>
-            <a:pPr marL="482600" lvl="0" indent="-342900" algn="l" rtl="0">
-              <a:spcBef>
-                <a:spcPts val="0"/>
-              </a:spcBef>
-              <a:spcAft>
-                <a:spcPts val="0"/>
-              </a:spcAft>
-              <a:buSzPts val="1400"/>
-              <a:buFont typeface="+mj-lt"/>
-              <a:buAutoNum type="arabicPeriod"/>
-            </a:pPr>
-            <a:r>
-              <a:rPr lang="en-US" dirty="0"/>
-              <a:t>Demo 3</a:t>
-            </a:r>
-            <a:endParaRPr dirty="0"/>
+            <a:endParaRPr dirty="0">
+              <a:latin typeface="Roboto" panose="02000000000000000000" pitchFamily="2" charset="0"/>
+              <a:ea typeface="Roboto" panose="02000000000000000000" pitchFamily="2" charset="0"/>
+            </a:endParaRPr>
           </a:p>
           <a:p>
             <a:pPr marL="0" lvl="0" indent="0" algn="l" rtl="0">
@@ -15307,236 +14931,6 @@
                       </p:childTnLst>
                     </p:cTn>
                   </p:par>
-                  <p:par>
-                    <p:cTn id="52" fill="hold">
-                      <p:stCondLst>
-                        <p:cond delay="indefinite"/>
-                      </p:stCondLst>
-                      <p:childTnLst>
-                        <p:par>
-                          <p:cTn id="53" fill="hold">
-                            <p:stCondLst>
-                              <p:cond delay="0"/>
-                            </p:stCondLst>
-                            <p:childTnLst>
-                              <p:par>
-                                <p:cTn id="54" presetID="42" presetClass="entr" presetSubtype="0" fill="hold" grpId="0" nodeType="clickEffect">
-                                  <p:stCondLst>
-                                    <p:cond delay="0"/>
-                                  </p:stCondLst>
-                                  <p:childTnLst>
-                                    <p:set>
-                                      <p:cBhvr>
-                                        <p:cTn id="55" dur="1" fill="hold">
-                                          <p:stCondLst>
-                                            <p:cond delay="0"/>
-                                          </p:stCondLst>
-                                        </p:cTn>
-                                        <p:tgtEl>
-                                          <p:spTgt spid="373">
-                                            <p:txEl>
-                                              <p:pRg st="7" end="7"/>
-                                            </p:txEl>
-                                          </p:spTgt>
-                                        </p:tgtEl>
-                                        <p:attrNameLst>
-                                          <p:attrName>style.visibility</p:attrName>
-                                        </p:attrNameLst>
-                                      </p:cBhvr>
-                                      <p:to>
-                                        <p:strVal val="visible"/>
-                                      </p:to>
-                                    </p:set>
-                                    <p:animEffect transition="in" filter="fade">
-                                      <p:cBhvr>
-                                        <p:cTn id="56" dur="500"/>
-                                        <p:tgtEl>
-                                          <p:spTgt spid="373">
-                                            <p:txEl>
-                                              <p:pRg st="7" end="7"/>
-                                            </p:txEl>
-                                          </p:spTgt>
-                                        </p:tgtEl>
-                                      </p:cBhvr>
-                                    </p:animEffect>
-                                    <p:anim calcmode="lin" valueType="num">
-                                      <p:cBhvr>
-                                        <p:cTn id="57" dur="500" fill="hold"/>
-                                        <p:tgtEl>
-                                          <p:spTgt spid="373">
-                                            <p:txEl>
-                                              <p:pRg st="7" end="7"/>
-                                            </p:txEl>
-                                          </p:spTgt>
-                                        </p:tgtEl>
-                                        <p:attrNameLst>
-                                          <p:attrName>ppt_x</p:attrName>
-                                        </p:attrNameLst>
-                                      </p:cBhvr>
-                                      <p:tavLst>
-                                        <p:tav tm="0">
-                                          <p:val>
-                                            <p:strVal val="#ppt_x"/>
-                                          </p:val>
-                                        </p:tav>
-                                        <p:tav tm="100000">
-                                          <p:val>
-                                            <p:strVal val="#ppt_x"/>
-                                          </p:val>
-                                        </p:tav>
-                                      </p:tavLst>
-                                    </p:anim>
-                                    <p:anim calcmode="lin" valueType="num">
-                                      <p:cBhvr>
-                                        <p:cTn id="58" dur="500" fill="hold"/>
-                                        <p:tgtEl>
-                                          <p:spTgt spid="373">
-                                            <p:txEl>
-                                              <p:pRg st="7" end="7"/>
-                                            </p:txEl>
-                                          </p:spTgt>
-                                        </p:tgtEl>
-                                        <p:attrNameLst>
-                                          <p:attrName>ppt_y</p:attrName>
-                                        </p:attrNameLst>
-                                      </p:cBhvr>
-                                      <p:tavLst>
-                                        <p:tav tm="0">
-                                          <p:val>
-                                            <p:strVal val="#ppt_y+.1"/>
-                                          </p:val>
-                                        </p:tav>
-                                        <p:tav tm="100000">
-                                          <p:val>
-                                            <p:strVal val="#ppt_y"/>
-                                          </p:val>
-                                        </p:tav>
-                                      </p:tavLst>
-                                    </p:anim>
-                                  </p:childTnLst>
-                                </p:cTn>
-                              </p:par>
-                            </p:childTnLst>
-                          </p:cTn>
-                        </p:par>
-                      </p:childTnLst>
-                    </p:cTn>
-                  </p:par>
-                  <p:par>
-                    <p:cTn id="59" fill="hold">
-                      <p:stCondLst>
-                        <p:cond delay="indefinite"/>
-                      </p:stCondLst>
-                      <p:childTnLst>
-                        <p:par>
-                          <p:cTn id="60" fill="hold">
-                            <p:stCondLst>
-                              <p:cond delay="0"/>
-                            </p:stCondLst>
-                            <p:childTnLst>
-                              <p:par>
-                                <p:cTn id="61" presetID="42" presetClass="entr" presetSubtype="0" fill="hold" grpId="0" nodeType="clickEffect">
-                                  <p:stCondLst>
-                                    <p:cond delay="0"/>
-                                  </p:stCondLst>
-                                  <p:childTnLst>
-                                    <p:set>
-                                      <p:cBhvr>
-                                        <p:cTn id="62" dur="1" fill="hold">
-                                          <p:stCondLst>
-                                            <p:cond delay="0"/>
-                                          </p:stCondLst>
-                                        </p:cTn>
-                                        <p:tgtEl>
-                                          <p:spTgt spid="373">
-                                            <p:txEl>
-                                              <p:pRg st="8" end="8"/>
-                                            </p:txEl>
-                                          </p:spTgt>
-                                        </p:tgtEl>
-                                        <p:attrNameLst>
-                                          <p:attrName>style.visibility</p:attrName>
-                                        </p:attrNameLst>
-                                      </p:cBhvr>
-                                      <p:to>
-                                        <p:strVal val="visible"/>
-                                      </p:to>
-                                    </p:set>
-                                    <p:animEffect transition="in" filter="fade">
-                                      <p:cBhvr>
-                                        <p:cTn id="63" dur="500"/>
-                                        <p:tgtEl>
-                                          <p:spTgt spid="373">
-                                            <p:txEl>
-                                              <p:pRg st="8" end="8"/>
-                                            </p:txEl>
-                                          </p:spTgt>
-                                        </p:tgtEl>
-                                      </p:cBhvr>
-                                    </p:animEffect>
-                                    <p:anim calcmode="lin" valueType="num">
-                                      <p:cBhvr>
-                                        <p:cTn id="64" dur="500" fill="hold"/>
-                                        <p:tgtEl>
-                                          <p:spTgt spid="373">
-                                            <p:txEl>
-                                              <p:pRg st="8" end="8"/>
-                                            </p:txEl>
-                                          </p:spTgt>
-                                        </p:tgtEl>
-                                        <p:attrNameLst>
-                                          <p:attrName>ppt_x</p:attrName>
-                                        </p:attrNameLst>
-                                      </p:cBhvr>
-                                      <p:tavLst>
-                                        <p:tav tm="0">
-                                          <p:val>
-                                            <p:strVal val="#ppt_x"/>
-                                          </p:val>
-                                        </p:tav>
-                                        <p:tav tm="100000">
-                                          <p:val>
-                                            <p:strVal val="#ppt_x"/>
-                                          </p:val>
-                                        </p:tav>
-                                      </p:tavLst>
-                                    </p:anim>
-                                    <p:anim calcmode="lin" valueType="num">
-                                      <p:cBhvr>
-                                        <p:cTn id="65" dur="500" fill="hold"/>
-                                        <p:tgtEl>
-                                          <p:spTgt spid="373">
-                                            <p:txEl>
-                                              <p:pRg st="8" end="8"/>
-                                            </p:txEl>
-                                          </p:spTgt>
-                                        </p:tgtEl>
-                                        <p:attrNameLst>
-                                          <p:attrName>ppt_y</p:attrName>
-                                        </p:attrNameLst>
-                                      </p:cBhvr>
-                                      <p:tavLst>
-                                        <p:tav tm="0">
-                                          <p:val>
-                                            <p:strVal val="#ppt_y+.1"/>
-                                          </p:val>
-                                        </p:tav>
-                                        <p:tav tm="100000">
-                                          <p:val>
-                                            <p:strVal val="#ppt_y"/>
-                                          </p:val>
-                                        </p:tav>
-                                      </p:tavLst>
-                                    </p:anim>
-                                  </p:childTnLst>
-                                </p:cTn>
-                              </p:par>
-                            </p:childTnLst>
-                          </p:cTn>
-                        </p:par>
-                      </p:childTnLst>
-                    </p:cTn>
-                  </p:par>
                 </p:childTnLst>
               </p:cTn>
               <p:prevCondLst>
@@ -15617,10 +15011,16 @@
               <a:buNone/>
             </a:pPr>
             <a:r>
-              <a:rPr lang="en-US" sz="8800" b="1" dirty="0"/>
+              <a:rPr lang="en-US" sz="8000" b="1" dirty="0">
+                <a:latin typeface="Roboto" panose="02000000000000000000" pitchFamily="2" charset="0"/>
+                <a:ea typeface="Roboto" panose="02000000000000000000" pitchFamily="2" charset="0"/>
+              </a:rPr>
               <a:t>Por que ?</a:t>
             </a:r>
-            <a:endParaRPr sz="8800" b="1" dirty="0"/>
+            <a:endParaRPr sz="8000" b="1" dirty="0">
+              <a:latin typeface="Roboto" panose="02000000000000000000" pitchFamily="2" charset="0"/>
+              <a:ea typeface="Roboto" panose="02000000000000000000" pitchFamily="2" charset="0"/>
+            </a:endParaRPr>
           </a:p>
         </p:txBody>
       </p:sp>
@@ -15764,44 +15164,6 @@
       </p:grpSpPr>
       <p:sp>
         <p:nvSpPr>
-          <p:cNvPr id="538" name="Google Shape;538;p31"/>
-          <p:cNvSpPr txBox="1">
-            <a:spLocks noGrp="1"/>
-          </p:cNvSpPr>
-          <p:nvPr>
-            <p:ph type="sldNum" sz="quarter" idx="12"/>
-          </p:nvPr>
-        </p:nvSpPr>
-        <p:spPr>
-          <a:prstGeom prst="rect">
-            <a:avLst/>
-          </a:prstGeom>
-        </p:spPr>
-        <p:txBody>
-          <a:bodyPr spcFirstLastPara="1" wrap="square" lIns="91425" tIns="91425" rIns="91425" bIns="91425" anchor="t" anchorCtr="0">
-            <a:noAutofit/>
-          </a:bodyPr>
-          <a:lstStyle/>
-          <a:p>
-            <a:pPr marL="0" lvl="0" indent="0" algn="l" rtl="0">
-              <a:spcBef>
-                <a:spcPts val="0"/>
-              </a:spcBef>
-              <a:spcAft>
-                <a:spcPts val="0"/>
-              </a:spcAft>
-              <a:buNone/>
-            </a:pPr>
-            <a:fld id="{00000000-1234-1234-1234-123412341234}" type="slidenum">
-              <a:rPr lang="en"/>
-              <a:t>5</a:t>
-            </a:fld>
-            <a:endParaRPr/>
-          </a:p>
-        </p:txBody>
-      </p:sp>
-      <p:sp>
-        <p:nvSpPr>
           <p:cNvPr id="535" name="Google Shape;535;p31"/>
           <p:cNvSpPr txBox="1">
             <a:spLocks noGrp="1"/>
@@ -15836,10 +15198,16 @@
               <a:buAutoNum type="arabicPeriod"/>
             </a:pPr>
             <a:r>
-              <a:rPr lang="en-US" dirty="0" err="1"/>
+              <a:rPr lang="en-US" dirty="0" err="1">
+                <a:latin typeface="Roboto" panose="02000000000000000000" pitchFamily="2" charset="0"/>
+                <a:ea typeface="Roboto" panose="02000000000000000000" pitchFamily="2" charset="0"/>
+              </a:rPr>
               <a:t>Transporte</a:t>
             </a:r>
-            <a:endParaRPr lang="en-US" dirty="0"/>
+            <a:endParaRPr lang="en-US" dirty="0">
+              <a:latin typeface="Roboto" panose="02000000000000000000" pitchFamily="2" charset="0"/>
+              <a:ea typeface="Roboto" panose="02000000000000000000" pitchFamily="2" charset="0"/>
+            </a:endParaRPr>
           </a:p>
           <a:p>
             <a:pPr marL="342900" lvl="0" indent="-342900" algn="l" rtl="0">
@@ -15853,14 +15221,23 @@
               <a:buAutoNum type="arabicPeriod"/>
             </a:pPr>
             <a:r>
-              <a:rPr lang="en-US" dirty="0"/>
+              <a:rPr lang="en-US" dirty="0">
+                <a:latin typeface="Roboto" panose="02000000000000000000" pitchFamily="2" charset="0"/>
+                <a:ea typeface="Roboto" panose="02000000000000000000" pitchFamily="2" charset="0"/>
+              </a:rPr>
               <a:t>Bolsa de </a:t>
             </a:r>
             <a:r>
-              <a:rPr lang="en-US" dirty="0" err="1"/>
+              <a:rPr lang="en-US" dirty="0" err="1">
+                <a:latin typeface="Roboto" panose="02000000000000000000" pitchFamily="2" charset="0"/>
+                <a:ea typeface="Roboto" panose="02000000000000000000" pitchFamily="2" charset="0"/>
+              </a:rPr>
               <a:t>valores</a:t>
             </a:r>
-            <a:endParaRPr lang="en-US" dirty="0"/>
+            <a:endParaRPr lang="en-US" dirty="0">
+              <a:latin typeface="Roboto" panose="02000000000000000000" pitchFamily="2" charset="0"/>
+              <a:ea typeface="Roboto" panose="02000000000000000000" pitchFamily="2" charset="0"/>
+            </a:endParaRPr>
           </a:p>
           <a:p>
             <a:pPr marL="342900" lvl="0" indent="-342900" algn="l" rtl="0">
@@ -15874,10 +15251,16 @@
               <a:buAutoNum type="arabicPeriod"/>
             </a:pPr>
             <a:r>
-              <a:rPr lang="en-US" dirty="0" err="1"/>
+              <a:rPr lang="en-US" dirty="0" err="1">
+                <a:latin typeface="Roboto" panose="02000000000000000000" pitchFamily="2" charset="0"/>
+                <a:ea typeface="Roboto" panose="02000000000000000000" pitchFamily="2" charset="0"/>
+              </a:rPr>
               <a:t>Placares</a:t>
             </a:r>
-            <a:endParaRPr lang="en-US" dirty="0"/>
+            <a:endParaRPr lang="en-US" dirty="0">
+              <a:latin typeface="Roboto" panose="02000000000000000000" pitchFamily="2" charset="0"/>
+              <a:ea typeface="Roboto" panose="02000000000000000000" pitchFamily="2" charset="0"/>
+            </a:endParaRPr>
           </a:p>
           <a:p>
             <a:pPr marL="342900" lvl="0" indent="-342900" algn="l" rtl="0">
@@ -15891,14 +15274,23 @@
               <a:buAutoNum type="arabicPeriod"/>
             </a:pPr>
             <a:r>
-              <a:rPr lang="en-US" dirty="0"/>
+              <a:rPr lang="en-US" dirty="0">
+                <a:latin typeface="Roboto" panose="02000000000000000000" pitchFamily="2" charset="0"/>
+                <a:ea typeface="Roboto" panose="02000000000000000000" pitchFamily="2" charset="0"/>
+              </a:rPr>
               <a:t>Redes </a:t>
             </a:r>
             <a:r>
-              <a:rPr lang="en-US" dirty="0" err="1"/>
+              <a:rPr lang="en-US" dirty="0" err="1">
+                <a:latin typeface="Roboto" panose="02000000000000000000" pitchFamily="2" charset="0"/>
+                <a:ea typeface="Roboto" panose="02000000000000000000" pitchFamily="2" charset="0"/>
+              </a:rPr>
               <a:t>Sociais</a:t>
             </a:r>
-            <a:endParaRPr lang="en-US" dirty="0"/>
+            <a:endParaRPr lang="en-US" dirty="0">
+              <a:latin typeface="Roboto" panose="02000000000000000000" pitchFamily="2" charset="0"/>
+              <a:ea typeface="Roboto" panose="02000000000000000000" pitchFamily="2" charset="0"/>
+            </a:endParaRPr>
           </a:p>
           <a:p>
             <a:pPr marL="342900" lvl="0" indent="-342900" algn="l" rtl="0">
@@ -15912,11 +15304,17 @@
               <a:buAutoNum type="arabicPeriod"/>
             </a:pPr>
             <a:r>
-              <a:rPr lang="en-US" dirty="0" err="1"/>
+              <a:rPr lang="en-US" dirty="0" err="1">
+                <a:latin typeface="Roboto" panose="02000000000000000000" pitchFamily="2" charset="0"/>
+                <a:ea typeface="Roboto" panose="02000000000000000000" pitchFamily="2" charset="0"/>
+              </a:rPr>
               <a:t>Jogos</a:t>
             </a:r>
             <a:r>
-              <a:rPr lang="en-US" dirty="0"/>
+              <a:rPr lang="en-US" dirty="0">
+                <a:latin typeface="Roboto" panose="02000000000000000000" pitchFamily="2" charset="0"/>
+                <a:ea typeface="Roboto" panose="02000000000000000000" pitchFamily="2" charset="0"/>
+              </a:rPr>
               <a:t> online</a:t>
             </a:r>
           </a:p>
@@ -16304,7 +15702,7 @@
         <p:spPr>
           <a:xfrm>
             <a:off x="2864179" y="504398"/>
-            <a:ext cx="2297809" cy="769441"/>
+            <a:ext cx="2604687" cy="769441"/>
           </a:xfrm>
           <a:prstGeom prst="rect">
             <a:avLst/>
@@ -16325,8 +15723,8 @@
                     <a:lumOff val="15000"/>
                   </a:schemeClr>
                 </a:solidFill>
-                <a:latin typeface="+mj-lt"/>
-                <a:ea typeface="+mj-ea"/>
+                <a:latin typeface="Roboto" panose="02000000000000000000" pitchFamily="2" charset="0"/>
+                <a:ea typeface="Roboto" panose="02000000000000000000" pitchFamily="2" charset="0"/>
                 <a:cs typeface="+mj-cs"/>
                 <a:sym typeface="Nixie One"/>
               </a:rPr>
@@ -16339,8 +15737,8 @@
                   <a:lumOff val="15000"/>
                 </a:schemeClr>
               </a:solidFill>
-              <a:latin typeface="+mj-lt"/>
-              <a:ea typeface="+mj-ea"/>
+              <a:latin typeface="Roboto" panose="02000000000000000000" pitchFamily="2" charset="0"/>
+              <a:ea typeface="Roboto" panose="02000000000000000000" pitchFamily="2" charset="0"/>
               <a:cs typeface="+mj-cs"/>
               <a:sym typeface="Nixie One"/>
             </a:endParaRPr>
@@ -16990,18 +16388,26 @@
               <a:buNone/>
             </a:pPr>
             <a:r>
-              <a:rPr lang="en-US" sz="4000" b="1" dirty="0"/>
+              <a:rPr lang="en-US" b="1" dirty="0">
+                <a:latin typeface="Roboto" panose="02000000000000000000" pitchFamily="2" charset="0"/>
+                <a:ea typeface="Roboto" panose="02000000000000000000" pitchFamily="2" charset="0"/>
+              </a:rPr>
               <a:t>Como </a:t>
             </a:r>
             <a:r>
-              <a:rPr lang="en-US" sz="4000" b="1" dirty="0" err="1"/>
+              <a:rPr lang="en-US" b="1" dirty="0" err="1">
+                <a:latin typeface="Roboto" panose="02000000000000000000" pitchFamily="2" charset="0"/>
+                <a:ea typeface="Roboto" panose="02000000000000000000" pitchFamily="2" charset="0"/>
+              </a:rPr>
               <a:t>implemento</a:t>
             </a:r>
             <a:r>
-              <a:rPr lang="en-US" sz="4000" b="1" dirty="0"/>
+              <a:rPr lang="en-US" b="1" dirty="0">
+                <a:latin typeface="Roboto" panose="02000000000000000000" pitchFamily="2" charset="0"/>
+                <a:ea typeface="Roboto" panose="02000000000000000000" pitchFamily="2" charset="0"/>
+              </a:rPr>
               <a:t> ?</a:t>
             </a:r>
-            <a:endParaRPr sz="4000" b="1" dirty="0"/>
           </a:p>
         </p:txBody>
       </p:sp>
@@ -17055,6 +16461,8 @@
                     <a:lumOff val="25000"/>
                   </a:schemeClr>
                 </a:solidFill>
+                <a:latin typeface="Roboto" panose="02000000000000000000" pitchFamily="2" charset="0"/>
+                <a:ea typeface="Roboto" panose="02000000000000000000" pitchFamily="2" charset="0"/>
               </a:rPr>
               <a:t>Pooling</a:t>
             </a:r>
@@ -17082,6 +16490,8 @@
                     <a:lumOff val="25000"/>
                   </a:schemeClr>
                 </a:solidFill>
+                <a:latin typeface="Roboto" panose="02000000000000000000" pitchFamily="2" charset="0"/>
+                <a:ea typeface="Roboto" panose="02000000000000000000" pitchFamily="2" charset="0"/>
               </a:rPr>
               <a:t>Long Pooling</a:t>
             </a:r>
@@ -17109,6 +16519,8 @@
                     <a:lumOff val="25000"/>
                   </a:schemeClr>
                 </a:solidFill>
+                <a:latin typeface="Roboto" panose="02000000000000000000" pitchFamily="2" charset="0"/>
+                <a:ea typeface="Roboto" panose="02000000000000000000" pitchFamily="2" charset="0"/>
               </a:rPr>
               <a:t>Server-Sent Events</a:t>
             </a:r>
@@ -17136,6 +16548,8 @@
                     <a:lumOff val="25000"/>
                   </a:schemeClr>
                 </a:solidFill>
+                <a:latin typeface="Roboto" panose="02000000000000000000" pitchFamily="2" charset="0"/>
+                <a:ea typeface="Roboto" panose="02000000000000000000" pitchFamily="2" charset="0"/>
               </a:rPr>
               <a:t>WebSocket</a:t>
             </a:r>
@@ -17616,44 +17030,6 @@
       </p:grpSpPr>
       <p:sp>
         <p:nvSpPr>
-          <p:cNvPr id="433" name="Google Shape;433;p22"/>
-          <p:cNvSpPr txBox="1">
-            <a:spLocks noGrp="1"/>
-          </p:cNvSpPr>
-          <p:nvPr>
-            <p:ph type="sldNum" sz="quarter" idx="12"/>
-          </p:nvPr>
-        </p:nvSpPr>
-        <p:spPr>
-          <a:prstGeom prst="rect">
-            <a:avLst/>
-          </a:prstGeom>
-        </p:spPr>
-        <p:txBody>
-          <a:bodyPr spcFirstLastPara="1" wrap="square" lIns="91425" tIns="91425" rIns="91425" bIns="91425" anchor="t" anchorCtr="0">
-            <a:noAutofit/>
-          </a:bodyPr>
-          <a:lstStyle/>
-          <a:p>
-            <a:pPr marL="0" lvl="0" indent="0" algn="l" rtl="0">
-              <a:spcBef>
-                <a:spcPts val="0"/>
-              </a:spcBef>
-              <a:spcAft>
-                <a:spcPts val="0"/>
-              </a:spcAft>
-              <a:buNone/>
-            </a:pPr>
-            <a:fld id="{00000000-1234-1234-1234-123412341234}" type="slidenum">
-              <a:rPr lang="en"/>
-              <a:t>7</a:t>
-            </a:fld>
-            <a:endParaRPr/>
-          </a:p>
-        </p:txBody>
-      </p:sp>
-      <p:sp>
-        <p:nvSpPr>
           <p:cNvPr id="430" name="Google Shape;430;p22"/>
           <p:cNvSpPr txBox="1">
             <a:spLocks noGrp="1"/>
@@ -17664,8 +17040,8 @@
         </p:nvSpPr>
         <p:spPr>
           <a:xfrm>
-            <a:off x="3730183" y="701675"/>
-            <a:ext cx="1683633" cy="644525"/>
+            <a:off x="3621415" y="701675"/>
+            <a:ext cx="1901170" cy="644525"/>
           </a:xfrm>
           <a:prstGeom prst="rect">
             <a:avLst/>
@@ -17687,10 +17063,16 @@
               <a:buNone/>
             </a:pPr>
             <a:r>
-              <a:rPr lang="en-US" sz="4000" dirty="0"/>
+              <a:rPr lang="en-US" sz="4000" dirty="0">
+                <a:latin typeface="Roboto" panose="02000000000000000000" pitchFamily="2" charset="0"/>
+                <a:ea typeface="Roboto" panose="02000000000000000000" pitchFamily="2" charset="0"/>
+              </a:rPr>
               <a:t>Pooling</a:t>
             </a:r>
-            <a:endParaRPr sz="4000" dirty="0"/>
+            <a:endParaRPr sz="4000" dirty="0">
+              <a:latin typeface="Roboto" panose="02000000000000000000" pitchFamily="2" charset="0"/>
+              <a:ea typeface="Roboto" panose="02000000000000000000" pitchFamily="2" charset="0"/>
+            </a:endParaRPr>
           </a:p>
         </p:txBody>
       </p:sp>
@@ -17741,6 +17123,8 @@
                 <a:solidFill>
                   <a:schemeClr val="tx1"/>
                 </a:solidFill>
+                <a:latin typeface="Roboto" panose="02000000000000000000" pitchFamily="2" charset="0"/>
+                <a:ea typeface="Roboto" panose="02000000000000000000" pitchFamily="2" charset="0"/>
               </a:rPr>
               <a:t>Request</a:t>
             </a:r>
@@ -17794,6 +17178,8 @@
                 <a:solidFill>
                   <a:schemeClr val="tx1"/>
                 </a:solidFill>
+                <a:latin typeface="Roboto" panose="02000000000000000000" pitchFamily="2" charset="0"/>
+                <a:ea typeface="Roboto" panose="02000000000000000000" pitchFamily="2" charset="0"/>
               </a:rPr>
               <a:t>Request</a:t>
             </a:r>
@@ -17847,6 +17233,8 @@
                 <a:solidFill>
                   <a:schemeClr val="tx1"/>
                 </a:solidFill>
+                <a:latin typeface="Roboto" panose="02000000000000000000" pitchFamily="2" charset="0"/>
+                <a:ea typeface="Roboto" panose="02000000000000000000" pitchFamily="2" charset="0"/>
               </a:rPr>
               <a:t>Request</a:t>
             </a:r>
@@ -17900,6 +17288,8 @@
                 <a:solidFill>
                   <a:schemeClr val="tx1"/>
                 </a:solidFill>
+                <a:latin typeface="Roboto" panose="02000000000000000000" pitchFamily="2" charset="0"/>
+                <a:ea typeface="Roboto" panose="02000000000000000000" pitchFamily="2" charset="0"/>
               </a:rPr>
               <a:t>Response</a:t>
             </a:r>
@@ -17953,6 +17343,8 @@
                 <a:solidFill>
                   <a:schemeClr val="tx1"/>
                 </a:solidFill>
+                <a:latin typeface="Roboto" panose="02000000000000000000" pitchFamily="2" charset="0"/>
+                <a:ea typeface="Roboto" panose="02000000000000000000" pitchFamily="2" charset="0"/>
               </a:rPr>
               <a:t>Request</a:t>
             </a:r>
@@ -18006,6 +17398,8 @@
                 <a:solidFill>
                   <a:schemeClr val="tx1"/>
                 </a:solidFill>
+                <a:latin typeface="Roboto" panose="02000000000000000000" pitchFamily="2" charset="0"/>
+                <a:ea typeface="Roboto" panose="02000000000000000000" pitchFamily="2" charset="0"/>
               </a:rPr>
               <a:t>Request</a:t>
             </a:r>
@@ -18452,44 +17846,6 @@
       </p:grpSpPr>
       <p:sp>
         <p:nvSpPr>
-          <p:cNvPr id="433" name="Google Shape;433;p22"/>
-          <p:cNvSpPr txBox="1">
-            <a:spLocks noGrp="1"/>
-          </p:cNvSpPr>
-          <p:nvPr>
-            <p:ph type="sldNum" sz="quarter" idx="12"/>
-          </p:nvPr>
-        </p:nvSpPr>
-        <p:spPr>
-          <a:prstGeom prst="rect">
-            <a:avLst/>
-          </a:prstGeom>
-        </p:spPr>
-        <p:txBody>
-          <a:bodyPr spcFirstLastPara="1" wrap="square" lIns="91425" tIns="91425" rIns="91425" bIns="91425" anchor="t" anchorCtr="0">
-            <a:noAutofit/>
-          </a:bodyPr>
-          <a:lstStyle/>
-          <a:p>
-            <a:pPr marL="0" lvl="0" indent="0" algn="l" rtl="0">
-              <a:spcBef>
-                <a:spcPts val="0"/>
-              </a:spcBef>
-              <a:spcAft>
-                <a:spcPts val="0"/>
-              </a:spcAft>
-              <a:buNone/>
-            </a:pPr>
-            <a:fld id="{00000000-1234-1234-1234-123412341234}" type="slidenum">
-              <a:rPr lang="en"/>
-              <a:t>8</a:t>
-            </a:fld>
-            <a:endParaRPr/>
-          </a:p>
-        </p:txBody>
-      </p:sp>
-      <p:sp>
-        <p:nvSpPr>
           <p:cNvPr id="430" name="Google Shape;430;p22"/>
           <p:cNvSpPr txBox="1">
             <a:spLocks noGrp="1"/>
@@ -18500,8 +17856,8 @@
         </p:nvSpPr>
         <p:spPr>
           <a:xfrm>
-            <a:off x="3120249" y="556202"/>
-            <a:ext cx="2903502" cy="644525"/>
+            <a:off x="3009696" y="580467"/>
+            <a:ext cx="3124607" cy="644525"/>
           </a:xfrm>
           <a:prstGeom prst="rect">
             <a:avLst/>
@@ -18515,10 +17871,16 @@
           <a:p>
             <a:pPr lvl="0"/>
             <a:r>
-              <a:rPr lang="en-US" sz="4000" dirty="0"/>
+              <a:rPr lang="en-US" sz="4000" dirty="0">
+                <a:latin typeface="Roboto" panose="02000000000000000000" pitchFamily="2" charset="0"/>
+                <a:ea typeface="Roboto" panose="02000000000000000000" pitchFamily="2" charset="0"/>
+              </a:rPr>
               <a:t>Long Pooling</a:t>
             </a:r>
-            <a:endParaRPr sz="4000" dirty="0"/>
+            <a:endParaRPr sz="4000" dirty="0">
+              <a:latin typeface="Roboto" panose="02000000000000000000" pitchFamily="2" charset="0"/>
+              <a:ea typeface="Roboto" panose="02000000000000000000" pitchFamily="2" charset="0"/>
+            </a:endParaRPr>
           </a:p>
         </p:txBody>
       </p:sp>
@@ -18569,6 +17931,8 @@
                 <a:solidFill>
                   <a:schemeClr val="tx1"/>
                 </a:solidFill>
+                <a:latin typeface="Roboto" panose="02000000000000000000" pitchFamily="2" charset="0"/>
+                <a:ea typeface="Roboto" panose="02000000000000000000" pitchFamily="2" charset="0"/>
               </a:rPr>
               <a:t>Request</a:t>
             </a:r>
@@ -18622,6 +17986,8 @@
                 <a:solidFill>
                   <a:schemeClr val="tx1"/>
                 </a:solidFill>
+                <a:latin typeface="Roboto" panose="02000000000000000000" pitchFamily="2" charset="0"/>
+                <a:ea typeface="Roboto" panose="02000000000000000000" pitchFamily="2" charset="0"/>
               </a:rPr>
               <a:t>Response</a:t>
             </a:r>
@@ -18675,6 +18041,8 @@
                 <a:solidFill>
                   <a:schemeClr val="tx1"/>
                 </a:solidFill>
+                <a:latin typeface="Roboto" panose="02000000000000000000" pitchFamily="2" charset="0"/>
+                <a:ea typeface="Roboto" panose="02000000000000000000" pitchFamily="2" charset="0"/>
               </a:rPr>
               <a:t>Request</a:t>
             </a:r>
@@ -18959,44 +18327,6 @@
       </p:grpSpPr>
       <p:sp>
         <p:nvSpPr>
-          <p:cNvPr id="433" name="Google Shape;433;p22"/>
-          <p:cNvSpPr txBox="1">
-            <a:spLocks noGrp="1"/>
-          </p:cNvSpPr>
-          <p:nvPr>
-            <p:ph type="sldNum" sz="quarter" idx="12"/>
-          </p:nvPr>
-        </p:nvSpPr>
-        <p:spPr>
-          <a:prstGeom prst="rect">
-            <a:avLst/>
-          </a:prstGeom>
-        </p:spPr>
-        <p:txBody>
-          <a:bodyPr spcFirstLastPara="1" wrap="square" lIns="91425" tIns="91425" rIns="91425" bIns="91425" anchor="t" anchorCtr="0">
-            <a:noAutofit/>
-          </a:bodyPr>
-          <a:lstStyle/>
-          <a:p>
-            <a:pPr marL="0" lvl="0" indent="0" algn="l" rtl="0">
-              <a:spcBef>
-                <a:spcPts val="0"/>
-              </a:spcBef>
-              <a:spcAft>
-                <a:spcPts val="0"/>
-              </a:spcAft>
-              <a:buNone/>
-            </a:pPr>
-            <a:fld id="{00000000-1234-1234-1234-123412341234}" type="slidenum">
-              <a:rPr lang="en"/>
-              <a:t>9</a:t>
-            </a:fld>
-            <a:endParaRPr/>
-          </a:p>
-        </p:txBody>
-      </p:sp>
-      <p:sp>
-        <p:nvSpPr>
           <p:cNvPr id="430" name="Google Shape;430;p22"/>
           <p:cNvSpPr txBox="1">
             <a:spLocks noGrp="1"/>
@@ -19007,8 +18337,8 @@
         </p:nvSpPr>
         <p:spPr>
           <a:xfrm>
-            <a:off x="2549309" y="649159"/>
-            <a:ext cx="4045382" cy="644525"/>
+            <a:off x="2391073" y="580467"/>
+            <a:ext cx="4361854" cy="644525"/>
           </a:xfrm>
           <a:prstGeom prst="rect">
             <a:avLst/>
@@ -19022,10 +18352,12 @@
           <a:p>
             <a:pPr lvl="0"/>
             <a:r>
-              <a:rPr lang="en-US" sz="4000" dirty="0"/>
+              <a:rPr lang="en-US" sz="4000" dirty="0">
+                <a:latin typeface="Roboto" panose="02000000000000000000" pitchFamily="2" charset="0"/>
+                <a:ea typeface="Roboto" panose="02000000000000000000" pitchFamily="2" charset="0"/>
+              </a:rPr>
               <a:t>Server-Sent Events</a:t>
             </a:r>
-            <a:endParaRPr sz="4000" dirty="0"/>
           </a:p>
         </p:txBody>
       </p:sp>
@@ -19076,6 +18408,8 @@
                 <a:solidFill>
                   <a:schemeClr val="tx1"/>
                 </a:solidFill>
+                <a:latin typeface="Roboto" panose="02000000000000000000" pitchFamily="2" charset="0"/>
+                <a:ea typeface="Roboto" panose="02000000000000000000" pitchFamily="2" charset="0"/>
               </a:rPr>
               <a:t>Conection</a:t>
             </a:r>
@@ -19083,6 +18417,8 @@
               <a:solidFill>
                 <a:schemeClr val="tx1"/>
               </a:solidFill>
+              <a:latin typeface="Roboto" panose="02000000000000000000" pitchFamily="2" charset="0"/>
+              <a:ea typeface="Roboto" panose="02000000000000000000" pitchFamily="2" charset="0"/>
             </a:endParaRPr>
           </a:p>
         </p:txBody>
@@ -19134,6 +18470,8 @@
                 <a:solidFill>
                   <a:schemeClr val="tx1"/>
                 </a:solidFill>
+                <a:latin typeface="Roboto" panose="02000000000000000000" pitchFamily="2" charset="0"/>
+                <a:ea typeface="Roboto" panose="02000000000000000000" pitchFamily="2" charset="0"/>
               </a:rPr>
               <a:t>Event</a:t>
             </a:r>
@@ -19187,6 +18525,8 @@
                 <a:solidFill>
                   <a:schemeClr val="tx1"/>
                 </a:solidFill>
+                <a:latin typeface="Roboto" panose="02000000000000000000" pitchFamily="2" charset="0"/>
+                <a:ea typeface="Roboto" panose="02000000000000000000" pitchFamily="2" charset="0"/>
               </a:rPr>
               <a:t>Event</a:t>
             </a:r>
@@ -19240,6 +18580,8 @@
                 <a:solidFill>
                   <a:schemeClr val="tx1"/>
                 </a:solidFill>
+                <a:latin typeface="Roboto" panose="02000000000000000000" pitchFamily="2" charset="0"/>
+                <a:ea typeface="Roboto" panose="02000000000000000000" pitchFamily="2" charset="0"/>
               </a:rPr>
               <a:t>Event</a:t>
             </a:r>
@@ -19293,6 +18635,8 @@
                 <a:solidFill>
                   <a:schemeClr val="tx1"/>
                 </a:solidFill>
+                <a:latin typeface="Roboto" panose="02000000000000000000" pitchFamily="2" charset="0"/>
+                <a:ea typeface="Roboto" panose="02000000000000000000" pitchFamily="2" charset="0"/>
               </a:rPr>
               <a:t>Event</a:t>
             </a:r>
@@ -19346,6 +18690,8 @@
                 <a:solidFill>
                   <a:schemeClr val="tx1"/>
                 </a:solidFill>
+                <a:latin typeface="Roboto" panose="02000000000000000000" pitchFamily="2" charset="0"/>
+                <a:ea typeface="Roboto" panose="02000000000000000000" pitchFamily="2" charset="0"/>
               </a:rPr>
               <a:t>Close Connection</a:t>
             </a:r>
@@ -19776,7 +19122,7 @@
 <file path=ppt/theme/theme1.xml><?xml version="1.0" encoding="utf-8"?>
 <a:theme xmlns:a="http://schemas.openxmlformats.org/drawingml/2006/main" name="Retrospectiva">
   <a:themeElements>
-    <a:clrScheme name="Retrospectiva">
+    <a:clrScheme name="veronez.dev">
       <a:dk1>
         <a:srgbClr val="000000"/>
       </a:dk1>
@@ -19790,13 +19136,13 @@
         <a:srgbClr val="CCDDEA"/>
       </a:lt2>
       <a:accent1>
-        <a:srgbClr val="E48312"/>
+        <a:srgbClr val="6F7577"/>
       </a:accent1>
       <a:accent2>
-        <a:srgbClr val="BD582C"/>
+        <a:srgbClr val="186A78"/>
       </a:accent2>
       <a:accent3>
-        <a:srgbClr val="865640"/>
+        <a:srgbClr val="3489A3"/>
       </a:accent3>
       <a:accent4>
         <a:srgbClr val="9B8357"/>

--- a/docs/Apresentacao.pptx
+++ b/docs/Apresentacao.pptx
@@ -12,8 +12,8 @@
     <p:sldId id="258" r:id="rId3"/>
     <p:sldId id="261" r:id="rId4"/>
     <p:sldId id="259" r:id="rId5"/>
-    <p:sldId id="276" r:id="rId6"/>
-    <p:sldId id="300" r:id="rId7"/>
+    <p:sldId id="309" r:id="rId6"/>
+    <p:sldId id="310" r:id="rId7"/>
     <p:sldId id="286" r:id="rId8"/>
     <p:sldId id="302" r:id="rId9"/>
     <p:sldId id="303" r:id="rId10"/>
@@ -59,6 +59,11 @@
       <p:bold r:id="rId33"/>
       <p:italic r:id="rId34"/>
       <p:boldItalic r:id="rId35"/>
+    </p:embeddedFont>
+    <p:embeddedFont>
+      <p:font typeface="Roboto Black" panose="02000000000000000000" pitchFamily="2" charset="0"/>
+      <p:bold r:id="rId36"/>
+      <p:boldItalic r:id="rId37"/>
     </p:embeddedFont>
   </p:embeddedFontLst>
   <p:defaultTextStyle>
@@ -2000,7 +2005,7 @@
   <p:cSld>
     <p:spTree>
       <p:nvGrpSpPr>
-        <p:cNvPr id="1" name="Shape 530"/>
+        <p:cNvPr id="1" name="Shape 368"/>
         <p:cNvGrpSpPr/>
         <p:nvPr/>
       </p:nvGrpSpPr>
@@ -2014,7 +2019,7 @@
       </p:grpSpPr>
       <p:sp>
         <p:nvSpPr>
-          <p:cNvPr id="531" name="Google Shape;531;g35ed75ccf_087:notes"/>
+          <p:cNvPr id="369" name="Google Shape;369;p:notes"/>
           <p:cNvSpPr>
             <a:spLocks noGrp="1" noRot="1" noChangeAspect="1"/>
           </p:cNvSpPr>
@@ -2055,7 +2060,7 @@
       </p:sp>
       <p:sp>
         <p:nvSpPr>
-          <p:cNvPr id="532" name="Google Shape;532;g35ed75ccf_087:notes"/>
+          <p:cNvPr id="370" name="Google Shape;370;p:notes"/>
           <p:cNvSpPr txBox="1">
             <a:spLocks noGrp="1"/>
           </p:cNvSpPr>
@@ -2092,6 +2097,11 @@
         </p:txBody>
       </p:sp>
     </p:spTree>
+    <p:extLst>
+      <p:ext uri="{BB962C8B-B14F-4D97-AF65-F5344CB8AC3E}">
+        <p14:creationId xmlns:p14="http://schemas.microsoft.com/office/powerpoint/2010/main" val="2964538724"/>
+      </p:ext>
+    </p:extLst>
   </p:cSld>
   <p:clrMapOvr>
     <a:masterClrMapping/>
@@ -2104,7 +2114,7 @@
   <p:cSld>
     <p:spTree>
       <p:nvGrpSpPr>
-        <p:cNvPr id="1" name="Shape 355"/>
+        <p:cNvPr id="1" name="Shape 368"/>
         <p:cNvGrpSpPr/>
         <p:nvPr/>
       </p:nvGrpSpPr>
@@ -2118,7 +2128,7 @@
       </p:grpSpPr>
       <p:sp>
         <p:nvSpPr>
-          <p:cNvPr id="356" name="Google Shape;356;g35f391192_029:notes"/>
+          <p:cNvPr id="369" name="Google Shape;369;p:notes"/>
           <p:cNvSpPr>
             <a:spLocks noGrp="1" noRot="1" noChangeAspect="1"/>
           </p:cNvSpPr>
@@ -2159,7 +2169,7 @@
       </p:sp>
       <p:sp>
         <p:nvSpPr>
-          <p:cNvPr id="357" name="Google Shape;357;g35f391192_029:notes"/>
+          <p:cNvPr id="370" name="Google Shape;370;p:notes"/>
           <p:cNvSpPr txBox="1">
             <a:spLocks noGrp="1"/>
           </p:cNvSpPr>
@@ -2198,7 +2208,7 @@
     </p:spTree>
     <p:extLst>
       <p:ext uri="{BB962C8B-B14F-4D97-AF65-F5344CB8AC3E}">
-        <p14:creationId xmlns:p14="http://schemas.microsoft.com/office/powerpoint/2010/main" val="4194452361"/>
+        <p14:creationId xmlns:p14="http://schemas.microsoft.com/office/powerpoint/2010/main" val="1873427778"/>
       </p:ext>
     </p:extLst>
   </p:cSld>
@@ -7228,7 +7238,7 @@
         </p:nvSpPr>
         <p:spPr>
           <a:xfrm>
-            <a:off x="800100" y="1171887"/>
+            <a:off x="800100" y="604818"/>
             <a:ext cx="7543800" cy="2674620"/>
           </a:xfrm>
           <a:prstGeom prst="rect">
@@ -7241,19 +7251,58 @@
           </a:bodyPr>
           <a:lstStyle/>
           <a:p>
-            <a:pPr lvl="0"/>
+            <a:pPr lvl="0" algn="just"/>
             <a:r>
-              <a:rPr lang="pt-BR" dirty="0"/>
+              <a:rPr lang="pt-BR" sz="5400" b="1" dirty="0">
+                <a:latin typeface="Roboto Black" panose="02000000000000000000" pitchFamily="2" charset="0"/>
+                <a:ea typeface="Roboto Black" panose="02000000000000000000" pitchFamily="2" charset="0"/>
+              </a:rPr>
               <a:t>Aplicações em Tempo Real com </a:t>
             </a:r>
             <a:r>
-              <a:rPr lang="pt-BR" dirty="0" err="1"/>
+              <a:rPr lang="pt-BR" sz="5400" b="1" dirty="0" err="1">
+                <a:latin typeface="Roboto Black" panose="02000000000000000000" pitchFamily="2" charset="0"/>
+                <a:ea typeface="Roboto Black" panose="02000000000000000000" pitchFamily="2" charset="0"/>
+              </a:rPr>
               <a:t>SignalR</a:t>
             </a:r>
-            <a:endParaRPr dirty="0"/>
+            <a:endParaRPr sz="5400" b="1" dirty="0">
+              <a:latin typeface="Roboto Black" panose="02000000000000000000" pitchFamily="2" charset="0"/>
+              <a:ea typeface="Roboto Black" panose="02000000000000000000" pitchFamily="2" charset="0"/>
+            </a:endParaRPr>
           </a:p>
         </p:txBody>
       </p:sp>
+      <p:pic>
+        <p:nvPicPr>
+          <p:cNvPr id="3" name="Imagem 2">
+            <a:extLst>
+              <a:ext uri="{FF2B5EF4-FFF2-40B4-BE49-F238E27FC236}">
+                <a16:creationId xmlns:a16="http://schemas.microsoft.com/office/drawing/2014/main" id="{67EF202E-06C3-4B03-A529-13E7450AC19E}"/>
+              </a:ext>
+            </a:extLst>
+          </p:cNvPr>
+          <p:cNvPicPr>
+            <a:picLocks noChangeAspect="1"/>
+          </p:cNvPicPr>
+          <p:nvPr/>
+        </p:nvPicPr>
+        <p:blipFill>
+          <a:blip r:embed="rId3"/>
+          <a:stretch>
+            <a:fillRect/>
+          </a:stretch>
+        </p:blipFill>
+        <p:spPr>
+          <a:xfrm>
+            <a:off x="800100" y="2659155"/>
+            <a:ext cx="3482360" cy="1957871"/>
+          </a:xfrm>
+          <a:prstGeom prst="rect">
+            <a:avLst/>
+          </a:prstGeom>
+        </p:spPr>
+      </p:pic>
     </p:spTree>
   </p:cSld>
   <p:clrMapOvr>
@@ -7291,8 +7340,8 @@
         </p:nvSpPr>
         <p:spPr>
           <a:xfrm>
-            <a:off x="3212800" y="694586"/>
-            <a:ext cx="2718399" cy="644525"/>
+            <a:off x="2835349" y="566995"/>
+            <a:ext cx="3473302" cy="644525"/>
           </a:xfrm>
           <a:prstGeom prst="rect">
             <a:avLst/>
@@ -7306,13 +7355,13 @@
           <a:p>
             <a:pPr lvl="0"/>
             <a:r>
-              <a:rPr lang="en-US" sz="4000" dirty="0">
+              <a:rPr lang="en-US" sz="4000" b="1" dirty="0">
                 <a:latin typeface="Roboto" panose="02000000000000000000" pitchFamily="2" charset="0"/>
                 <a:ea typeface="Roboto" panose="02000000000000000000" pitchFamily="2" charset="0"/>
               </a:rPr>
-              <a:t>WebSocket</a:t>
+              <a:t>4. WebSocket</a:t>
             </a:r>
-            <a:endParaRPr sz="4000" dirty="0">
+            <a:endParaRPr sz="4000" b="1" dirty="0">
               <a:latin typeface="Roboto" panose="02000000000000000000" pitchFamily="2" charset="0"/>
               <a:ea typeface="Roboto" panose="02000000000000000000" pitchFamily="2" charset="0"/>
             </a:endParaRPr>
@@ -7873,8 +7922,8 @@
         </p:nvSpPr>
         <p:spPr>
           <a:xfrm>
-            <a:off x="2181434" y="503549"/>
-            <a:ext cx="4781129" cy="644525"/>
+            <a:off x="2015748" y="439753"/>
+            <a:ext cx="5112501" cy="644525"/>
           </a:xfrm>
           <a:prstGeom prst="rect">
             <a:avLst/>
@@ -7896,41 +7945,41 @@
               <a:buNone/>
             </a:pPr>
             <a:r>
-              <a:rPr lang="en-US" sz="4000" dirty="0">
+              <a:rPr lang="en-US" sz="4000" b="1" dirty="0">
                 <a:latin typeface="Roboto" panose="02000000000000000000" pitchFamily="2" charset="0"/>
                 <a:ea typeface="Roboto" panose="02000000000000000000" pitchFamily="2" charset="0"/>
               </a:rPr>
               <a:t>Como </a:t>
             </a:r>
             <a:r>
-              <a:rPr lang="en-US" sz="4000" dirty="0" err="1">
+              <a:rPr lang="en-US" sz="4000" b="1" dirty="0" err="1">
                 <a:latin typeface="Roboto" panose="02000000000000000000" pitchFamily="2" charset="0"/>
                 <a:ea typeface="Roboto" panose="02000000000000000000" pitchFamily="2" charset="0"/>
               </a:rPr>
               <a:t>abstrair</a:t>
             </a:r>
             <a:r>
-              <a:rPr lang="en-US" sz="4000" dirty="0">
+              <a:rPr lang="en-US" sz="4000" b="1" dirty="0">
                 <a:latin typeface="Roboto" panose="02000000000000000000" pitchFamily="2" charset="0"/>
                 <a:ea typeface="Roboto" panose="02000000000000000000" pitchFamily="2" charset="0"/>
               </a:rPr>
               <a:t> </a:t>
             </a:r>
             <a:r>
-              <a:rPr lang="en-US" sz="4000" dirty="0" err="1">
+              <a:rPr lang="en-US" sz="4000" b="1" dirty="0" err="1">
                 <a:latin typeface="Roboto" panose="02000000000000000000" pitchFamily="2" charset="0"/>
                 <a:ea typeface="Roboto" panose="02000000000000000000" pitchFamily="2" charset="0"/>
               </a:rPr>
               <a:t>isso</a:t>
             </a:r>
             <a:r>
-              <a:rPr lang="en-US" sz="4000" dirty="0">
+              <a:rPr lang="en-US" sz="4000" b="1" dirty="0">
                 <a:latin typeface="Roboto" panose="02000000000000000000" pitchFamily="2" charset="0"/>
                 <a:ea typeface="Roboto" panose="02000000000000000000" pitchFamily="2" charset="0"/>
               </a:rPr>
               <a:t> ? </a:t>
             </a:r>
-            <a:endParaRPr sz="4000" dirty="0">
+            <a:endParaRPr sz="4000" b="1" dirty="0">
               <a:latin typeface="Roboto" panose="02000000000000000000" pitchFamily="2" charset="0"/>
               <a:ea typeface="Roboto" panose="02000000000000000000" pitchFamily="2" charset="0"/>
             </a:endParaRPr>
@@ -9834,8 +9883,8 @@
         </p:nvSpPr>
         <p:spPr>
           <a:xfrm>
-            <a:off x="3647209" y="814180"/>
-            <a:ext cx="1849581" cy="646112"/>
+            <a:off x="3414944" y="608617"/>
+            <a:ext cx="2314112" cy="646112"/>
           </a:xfrm>
           <a:prstGeom prst="rect">
             <a:avLst/>
@@ -9857,13 +9906,13 @@
               <a:buNone/>
             </a:pPr>
             <a:r>
-              <a:rPr lang="en-US" dirty="0" err="1">
+              <a:rPr lang="en-US" sz="4000" b="1" dirty="0" err="1">
                 <a:latin typeface="Roboto" panose="02000000000000000000" pitchFamily="2" charset="0"/>
                 <a:ea typeface="Roboto" panose="02000000000000000000" pitchFamily="2" charset="0"/>
               </a:rPr>
               <a:t>Clientes</a:t>
             </a:r>
-            <a:endParaRPr dirty="0">
+            <a:endParaRPr sz="4000" b="1" dirty="0">
               <a:latin typeface="Roboto" panose="02000000000000000000" pitchFamily="2" charset="0"/>
               <a:ea typeface="Roboto" panose="02000000000000000000" pitchFamily="2" charset="0"/>
             </a:endParaRPr>
@@ -9883,7 +9932,7 @@
         <p:spPr>
           <a:xfrm>
             <a:off x="3103419" y="1818410"/>
-            <a:ext cx="1849582" cy="1660525"/>
+            <a:ext cx="2141976" cy="1660525"/>
           </a:xfrm>
           <a:prstGeom prst="rect">
             <a:avLst/>
@@ -9907,13 +9956,13 @@
               <a:buAutoNum type="arabicPeriod"/>
             </a:pPr>
             <a:r>
-              <a:rPr lang="en-US" dirty="0" err="1">
+              <a:rPr lang="en-US" sz="2000" dirty="0" err="1">
                 <a:latin typeface="Roboto" panose="02000000000000000000" pitchFamily="2" charset="0"/>
                 <a:ea typeface="Roboto" panose="02000000000000000000" pitchFamily="2" charset="0"/>
               </a:rPr>
               <a:t>Javascript</a:t>
             </a:r>
-            <a:endParaRPr lang="en-US" dirty="0">
+            <a:endParaRPr lang="en-US" sz="2000" dirty="0">
               <a:latin typeface="Roboto" panose="02000000000000000000" pitchFamily="2" charset="0"/>
               <a:ea typeface="Roboto" panose="02000000000000000000" pitchFamily="2" charset="0"/>
             </a:endParaRPr>
@@ -9931,7 +9980,7 @@
               <a:buAutoNum type="arabicPeriod"/>
             </a:pPr>
             <a:r>
-              <a:rPr lang="en-US" dirty="0">
+              <a:rPr lang="en-US" sz="2000" dirty="0">
                 <a:latin typeface="Roboto" panose="02000000000000000000" pitchFamily="2" charset="0"/>
                 <a:ea typeface="Roboto" panose="02000000000000000000" pitchFamily="2" charset="0"/>
               </a:rPr>
@@ -9951,7 +10000,7 @@
               <a:buAutoNum type="arabicPeriod"/>
             </a:pPr>
             <a:r>
-              <a:rPr lang="en-US" dirty="0">
+              <a:rPr lang="en-US" sz="2000" dirty="0">
                 <a:latin typeface="Roboto" panose="02000000000000000000" pitchFamily="2" charset="0"/>
                 <a:ea typeface="Roboto" panose="02000000000000000000" pitchFamily="2" charset="0"/>
               </a:rPr>
@@ -9971,13 +10020,13 @@
               <a:buAutoNum type="arabicPeriod"/>
             </a:pPr>
             <a:r>
-              <a:rPr lang="en-US" dirty="0">
+              <a:rPr lang="en-US" sz="2000" dirty="0">
                 <a:latin typeface="Roboto" panose="02000000000000000000" pitchFamily="2" charset="0"/>
                 <a:ea typeface="Roboto" panose="02000000000000000000" pitchFamily="2" charset="0"/>
               </a:rPr>
               <a:t>.NET</a:t>
             </a:r>
-            <a:endParaRPr dirty="0">
+            <a:endParaRPr sz="2000" dirty="0">
               <a:latin typeface="Roboto" panose="02000000000000000000" pitchFamily="2" charset="0"/>
               <a:ea typeface="Roboto" panose="02000000000000000000" pitchFamily="2" charset="0"/>
             </a:endParaRPr>
@@ -10026,8 +10075,8 @@
         </p:nvSpPr>
         <p:spPr>
           <a:xfrm>
-            <a:off x="2921983" y="867880"/>
-            <a:ext cx="3300033" cy="646112"/>
+            <a:off x="2680191" y="719024"/>
+            <a:ext cx="3783617" cy="646112"/>
           </a:xfrm>
           <a:prstGeom prst="rect">
             <a:avLst/>
@@ -10049,27 +10098,27 @@
               <a:buNone/>
             </a:pPr>
             <a:r>
-              <a:rPr lang="en-US" dirty="0">
+              <a:rPr lang="en-US" sz="4000" b="1" dirty="0">
                 <a:latin typeface="Roboto" panose="02000000000000000000" pitchFamily="2" charset="0"/>
                 <a:ea typeface="Roboto" panose="02000000000000000000" pitchFamily="2" charset="0"/>
               </a:rPr>
               <a:t>Como </a:t>
             </a:r>
             <a:r>
-              <a:rPr lang="en-US" dirty="0" err="1">
+              <a:rPr lang="en-US" sz="4000" b="1" dirty="0" err="1">
                 <a:latin typeface="Roboto" panose="02000000000000000000" pitchFamily="2" charset="0"/>
                 <a:ea typeface="Roboto" panose="02000000000000000000" pitchFamily="2" charset="0"/>
               </a:rPr>
               <a:t>escalar</a:t>
             </a:r>
             <a:r>
-              <a:rPr lang="en-US" dirty="0">
+              <a:rPr lang="en-US" sz="4000" b="1" dirty="0">
                 <a:latin typeface="Roboto" panose="02000000000000000000" pitchFamily="2" charset="0"/>
                 <a:ea typeface="Roboto" panose="02000000000000000000" pitchFamily="2" charset="0"/>
               </a:rPr>
               <a:t> ?</a:t>
             </a:r>
-            <a:endParaRPr dirty="0">
+            <a:endParaRPr sz="4000" b="1" dirty="0">
               <a:latin typeface="Roboto" panose="02000000000000000000" pitchFamily="2" charset="0"/>
               <a:ea typeface="Roboto" panose="02000000000000000000" pitchFamily="2" charset="0"/>
             </a:endParaRPr>
@@ -10093,7 +10142,7 @@
         <p:spPr>
           <a:xfrm>
             <a:off x="2629694" y="1865371"/>
-            <a:ext cx="2713271" cy="913688"/>
+            <a:ext cx="3324539" cy="913688"/>
           </a:xfrm>
           <a:prstGeom prst="rect">
             <a:avLst/>
@@ -10348,7 +10397,7 @@
               <a:buAutoNum type="arabicPeriod"/>
             </a:pPr>
             <a:r>
-              <a:rPr lang="en-US" sz="1500" dirty="0">
+              <a:rPr lang="en-US" sz="2000" dirty="0">
                 <a:solidFill>
                   <a:schemeClr val="tx1">
                     <a:lumMod val="75000"/>
@@ -10379,7 +10428,7 @@
               <a:buAutoNum type="arabicPeriod"/>
             </a:pPr>
             <a:r>
-              <a:rPr lang="en-US" sz="1500" dirty="0">
+              <a:rPr lang="en-US" sz="2000" dirty="0">
                 <a:solidFill>
                   <a:schemeClr val="tx1">
                     <a:lumMod val="75000"/>
@@ -10394,7 +10443,7 @@
               <a:t>Azure </a:t>
             </a:r>
             <a:r>
-              <a:rPr lang="en-US" sz="1500" dirty="0" err="1">
+              <a:rPr lang="en-US" sz="2000" dirty="0" err="1">
                 <a:solidFill>
                   <a:schemeClr val="tx1">
                     <a:lumMod val="75000"/>
@@ -10409,7 +10458,7 @@
               <a:t>SignalR</a:t>
             </a:r>
             <a:r>
-              <a:rPr lang="en-US" sz="1500" dirty="0">
+              <a:rPr lang="en-US" sz="2000" dirty="0">
                 <a:solidFill>
                   <a:schemeClr val="tx1">
                     <a:lumMod val="75000"/>
@@ -13437,7 +13486,7 @@
               </a:spcAft>
             </a:pPr>
             <a:r>
-              <a:rPr lang="en-US" sz="4800" spc="-38" dirty="0" err="1">
+              <a:rPr lang="en-US" sz="4800" b="1" spc="-38" dirty="0" err="1">
                 <a:solidFill>
                   <a:schemeClr val="tx1">
                     <a:lumMod val="85000"/>
@@ -13451,7 +13500,7 @@
               <a:t>Fabrício</a:t>
             </a:r>
             <a:r>
-              <a:rPr lang="en-US" sz="4800" spc="-38" dirty="0">
+              <a:rPr lang="en-US" sz="4800" b="1" spc="-38" dirty="0">
                 <a:solidFill>
                   <a:schemeClr val="tx1">
                     <a:lumMod val="85000"/>
@@ -13464,7 +13513,7 @@
               </a:rPr>
               <a:t> Veronez</a:t>
             </a:r>
-            <a:endParaRPr sz="4800" spc="-38" dirty="0">
+            <a:endParaRPr sz="4800" b="1" spc="-38" dirty="0">
               <a:solidFill>
                 <a:schemeClr val="tx1">
                   <a:lumMod val="85000"/>
@@ -13575,7 +13624,7 @@
         <p:spPr>
           <a:xfrm>
             <a:off x="3310851" y="3341722"/>
-            <a:ext cx="5456750" cy="1311128"/>
+            <a:ext cx="5617243" cy="1415772"/>
           </a:xfrm>
           <a:prstGeom prst="rect">
             <a:avLst/>
@@ -13597,14 +13646,13 @@
               </a:spcBef>
             </a:pPr>
             <a:r>
-              <a:rPr lang="en-US" spc="-38" dirty="0">
+              <a:rPr lang="en-US" sz="2000" spc="-38" dirty="0">
                 <a:solidFill>
                   <a:schemeClr val="tx1">
                     <a:lumMod val="85000"/>
                     <a:lumOff val="15000"/>
                   </a:schemeClr>
                 </a:solidFill>
-                <a:latin typeface="Roboto" panose="02000000000000000000" pitchFamily="2" charset="0"/>
                 <a:ea typeface="Roboto" panose="02000000000000000000" pitchFamily="2" charset="0"/>
               </a:rPr>
               <a:t>http://www.fabricioveronez.net</a:t>
@@ -13620,14 +13668,13 @@
               </a:spcBef>
             </a:pPr>
             <a:r>
-              <a:rPr lang="en-US" spc="-38" dirty="0">
+              <a:rPr lang="en-US" sz="2000" spc="-38" dirty="0">
                 <a:solidFill>
                   <a:schemeClr val="tx1">
                     <a:lumMod val="85000"/>
                     <a:lumOff val="15000"/>
                   </a:schemeClr>
                 </a:solidFill>
-                <a:latin typeface="Roboto" panose="02000000000000000000" pitchFamily="2" charset="0"/>
                 <a:ea typeface="Roboto" panose="02000000000000000000" pitchFamily="2" charset="0"/>
               </a:rPr>
               <a:t>Email - fabricioveronez@gmail.com</a:t>
@@ -13643,53 +13690,49 @@
               </a:spcBef>
             </a:pPr>
             <a:r>
-              <a:rPr lang="en-US" spc="-38" dirty="0" err="1">
+              <a:rPr lang="en-US" sz="2000" spc="-38" dirty="0" err="1">
                 <a:solidFill>
                   <a:schemeClr val="tx1">
                     <a:lumMod val="85000"/>
                     <a:lumOff val="15000"/>
                   </a:schemeClr>
                 </a:solidFill>
-                <a:latin typeface="Roboto" panose="02000000000000000000" pitchFamily="2" charset="0"/>
                 <a:ea typeface="Roboto" panose="02000000000000000000" pitchFamily="2" charset="0"/>
               </a:rPr>
               <a:t>Linkedin</a:t>
             </a:r>
             <a:r>
-              <a:rPr lang="en-US" spc="-38" dirty="0">
+              <a:rPr lang="en-US" sz="2000" spc="-38" dirty="0">
                 <a:solidFill>
                   <a:schemeClr val="tx1">
                     <a:lumMod val="85000"/>
                     <a:lumOff val="15000"/>
                   </a:schemeClr>
                 </a:solidFill>
-                <a:latin typeface="Roboto" panose="02000000000000000000" pitchFamily="2" charset="0"/>
                 <a:ea typeface="Roboto" panose="02000000000000000000" pitchFamily="2" charset="0"/>
               </a:rPr>
               <a:t> - </a:t>
             </a:r>
             <a:r>
-              <a:rPr lang="en-US" spc="-38" dirty="0">
+              <a:rPr lang="en-US" sz="2000" spc="-38" dirty="0">
                 <a:solidFill>
                   <a:schemeClr val="tx1">
                     <a:lumMod val="85000"/>
                     <a:lumOff val="15000"/>
                   </a:schemeClr>
                 </a:solidFill>
-                <a:latin typeface="Roboto" panose="02000000000000000000" pitchFamily="2" charset="0"/>
                 <a:ea typeface="Roboto" panose="02000000000000000000" pitchFamily="2" charset="0"/>
                 <a:hlinkClick r:id="rId4"/>
               </a:rPr>
               <a:t>http://www.linkedin.com/in/fabricioveronez</a:t>
             </a:r>
-            <a:endParaRPr lang="en-US" spc="-38" dirty="0">
+            <a:endParaRPr lang="en-US" sz="2000" spc="-38" dirty="0">
               <a:solidFill>
                 <a:schemeClr val="tx1">
                   <a:lumMod val="85000"/>
                   <a:lumOff val="15000"/>
                 </a:schemeClr>
               </a:solidFill>
-              <a:latin typeface="Roboto" panose="02000000000000000000" pitchFamily="2" charset="0"/>
               <a:ea typeface="Roboto" panose="02000000000000000000" pitchFamily="2" charset="0"/>
             </a:endParaRPr>
           </a:p>
@@ -13703,39 +13746,36 @@
               </a:spcBef>
             </a:pPr>
             <a:r>
-              <a:rPr lang="en-US" spc="-38" dirty="0">
+              <a:rPr lang="en-US" sz="2000" spc="-38" dirty="0">
                 <a:solidFill>
                   <a:schemeClr val="tx1">
                     <a:lumMod val="85000"/>
                     <a:lumOff val="15000"/>
                   </a:schemeClr>
                 </a:solidFill>
-                <a:latin typeface="Roboto" panose="02000000000000000000" pitchFamily="2" charset="0"/>
                 <a:ea typeface="Roboto" panose="02000000000000000000" pitchFamily="2" charset="0"/>
               </a:rPr>
               <a:t>Telegram - </a:t>
             </a:r>
             <a:r>
-              <a:rPr lang="en-US" spc="-38" dirty="0" err="1">
+              <a:rPr lang="en-US" sz="2000" spc="-38" dirty="0" err="1">
                 <a:solidFill>
                   <a:schemeClr val="tx1">
                     <a:lumMod val="85000"/>
                     <a:lumOff val="15000"/>
                   </a:schemeClr>
                 </a:solidFill>
-                <a:latin typeface="Roboto" panose="02000000000000000000" pitchFamily="2" charset="0"/>
                 <a:ea typeface="Roboto" panose="02000000000000000000" pitchFamily="2" charset="0"/>
               </a:rPr>
               <a:t>fabricioveronez</a:t>
             </a:r>
-            <a:endParaRPr lang="en-US" spc="-38" dirty="0">
+            <a:endParaRPr lang="en-US" sz="2000" spc="-38" dirty="0">
               <a:solidFill>
                 <a:schemeClr val="tx1">
                   <a:lumMod val="85000"/>
                   <a:lumOff val="15000"/>
                 </a:schemeClr>
               </a:solidFill>
-              <a:latin typeface="Roboto" panose="02000000000000000000" pitchFamily="2" charset="0"/>
               <a:ea typeface="Roboto" panose="02000000000000000000" pitchFamily="2" charset="0"/>
             </a:endParaRPr>
           </a:p>
@@ -13798,6 +13838,36 @@
           <a:xfrm>
             <a:off x="3385580" y="1191862"/>
             <a:ext cx="3482360" cy="1957871"/>
+          </a:xfrm>
+          <a:prstGeom prst="rect">
+            <a:avLst/>
+          </a:prstGeom>
+        </p:spPr>
+      </p:pic>
+      <p:pic>
+        <p:nvPicPr>
+          <p:cNvPr id="8" name="Imagem 7">
+            <a:extLst>
+              <a:ext uri="{FF2B5EF4-FFF2-40B4-BE49-F238E27FC236}">
+                <a16:creationId xmlns:a16="http://schemas.microsoft.com/office/drawing/2014/main" id="{90008BBE-F72F-4FB7-9D54-B7768EDB93E0}"/>
+              </a:ext>
+            </a:extLst>
+          </p:cNvPr>
+          <p:cNvPicPr>
+            <a:picLocks noChangeAspect="1"/>
+          </p:cNvPicPr>
+          <p:nvPr/>
+        </p:nvPicPr>
+        <p:blipFill>
+          <a:blip r:embed="rId7"/>
+          <a:stretch>
+            <a:fillRect/>
+          </a:stretch>
+        </p:blipFill>
+        <p:spPr>
+          <a:xfrm>
+            <a:off x="3385580" y="2571750"/>
+            <a:ext cx="2533358" cy="631163"/>
           </a:xfrm>
           <a:prstGeom prst="rect">
             <a:avLst/>
@@ -13864,13 +13934,13 @@
               <a:buNone/>
             </a:pPr>
             <a:r>
-              <a:rPr lang="en-US" dirty="0" err="1">
+              <a:rPr lang="en-US" sz="4000" b="1" dirty="0">
                 <a:latin typeface="Roboto" panose="02000000000000000000" pitchFamily="2" charset="0"/>
                 <a:ea typeface="Roboto" panose="02000000000000000000" pitchFamily="2" charset="0"/>
               </a:rPr>
               <a:t>Tópicos</a:t>
             </a:r>
-            <a:endParaRPr dirty="0">
+            <a:endParaRPr sz="4000" b="1" dirty="0">
               <a:latin typeface="Roboto" panose="02000000000000000000" pitchFamily="2" charset="0"/>
               <a:ea typeface="Roboto" panose="02000000000000000000" pitchFamily="2" charset="0"/>
             </a:endParaRPr>
@@ -13914,13 +13984,13 @@
               <a:buAutoNum type="arabicPeriod"/>
             </a:pPr>
             <a:r>
-              <a:rPr lang="en-US" dirty="0" err="1">
+              <a:rPr lang="en-US" sz="2000" dirty="0">
                 <a:latin typeface="Roboto" panose="02000000000000000000" pitchFamily="2" charset="0"/>
                 <a:ea typeface="Roboto" panose="02000000000000000000" pitchFamily="2" charset="0"/>
               </a:rPr>
               <a:t>Aplicabilidade</a:t>
             </a:r>
-            <a:endParaRPr dirty="0">
+            <a:endParaRPr sz="2000" dirty="0">
               <a:latin typeface="Roboto" panose="02000000000000000000" pitchFamily="2" charset="0"/>
               <a:ea typeface="Roboto" panose="02000000000000000000" pitchFamily="2" charset="0"/>
             </a:endParaRPr>
@@ -13938,13 +14008,13 @@
               <a:buAutoNum type="arabicPeriod"/>
             </a:pPr>
             <a:r>
-              <a:rPr lang="en" dirty="0">
+              <a:rPr lang="en" sz="2000" dirty="0">
                 <a:latin typeface="Roboto" panose="02000000000000000000" pitchFamily="2" charset="0"/>
                 <a:ea typeface="Roboto" panose="02000000000000000000" pitchFamily="2" charset="0"/>
               </a:rPr>
               <a:t>Técnicas de implementação</a:t>
             </a:r>
-            <a:endParaRPr dirty="0">
+            <a:endParaRPr sz="2000" dirty="0">
               <a:latin typeface="Roboto" panose="02000000000000000000" pitchFamily="2" charset="0"/>
               <a:ea typeface="Roboto" panose="02000000000000000000" pitchFamily="2" charset="0"/>
             </a:endParaRPr>
@@ -13962,13 +14032,13 @@
               <a:buAutoNum type="arabicPeriod"/>
             </a:pPr>
             <a:r>
-              <a:rPr lang="en-US" dirty="0" err="1">
+              <a:rPr lang="en-US" sz="2000" dirty="0" err="1">
                 <a:latin typeface="Roboto" panose="02000000000000000000" pitchFamily="2" charset="0"/>
                 <a:ea typeface="Roboto" panose="02000000000000000000" pitchFamily="2" charset="0"/>
               </a:rPr>
               <a:t>SignalR</a:t>
             </a:r>
-            <a:endParaRPr lang="en-US" dirty="0">
+            <a:endParaRPr lang="en-US" sz="2000" dirty="0">
               <a:latin typeface="Roboto" panose="02000000000000000000" pitchFamily="2" charset="0"/>
               <a:ea typeface="Roboto" panose="02000000000000000000" pitchFamily="2" charset="0"/>
             </a:endParaRPr>
@@ -13986,13 +14056,13 @@
               <a:buAutoNum type="arabicPeriod"/>
             </a:pPr>
             <a:r>
-              <a:rPr lang="en-US" dirty="0" err="1">
+              <a:rPr lang="en-US" sz="2000" dirty="0" err="1">
                 <a:latin typeface="Roboto" panose="02000000000000000000" pitchFamily="2" charset="0"/>
                 <a:ea typeface="Roboto" panose="02000000000000000000" pitchFamily="2" charset="0"/>
               </a:rPr>
               <a:t>Escalabilidade</a:t>
             </a:r>
-            <a:endParaRPr lang="en-US" dirty="0">
+            <a:endParaRPr lang="en-US" sz="2000" dirty="0">
               <a:latin typeface="Roboto" panose="02000000000000000000" pitchFamily="2" charset="0"/>
               <a:ea typeface="Roboto" panose="02000000000000000000" pitchFamily="2" charset="0"/>
             </a:endParaRPr>
@@ -14010,7 +14080,7 @@
               <a:buAutoNum type="arabicPeriod"/>
             </a:pPr>
             <a:r>
-              <a:rPr lang="en-US" dirty="0">
+              <a:rPr lang="en-US" sz="2000" dirty="0">
                 <a:latin typeface="Roboto" panose="02000000000000000000" pitchFamily="2" charset="0"/>
                 <a:ea typeface="Roboto" panose="02000000000000000000" pitchFamily="2" charset="0"/>
               </a:rPr>
@@ -14030,7 +14100,7 @@
               <a:buAutoNum type="arabicPeriod"/>
             </a:pPr>
             <a:r>
-              <a:rPr lang="en-US" dirty="0">
+              <a:rPr lang="en-US" sz="2000" dirty="0">
                 <a:latin typeface="Roboto" panose="02000000000000000000" pitchFamily="2" charset="0"/>
                 <a:ea typeface="Roboto" panose="02000000000000000000" pitchFamily="2" charset="0"/>
               </a:rPr>
@@ -14050,13 +14120,13 @@
               <a:buAutoNum type="arabicPeriod"/>
             </a:pPr>
             <a:r>
-              <a:rPr lang="en-US" dirty="0">
+              <a:rPr lang="en-US" sz="2000" dirty="0">
                 <a:latin typeface="Roboto" panose="02000000000000000000" pitchFamily="2" charset="0"/>
                 <a:ea typeface="Roboto" panose="02000000000000000000" pitchFamily="2" charset="0"/>
               </a:rPr>
               <a:t>Demos</a:t>
             </a:r>
-            <a:endParaRPr dirty="0">
+            <a:endParaRPr sz="2000" dirty="0">
               <a:latin typeface="Roboto" panose="02000000000000000000" pitchFamily="2" charset="0"/>
               <a:ea typeface="Roboto" panose="02000000000000000000" pitchFamily="2" charset="0"/>
             </a:endParaRPr>
@@ -15150,7 +15220,7 @@
   <p:cSld>
     <p:spTree>
       <p:nvGrpSpPr>
-        <p:cNvPr id="1" name="Shape 533"/>
+        <p:cNvPr id="1" name="Shape 371"/>
         <p:cNvGrpSpPr/>
         <p:nvPr/>
       </p:nvGrpSpPr>
@@ -15164,18 +15234,58 @@
       </p:grpSpPr>
       <p:sp>
         <p:nvSpPr>
-          <p:cNvPr id="535" name="Google Shape;535;p31"/>
+          <p:cNvPr id="372" name="Google Shape;372;p16"/>
           <p:cNvSpPr txBox="1">
             <a:spLocks noGrp="1"/>
           </p:cNvSpPr>
           <p:nvPr>
-            <p:ph type="body" idx="4294967295"/>
+            <p:ph type="title"/>
           </p:nvPr>
         </p:nvSpPr>
         <p:spPr>
           <a:xfrm>
-            <a:off x="2265219" y="1765877"/>
-            <a:ext cx="2203450" cy="1914525"/>
+            <a:off x="1912910" y="725716"/>
+            <a:ext cx="4944300" cy="645300"/>
+          </a:xfrm>
+          <a:prstGeom prst="rect">
+            <a:avLst/>
+          </a:prstGeom>
+        </p:spPr>
+        <p:txBody>
+          <a:bodyPr spcFirstLastPara="1" wrap="square" lIns="91425" tIns="91425" rIns="91425" bIns="91425" anchor="b" anchorCtr="0">
+            <a:noAutofit/>
+          </a:bodyPr>
+          <a:lstStyle/>
+          <a:p>
+            <a:pPr lvl="0"/>
+            <a:r>
+              <a:rPr lang="en-US" sz="4000" b="1" dirty="0">
+                <a:latin typeface="Roboto" panose="02000000000000000000" pitchFamily="2" charset="0"/>
+                <a:ea typeface="Roboto" panose="02000000000000000000" pitchFamily="2" charset="0"/>
+              </a:rPr>
+              <a:t>Exemplos</a:t>
+            </a:r>
+            <a:endParaRPr sz="4000" b="1" dirty="0">
+              <a:latin typeface="Roboto" panose="02000000000000000000" pitchFamily="2" charset="0"/>
+              <a:ea typeface="Roboto" panose="02000000000000000000" pitchFamily="2" charset="0"/>
+            </a:endParaRPr>
+          </a:p>
+        </p:txBody>
+      </p:sp>
+      <p:sp>
+        <p:nvSpPr>
+          <p:cNvPr id="373" name="Google Shape;373;p16"/>
+          <p:cNvSpPr txBox="1">
+            <a:spLocks noGrp="1"/>
+          </p:cNvSpPr>
+          <p:nvPr>
+            <p:ph type="body" idx="1"/>
+          </p:nvPr>
+        </p:nvSpPr>
+        <p:spPr>
+          <a:xfrm>
+            <a:off x="1912910" y="1551124"/>
+            <a:ext cx="4944300" cy="2486919"/>
           </a:xfrm>
           <a:prstGeom prst="rect">
             <a:avLst/>
@@ -15187,135 +15297,68 @@
           </a:bodyPr>
           <a:lstStyle/>
           <a:p>
-            <a:pPr marL="342900" lvl="0" indent="-342900" algn="l" rtl="0">
-              <a:spcBef>
-                <a:spcPts val="600"/>
-              </a:spcBef>
-              <a:spcAft>
-                <a:spcPts val="0"/>
-              </a:spcAft>
+            <a:pPr marL="482600" lvl="0" indent="-342900">
               <a:buFont typeface="+mj-lt"/>
               <a:buAutoNum type="arabicPeriod"/>
             </a:pPr>
             <a:r>
-              <a:rPr lang="en-US" dirty="0" err="1">
+              <a:rPr lang="pt-BR" sz="2000" dirty="0">
                 <a:latin typeface="Roboto" panose="02000000000000000000" pitchFamily="2" charset="0"/>
                 <a:ea typeface="Roboto" panose="02000000000000000000" pitchFamily="2" charset="0"/>
               </a:rPr>
               <a:t>Transporte</a:t>
             </a:r>
-            <a:endParaRPr lang="en-US" dirty="0">
-              <a:latin typeface="Roboto" panose="02000000000000000000" pitchFamily="2" charset="0"/>
-              <a:ea typeface="Roboto" panose="02000000000000000000" pitchFamily="2" charset="0"/>
-            </a:endParaRPr>
-          </a:p>
-          <a:p>
-            <a:pPr marL="342900" lvl="0" indent="-342900" algn="l" rtl="0">
-              <a:spcBef>
-                <a:spcPts val="600"/>
-              </a:spcBef>
-              <a:spcAft>
-                <a:spcPts val="0"/>
-              </a:spcAft>
+          </a:p>
+          <a:p>
+            <a:pPr marL="482600" lvl="0" indent="-342900">
               <a:buFont typeface="+mj-lt"/>
               <a:buAutoNum type="arabicPeriod"/>
             </a:pPr>
             <a:r>
-              <a:rPr lang="en-US" dirty="0">
+              <a:rPr lang="pt-BR" sz="2000" dirty="0">
                 <a:latin typeface="Roboto" panose="02000000000000000000" pitchFamily="2" charset="0"/>
                 <a:ea typeface="Roboto" panose="02000000000000000000" pitchFamily="2" charset="0"/>
               </a:rPr>
-              <a:t>Bolsa de </a:t>
+              <a:t>Bolsa de valores</a:t>
             </a:r>
-            <a:r>
-              <a:rPr lang="en-US" dirty="0" err="1">
-                <a:latin typeface="Roboto" panose="02000000000000000000" pitchFamily="2" charset="0"/>
-                <a:ea typeface="Roboto" panose="02000000000000000000" pitchFamily="2" charset="0"/>
-              </a:rPr>
-              <a:t>valores</a:t>
-            </a:r>
-            <a:endParaRPr lang="en-US" dirty="0">
-              <a:latin typeface="Roboto" panose="02000000000000000000" pitchFamily="2" charset="0"/>
-              <a:ea typeface="Roboto" panose="02000000000000000000" pitchFamily="2" charset="0"/>
-            </a:endParaRPr>
-          </a:p>
-          <a:p>
-            <a:pPr marL="342900" lvl="0" indent="-342900" algn="l" rtl="0">
-              <a:spcBef>
-                <a:spcPts val="600"/>
-              </a:spcBef>
-              <a:spcAft>
-                <a:spcPts val="0"/>
-              </a:spcAft>
+          </a:p>
+          <a:p>
+            <a:pPr marL="482600" lvl="0" indent="-342900">
               <a:buFont typeface="+mj-lt"/>
               <a:buAutoNum type="arabicPeriod"/>
             </a:pPr>
             <a:r>
-              <a:rPr lang="en-US" dirty="0" err="1">
+              <a:rPr lang="pt-BR" sz="2000" dirty="0">
                 <a:latin typeface="Roboto" panose="02000000000000000000" pitchFamily="2" charset="0"/>
                 <a:ea typeface="Roboto" panose="02000000000000000000" pitchFamily="2" charset="0"/>
               </a:rPr>
               <a:t>Placares</a:t>
             </a:r>
-            <a:endParaRPr lang="en-US" dirty="0">
-              <a:latin typeface="Roboto" panose="02000000000000000000" pitchFamily="2" charset="0"/>
-              <a:ea typeface="Roboto" panose="02000000000000000000" pitchFamily="2" charset="0"/>
-            </a:endParaRPr>
-          </a:p>
-          <a:p>
-            <a:pPr marL="342900" lvl="0" indent="-342900" algn="l" rtl="0">
-              <a:spcBef>
-                <a:spcPts val="600"/>
-              </a:spcBef>
-              <a:spcAft>
-                <a:spcPts val="0"/>
-              </a:spcAft>
+          </a:p>
+          <a:p>
+            <a:pPr marL="482600" lvl="0" indent="-342900">
               <a:buFont typeface="+mj-lt"/>
               <a:buAutoNum type="arabicPeriod"/>
             </a:pPr>
             <a:r>
-              <a:rPr lang="en-US" dirty="0">
+              <a:rPr lang="pt-BR" sz="2000" dirty="0">
                 <a:latin typeface="Roboto" panose="02000000000000000000" pitchFamily="2" charset="0"/>
                 <a:ea typeface="Roboto" panose="02000000000000000000" pitchFamily="2" charset="0"/>
               </a:rPr>
-              <a:t>Redes </a:t>
+              <a:t>Redes Sociais</a:t>
             </a:r>
-            <a:r>
-              <a:rPr lang="en-US" dirty="0" err="1">
-                <a:latin typeface="Roboto" panose="02000000000000000000" pitchFamily="2" charset="0"/>
-                <a:ea typeface="Roboto" panose="02000000000000000000" pitchFamily="2" charset="0"/>
-              </a:rPr>
-              <a:t>Sociais</a:t>
-            </a:r>
-            <a:endParaRPr lang="en-US" dirty="0">
-              <a:latin typeface="Roboto" panose="02000000000000000000" pitchFamily="2" charset="0"/>
-              <a:ea typeface="Roboto" panose="02000000000000000000" pitchFamily="2" charset="0"/>
-            </a:endParaRPr>
-          </a:p>
-          <a:p>
-            <a:pPr marL="342900" lvl="0" indent="-342900" algn="l" rtl="0">
-              <a:spcBef>
-                <a:spcPts val="600"/>
-              </a:spcBef>
-              <a:spcAft>
-                <a:spcPts val="0"/>
-              </a:spcAft>
+          </a:p>
+          <a:p>
+            <a:pPr marL="482600" lvl="0" indent="-342900">
               <a:buFont typeface="+mj-lt"/>
               <a:buAutoNum type="arabicPeriod"/>
             </a:pPr>
             <a:r>
-              <a:rPr lang="en-US" dirty="0" err="1">
+              <a:rPr lang="pt-BR" sz="2000" dirty="0">
                 <a:latin typeface="Roboto" panose="02000000000000000000" pitchFamily="2" charset="0"/>
                 <a:ea typeface="Roboto" panose="02000000000000000000" pitchFamily="2" charset="0"/>
               </a:rPr>
-              <a:t>Jogos</a:t>
-            </a:r>
-            <a:r>
-              <a:rPr lang="en-US" dirty="0">
-                <a:latin typeface="Roboto" panose="02000000000000000000" pitchFamily="2" charset="0"/>
-                <a:ea typeface="Roboto" panose="02000000000000000000" pitchFamily="2" charset="0"/>
-              </a:rPr>
-              <a:t> online</a:t>
+              <a:t>Jogos online</a:t>
             </a:r>
           </a:p>
           <a:p>
@@ -15328,318 +15371,27 @@
               </a:spcAft>
               <a:buNone/>
             </a:pPr>
-            <a:endParaRPr lang="en-US" sz="1800" dirty="0"/>
+            <a:endParaRPr dirty="0"/>
           </a:p>
         </p:txBody>
       </p:sp>
       <p:sp>
         <p:nvSpPr>
-          <p:cNvPr id="537" name="Google Shape;537;p31"/>
-          <p:cNvSpPr/>
-          <p:nvPr/>
-        </p:nvSpPr>
-        <p:spPr>
-          <a:xfrm>
-            <a:off x="764399" y="480277"/>
-            <a:ext cx="204520" cy="354335"/>
-          </a:xfrm>
-          <a:custGeom>
+          <p:cNvPr id="374" name="Google Shape;374;p16"/>
+          <p:cNvSpPr txBox="1">
+            <a:spLocks noGrp="1"/>
+          </p:cNvSpPr>
+          <p:nvPr>
+            <p:ph type="sldNum" idx="12"/>
+          </p:nvPr>
+        </p:nvSpPr>
+        <p:spPr>
+          <a:prstGeom prst="rect">
             <a:avLst/>
-            <a:gdLst/>
-            <a:ahLst/>
-            <a:cxnLst/>
-            <a:rect l="l" t="t" r="r" b="b"/>
-            <a:pathLst>
-              <a:path w="11870" h="20565" extrusionOk="0">
-                <a:moveTo>
-                  <a:pt x="6301" y="977"/>
-                </a:moveTo>
-                <a:lnTo>
-                  <a:pt x="6423" y="1002"/>
-                </a:lnTo>
-                <a:lnTo>
-                  <a:pt x="6497" y="1075"/>
-                </a:lnTo>
-                <a:lnTo>
-                  <a:pt x="6570" y="1148"/>
-                </a:lnTo>
-                <a:lnTo>
-                  <a:pt x="6594" y="1270"/>
-                </a:lnTo>
-                <a:lnTo>
-                  <a:pt x="6570" y="1368"/>
-                </a:lnTo>
-                <a:lnTo>
-                  <a:pt x="6497" y="1466"/>
-                </a:lnTo>
-                <a:lnTo>
-                  <a:pt x="6423" y="1515"/>
-                </a:lnTo>
-                <a:lnTo>
-                  <a:pt x="6301" y="1539"/>
-                </a:lnTo>
-                <a:lnTo>
-                  <a:pt x="5569" y="1539"/>
-                </a:lnTo>
-                <a:lnTo>
-                  <a:pt x="5446" y="1515"/>
-                </a:lnTo>
-                <a:lnTo>
-                  <a:pt x="5373" y="1466"/>
-                </a:lnTo>
-                <a:lnTo>
-                  <a:pt x="5300" y="1368"/>
-                </a:lnTo>
-                <a:lnTo>
-                  <a:pt x="5276" y="1270"/>
-                </a:lnTo>
-                <a:lnTo>
-                  <a:pt x="5300" y="1148"/>
-                </a:lnTo>
-                <a:lnTo>
-                  <a:pt x="5373" y="1075"/>
-                </a:lnTo>
-                <a:lnTo>
-                  <a:pt x="5446" y="1002"/>
-                </a:lnTo>
-                <a:lnTo>
-                  <a:pt x="5569" y="977"/>
-                </a:lnTo>
-                <a:close/>
-                <a:moveTo>
-                  <a:pt x="10575" y="2565"/>
-                </a:moveTo>
-                <a:lnTo>
-                  <a:pt x="10575" y="16706"/>
-                </a:lnTo>
-                <a:lnTo>
-                  <a:pt x="1295" y="16706"/>
-                </a:lnTo>
-                <a:lnTo>
-                  <a:pt x="1295" y="2565"/>
-                </a:lnTo>
-                <a:close/>
-                <a:moveTo>
-                  <a:pt x="5935" y="17780"/>
-                </a:moveTo>
-                <a:lnTo>
-                  <a:pt x="6106" y="17805"/>
-                </a:lnTo>
-                <a:lnTo>
-                  <a:pt x="6277" y="17854"/>
-                </a:lnTo>
-                <a:lnTo>
-                  <a:pt x="6423" y="17927"/>
-                </a:lnTo>
-                <a:lnTo>
-                  <a:pt x="6545" y="18025"/>
-                </a:lnTo>
-                <a:lnTo>
-                  <a:pt x="6643" y="18147"/>
-                </a:lnTo>
-                <a:lnTo>
-                  <a:pt x="6716" y="18293"/>
-                </a:lnTo>
-                <a:lnTo>
-                  <a:pt x="6765" y="18464"/>
-                </a:lnTo>
-                <a:lnTo>
-                  <a:pt x="6790" y="18635"/>
-                </a:lnTo>
-                <a:lnTo>
-                  <a:pt x="6765" y="18806"/>
-                </a:lnTo>
-                <a:lnTo>
-                  <a:pt x="6716" y="18977"/>
-                </a:lnTo>
-                <a:lnTo>
-                  <a:pt x="6643" y="19124"/>
-                </a:lnTo>
-                <a:lnTo>
-                  <a:pt x="6545" y="19246"/>
-                </a:lnTo>
-                <a:lnTo>
-                  <a:pt x="6423" y="19343"/>
-                </a:lnTo>
-                <a:lnTo>
-                  <a:pt x="6277" y="19417"/>
-                </a:lnTo>
-                <a:lnTo>
-                  <a:pt x="6106" y="19465"/>
-                </a:lnTo>
-                <a:lnTo>
-                  <a:pt x="5935" y="19490"/>
-                </a:lnTo>
-                <a:lnTo>
-                  <a:pt x="5764" y="19465"/>
-                </a:lnTo>
-                <a:lnTo>
-                  <a:pt x="5593" y="19417"/>
-                </a:lnTo>
-                <a:lnTo>
-                  <a:pt x="5446" y="19343"/>
-                </a:lnTo>
-                <a:lnTo>
-                  <a:pt x="5324" y="19246"/>
-                </a:lnTo>
-                <a:lnTo>
-                  <a:pt x="5227" y="19124"/>
-                </a:lnTo>
-                <a:lnTo>
-                  <a:pt x="5153" y="18977"/>
-                </a:lnTo>
-                <a:lnTo>
-                  <a:pt x="5105" y="18806"/>
-                </a:lnTo>
-                <a:lnTo>
-                  <a:pt x="5080" y="18635"/>
-                </a:lnTo>
-                <a:lnTo>
-                  <a:pt x="5105" y="18464"/>
-                </a:lnTo>
-                <a:lnTo>
-                  <a:pt x="5153" y="18293"/>
-                </a:lnTo>
-                <a:lnTo>
-                  <a:pt x="5227" y="18147"/>
-                </a:lnTo>
-                <a:lnTo>
-                  <a:pt x="5324" y="18025"/>
-                </a:lnTo>
-                <a:lnTo>
-                  <a:pt x="5446" y="17927"/>
-                </a:lnTo>
-                <a:lnTo>
-                  <a:pt x="5593" y="17854"/>
-                </a:lnTo>
-                <a:lnTo>
-                  <a:pt x="5764" y="17805"/>
-                </a:lnTo>
-                <a:lnTo>
-                  <a:pt x="5935" y="17780"/>
-                </a:lnTo>
-                <a:close/>
-                <a:moveTo>
-                  <a:pt x="1295" y="0"/>
-                </a:moveTo>
-                <a:lnTo>
-                  <a:pt x="1026" y="25"/>
-                </a:lnTo>
-                <a:lnTo>
-                  <a:pt x="782" y="98"/>
-                </a:lnTo>
-                <a:lnTo>
-                  <a:pt x="562" y="220"/>
-                </a:lnTo>
-                <a:lnTo>
-                  <a:pt x="366" y="367"/>
-                </a:lnTo>
-                <a:lnTo>
-                  <a:pt x="220" y="562"/>
-                </a:lnTo>
-                <a:lnTo>
-                  <a:pt x="98" y="782"/>
-                </a:lnTo>
-                <a:lnTo>
-                  <a:pt x="25" y="1026"/>
-                </a:lnTo>
-                <a:lnTo>
-                  <a:pt x="0" y="1295"/>
-                </a:lnTo>
-                <a:lnTo>
-                  <a:pt x="0" y="19270"/>
-                </a:lnTo>
-                <a:lnTo>
-                  <a:pt x="25" y="19539"/>
-                </a:lnTo>
-                <a:lnTo>
-                  <a:pt x="98" y="19783"/>
-                </a:lnTo>
-                <a:lnTo>
-                  <a:pt x="220" y="20003"/>
-                </a:lnTo>
-                <a:lnTo>
-                  <a:pt x="366" y="20198"/>
-                </a:lnTo>
-                <a:lnTo>
-                  <a:pt x="562" y="20345"/>
-                </a:lnTo>
-                <a:lnTo>
-                  <a:pt x="782" y="20467"/>
-                </a:lnTo>
-                <a:lnTo>
-                  <a:pt x="1026" y="20540"/>
-                </a:lnTo>
-                <a:lnTo>
-                  <a:pt x="1295" y="20565"/>
-                </a:lnTo>
-                <a:lnTo>
-                  <a:pt x="10575" y="20565"/>
-                </a:lnTo>
-                <a:lnTo>
-                  <a:pt x="10844" y="20540"/>
-                </a:lnTo>
-                <a:lnTo>
-                  <a:pt x="11088" y="20467"/>
-                </a:lnTo>
-                <a:lnTo>
-                  <a:pt x="11308" y="20345"/>
-                </a:lnTo>
-                <a:lnTo>
-                  <a:pt x="11503" y="20198"/>
-                </a:lnTo>
-                <a:lnTo>
-                  <a:pt x="11650" y="20003"/>
-                </a:lnTo>
-                <a:lnTo>
-                  <a:pt x="11772" y="19783"/>
-                </a:lnTo>
-                <a:lnTo>
-                  <a:pt x="11845" y="19539"/>
-                </a:lnTo>
-                <a:lnTo>
-                  <a:pt x="11870" y="19270"/>
-                </a:lnTo>
-                <a:lnTo>
-                  <a:pt x="11870" y="1295"/>
-                </a:lnTo>
-                <a:lnTo>
-                  <a:pt x="11845" y="1026"/>
-                </a:lnTo>
-                <a:lnTo>
-                  <a:pt x="11772" y="782"/>
-                </a:lnTo>
-                <a:lnTo>
-                  <a:pt x="11650" y="562"/>
-                </a:lnTo>
-                <a:lnTo>
-                  <a:pt x="11503" y="367"/>
-                </a:lnTo>
-                <a:lnTo>
-                  <a:pt x="11308" y="220"/>
-                </a:lnTo>
-                <a:lnTo>
-                  <a:pt x="11088" y="98"/>
-                </a:lnTo>
-                <a:lnTo>
-                  <a:pt x="10844" y="25"/>
-                </a:lnTo>
-                <a:lnTo>
-                  <a:pt x="10575" y="0"/>
-                </a:lnTo>
-                <a:close/>
-              </a:path>
-            </a:pathLst>
-          </a:custGeom>
-          <a:solidFill>
-            <a:srgbClr val="FFFFFF"/>
-          </a:solidFill>
-          <a:ln>
-            <a:noFill/>
-          </a:ln>
+          </a:prstGeom>
         </p:spPr>
         <p:txBody>
-          <a:bodyPr spcFirstLastPara="1" wrap="square" lIns="91425" tIns="91425" rIns="91425" bIns="91425" anchor="ctr" anchorCtr="0">
+          <a:bodyPr spcFirstLastPara="1" wrap="square" lIns="91425" tIns="91425" rIns="91425" bIns="91425" anchor="t" anchorCtr="0">
             <a:noAutofit/>
           </a:bodyPr>
           <a:lstStyle/>
@@ -15653,16 +15405,20 @@
               </a:spcAft>
               <a:buNone/>
             </a:pPr>
+            <a:fld id="{00000000-1234-1234-1234-123412341234}" type="slidenum">
+              <a:rPr lang="en"/>
+              <a:t>5</a:t>
+            </a:fld>
             <a:endParaRPr/>
           </a:p>
         </p:txBody>
       </p:sp>
       <p:pic>
         <p:nvPicPr>
-          <p:cNvPr id="3" name="Imagem 2">
+          <p:cNvPr id="2" name="Imagem 1">
             <a:extLst>
               <a:ext uri="{FF2B5EF4-FFF2-40B4-BE49-F238E27FC236}">
-                <a16:creationId xmlns:a16="http://schemas.microsoft.com/office/drawing/2014/main" id="{F78F4464-C714-4FD0-BB6E-FFCB8BA392FA}"/>
+                <a16:creationId xmlns:a16="http://schemas.microsoft.com/office/drawing/2014/main" id="{85D2961D-A1E1-4E78-A6AB-E4A8EA6150DF}"/>
               </a:ext>
             </a:extLst>
           </p:cNvPr>
@@ -15679,73 +15435,20 @@
         </p:blipFill>
         <p:spPr>
           <a:xfrm>
-            <a:off x="5425558" y="1537277"/>
-            <a:ext cx="1511745" cy="2685515"/>
+            <a:off x="5630653" y="1450298"/>
+            <a:ext cx="1511939" cy="2688569"/>
           </a:xfrm>
           <a:prstGeom prst="rect">
             <a:avLst/>
           </a:prstGeom>
         </p:spPr>
       </p:pic>
-      <p:sp>
-        <p:nvSpPr>
-          <p:cNvPr id="2" name="CaixaDeTexto 1">
-            <a:extLst>
-              <a:ext uri="{FF2B5EF4-FFF2-40B4-BE49-F238E27FC236}">
-                <a16:creationId xmlns:a16="http://schemas.microsoft.com/office/drawing/2014/main" id="{51A58D04-B57C-4084-A5D8-1104F68D88DE}"/>
-              </a:ext>
-            </a:extLst>
-          </p:cNvPr>
-          <p:cNvSpPr txBox="1"/>
-          <p:nvPr/>
-        </p:nvSpPr>
-        <p:spPr>
-          <a:xfrm>
-            <a:off x="2864179" y="504398"/>
-            <a:ext cx="2604687" cy="769441"/>
-          </a:xfrm>
-          <a:prstGeom prst="rect">
-            <a:avLst/>
-          </a:prstGeom>
-          <a:noFill/>
-        </p:spPr>
-        <p:txBody>
-          <a:bodyPr wrap="none" rtlCol="0">
-            <a:spAutoFit/>
-          </a:bodyPr>
-          <a:lstStyle/>
-          <a:p>
-            <a:r>
-              <a:rPr lang="en-US" sz="4400" spc="-38" dirty="0" err="1">
-                <a:solidFill>
-                  <a:schemeClr val="tx1">
-                    <a:lumMod val="85000"/>
-                    <a:lumOff val="15000"/>
-                  </a:schemeClr>
-                </a:solidFill>
-                <a:latin typeface="Roboto" panose="02000000000000000000" pitchFamily="2" charset="0"/>
-                <a:ea typeface="Roboto" panose="02000000000000000000" pitchFamily="2" charset="0"/>
-                <a:cs typeface="+mj-cs"/>
-                <a:sym typeface="Nixie One"/>
-              </a:rPr>
-              <a:t>Exemplos</a:t>
-            </a:r>
-            <a:endParaRPr lang="en-US" sz="4400" spc="-38" dirty="0">
-              <a:solidFill>
-                <a:schemeClr val="tx1">
-                  <a:lumMod val="85000"/>
-                  <a:lumOff val="15000"/>
-                </a:schemeClr>
-              </a:solidFill>
-              <a:latin typeface="Roboto" panose="02000000000000000000" pitchFamily="2" charset="0"/>
-              <a:ea typeface="Roboto" panose="02000000000000000000" pitchFamily="2" charset="0"/>
-              <a:cs typeface="+mj-cs"/>
-              <a:sym typeface="Nixie One"/>
-            </a:endParaRPr>
-          </a:p>
-        </p:txBody>
-      </p:sp>
     </p:spTree>
+    <p:extLst>
+      <p:ext uri="{BB962C8B-B14F-4D97-AF65-F5344CB8AC3E}">
+        <p14:creationId xmlns:p14="http://schemas.microsoft.com/office/powerpoint/2010/main" val="2407652752"/>
+      </p:ext>
+    </p:extLst>
   </p:cSld>
   <p:clrMapOvr>
     <a:masterClrMapping/>
@@ -15762,9 +15465,6 @@
                     <p:cTn id="3" fill="hold">
                       <p:stCondLst>
                         <p:cond delay="indefinite"/>
-                        <p:cond evt="onBegin" delay="0">
-                          <p:tn val="2"/>
-                        </p:cond>
                       </p:stCondLst>
                       <p:childTnLst>
                         <p:par>
@@ -15774,7 +15474,7 @@
                             </p:stCondLst>
                             <p:childTnLst>
                               <p:par>
-                                <p:cTn id="5" presetID="2" presetClass="entr" presetSubtype="4" fill="hold" nodeType="withEffect">
+                                <p:cTn id="5" presetID="42" presetClass="entr" presetSubtype="0" fill="hold" grpId="0" nodeType="clickEffect">
                                   <p:stCondLst>
                                     <p:cond delay="0"/>
                                   </p:stCondLst>
@@ -15787,7 +15487,7 @@
                                           </p:stCondLst>
                                         </p:cTn>
                                         <p:tgtEl>
-                                          <p:spTgt spid="535">
+                                          <p:spTgt spid="373">
                                             <p:txEl>
                                               <p:pRg st="0" end="0"/>
                                             </p:txEl>
@@ -15801,11 +15501,23 @@
                                         <p:strVal val="visible"/>
                                       </p:to>
                                     </p:set>
+                                    <p:animEffect transition="in" filter="fade">
+                                      <p:cBhvr>
+                                        <p:cTn id="7" dur="500"/>
+                                        <p:tgtEl>
+                                          <p:spTgt spid="373">
+                                            <p:txEl>
+                                              <p:pRg st="0" end="0"/>
+                                            </p:txEl>
+                                          </p:spTgt>
+                                        </p:tgtEl>
+                                      </p:cBhvr>
+                                    </p:animEffect>
                                     <p:anim calcmode="lin" valueType="num">
-                                      <p:cBhvr additive="base">
-                                        <p:cTn id="7" dur="500" fill="hold"/>
+                                      <p:cBhvr>
+                                        <p:cTn id="8" dur="500" fill="hold"/>
                                         <p:tgtEl>
-                                          <p:spTgt spid="535">
+                                          <p:spTgt spid="373">
                                             <p:txEl>
                                               <p:pRg st="0" end="0"/>
                                             </p:txEl>
@@ -15829,10 +15541,10 @@
                                       </p:tavLst>
                                     </p:anim>
                                     <p:anim calcmode="lin" valueType="num">
-                                      <p:cBhvr additive="base">
-                                        <p:cTn id="8" dur="500" fill="hold"/>
+                                      <p:cBhvr>
+                                        <p:cTn id="9" dur="500" fill="hold"/>
                                         <p:tgtEl>
-                                          <p:spTgt spid="535">
+                                          <p:spTgt spid="373">
                                             <p:txEl>
                                               <p:pRg st="0" end="0"/>
                                             </p:txEl>
@@ -15845,7 +15557,7 @@
                                       <p:tavLst>
                                         <p:tav tm="0">
                                           <p:val>
-                                            <p:strVal val="1+#ppt_h/2"/>
+                                            <p:strVal val="#ppt_y+.1"/>
                                           </p:val>
                                         </p:tav>
                                         <p:tav tm="100000">
@@ -15858,41 +15570,6 @@
                                   </p:childTnLst>
                                 </p:cTn>
                               </p:par>
-                              <p:par>
-                                <p:cTn id="9" presetID="10" presetClass="entr" presetSubtype="0" fill="hold" nodeType="withEffect">
-                                  <p:stCondLst>
-                                    <p:cond delay="0"/>
-                                  </p:stCondLst>
-                                  <p:childTnLst>
-                                    <p:set>
-                                      <p:cBhvr>
-                                        <p:cTn id="10" dur="1" fill="hold">
-                                          <p:stCondLst>
-                                            <p:cond delay="0"/>
-                                          </p:stCondLst>
-                                        </p:cTn>
-                                        <p:tgtEl>
-                                          <p:spTgt spid="3"/>
-                                        </p:tgtEl>
-                                        <p:attrNameLst>
-                                          <p:attrName>style.visibility</p:attrName>
-                                        </p:attrNameLst>
-                                      </p:cBhvr>
-                                      <p:to>
-                                        <p:strVal val="visible"/>
-                                      </p:to>
-                                    </p:set>
-                                    <p:animEffect transition="in" filter="fade">
-                                      <p:cBhvr>
-                                        <p:cTn id="11" dur="500"/>
-                                        <p:tgtEl>
-                                          <p:spTgt spid="3"/>
-                                        </p:tgtEl>
-                                      </p:cBhvr>
-                                    </p:animEffect>
-                                  </p:childTnLst>
-                                </p:cTn>
-                              </p:par>
                             </p:childTnLst>
                           </p:cTn>
                         </p:par>
@@ -15900,32 +15577,32 @@
                     </p:cTn>
                   </p:par>
                   <p:par>
-                    <p:cTn id="12" fill="hold">
+                    <p:cTn id="10" fill="hold">
                       <p:stCondLst>
                         <p:cond delay="indefinite"/>
                       </p:stCondLst>
                       <p:childTnLst>
                         <p:par>
-                          <p:cTn id="13" fill="hold">
+                          <p:cTn id="11" fill="hold">
                             <p:stCondLst>
                               <p:cond delay="0"/>
                             </p:stCondLst>
                             <p:childTnLst>
                               <p:par>
-                                <p:cTn id="14" presetID="2" presetClass="entr" presetSubtype="4" fill="hold" nodeType="clickEffect">
+                                <p:cTn id="12" presetID="42" presetClass="entr" presetSubtype="0" fill="hold" grpId="0" nodeType="clickEffect">
                                   <p:stCondLst>
                                     <p:cond delay="0"/>
                                   </p:stCondLst>
                                   <p:childTnLst>
                                     <p:set>
                                       <p:cBhvr>
-                                        <p:cTn id="15" dur="1" fill="hold">
+                                        <p:cTn id="13" dur="1" fill="hold">
                                           <p:stCondLst>
                                             <p:cond delay="0"/>
                                           </p:stCondLst>
                                         </p:cTn>
                                         <p:tgtEl>
-                                          <p:spTgt spid="535">
+                                          <p:spTgt spid="373">
                                             <p:txEl>
                                               <p:pRg st="1" end="1"/>
                                             </p:txEl>
@@ -15939,11 +15616,23 @@
                                         <p:strVal val="visible"/>
                                       </p:to>
                                     </p:set>
+                                    <p:animEffect transition="in" filter="fade">
+                                      <p:cBhvr>
+                                        <p:cTn id="14" dur="500"/>
+                                        <p:tgtEl>
+                                          <p:spTgt spid="373">
+                                            <p:txEl>
+                                              <p:pRg st="1" end="1"/>
+                                            </p:txEl>
+                                          </p:spTgt>
+                                        </p:tgtEl>
+                                      </p:cBhvr>
+                                    </p:animEffect>
                                     <p:anim calcmode="lin" valueType="num">
-                                      <p:cBhvr additive="base">
-                                        <p:cTn id="16" dur="500" fill="hold"/>
+                                      <p:cBhvr>
+                                        <p:cTn id="15" dur="500" fill="hold"/>
                                         <p:tgtEl>
-                                          <p:spTgt spid="535">
+                                          <p:spTgt spid="373">
                                             <p:txEl>
                                               <p:pRg st="1" end="1"/>
                                             </p:txEl>
@@ -15967,10 +15656,10 @@
                                       </p:tavLst>
                                     </p:anim>
                                     <p:anim calcmode="lin" valueType="num">
-                                      <p:cBhvr additive="base">
-                                        <p:cTn id="17" dur="500" fill="hold"/>
+                                      <p:cBhvr>
+                                        <p:cTn id="16" dur="500" fill="hold"/>
                                         <p:tgtEl>
-                                          <p:spTgt spid="535">
+                                          <p:spTgt spid="373">
                                             <p:txEl>
                                               <p:pRg st="1" end="1"/>
                                             </p:txEl>
@@ -15983,7 +15672,7 @@
                                       <p:tavLst>
                                         <p:tav tm="0">
                                           <p:val>
-                                            <p:strVal val="1+#ppt_h/2"/>
+                                            <p:strVal val="#ppt_y+.1"/>
                                           </p:val>
                                         </p:tav>
                                         <p:tav tm="100000">
@@ -16003,32 +15692,32 @@
                     </p:cTn>
                   </p:par>
                   <p:par>
-                    <p:cTn id="18" fill="hold">
+                    <p:cTn id="17" fill="hold">
                       <p:stCondLst>
                         <p:cond delay="indefinite"/>
                       </p:stCondLst>
                       <p:childTnLst>
                         <p:par>
-                          <p:cTn id="19" fill="hold">
+                          <p:cTn id="18" fill="hold">
                             <p:stCondLst>
                               <p:cond delay="0"/>
                             </p:stCondLst>
                             <p:childTnLst>
                               <p:par>
-                                <p:cTn id="20" presetID="2" presetClass="entr" presetSubtype="4" fill="hold" nodeType="clickEffect">
+                                <p:cTn id="19" presetID="42" presetClass="entr" presetSubtype="0" fill="hold" grpId="0" nodeType="clickEffect">
                                   <p:stCondLst>
                                     <p:cond delay="0"/>
                                   </p:stCondLst>
                                   <p:childTnLst>
                                     <p:set>
                                       <p:cBhvr>
-                                        <p:cTn id="21" dur="1" fill="hold">
+                                        <p:cTn id="20" dur="1" fill="hold">
                                           <p:stCondLst>
                                             <p:cond delay="0"/>
                                           </p:stCondLst>
                                         </p:cTn>
                                         <p:tgtEl>
-                                          <p:spTgt spid="535">
+                                          <p:spTgt spid="373">
                                             <p:txEl>
                                               <p:pRg st="2" end="2"/>
                                             </p:txEl>
@@ -16042,11 +15731,23 @@
                                         <p:strVal val="visible"/>
                                       </p:to>
                                     </p:set>
+                                    <p:animEffect transition="in" filter="fade">
+                                      <p:cBhvr>
+                                        <p:cTn id="21" dur="500"/>
+                                        <p:tgtEl>
+                                          <p:spTgt spid="373">
+                                            <p:txEl>
+                                              <p:pRg st="2" end="2"/>
+                                            </p:txEl>
+                                          </p:spTgt>
+                                        </p:tgtEl>
+                                      </p:cBhvr>
+                                    </p:animEffect>
                                     <p:anim calcmode="lin" valueType="num">
-                                      <p:cBhvr additive="base">
+                                      <p:cBhvr>
                                         <p:cTn id="22" dur="500" fill="hold"/>
                                         <p:tgtEl>
-                                          <p:spTgt spid="535">
+                                          <p:spTgt spid="373">
                                             <p:txEl>
                                               <p:pRg st="2" end="2"/>
                                             </p:txEl>
@@ -16070,10 +15771,10 @@
                                       </p:tavLst>
                                     </p:anim>
                                     <p:anim calcmode="lin" valueType="num">
-                                      <p:cBhvr additive="base">
+                                      <p:cBhvr>
                                         <p:cTn id="23" dur="500" fill="hold"/>
                                         <p:tgtEl>
-                                          <p:spTgt spid="535">
+                                          <p:spTgt spid="373">
                                             <p:txEl>
                                               <p:pRg st="2" end="2"/>
                                             </p:txEl>
@@ -16086,7 +15787,7 @@
                                       <p:tavLst>
                                         <p:tav tm="0">
                                           <p:val>
-                                            <p:strVal val="1+#ppt_h/2"/>
+                                            <p:strVal val="#ppt_y+.1"/>
                                           </p:val>
                                         </p:tav>
                                         <p:tav tm="100000">
@@ -16118,7 +15819,7 @@
                             </p:stCondLst>
                             <p:childTnLst>
                               <p:par>
-                                <p:cTn id="26" presetID="2" presetClass="entr" presetSubtype="4" fill="hold" nodeType="clickEffect">
+                                <p:cTn id="26" presetID="42" presetClass="entr" presetSubtype="0" fill="hold" grpId="0" nodeType="clickEffect">
                                   <p:stCondLst>
                                     <p:cond delay="0"/>
                                   </p:stCondLst>
@@ -16131,7 +15832,7 @@
                                           </p:stCondLst>
                                         </p:cTn>
                                         <p:tgtEl>
-                                          <p:spTgt spid="535">
+                                          <p:spTgt spid="373">
                                             <p:txEl>
                                               <p:pRg st="3" end="3"/>
                                             </p:txEl>
@@ -16145,11 +15846,23 @@
                                         <p:strVal val="visible"/>
                                       </p:to>
                                     </p:set>
+                                    <p:animEffect transition="in" filter="fade">
+                                      <p:cBhvr>
+                                        <p:cTn id="28" dur="500"/>
+                                        <p:tgtEl>
+                                          <p:spTgt spid="373">
+                                            <p:txEl>
+                                              <p:pRg st="3" end="3"/>
+                                            </p:txEl>
+                                          </p:spTgt>
+                                        </p:tgtEl>
+                                      </p:cBhvr>
+                                    </p:animEffect>
                                     <p:anim calcmode="lin" valueType="num">
-                                      <p:cBhvr additive="base">
-                                        <p:cTn id="28" dur="500" fill="hold"/>
+                                      <p:cBhvr>
+                                        <p:cTn id="29" dur="500" fill="hold"/>
                                         <p:tgtEl>
-                                          <p:spTgt spid="535">
+                                          <p:spTgt spid="373">
                                             <p:txEl>
                                               <p:pRg st="3" end="3"/>
                                             </p:txEl>
@@ -16173,10 +15886,10 @@
                                       </p:tavLst>
                                     </p:anim>
                                     <p:anim calcmode="lin" valueType="num">
-                                      <p:cBhvr additive="base">
-                                        <p:cTn id="29" dur="500" fill="hold"/>
+                                      <p:cBhvr>
+                                        <p:cTn id="30" dur="500" fill="hold"/>
                                         <p:tgtEl>
-                                          <p:spTgt spid="535">
+                                          <p:spTgt spid="373">
                                             <p:txEl>
                                               <p:pRg st="3" end="3"/>
                                             </p:txEl>
@@ -16189,7 +15902,7 @@
                                       <p:tavLst>
                                         <p:tav tm="0">
                                           <p:val>
-                                            <p:strVal val="1+#ppt_h/2"/>
+                                            <p:strVal val="#ppt_y+.1"/>
                                           </p:val>
                                         </p:tav>
                                         <p:tav tm="100000">
@@ -16209,32 +15922,32 @@
                     </p:cTn>
                   </p:par>
                   <p:par>
-                    <p:cTn id="30" fill="hold">
+                    <p:cTn id="31" fill="hold">
                       <p:stCondLst>
                         <p:cond delay="indefinite"/>
                       </p:stCondLst>
                       <p:childTnLst>
                         <p:par>
-                          <p:cTn id="31" fill="hold">
+                          <p:cTn id="32" fill="hold">
                             <p:stCondLst>
                               <p:cond delay="0"/>
                             </p:stCondLst>
                             <p:childTnLst>
                               <p:par>
-                                <p:cTn id="32" presetID="2" presetClass="entr" presetSubtype="4" fill="hold" nodeType="clickEffect">
+                                <p:cTn id="33" presetID="42" presetClass="entr" presetSubtype="0" fill="hold" grpId="0" nodeType="clickEffect">
                                   <p:stCondLst>
                                     <p:cond delay="0"/>
                                   </p:stCondLst>
                                   <p:childTnLst>
                                     <p:set>
                                       <p:cBhvr>
-                                        <p:cTn id="33" dur="1" fill="hold">
+                                        <p:cTn id="34" dur="1" fill="hold">
                                           <p:stCondLst>
                                             <p:cond delay="0"/>
                                           </p:stCondLst>
                                         </p:cTn>
                                         <p:tgtEl>
-                                          <p:spTgt spid="535">
+                                          <p:spTgt spid="373">
                                             <p:txEl>
                                               <p:pRg st="4" end="4"/>
                                             </p:txEl>
@@ -16248,11 +15961,23 @@
                                         <p:strVal val="visible"/>
                                       </p:to>
                                     </p:set>
+                                    <p:animEffect transition="in" filter="fade">
+                                      <p:cBhvr>
+                                        <p:cTn id="35" dur="500"/>
+                                        <p:tgtEl>
+                                          <p:spTgt spid="373">
+                                            <p:txEl>
+                                              <p:pRg st="4" end="4"/>
+                                            </p:txEl>
+                                          </p:spTgt>
+                                        </p:tgtEl>
+                                      </p:cBhvr>
+                                    </p:animEffect>
                                     <p:anim calcmode="lin" valueType="num">
-                                      <p:cBhvr additive="base">
-                                        <p:cTn id="34" dur="500" fill="hold"/>
+                                      <p:cBhvr>
+                                        <p:cTn id="36" dur="500" fill="hold"/>
                                         <p:tgtEl>
-                                          <p:spTgt spid="535">
+                                          <p:spTgt spid="373">
                                             <p:txEl>
                                               <p:pRg st="4" end="4"/>
                                             </p:txEl>
@@ -16276,10 +16001,10 @@
                                       </p:tavLst>
                                     </p:anim>
                                     <p:anim calcmode="lin" valueType="num">
-                                      <p:cBhvr additive="base">
-                                        <p:cTn id="35" dur="500" fill="hold"/>
+                                      <p:cBhvr>
+                                        <p:cTn id="37" dur="500" fill="hold"/>
                                         <p:tgtEl>
-                                          <p:spTgt spid="535">
+                                          <p:spTgt spid="373">
                                             <p:txEl>
                                               <p:pRg st="4" end="4"/>
                                             </p:txEl>
@@ -16292,7 +16017,7 @@
                                       <p:tavLst>
                                         <p:tav tm="0">
                                           <p:val>
-                                            <p:strVal val="1+#ppt_h/2"/>
+                                            <p:strVal val="#ppt_y+.1"/>
                                           </p:val>
                                         </p:tav>
                                         <p:tav tm="100000">
@@ -16332,6 +16057,9 @@
         </p:cTn>
       </p:par>
     </p:tnLst>
+    <p:bldLst>
+      <p:bldP spid="373" grpId="0" uiExpand="1" build="p"/>
+    </p:bldLst>
   </p:timing>
 </p:sld>
 </file>
@@ -16341,7 +16069,7 @@
   <p:cSld>
     <p:spTree>
       <p:nvGrpSpPr>
-        <p:cNvPr id="1" name="Shape 358"/>
+        <p:cNvPr id="1" name="Shape 371"/>
         <p:cNvGrpSpPr/>
         <p:nvPr/>
       </p:nvGrpSpPr>
@@ -16355,18 +16083,18 @@
       </p:grpSpPr>
       <p:sp>
         <p:nvSpPr>
-          <p:cNvPr id="359" name="Google Shape;359;p14"/>
+          <p:cNvPr id="372" name="Google Shape;372;p16"/>
           <p:cNvSpPr txBox="1">
             <a:spLocks noGrp="1"/>
           </p:cNvSpPr>
           <p:nvPr>
-            <p:ph type="ctrTitle" idx="4294967295"/>
+            <p:ph type="title"/>
           </p:nvPr>
         </p:nvSpPr>
         <p:spPr>
           <a:xfrm>
-            <a:off x="2446337" y="568470"/>
-            <a:ext cx="4251325" cy="850900"/>
+            <a:off x="1912910" y="725716"/>
+            <a:ext cx="4944300" cy="645300"/>
           </a:xfrm>
           <a:prstGeom prst="rect">
             <a:avLst/>
@@ -16378,89 +16106,66 @@
           </a:bodyPr>
           <a:lstStyle/>
           <a:p>
-            <a:pPr marL="0" lvl="0" indent="0" algn="l" rtl="0">
-              <a:spcBef>
-                <a:spcPts val="0"/>
-              </a:spcBef>
-              <a:spcAft>
-                <a:spcPts val="0"/>
-              </a:spcAft>
-              <a:buNone/>
-            </a:pPr>
+            <a:pPr lvl="0"/>
             <a:r>
-              <a:rPr lang="en-US" b="1" dirty="0">
+              <a:rPr lang="en-US" sz="4000" b="1" dirty="0">
                 <a:latin typeface="Roboto" panose="02000000000000000000" pitchFamily="2" charset="0"/>
                 <a:ea typeface="Roboto" panose="02000000000000000000" pitchFamily="2" charset="0"/>
               </a:rPr>
               <a:t>Como </a:t>
             </a:r>
             <a:r>
-              <a:rPr lang="en-US" b="1" dirty="0" err="1">
+              <a:rPr lang="en-US" sz="4000" b="1" dirty="0" err="1">
                 <a:latin typeface="Roboto" panose="02000000000000000000" pitchFamily="2" charset="0"/>
                 <a:ea typeface="Roboto" panose="02000000000000000000" pitchFamily="2" charset="0"/>
               </a:rPr>
               <a:t>implemento</a:t>
             </a:r>
             <a:r>
-              <a:rPr lang="en-US" b="1" dirty="0">
+              <a:rPr lang="en-US" sz="4000" b="1" dirty="0">
                 <a:latin typeface="Roboto" panose="02000000000000000000" pitchFamily="2" charset="0"/>
                 <a:ea typeface="Roboto" panose="02000000000000000000" pitchFamily="2" charset="0"/>
               </a:rPr>
               <a:t> ?</a:t>
             </a:r>
+            <a:endParaRPr sz="4000" b="1" dirty="0">
+              <a:latin typeface="Roboto" panose="02000000000000000000" pitchFamily="2" charset="0"/>
+              <a:ea typeface="Roboto" panose="02000000000000000000" pitchFamily="2" charset="0"/>
+            </a:endParaRPr>
           </a:p>
         </p:txBody>
       </p:sp>
       <p:sp>
         <p:nvSpPr>
-          <p:cNvPr id="2" name="CaixaDeTexto 1">
-            <a:extLst>
-              <a:ext uri="{FF2B5EF4-FFF2-40B4-BE49-F238E27FC236}">
-                <a16:creationId xmlns:a16="http://schemas.microsoft.com/office/drawing/2014/main" id="{744771DB-DAAB-483D-B942-354F5E3C161A}"/>
-              </a:ext>
-            </a:extLst>
-          </p:cNvPr>
-          <p:cNvSpPr txBox="1"/>
-          <p:nvPr/>
+          <p:cNvPr id="373" name="Google Shape;373;p16"/>
+          <p:cNvSpPr txBox="1">
+            <a:spLocks noGrp="1"/>
+          </p:cNvSpPr>
+          <p:nvPr>
+            <p:ph type="body" idx="1"/>
+          </p:nvPr>
         </p:nvSpPr>
         <p:spPr>
           <a:xfrm>
-            <a:off x="2978728" y="1808019"/>
-            <a:ext cx="2438400" cy="1154162"/>
+            <a:off x="1912910" y="1551124"/>
+            <a:ext cx="4944300" cy="2486919"/>
           </a:xfrm>
           <a:prstGeom prst="rect">
             <a:avLst/>
           </a:prstGeom>
-          <a:noFill/>
         </p:spPr>
         <p:txBody>
-          <a:bodyPr wrap="square" rtlCol="0">
-            <a:spAutoFit/>
+          <a:bodyPr spcFirstLastPara="1" wrap="square" lIns="91425" tIns="91425" rIns="91425" bIns="91425" anchor="t" anchorCtr="0">
+            <a:noAutofit/>
           </a:bodyPr>
           <a:lstStyle/>
           <a:p>
-            <a:pPr marL="342900" indent="-342900" defTabSz="685800">
-              <a:lnSpc>
-                <a:spcPct val="90000"/>
-              </a:lnSpc>
-              <a:spcBef>
-                <a:spcPts val="600"/>
-              </a:spcBef>
-              <a:buClr>
-                <a:schemeClr val="accent1"/>
-              </a:buClr>
-              <a:buSzPct val="100000"/>
+            <a:pPr marL="482600" lvl="0" indent="-342900">
               <a:buFont typeface="+mj-lt"/>
               <a:buAutoNum type="arabicPeriod"/>
             </a:pPr>
             <a:r>
-              <a:rPr lang="en-US" sz="1500" dirty="0">
-                <a:solidFill>
-                  <a:schemeClr val="tx1">
-                    <a:lumMod val="75000"/>
-                    <a:lumOff val="25000"/>
-                  </a:schemeClr>
-                </a:solidFill>
+              <a:rPr lang="en-US" sz="2000" dirty="0">
                 <a:latin typeface="Roboto" panose="02000000000000000000" pitchFamily="2" charset="0"/>
                 <a:ea typeface="Roboto" panose="02000000000000000000" pitchFamily="2" charset="0"/>
               </a:rPr>
@@ -16468,28 +16173,12 @@
             </a:r>
           </a:p>
           <a:p>
-            <a:pPr marL="342900" indent="-342900" defTabSz="685800">
-              <a:lnSpc>
-                <a:spcPct val="90000"/>
-              </a:lnSpc>
-              <a:spcBef>
-                <a:spcPts val="600"/>
-              </a:spcBef>
-              <a:buClr>
-                <a:schemeClr val="accent1"/>
-              </a:buClr>
-              <a:buSzPct val="100000"/>
+            <a:pPr marL="482600" lvl="0" indent="-342900">
               <a:buFont typeface="+mj-lt"/>
               <a:buAutoNum type="arabicPeriod"/>
             </a:pPr>
             <a:r>
-              <a:rPr lang="en-US" sz="1500" dirty="0">
-                <a:solidFill>
-                  <a:schemeClr val="tx1">
-                    <a:lumMod val="75000"/>
-                    <a:lumOff val="25000"/>
-                  </a:schemeClr>
-                </a:solidFill>
+              <a:rPr lang="en-US" sz="2000" dirty="0">
                 <a:latin typeface="Roboto" panose="02000000000000000000" pitchFamily="2" charset="0"/>
                 <a:ea typeface="Roboto" panose="02000000000000000000" pitchFamily="2" charset="0"/>
               </a:rPr>
@@ -16497,28 +16186,12 @@
             </a:r>
           </a:p>
           <a:p>
-            <a:pPr marL="342900" indent="-342900" defTabSz="685800">
-              <a:lnSpc>
-                <a:spcPct val="90000"/>
-              </a:lnSpc>
-              <a:spcBef>
-                <a:spcPts val="600"/>
-              </a:spcBef>
-              <a:buClr>
-                <a:schemeClr val="accent1"/>
-              </a:buClr>
-              <a:buSzPct val="100000"/>
+            <a:pPr marL="482600" lvl="0" indent="-342900">
               <a:buFont typeface="+mj-lt"/>
               <a:buAutoNum type="arabicPeriod"/>
             </a:pPr>
             <a:r>
-              <a:rPr lang="en-US" sz="1500" dirty="0">
-                <a:solidFill>
-                  <a:schemeClr val="tx1">
-                    <a:lumMod val="75000"/>
-                    <a:lumOff val="25000"/>
-                  </a:schemeClr>
-                </a:solidFill>
+              <a:rPr lang="en-US" sz="2000" dirty="0">
                 <a:latin typeface="Roboto" panose="02000000000000000000" pitchFamily="2" charset="0"/>
                 <a:ea typeface="Roboto" panose="02000000000000000000" pitchFamily="2" charset="0"/>
               </a:rPr>
@@ -16526,40 +16199,74 @@
             </a:r>
           </a:p>
           <a:p>
-            <a:pPr marL="342900" indent="-342900" defTabSz="685800">
-              <a:lnSpc>
-                <a:spcPct val="90000"/>
-              </a:lnSpc>
-              <a:spcBef>
-                <a:spcPts val="600"/>
-              </a:spcBef>
-              <a:buClr>
-                <a:schemeClr val="accent1"/>
-              </a:buClr>
-              <a:buSzPct val="100000"/>
+            <a:pPr marL="482600" lvl="0" indent="-342900">
               <a:buFont typeface="+mj-lt"/>
               <a:buAutoNum type="arabicPeriod"/>
             </a:pPr>
             <a:r>
-              <a:rPr lang="en-US" sz="1500" dirty="0">
-                <a:solidFill>
-                  <a:schemeClr val="tx1">
-                    <a:lumMod val="75000"/>
-                    <a:lumOff val="25000"/>
-                  </a:schemeClr>
-                </a:solidFill>
+              <a:rPr lang="en-US" sz="2000" dirty="0">
                 <a:latin typeface="Roboto" panose="02000000000000000000" pitchFamily="2" charset="0"/>
                 <a:ea typeface="Roboto" panose="02000000000000000000" pitchFamily="2" charset="0"/>
               </a:rPr>
               <a:t>WebSocket</a:t>
             </a:r>
           </a:p>
+          <a:p>
+            <a:pPr marL="0" lvl="0" indent="0" algn="l" rtl="0">
+              <a:spcBef>
+                <a:spcPts val="600"/>
+              </a:spcBef>
+              <a:spcAft>
+                <a:spcPts val="0"/>
+              </a:spcAft>
+              <a:buNone/>
+            </a:pPr>
+            <a:endParaRPr dirty="0"/>
+          </a:p>
+        </p:txBody>
+      </p:sp>
+      <p:sp>
+        <p:nvSpPr>
+          <p:cNvPr id="374" name="Google Shape;374;p16"/>
+          <p:cNvSpPr txBox="1">
+            <a:spLocks noGrp="1"/>
+          </p:cNvSpPr>
+          <p:nvPr>
+            <p:ph type="sldNum" idx="12"/>
+          </p:nvPr>
+        </p:nvSpPr>
+        <p:spPr>
+          <a:prstGeom prst="rect">
+            <a:avLst/>
+          </a:prstGeom>
+        </p:spPr>
+        <p:txBody>
+          <a:bodyPr spcFirstLastPara="1" wrap="square" lIns="91425" tIns="91425" rIns="91425" bIns="91425" anchor="t" anchorCtr="0">
+            <a:noAutofit/>
+          </a:bodyPr>
+          <a:lstStyle/>
+          <a:p>
+            <a:pPr marL="0" lvl="0" indent="0" algn="l" rtl="0">
+              <a:spcBef>
+                <a:spcPts val="0"/>
+              </a:spcBef>
+              <a:spcAft>
+                <a:spcPts val="0"/>
+              </a:spcAft>
+              <a:buNone/>
+            </a:pPr>
+            <a:fld id="{00000000-1234-1234-1234-123412341234}" type="slidenum">
+              <a:rPr lang="en"/>
+              <a:t>6</a:t>
+            </a:fld>
+            <a:endParaRPr/>
+          </a:p>
         </p:txBody>
       </p:sp>
     </p:spTree>
     <p:extLst>
       <p:ext uri="{BB962C8B-B14F-4D97-AF65-F5344CB8AC3E}">
-        <p14:creationId xmlns:p14="http://schemas.microsoft.com/office/powerpoint/2010/main" val="3756154022"/>
+        <p14:creationId xmlns:p14="http://schemas.microsoft.com/office/powerpoint/2010/main" val="3563134946"/>
       </p:ext>
     </p:extLst>
   </p:cSld>
@@ -16587,7 +16294,7 @@
                             </p:stCondLst>
                             <p:childTnLst>
                               <p:par>
-                                <p:cTn id="5" presetID="2" presetClass="entr" presetSubtype="4" fill="hold" nodeType="clickEffect">
+                                <p:cTn id="5" presetID="42" presetClass="entr" presetSubtype="0" fill="hold" grpId="0" nodeType="clickEffect">
                                   <p:stCondLst>
                                     <p:cond delay="0"/>
                                   </p:stCondLst>
@@ -16600,7 +16307,7 @@
                                           </p:stCondLst>
                                         </p:cTn>
                                         <p:tgtEl>
-                                          <p:spTgt spid="2">
+                                          <p:spTgt spid="373">
                                             <p:txEl>
                                               <p:pRg st="0" end="0"/>
                                             </p:txEl>
@@ -16614,11 +16321,23 @@
                                         <p:strVal val="visible"/>
                                       </p:to>
                                     </p:set>
+                                    <p:animEffect transition="in" filter="fade">
+                                      <p:cBhvr>
+                                        <p:cTn id="7" dur="500"/>
+                                        <p:tgtEl>
+                                          <p:spTgt spid="373">
+                                            <p:txEl>
+                                              <p:pRg st="0" end="0"/>
+                                            </p:txEl>
+                                          </p:spTgt>
+                                        </p:tgtEl>
+                                      </p:cBhvr>
+                                    </p:animEffect>
                                     <p:anim calcmode="lin" valueType="num">
-                                      <p:cBhvr additive="base">
-                                        <p:cTn id="7" dur="500" fill="hold"/>
+                                      <p:cBhvr>
+                                        <p:cTn id="8" dur="500" fill="hold"/>
                                         <p:tgtEl>
-                                          <p:spTgt spid="2">
+                                          <p:spTgt spid="373">
                                             <p:txEl>
                                               <p:pRg st="0" end="0"/>
                                             </p:txEl>
@@ -16642,10 +16361,10 @@
                                       </p:tavLst>
                                     </p:anim>
                                     <p:anim calcmode="lin" valueType="num">
-                                      <p:cBhvr additive="base">
-                                        <p:cTn id="8" dur="500" fill="hold"/>
+                                      <p:cBhvr>
+                                        <p:cTn id="9" dur="500" fill="hold"/>
                                         <p:tgtEl>
-                                          <p:spTgt spid="2">
+                                          <p:spTgt spid="373">
                                             <p:txEl>
                                               <p:pRg st="0" end="0"/>
                                             </p:txEl>
@@ -16658,7 +16377,7 @@
                                       <p:tavLst>
                                         <p:tav tm="0">
                                           <p:val>
-                                            <p:strVal val="1+#ppt_h/2"/>
+                                            <p:strVal val="#ppt_y+.1"/>
                                           </p:val>
                                         </p:tav>
                                         <p:tav tm="100000">
@@ -16678,32 +16397,32 @@
                     </p:cTn>
                   </p:par>
                   <p:par>
-                    <p:cTn id="9" fill="hold">
+                    <p:cTn id="10" fill="hold">
                       <p:stCondLst>
                         <p:cond delay="indefinite"/>
                       </p:stCondLst>
                       <p:childTnLst>
                         <p:par>
-                          <p:cTn id="10" fill="hold">
+                          <p:cTn id="11" fill="hold">
                             <p:stCondLst>
                               <p:cond delay="0"/>
                             </p:stCondLst>
                             <p:childTnLst>
                               <p:par>
-                                <p:cTn id="11" presetID="2" presetClass="entr" presetSubtype="4" fill="hold" nodeType="clickEffect">
+                                <p:cTn id="12" presetID="42" presetClass="entr" presetSubtype="0" fill="hold" grpId="0" nodeType="clickEffect">
                                   <p:stCondLst>
                                     <p:cond delay="0"/>
                                   </p:stCondLst>
                                   <p:childTnLst>
                                     <p:set>
                                       <p:cBhvr>
-                                        <p:cTn id="12" dur="1" fill="hold">
+                                        <p:cTn id="13" dur="1" fill="hold">
                                           <p:stCondLst>
                                             <p:cond delay="0"/>
                                           </p:stCondLst>
                                         </p:cTn>
                                         <p:tgtEl>
-                                          <p:spTgt spid="2">
+                                          <p:spTgt spid="373">
                                             <p:txEl>
                                               <p:pRg st="1" end="1"/>
                                             </p:txEl>
@@ -16717,11 +16436,23 @@
                                         <p:strVal val="visible"/>
                                       </p:to>
                                     </p:set>
+                                    <p:animEffect transition="in" filter="fade">
+                                      <p:cBhvr>
+                                        <p:cTn id="14" dur="500"/>
+                                        <p:tgtEl>
+                                          <p:spTgt spid="373">
+                                            <p:txEl>
+                                              <p:pRg st="1" end="1"/>
+                                            </p:txEl>
+                                          </p:spTgt>
+                                        </p:tgtEl>
+                                      </p:cBhvr>
+                                    </p:animEffect>
                                     <p:anim calcmode="lin" valueType="num">
-                                      <p:cBhvr additive="base">
-                                        <p:cTn id="13" dur="500" fill="hold"/>
+                                      <p:cBhvr>
+                                        <p:cTn id="15" dur="500" fill="hold"/>
                                         <p:tgtEl>
-                                          <p:spTgt spid="2">
+                                          <p:spTgt spid="373">
                                             <p:txEl>
                                               <p:pRg st="1" end="1"/>
                                             </p:txEl>
@@ -16745,10 +16476,10 @@
                                       </p:tavLst>
                                     </p:anim>
                                     <p:anim calcmode="lin" valueType="num">
-                                      <p:cBhvr additive="base">
-                                        <p:cTn id="14" dur="500" fill="hold"/>
+                                      <p:cBhvr>
+                                        <p:cTn id="16" dur="500" fill="hold"/>
                                         <p:tgtEl>
-                                          <p:spTgt spid="2">
+                                          <p:spTgt spid="373">
                                             <p:txEl>
                                               <p:pRg st="1" end="1"/>
                                             </p:txEl>
@@ -16761,7 +16492,7 @@
                                       <p:tavLst>
                                         <p:tav tm="0">
                                           <p:val>
-                                            <p:strVal val="1+#ppt_h/2"/>
+                                            <p:strVal val="#ppt_y+.1"/>
                                           </p:val>
                                         </p:tav>
                                         <p:tav tm="100000">
@@ -16781,32 +16512,32 @@
                     </p:cTn>
                   </p:par>
                   <p:par>
-                    <p:cTn id="15" fill="hold">
+                    <p:cTn id="17" fill="hold">
                       <p:stCondLst>
                         <p:cond delay="indefinite"/>
                       </p:stCondLst>
                       <p:childTnLst>
                         <p:par>
-                          <p:cTn id="16" fill="hold">
+                          <p:cTn id="18" fill="hold">
                             <p:stCondLst>
                               <p:cond delay="0"/>
                             </p:stCondLst>
                             <p:childTnLst>
                               <p:par>
-                                <p:cTn id="17" presetID="2" presetClass="entr" presetSubtype="4" fill="hold" nodeType="clickEffect">
+                                <p:cTn id="19" presetID="42" presetClass="entr" presetSubtype="0" fill="hold" grpId="0" nodeType="clickEffect">
                                   <p:stCondLst>
                                     <p:cond delay="0"/>
                                   </p:stCondLst>
                                   <p:childTnLst>
                                     <p:set>
                                       <p:cBhvr>
-                                        <p:cTn id="18" dur="1" fill="hold">
+                                        <p:cTn id="20" dur="1" fill="hold">
                                           <p:stCondLst>
                                             <p:cond delay="0"/>
                                           </p:stCondLst>
                                         </p:cTn>
                                         <p:tgtEl>
-                                          <p:spTgt spid="2">
+                                          <p:spTgt spid="373">
                                             <p:txEl>
                                               <p:pRg st="2" end="2"/>
                                             </p:txEl>
@@ -16820,11 +16551,23 @@
                                         <p:strVal val="visible"/>
                                       </p:to>
                                     </p:set>
+                                    <p:animEffect transition="in" filter="fade">
+                                      <p:cBhvr>
+                                        <p:cTn id="21" dur="500"/>
+                                        <p:tgtEl>
+                                          <p:spTgt spid="373">
+                                            <p:txEl>
+                                              <p:pRg st="2" end="2"/>
+                                            </p:txEl>
+                                          </p:spTgt>
+                                        </p:tgtEl>
+                                      </p:cBhvr>
+                                    </p:animEffect>
                                     <p:anim calcmode="lin" valueType="num">
-                                      <p:cBhvr additive="base">
-                                        <p:cTn id="19" dur="500" fill="hold"/>
+                                      <p:cBhvr>
+                                        <p:cTn id="22" dur="500" fill="hold"/>
                                         <p:tgtEl>
-                                          <p:spTgt spid="2">
+                                          <p:spTgt spid="373">
                                             <p:txEl>
                                               <p:pRg st="2" end="2"/>
                                             </p:txEl>
@@ -16848,10 +16591,10 @@
                                       </p:tavLst>
                                     </p:anim>
                                     <p:anim calcmode="lin" valueType="num">
-                                      <p:cBhvr additive="base">
-                                        <p:cTn id="20" dur="500" fill="hold"/>
+                                      <p:cBhvr>
+                                        <p:cTn id="23" dur="500" fill="hold"/>
                                         <p:tgtEl>
-                                          <p:spTgt spid="2">
+                                          <p:spTgt spid="373">
                                             <p:txEl>
                                               <p:pRg st="2" end="2"/>
                                             </p:txEl>
@@ -16864,7 +16607,7 @@
                                       <p:tavLst>
                                         <p:tav tm="0">
                                           <p:val>
-                                            <p:strVal val="1+#ppt_h/2"/>
+                                            <p:strVal val="#ppt_y+.1"/>
                                           </p:val>
                                         </p:tav>
                                         <p:tav tm="100000">
@@ -16884,32 +16627,32 @@
                     </p:cTn>
                   </p:par>
                   <p:par>
-                    <p:cTn id="21" fill="hold">
+                    <p:cTn id="24" fill="hold">
                       <p:stCondLst>
                         <p:cond delay="indefinite"/>
                       </p:stCondLst>
                       <p:childTnLst>
                         <p:par>
-                          <p:cTn id="22" fill="hold">
+                          <p:cTn id="25" fill="hold">
                             <p:stCondLst>
                               <p:cond delay="0"/>
                             </p:stCondLst>
                             <p:childTnLst>
                               <p:par>
-                                <p:cTn id="23" presetID="2" presetClass="entr" presetSubtype="4" fill="hold" nodeType="clickEffect">
+                                <p:cTn id="26" presetID="42" presetClass="entr" presetSubtype="0" fill="hold" grpId="0" nodeType="clickEffect">
                                   <p:stCondLst>
                                     <p:cond delay="0"/>
                                   </p:stCondLst>
                                   <p:childTnLst>
                                     <p:set>
                                       <p:cBhvr>
-                                        <p:cTn id="24" dur="1" fill="hold">
+                                        <p:cTn id="27" dur="1" fill="hold">
                                           <p:stCondLst>
                                             <p:cond delay="0"/>
                                           </p:stCondLst>
                                         </p:cTn>
                                         <p:tgtEl>
-                                          <p:spTgt spid="2">
+                                          <p:spTgt spid="373">
                                             <p:txEl>
                                               <p:pRg st="3" end="3"/>
                                             </p:txEl>
@@ -16923,11 +16666,23 @@
                                         <p:strVal val="visible"/>
                                       </p:to>
                                     </p:set>
+                                    <p:animEffect transition="in" filter="fade">
+                                      <p:cBhvr>
+                                        <p:cTn id="28" dur="500"/>
+                                        <p:tgtEl>
+                                          <p:spTgt spid="373">
+                                            <p:txEl>
+                                              <p:pRg st="3" end="3"/>
+                                            </p:txEl>
+                                          </p:spTgt>
+                                        </p:tgtEl>
+                                      </p:cBhvr>
+                                    </p:animEffect>
                                     <p:anim calcmode="lin" valueType="num">
-                                      <p:cBhvr additive="base">
-                                        <p:cTn id="25" dur="500" fill="hold"/>
+                                      <p:cBhvr>
+                                        <p:cTn id="29" dur="500" fill="hold"/>
                                         <p:tgtEl>
-                                          <p:spTgt spid="2">
+                                          <p:spTgt spid="373">
                                             <p:txEl>
                                               <p:pRg st="3" end="3"/>
                                             </p:txEl>
@@ -16951,10 +16706,10 @@
                                       </p:tavLst>
                                     </p:anim>
                                     <p:anim calcmode="lin" valueType="num">
-                                      <p:cBhvr additive="base">
-                                        <p:cTn id="26" dur="500" fill="hold"/>
+                                      <p:cBhvr>
+                                        <p:cTn id="30" dur="500" fill="hold"/>
                                         <p:tgtEl>
-                                          <p:spTgt spid="2">
+                                          <p:spTgt spid="373">
                                             <p:txEl>
                                               <p:pRg st="3" end="3"/>
                                             </p:txEl>
@@ -16967,7 +16722,7 @@
                                       <p:tavLst>
                                         <p:tav tm="0">
                                           <p:val>
-                                            <p:strVal val="1+#ppt_h/2"/>
+                                            <p:strVal val="#ppt_y+.1"/>
                                           </p:val>
                                         </p:tav>
                                         <p:tav tm="100000">
@@ -17007,6 +16762,9 @@
         </p:cTn>
       </p:par>
     </p:tnLst>
+    <p:bldLst>
+      <p:bldP spid="373" grpId="0" uiExpand="1" build="p"/>
+    </p:bldLst>
   </p:timing>
 </p:sld>
 </file>
@@ -17040,8 +16798,8 @@
         </p:nvSpPr>
         <p:spPr>
           <a:xfrm>
-            <a:off x="3621415" y="701675"/>
-            <a:ext cx="1901170" cy="644525"/>
+            <a:off x="3117468" y="634193"/>
+            <a:ext cx="2909064" cy="644525"/>
           </a:xfrm>
           <a:prstGeom prst="rect">
             <a:avLst/>
@@ -17063,13 +16821,13 @@
               <a:buNone/>
             </a:pPr>
             <a:r>
-              <a:rPr lang="en-US" sz="4000" dirty="0">
+              <a:rPr lang="en-US" sz="4000" b="1" dirty="0">
                 <a:latin typeface="Roboto" panose="02000000000000000000" pitchFamily="2" charset="0"/>
                 <a:ea typeface="Roboto" panose="02000000000000000000" pitchFamily="2" charset="0"/>
               </a:rPr>
-              <a:t>Pooling</a:t>
+              <a:t>1. Pooling</a:t>
             </a:r>
-            <a:endParaRPr sz="4000" dirty="0">
+            <a:endParaRPr sz="4000" b="1" dirty="0">
               <a:latin typeface="Roboto" panose="02000000000000000000" pitchFamily="2" charset="0"/>
               <a:ea typeface="Roboto" panose="02000000000000000000" pitchFamily="2" charset="0"/>
             </a:endParaRPr>
@@ -17856,8 +17614,8 @@
         </p:nvSpPr>
         <p:spPr>
           <a:xfrm>
-            <a:off x="3009696" y="580467"/>
-            <a:ext cx="3124607" cy="644525"/>
+            <a:off x="2568104" y="552114"/>
+            <a:ext cx="4007791" cy="644525"/>
           </a:xfrm>
           <a:prstGeom prst="rect">
             <a:avLst/>
@@ -17871,13 +17629,13 @@
           <a:p>
             <a:pPr lvl="0"/>
             <a:r>
-              <a:rPr lang="en-US" sz="4000" dirty="0">
+              <a:rPr lang="en-US" sz="4000" b="1" dirty="0">
                 <a:latin typeface="Roboto" panose="02000000000000000000" pitchFamily="2" charset="0"/>
                 <a:ea typeface="Roboto" panose="02000000000000000000" pitchFamily="2" charset="0"/>
               </a:rPr>
-              <a:t>Long Pooling</a:t>
+              <a:t>2. Long Pooling</a:t>
             </a:r>
-            <a:endParaRPr sz="4000" dirty="0">
+            <a:endParaRPr sz="4000" b="1" dirty="0">
               <a:latin typeface="Roboto" panose="02000000000000000000" pitchFamily="2" charset="0"/>
               <a:ea typeface="Roboto" panose="02000000000000000000" pitchFamily="2" charset="0"/>
             </a:endParaRPr>
@@ -18337,8 +18095,8 @@
         </p:nvSpPr>
         <p:spPr>
           <a:xfrm>
-            <a:off x="2391073" y="580467"/>
-            <a:ext cx="4361854" cy="644525"/>
+            <a:off x="1968169" y="559202"/>
+            <a:ext cx="5207662" cy="644525"/>
           </a:xfrm>
           <a:prstGeom prst="rect">
             <a:avLst/>
@@ -18352,11 +18110,11 @@
           <a:p>
             <a:pPr lvl="0"/>
             <a:r>
-              <a:rPr lang="en-US" sz="4000" dirty="0">
+              <a:rPr lang="en-US" sz="4000" b="1" dirty="0">
                 <a:latin typeface="Roboto" panose="02000000000000000000" pitchFamily="2" charset="0"/>
                 <a:ea typeface="Roboto" panose="02000000000000000000" pitchFamily="2" charset="0"/>
               </a:rPr>
-              <a:t>Server-Sent Events</a:t>
+              <a:t>3. Server-Sent Events</a:t>
             </a:r>
           </a:p>
         </p:txBody>

--- a/docs/Apresentacao.pptx
+++ b/docs/Apresentacao.pptx
@@ -54,14 +54,14 @@
       <p:regular r:id="rId31"/>
     </p:embeddedFont>
     <p:embeddedFont>
-      <p:font typeface="Roboto" panose="02000000000000000000" pitchFamily="2" charset="0"/>
+      <p:font typeface="Roboto" panose="020B0604020202020204" charset="0"/>
       <p:regular r:id="rId32"/>
       <p:bold r:id="rId33"/>
       <p:italic r:id="rId34"/>
       <p:boldItalic r:id="rId35"/>
     </p:embeddedFont>
     <p:embeddedFont>
-      <p:font typeface="Roboto Black" panose="02000000000000000000" pitchFamily="2" charset="0"/>
+      <p:font typeface="Roboto Black" panose="020B0604020202020204" charset="0"/>
       <p:bold r:id="rId36"/>
       <p:boldItalic r:id="rId37"/>
     </p:embeddedFont>
@@ -2771,7 +2771,7 @@
           <a:p>
             <a:fld id="{4BDF68E2-58F2-4D09-BE8B-E3BD06533059}" type="datetimeFigureOut">
               <a:rPr lang="en-US" dirty="0"/>
-              <a:t>6/1/2019</a:t>
+              <a:t>9/20/2019</a:t>
             </a:fld>
             <a:endParaRPr lang="en-US" dirty="0"/>
           </a:p>
@@ -2989,7 +2989,7 @@
           <a:p>
             <a:fld id="{2E2D6473-DF6D-4702-B328-E0DD40540A4E}" type="datetimeFigureOut">
               <a:rPr lang="en-US" dirty="0"/>
-              <a:t>6/1/2019</a:t>
+              <a:t>9/20/2019</a:t>
             </a:fld>
             <a:endParaRPr lang="en-US" dirty="0"/>
           </a:p>
@@ -3255,7 +3255,7 @@
           <a:p>
             <a:fld id="{E26F7E3A-B166-407D-9866-32884E7D5B37}" type="datetimeFigureOut">
               <a:rPr lang="en-US" dirty="0"/>
-              <a:t>6/1/2019</a:t>
+              <a:t>9/20/2019</a:t>
             </a:fld>
             <a:endParaRPr lang="en-US" dirty="0"/>
           </a:p>
@@ -4297,7 +4297,7 @@
           <a:p>
             <a:fld id="{528FC5F6-F338-4AE4-BB23-26385BCFC423}" type="datetimeFigureOut">
               <a:rPr lang="en-US" dirty="0"/>
-              <a:t>6/1/2019</a:t>
+              <a:t>9/20/2019</a:t>
             </a:fld>
             <a:endParaRPr lang="en-US" dirty="0"/>
           </a:p>
@@ -4650,7 +4650,7 @@
           <a:p>
             <a:fld id="{20EBB0C4-6273-4C6E-B9BD-2EDC30F1CD52}" type="datetimeFigureOut">
               <a:rPr lang="en-US" dirty="0"/>
-              <a:t>6/1/2019</a:t>
+              <a:t>9/20/2019</a:t>
             </a:fld>
             <a:endParaRPr lang="en-US" dirty="0"/>
           </a:p>
@@ -4935,7 +4935,7 @@
           <a:p>
             <a:fld id="{19AB4D41-86C1-4908-B66A-0B50CEB3BF29}" type="datetimeFigureOut">
               <a:rPr lang="en-US" dirty="0"/>
-              <a:t>6/1/2019</a:t>
+              <a:t>9/20/2019</a:t>
             </a:fld>
             <a:endParaRPr lang="en-US" dirty="0"/>
           </a:p>
@@ -5324,7 +5324,7 @@
           <a:p>
             <a:fld id="{E6426E2C-56C1-4E0D-A793-0088A7FDD37E}" type="datetimeFigureOut">
               <a:rPr lang="en-US" dirty="0"/>
-              <a:t>6/1/2019</a:t>
+              <a:t>9/20/2019</a:t>
             </a:fld>
             <a:endParaRPr lang="en-US" dirty="0"/>
           </a:p>
@@ -5452,7 +5452,7 @@
           <a:p>
             <a:fld id="{C8C39B41-D8B5-4052-B551-9B5525EAA8B6}" type="datetimeFigureOut">
               <a:rPr lang="en-US" dirty="0"/>
-              <a:t>6/1/2019</a:t>
+              <a:t>9/20/2019</a:t>
             </a:fld>
             <a:endParaRPr lang="en-US" dirty="0"/>
           </a:p>
@@ -5633,7 +5633,7 @@
           <a:p>
             <a:fld id="{4D94136C-8742-45B2-AF27-D93DF72833A9}" type="datetimeFigureOut">
               <a:rPr lang="en-US" dirty="0"/>
-              <a:t>6/1/2019</a:t>
+              <a:t>9/20/2019</a:t>
             </a:fld>
             <a:endParaRPr lang="en-US" dirty="0"/>
           </a:p>
@@ -5997,7 +5997,7 @@
           <a:p>
             <a:fld id="{32ABBEA6-7C60-4B02-AE87-00D78D8422AF}" type="datetimeFigureOut">
               <a:rPr lang="en-US" dirty="0"/>
-              <a:t>6/1/2019</a:t>
+              <a:t>9/20/2019</a:t>
             </a:fld>
             <a:endParaRPr lang="en-US" dirty="0"/>
           </a:p>
@@ -6389,7 +6389,7 @@
           <a:p>
             <a:fld id="{C9CAD897-D46E-4AD2-BD9B-49DD3E640873}" type="datetimeFigureOut">
               <a:rPr lang="en-US" dirty="0"/>
-              <a:t>6/1/2019</a:t>
+              <a:t>9/20/2019</a:t>
             </a:fld>
             <a:endParaRPr lang="en-US" dirty="0"/>
           </a:p>
@@ -6686,7 +6686,7 @@
           <a:p>
             <a:fld id="{98624D31-43A5-475A-80CF-332C9F6DCF35}" type="datetimeFigureOut">
               <a:rPr lang="en-US" dirty="0"/>
-              <a:t>6/1/2019</a:t>
+              <a:t>9/20/2019</a:t>
             </a:fld>
             <a:endParaRPr lang="en-US" dirty="0"/>
           </a:p>
@@ -10906,8 +10906,8 @@
           <p:nvPr/>
         </p:nvSpPr>
         <p:spPr>
-          <a:xfrm rot="1393626" flipH="1">
-            <a:off x="5107719" y="2299772"/>
+          <a:xfrm flipH="1">
+            <a:off x="5157508" y="1758404"/>
             <a:ext cx="1682730" cy="124486"/>
           </a:xfrm>
           <a:prstGeom prst="rightArrow">
@@ -11338,9 +11338,9 @@
           <p:nvPr/>
         </p:nvSpPr>
         <p:spPr>
-          <a:xfrm rot="1334627">
-            <a:off x="5108832" y="1999860"/>
-            <a:ext cx="1785117" cy="123176"/>
+          <a:xfrm>
+            <a:off x="5172131" y="1518460"/>
+            <a:ext cx="1682730" cy="124691"/>
           </a:xfrm>
           <a:prstGeom prst="rightArrow">
             <a:avLst/>
@@ -11374,36 +11374,6 @@
           </a:p>
         </p:txBody>
       </p:sp>
-      <p:pic>
-        <p:nvPicPr>
-          <p:cNvPr id="26" name="Imagem 25">
-            <a:extLst>
-              <a:ext uri="{FF2B5EF4-FFF2-40B4-BE49-F238E27FC236}">
-                <a16:creationId xmlns:a16="http://schemas.microsoft.com/office/drawing/2014/main" id="{FCF96C27-FABB-45A0-B16F-DDAF5BF26A95}"/>
-              </a:ext>
-            </a:extLst>
-          </p:cNvPr>
-          <p:cNvPicPr>
-            <a:picLocks noChangeAspect="1"/>
-          </p:cNvPicPr>
-          <p:nvPr/>
-        </p:nvPicPr>
-        <p:blipFill>
-          <a:blip r:embed="rId6"/>
-          <a:stretch>
-            <a:fillRect/>
-          </a:stretch>
-        </p:blipFill>
-        <p:spPr>
-          <a:xfrm>
-            <a:off x="6961061" y="2328359"/>
-            <a:ext cx="1268106" cy="1129573"/>
-          </a:xfrm>
-          <a:prstGeom prst="rect">
-            <a:avLst/>
-          </a:prstGeom>
-        </p:spPr>
-      </p:pic>
       <p:sp>
         <p:nvSpPr>
           <p:cNvPr id="34" name="Seta: para a Direita 33">
@@ -11456,10 +11426,10 @@
       </p:sp>
       <p:sp>
         <p:nvSpPr>
-          <p:cNvPr id="35" name="Seta: para a Direita 34">
+          <p:cNvPr id="36" name="Seta: para a Direita 35">
             <a:extLst>
               <a:ext uri="{FF2B5EF4-FFF2-40B4-BE49-F238E27FC236}">
-                <a16:creationId xmlns:a16="http://schemas.microsoft.com/office/drawing/2014/main" id="{B17FF320-C9FC-448E-A47E-E60A162D9D25}"/>
+                <a16:creationId xmlns:a16="http://schemas.microsoft.com/office/drawing/2014/main" id="{C148ABCF-2990-4D5C-BA2D-55AD07D49F43}"/>
               </a:ext>
             </a:extLst>
           </p:cNvPr>
@@ -11467,9 +11437,9 @@
           <p:nvPr/>
         </p:nvSpPr>
         <p:spPr>
-          <a:xfrm rot="20327766" flipH="1">
-            <a:off x="5139335" y="3534725"/>
-            <a:ext cx="1682730" cy="124486"/>
+          <a:xfrm flipH="1">
+            <a:off x="2971098" y="3861705"/>
+            <a:ext cx="1320872" cy="124819"/>
           </a:xfrm>
           <a:prstGeom prst="rightArrow">
             <a:avLst/>
@@ -11506,10 +11476,10 @@
       </p:sp>
       <p:sp>
         <p:nvSpPr>
-          <p:cNvPr id="36" name="Seta: para a Direita 35">
+          <p:cNvPr id="37" name="Seta: para a Direita 36">
             <a:extLst>
               <a:ext uri="{FF2B5EF4-FFF2-40B4-BE49-F238E27FC236}">
-                <a16:creationId xmlns:a16="http://schemas.microsoft.com/office/drawing/2014/main" id="{C148ABCF-2990-4D5C-BA2D-55AD07D49F43}"/>
+                <a16:creationId xmlns:a16="http://schemas.microsoft.com/office/drawing/2014/main" id="{B9893374-C5A9-489D-9428-D172C96CCCC0}"/>
               </a:ext>
             </a:extLst>
           </p:cNvPr>
@@ -11518,7 +11488,7 @@
         </p:nvSpPr>
         <p:spPr>
           <a:xfrm flipH="1">
-            <a:off x="2971098" y="3861705"/>
+            <a:off x="2896548" y="3026132"/>
             <a:ext cx="1320872" cy="124819"/>
           </a:xfrm>
           <a:prstGeom prst="rightArrow">
@@ -11556,10 +11526,10 @@
       </p:sp>
       <p:sp>
         <p:nvSpPr>
-          <p:cNvPr id="37" name="Seta: para a Direita 36">
+          <p:cNvPr id="38" name="Seta: para a Direita 37">
             <a:extLst>
               <a:ext uri="{FF2B5EF4-FFF2-40B4-BE49-F238E27FC236}">
-                <a16:creationId xmlns:a16="http://schemas.microsoft.com/office/drawing/2014/main" id="{B9893374-C5A9-489D-9428-D172C96CCCC0}"/>
+                <a16:creationId xmlns:a16="http://schemas.microsoft.com/office/drawing/2014/main" id="{9F677DDD-5913-4408-A41B-09E5A8EE1E87}"/>
               </a:ext>
             </a:extLst>
           </p:cNvPr>
@@ -11568,7 +11538,7 @@
         </p:nvSpPr>
         <p:spPr>
           <a:xfrm flipH="1">
-            <a:off x="2896548" y="3026132"/>
+            <a:off x="2952939" y="1811767"/>
             <a:ext cx="1320872" cy="124819"/>
           </a:xfrm>
           <a:prstGeom prst="rightArrow">
@@ -11606,10 +11576,10 @@
       </p:sp>
       <p:sp>
         <p:nvSpPr>
-          <p:cNvPr id="38" name="Seta: para a Direita 37">
+          <p:cNvPr id="39" name="Seta: para a Direita 38">
             <a:extLst>
               <a:ext uri="{FF2B5EF4-FFF2-40B4-BE49-F238E27FC236}">
-                <a16:creationId xmlns:a16="http://schemas.microsoft.com/office/drawing/2014/main" id="{9F677DDD-5913-4408-A41B-09E5A8EE1E87}"/>
+                <a16:creationId xmlns:a16="http://schemas.microsoft.com/office/drawing/2014/main" id="{CE83DB6C-5172-41D3-B687-A6CFEED3AADA}"/>
               </a:ext>
             </a:extLst>
           </p:cNvPr>
@@ -11618,8 +11588,8 @@
         </p:nvSpPr>
         <p:spPr>
           <a:xfrm flipH="1">
-            <a:off x="2952939" y="1811767"/>
-            <a:ext cx="1320872" cy="124819"/>
+            <a:off x="5172131" y="2658146"/>
+            <a:ext cx="1613834" cy="133632"/>
           </a:xfrm>
           <a:prstGeom prst="rightArrow">
             <a:avLst/>
@@ -11656,10 +11626,10 @@
       </p:sp>
       <p:sp>
         <p:nvSpPr>
-          <p:cNvPr id="39" name="Seta: para a Direita 38">
+          <p:cNvPr id="2" name="Retângulo: Cantos Arredondados 1">
             <a:extLst>
               <a:ext uri="{FF2B5EF4-FFF2-40B4-BE49-F238E27FC236}">
-                <a16:creationId xmlns:a16="http://schemas.microsoft.com/office/drawing/2014/main" id="{CE83DB6C-5172-41D3-B687-A6CFEED3AADA}"/>
+                <a16:creationId xmlns:a16="http://schemas.microsoft.com/office/drawing/2014/main" id="{BEBCA26D-9A33-4065-B31D-2E50B9CEE169}"/>
               </a:ext>
             </a:extLst>
           </p:cNvPr>
@@ -11667,8 +11637,84 @@
           <p:nvPr/>
         </p:nvSpPr>
         <p:spPr>
+          <a:xfrm>
+            <a:off x="7006775" y="1231082"/>
+            <a:ext cx="1165536" cy="3213327"/>
+          </a:xfrm>
+          <a:prstGeom prst="roundRect">
+            <a:avLst/>
+          </a:prstGeom>
+        </p:spPr>
+        <p:style>
+          <a:lnRef idx="2">
+            <a:schemeClr val="accent1">
+              <a:shade val="50000"/>
+            </a:schemeClr>
+          </a:lnRef>
+          <a:fillRef idx="1">
+            <a:schemeClr val="accent1"/>
+          </a:fillRef>
+          <a:effectRef idx="0">
+            <a:schemeClr val="accent1"/>
+          </a:effectRef>
+          <a:fontRef idx="minor">
+            <a:schemeClr val="lt1"/>
+          </a:fontRef>
+        </p:style>
+        <p:txBody>
+          <a:bodyPr rtlCol="0" anchor="ctr"/>
+          <a:lstStyle/>
+          <a:p>
+            <a:pPr algn="ctr"/>
+            <a:endParaRPr lang="pt-BR"/>
+          </a:p>
+        </p:txBody>
+      </p:sp>
+      <p:pic>
+        <p:nvPicPr>
+          <p:cNvPr id="4" name="Imagem 3">
+            <a:extLst>
+              <a:ext uri="{FF2B5EF4-FFF2-40B4-BE49-F238E27FC236}">
+                <a16:creationId xmlns:a16="http://schemas.microsoft.com/office/drawing/2014/main" id="{B9D7C12A-4060-416E-8785-49A197A9B57D}"/>
+              </a:ext>
+            </a:extLst>
+          </p:cNvPr>
+          <p:cNvPicPr>
+            <a:picLocks noChangeAspect="1"/>
+          </p:cNvPicPr>
+          <p:nvPr/>
+        </p:nvPicPr>
+        <p:blipFill>
+          <a:blip r:embed="rId6"/>
+          <a:stretch>
+            <a:fillRect/>
+          </a:stretch>
+        </p:blipFill>
+        <p:spPr>
+          <a:xfrm>
+            <a:off x="7167296" y="2440803"/>
+            <a:ext cx="884221" cy="884221"/>
+          </a:xfrm>
+          <a:prstGeom prst="rect">
+            <a:avLst/>
+          </a:prstGeom>
+        </p:spPr>
+      </p:pic>
+      <p:sp>
+        <p:nvSpPr>
+          <p:cNvPr id="28" name="Seta: para a Direita 27">
+            <a:extLst>
+              <a:ext uri="{FF2B5EF4-FFF2-40B4-BE49-F238E27FC236}">
+                <a16:creationId xmlns:a16="http://schemas.microsoft.com/office/drawing/2014/main" id="{82EE28B7-45E2-42C9-B903-B637F79CA7BE}"/>
+              </a:ext>
+            </a:extLst>
+          </p:cNvPr>
+          <p:cNvSpPr/>
+          <p:nvPr/>
+        </p:nvSpPr>
+        <p:spPr>
           <a:xfrm flipH="1">
-            <a:off x="5089114" y="2868707"/>
+            <a:off x="5157508" y="3845601"/>
             <a:ext cx="1613834" cy="133632"/>
           </a:xfrm>
           <a:prstGeom prst="rightArrow">
@@ -11910,41 +11956,6 @@
                                   </p:childTnLst>
                                 </p:cTn>
                               </p:par>
-                              <p:par>
-                                <p:cTn id="21" presetID="10" presetClass="entr" presetSubtype="0" fill="hold" grpId="0" nodeType="withEffect">
-                                  <p:stCondLst>
-                                    <p:cond delay="0"/>
-                                  </p:stCondLst>
-                                  <p:childTnLst>
-                                    <p:set>
-                                      <p:cBhvr>
-                                        <p:cTn id="22" dur="1" fill="hold">
-                                          <p:stCondLst>
-                                            <p:cond delay="0"/>
-                                          </p:stCondLst>
-                                        </p:cTn>
-                                        <p:tgtEl>
-                                          <p:spTgt spid="35"/>
-                                        </p:tgtEl>
-                                        <p:attrNameLst>
-                                          <p:attrName>style.visibility</p:attrName>
-                                        </p:attrNameLst>
-                                      </p:cBhvr>
-                                      <p:to>
-                                        <p:strVal val="visible"/>
-                                      </p:to>
-                                    </p:set>
-                                    <p:animEffect transition="in" filter="fade">
-                                      <p:cBhvr>
-                                        <p:cTn id="23" dur="500"/>
-                                        <p:tgtEl>
-                                          <p:spTgt spid="35"/>
-                                        </p:tgtEl>
-                                      </p:cBhvr>
-                                    </p:animEffect>
-                                  </p:childTnLst>
-                                </p:cTn>
-                              </p:par>
                             </p:childTnLst>
                           </p:cTn>
                         </p:par>
@@ -11952,26 +11963,26 @@
                     </p:cTn>
                   </p:par>
                   <p:par>
-                    <p:cTn id="24" fill="hold">
+                    <p:cTn id="21" fill="hold">
                       <p:stCondLst>
                         <p:cond delay="indefinite"/>
                       </p:stCondLst>
                       <p:childTnLst>
                         <p:par>
-                          <p:cTn id="25" fill="hold">
+                          <p:cTn id="22" fill="hold">
                             <p:stCondLst>
                               <p:cond delay="0"/>
                             </p:stCondLst>
                             <p:childTnLst>
                               <p:par>
-                                <p:cTn id="26" presetID="10" presetClass="entr" presetSubtype="0" fill="hold" grpId="0" nodeType="clickEffect">
+                                <p:cTn id="23" presetID="10" presetClass="entr" presetSubtype="0" fill="hold" grpId="0" nodeType="clickEffect">
                                   <p:stCondLst>
                                     <p:cond delay="0"/>
                                   </p:stCondLst>
                                   <p:childTnLst>
                                     <p:set>
                                       <p:cBhvr>
-                                        <p:cTn id="27" dur="1" fill="hold">
+                                        <p:cTn id="24" dur="1" fill="hold">
                                           <p:stCondLst>
                                             <p:cond delay="0"/>
                                           </p:stCondLst>
@@ -11989,9 +12000,44 @@
                                     </p:set>
                                     <p:animEffect transition="in" filter="fade">
                                       <p:cBhvr>
+                                        <p:cTn id="25" dur="500"/>
+                                        <p:tgtEl>
+                                          <p:spTgt spid="38"/>
+                                        </p:tgtEl>
+                                      </p:cBhvr>
+                                    </p:animEffect>
+                                  </p:childTnLst>
+                                </p:cTn>
+                              </p:par>
+                              <p:par>
+                                <p:cTn id="26" presetID="10" presetClass="entr" presetSubtype="0" fill="hold" grpId="0" nodeType="withEffect">
+                                  <p:stCondLst>
+                                    <p:cond delay="0"/>
+                                  </p:stCondLst>
+                                  <p:childTnLst>
+                                    <p:set>
+                                      <p:cBhvr>
+                                        <p:cTn id="27" dur="1" fill="hold">
+                                          <p:stCondLst>
+                                            <p:cond delay="0"/>
+                                          </p:stCondLst>
+                                        </p:cTn>
+                                        <p:tgtEl>
+                                          <p:spTgt spid="34"/>
+                                        </p:tgtEl>
+                                        <p:attrNameLst>
+                                          <p:attrName>style.visibility</p:attrName>
+                                        </p:attrNameLst>
+                                      </p:cBhvr>
+                                      <p:to>
+                                        <p:strVal val="visible"/>
+                                      </p:to>
+                                    </p:set>
+                                    <p:animEffect transition="in" filter="fade">
+                                      <p:cBhvr>
                                         <p:cTn id="28" dur="500"/>
                                         <p:tgtEl>
-                                          <p:spTgt spid="38"/>
+                                          <p:spTgt spid="34"/>
                                         </p:tgtEl>
                                       </p:cBhvr>
                                     </p:animEffect>
@@ -12012,7 +12058,7 @@
                                           </p:stCondLst>
                                         </p:cTn>
                                         <p:tgtEl>
-                                          <p:spTgt spid="34"/>
+                                          <p:spTgt spid="37"/>
                                         </p:tgtEl>
                                         <p:attrNameLst>
                                           <p:attrName>style.visibility</p:attrName>
@@ -12026,7 +12072,7 @@
                                       <p:cBhvr>
                                         <p:cTn id="31" dur="500"/>
                                         <p:tgtEl>
-                                          <p:spTgt spid="34"/>
+                                          <p:spTgt spid="37"/>
                                         </p:tgtEl>
                                       </p:cBhvr>
                                     </p:animEffect>
@@ -12047,7 +12093,7 @@
                                           </p:stCondLst>
                                         </p:cTn>
                                         <p:tgtEl>
-                                          <p:spTgt spid="37"/>
+                                          <p:spTgt spid="36"/>
                                         </p:tgtEl>
                                         <p:attrNameLst>
                                           <p:attrName>style.visibility</p:attrName>
@@ -12061,7 +12107,7 @@
                                       <p:cBhvr>
                                         <p:cTn id="34" dur="500"/>
                                         <p:tgtEl>
-                                          <p:spTgt spid="37"/>
+                                          <p:spTgt spid="36"/>
                                         </p:tgtEl>
                                       </p:cBhvr>
                                     </p:animEffect>
@@ -12082,7 +12128,7 @@
                                           </p:stCondLst>
                                         </p:cTn>
                                         <p:tgtEl>
-                                          <p:spTgt spid="36"/>
+                                          <p:spTgt spid="28"/>
                                         </p:tgtEl>
                                         <p:attrNameLst>
                                           <p:attrName>style.visibility</p:attrName>
@@ -12096,7 +12142,7 @@
                                       <p:cBhvr>
                                         <p:cTn id="37" dur="500"/>
                                         <p:tgtEl>
-                                          <p:spTgt spid="36"/>
+                                          <p:spTgt spid="28"/>
                                         </p:tgtEl>
                                       </p:cBhvr>
                                     </p:animEffect>
@@ -12135,11 +12181,11 @@
       <p:bldP spid="14" grpId="0" animBg="1"/>
       <p:bldP spid="31" grpId="0" animBg="1"/>
       <p:bldP spid="34" grpId="0" animBg="1"/>
-      <p:bldP spid="35" grpId="0" animBg="1"/>
       <p:bldP spid="36" grpId="0" animBg="1"/>
       <p:bldP spid="37" grpId="0" animBg="1"/>
       <p:bldP spid="38" grpId="0" animBg="1"/>
       <p:bldP spid="39" grpId="0" animBg="1"/>
+      <p:bldP spid="28" grpId="0" animBg="1"/>
     </p:bldLst>
   </p:timing>
 </p:sld>
@@ -12184,7 +12230,7 @@
         </p:blipFill>
         <p:spPr>
           <a:xfrm>
-            <a:off x="3751786" y="1953417"/>
+            <a:off x="3432810" y="2518409"/>
             <a:ext cx="1640428" cy="1640428"/>
           </a:xfrm>
           <a:prstGeom prst="rect">
@@ -12250,364 +12296,153 @@
           </a:p>
         </p:txBody>
       </p:sp>
-      <p:pic>
-        <p:nvPicPr>
-          <p:cNvPr id="8" name="Imagem 7">
+      <p:grpSp>
+        <p:nvGrpSpPr>
+          <p:cNvPr id="17" name="Agrupar 16">
             <a:extLst>
               <a:ext uri="{FF2B5EF4-FFF2-40B4-BE49-F238E27FC236}">
-                <a16:creationId xmlns:a16="http://schemas.microsoft.com/office/drawing/2014/main" id="{335B8DC8-D3C5-4A9D-9D35-1C7A087D24E6}"/>
+                <a16:creationId xmlns:a16="http://schemas.microsoft.com/office/drawing/2014/main" id="{732D658F-27EB-43FE-B42F-81948A15C477}"/>
               </a:ext>
             </a:extLst>
           </p:cNvPr>
-          <p:cNvPicPr>
-            <a:picLocks noChangeAspect="1"/>
-          </p:cNvPicPr>
+          <p:cNvGrpSpPr/>
           <p:nvPr/>
-        </p:nvPicPr>
-        <p:blipFill>
-          <a:blip r:embed="rId4"/>
-          <a:stretch>
-            <a:fillRect/>
-          </a:stretch>
-        </p:blipFill>
-        <p:spPr>
+        </p:nvGrpSpPr>
+        <p:grpSpPr>
           <a:xfrm>
-            <a:off x="1904674" y="1383007"/>
-            <a:ext cx="145941" cy="269769"/>
-          </a:xfrm>
-          <a:prstGeom prst="rect">
-            <a:avLst/>
-          </a:prstGeom>
-        </p:spPr>
-      </p:pic>
+            <a:off x="1022415" y="1337659"/>
+            <a:ext cx="1059344" cy="874832"/>
+            <a:chOff x="1022415" y="1337659"/>
+            <a:chExt cx="1059344" cy="874832"/>
+          </a:xfrm>
+        </p:grpSpPr>
+        <p:pic>
+          <p:nvPicPr>
+            <p:cNvPr id="8" name="Imagem 7">
+              <a:extLst>
+                <a:ext uri="{FF2B5EF4-FFF2-40B4-BE49-F238E27FC236}">
+                  <a16:creationId xmlns:a16="http://schemas.microsoft.com/office/drawing/2014/main" id="{335B8DC8-D3C5-4A9D-9D35-1C7A087D24E6}"/>
+                </a:ext>
+              </a:extLst>
+            </p:cNvPr>
+            <p:cNvPicPr>
+              <a:picLocks noChangeAspect="1"/>
+            </p:cNvPicPr>
+            <p:nvPr/>
+          </p:nvPicPr>
+          <p:blipFill>
+            <a:blip r:embed="rId4"/>
+            <a:stretch>
+              <a:fillRect/>
+            </a:stretch>
+          </p:blipFill>
+          <p:spPr>
+            <a:xfrm>
+              <a:off x="1481405" y="1337659"/>
+              <a:ext cx="145941" cy="269769"/>
+            </a:xfrm>
+            <a:prstGeom prst="rect">
+              <a:avLst/>
+            </a:prstGeom>
+          </p:spPr>
+        </p:pic>
+        <p:pic>
+          <p:nvPicPr>
+            <p:cNvPr id="11" name="Imagem 10">
+              <a:extLst>
+                <a:ext uri="{FF2B5EF4-FFF2-40B4-BE49-F238E27FC236}">
+                  <a16:creationId xmlns:a16="http://schemas.microsoft.com/office/drawing/2014/main" id="{D7365E89-31B8-4D33-938A-1BF03E3BD5C0}"/>
+                </a:ext>
+              </a:extLst>
+            </p:cNvPr>
+            <p:cNvPicPr>
+              <a:picLocks noChangeAspect="1"/>
+            </p:cNvPicPr>
+            <p:nvPr/>
+          </p:nvPicPr>
+          <p:blipFill>
+            <a:blip r:embed="rId5"/>
+            <a:stretch>
+              <a:fillRect/>
+            </a:stretch>
+          </p:blipFill>
+          <p:spPr>
+            <a:xfrm>
+              <a:off x="1693020" y="1584473"/>
+              <a:ext cx="388739" cy="358249"/>
+            </a:xfrm>
+            <a:prstGeom prst="rect">
+              <a:avLst/>
+            </a:prstGeom>
+          </p:spPr>
+        </p:pic>
+        <p:pic>
+          <p:nvPicPr>
+            <p:cNvPr id="22" name="Imagem 21">
+              <a:extLst>
+                <a:ext uri="{FF2B5EF4-FFF2-40B4-BE49-F238E27FC236}">
+                  <a16:creationId xmlns:a16="http://schemas.microsoft.com/office/drawing/2014/main" id="{1096453F-71B4-4BE7-9C85-A1C412785863}"/>
+                </a:ext>
+              </a:extLst>
+            </p:cNvPr>
+            <p:cNvPicPr>
+              <a:picLocks noChangeAspect="1"/>
+            </p:cNvPicPr>
+            <p:nvPr/>
+          </p:nvPicPr>
+          <p:blipFill>
+            <a:blip r:embed="rId4"/>
+            <a:stretch>
+              <a:fillRect/>
+            </a:stretch>
+          </p:blipFill>
+          <p:spPr>
+            <a:xfrm>
+              <a:off x="1481405" y="1942722"/>
+              <a:ext cx="145941" cy="269769"/>
+            </a:xfrm>
+            <a:prstGeom prst="rect">
+              <a:avLst/>
+            </a:prstGeom>
+          </p:spPr>
+        </p:pic>
+        <p:pic>
+          <p:nvPicPr>
+            <p:cNvPr id="23" name="Imagem 22">
+              <a:extLst>
+                <a:ext uri="{FF2B5EF4-FFF2-40B4-BE49-F238E27FC236}">
+                  <a16:creationId xmlns:a16="http://schemas.microsoft.com/office/drawing/2014/main" id="{1FB1D4C9-1798-4696-A6DA-9D6562D12B9F}"/>
+                </a:ext>
+              </a:extLst>
+            </p:cNvPr>
+            <p:cNvPicPr>
+              <a:picLocks noChangeAspect="1"/>
+            </p:cNvPicPr>
+            <p:nvPr/>
+          </p:nvPicPr>
+          <p:blipFill>
+            <a:blip r:embed="rId5"/>
+            <a:stretch>
+              <a:fillRect/>
+            </a:stretch>
+          </p:blipFill>
+          <p:spPr>
+            <a:xfrm>
+              <a:off x="1022415" y="1529011"/>
+              <a:ext cx="388739" cy="358249"/>
+            </a:xfrm>
+            <a:prstGeom prst="rect">
+              <a:avLst/>
+            </a:prstGeom>
+          </p:spPr>
+        </p:pic>
+      </p:grpSp>
       <p:pic>
         <p:nvPicPr>
-          <p:cNvPr id="11" name="Imagem 10">
+          <p:cNvPr id="5" name="Imagem 4">
             <a:extLst>
               <a:ext uri="{FF2B5EF4-FFF2-40B4-BE49-F238E27FC236}">
-                <a16:creationId xmlns:a16="http://schemas.microsoft.com/office/drawing/2014/main" id="{D7365E89-31B8-4D33-938A-1BF03E3BD5C0}"/>
-              </a:ext>
-            </a:extLst>
-          </p:cNvPr>
-          <p:cNvPicPr>
-            <a:picLocks noChangeAspect="1"/>
-          </p:cNvPicPr>
-          <p:nvPr/>
-        </p:nvPicPr>
-        <p:blipFill>
-          <a:blip r:embed="rId5"/>
-          <a:stretch>
-            <a:fillRect/>
-          </a:stretch>
-        </p:blipFill>
-        <p:spPr>
-          <a:xfrm>
-            <a:off x="1748010" y="2179223"/>
-            <a:ext cx="388739" cy="358249"/>
-          </a:xfrm>
-          <a:prstGeom prst="rect">
-            <a:avLst/>
-          </a:prstGeom>
-        </p:spPr>
-      </p:pic>
-      <p:sp>
-        <p:nvSpPr>
-          <p:cNvPr id="18" name="CaixaDeTexto 17">
-            <a:extLst>
-              <a:ext uri="{FF2B5EF4-FFF2-40B4-BE49-F238E27FC236}">
-                <a16:creationId xmlns:a16="http://schemas.microsoft.com/office/drawing/2014/main" id="{B2F8072B-0E5C-4332-96F5-9D29E03CB428}"/>
-              </a:ext>
-            </a:extLst>
-          </p:cNvPr>
-          <p:cNvSpPr txBox="1"/>
-          <p:nvPr/>
-        </p:nvSpPr>
-        <p:spPr>
-          <a:xfrm>
-            <a:off x="2050615" y="1338081"/>
-            <a:ext cx="717610" cy="400110"/>
-          </a:xfrm>
-          <a:prstGeom prst="rect">
-            <a:avLst/>
-          </a:prstGeom>
-          <a:noFill/>
-        </p:spPr>
-        <p:txBody>
-          <a:bodyPr wrap="square" rtlCol="0">
-            <a:spAutoFit/>
-          </a:bodyPr>
-          <a:lstStyle/>
-          <a:p>
-            <a:r>
-              <a:rPr lang="en-US" sz="1000" dirty="0" err="1">
-                <a:latin typeface="Roboto" panose="02000000000000000000" pitchFamily="2" charset="0"/>
-                <a:ea typeface="Roboto" panose="02000000000000000000" pitchFamily="2" charset="0"/>
-              </a:rPr>
-              <a:t>Cliente</a:t>
-            </a:r>
-            <a:r>
-              <a:rPr lang="en-US" sz="1000" dirty="0">
-                <a:latin typeface="Roboto" panose="02000000000000000000" pitchFamily="2" charset="0"/>
-                <a:ea typeface="Roboto" panose="02000000000000000000" pitchFamily="2" charset="0"/>
-              </a:rPr>
-              <a:t> 1</a:t>
-            </a:r>
-            <a:br>
-              <a:rPr lang="en-US" sz="1000" dirty="0">
-                <a:latin typeface="Roboto" panose="02000000000000000000" pitchFamily="2" charset="0"/>
-                <a:ea typeface="Roboto" panose="02000000000000000000" pitchFamily="2" charset="0"/>
-              </a:rPr>
-            </a:br>
-            <a:r>
-              <a:rPr lang="en-US" sz="1000" dirty="0">
-                <a:latin typeface="Roboto" panose="02000000000000000000" pitchFamily="2" charset="0"/>
-                <a:ea typeface="Roboto" panose="02000000000000000000" pitchFamily="2" charset="0"/>
-              </a:rPr>
-              <a:t>Grupo A</a:t>
-            </a:r>
-          </a:p>
-        </p:txBody>
-      </p:sp>
-      <p:sp>
-        <p:nvSpPr>
-          <p:cNvPr id="19" name="CaixaDeTexto 18">
-            <a:extLst>
-              <a:ext uri="{FF2B5EF4-FFF2-40B4-BE49-F238E27FC236}">
-                <a16:creationId xmlns:a16="http://schemas.microsoft.com/office/drawing/2014/main" id="{709D6851-3807-470E-9D55-009235F94B5F}"/>
-              </a:ext>
-            </a:extLst>
-          </p:cNvPr>
-          <p:cNvSpPr txBox="1"/>
-          <p:nvPr/>
-        </p:nvSpPr>
-        <p:spPr>
-          <a:xfrm>
-            <a:off x="2086946" y="2175580"/>
-            <a:ext cx="727837" cy="400110"/>
-          </a:xfrm>
-          <a:prstGeom prst="rect">
-            <a:avLst/>
-          </a:prstGeom>
-          <a:noFill/>
-        </p:spPr>
-        <p:txBody>
-          <a:bodyPr wrap="square" rtlCol="0">
-            <a:spAutoFit/>
-          </a:bodyPr>
-          <a:lstStyle/>
-          <a:p>
-            <a:r>
-              <a:rPr lang="en-US" sz="1000" dirty="0" err="1">
-                <a:latin typeface="Roboto" panose="02000000000000000000" pitchFamily="2" charset="0"/>
-                <a:ea typeface="Roboto" panose="02000000000000000000" pitchFamily="2" charset="0"/>
-              </a:rPr>
-              <a:t>Cliente</a:t>
-            </a:r>
-            <a:r>
-              <a:rPr lang="en-US" sz="1000" dirty="0">
-                <a:latin typeface="Roboto" panose="02000000000000000000" pitchFamily="2" charset="0"/>
-                <a:ea typeface="Roboto" panose="02000000000000000000" pitchFamily="2" charset="0"/>
-              </a:rPr>
-              <a:t> 2</a:t>
-            </a:r>
-            <a:br>
-              <a:rPr lang="en-US" sz="1000" dirty="0">
-                <a:latin typeface="Roboto" panose="02000000000000000000" pitchFamily="2" charset="0"/>
-                <a:ea typeface="Roboto" panose="02000000000000000000" pitchFamily="2" charset="0"/>
-              </a:rPr>
-            </a:br>
-            <a:r>
-              <a:rPr lang="en-US" sz="1000" dirty="0">
-                <a:latin typeface="Roboto" panose="02000000000000000000" pitchFamily="2" charset="0"/>
-                <a:ea typeface="Roboto" panose="02000000000000000000" pitchFamily="2" charset="0"/>
-              </a:rPr>
-              <a:t>Grupo B</a:t>
-            </a:r>
-          </a:p>
-        </p:txBody>
-      </p:sp>
-      <p:pic>
-        <p:nvPicPr>
-          <p:cNvPr id="22" name="Imagem 21">
-            <a:extLst>
-              <a:ext uri="{FF2B5EF4-FFF2-40B4-BE49-F238E27FC236}">
-                <a16:creationId xmlns:a16="http://schemas.microsoft.com/office/drawing/2014/main" id="{1096453F-71B4-4BE7-9C85-A1C412785863}"/>
-              </a:ext>
-            </a:extLst>
-          </p:cNvPr>
-          <p:cNvPicPr>
-            <a:picLocks noChangeAspect="1"/>
-          </p:cNvPicPr>
-          <p:nvPr/>
-        </p:nvPicPr>
-        <p:blipFill>
-          <a:blip r:embed="rId4"/>
-          <a:stretch>
-            <a:fillRect/>
-          </a:stretch>
-        </p:blipFill>
-        <p:spPr>
-          <a:xfrm>
-            <a:off x="1936542" y="2889325"/>
-            <a:ext cx="145941" cy="269769"/>
-          </a:xfrm>
-          <a:prstGeom prst="rect">
-            <a:avLst/>
-          </a:prstGeom>
-        </p:spPr>
-      </p:pic>
-      <p:pic>
-        <p:nvPicPr>
-          <p:cNvPr id="23" name="Imagem 22">
-            <a:extLst>
-              <a:ext uri="{FF2B5EF4-FFF2-40B4-BE49-F238E27FC236}">
-                <a16:creationId xmlns:a16="http://schemas.microsoft.com/office/drawing/2014/main" id="{1FB1D4C9-1798-4696-A6DA-9D6562D12B9F}"/>
-              </a:ext>
-            </a:extLst>
-          </p:cNvPr>
-          <p:cNvPicPr>
-            <a:picLocks noChangeAspect="1"/>
-          </p:cNvPicPr>
-          <p:nvPr/>
-        </p:nvPicPr>
-        <p:blipFill>
-          <a:blip r:embed="rId5"/>
-          <a:stretch>
-            <a:fillRect/>
-          </a:stretch>
-        </p:blipFill>
-        <p:spPr>
-          <a:xfrm>
-            <a:off x="1775414" y="3662535"/>
-            <a:ext cx="388739" cy="358249"/>
-          </a:xfrm>
-          <a:prstGeom prst="rect">
-            <a:avLst/>
-          </a:prstGeom>
-        </p:spPr>
-      </p:pic>
-      <p:sp>
-        <p:nvSpPr>
-          <p:cNvPr id="24" name="CaixaDeTexto 23">
-            <a:extLst>
-              <a:ext uri="{FF2B5EF4-FFF2-40B4-BE49-F238E27FC236}">
-                <a16:creationId xmlns:a16="http://schemas.microsoft.com/office/drawing/2014/main" id="{37439242-9EAA-483E-A1C7-77C78C5BB97D}"/>
-              </a:ext>
-            </a:extLst>
-          </p:cNvPr>
-          <p:cNvSpPr txBox="1"/>
-          <p:nvPr/>
-        </p:nvSpPr>
-        <p:spPr>
-          <a:xfrm>
-            <a:off x="2082482" y="2844399"/>
-            <a:ext cx="727837" cy="400110"/>
-          </a:xfrm>
-          <a:prstGeom prst="rect">
-            <a:avLst/>
-          </a:prstGeom>
-          <a:noFill/>
-        </p:spPr>
-        <p:txBody>
-          <a:bodyPr wrap="square" rtlCol="0">
-            <a:spAutoFit/>
-          </a:bodyPr>
-          <a:lstStyle/>
-          <a:p>
-            <a:r>
-              <a:rPr lang="en-US" sz="1000" dirty="0" err="1">
-                <a:latin typeface="Roboto" panose="02000000000000000000" pitchFamily="2" charset="0"/>
-                <a:ea typeface="Roboto" panose="02000000000000000000" pitchFamily="2" charset="0"/>
-              </a:rPr>
-              <a:t>Cliente</a:t>
-            </a:r>
-            <a:r>
-              <a:rPr lang="en-US" sz="1000" dirty="0">
-                <a:latin typeface="Roboto" panose="02000000000000000000" pitchFamily="2" charset="0"/>
-                <a:ea typeface="Roboto" panose="02000000000000000000" pitchFamily="2" charset="0"/>
-              </a:rPr>
-              <a:t> 3</a:t>
-            </a:r>
-            <a:br>
-              <a:rPr lang="en-US" sz="1000" dirty="0">
-                <a:latin typeface="Roboto" panose="02000000000000000000" pitchFamily="2" charset="0"/>
-                <a:ea typeface="Roboto" panose="02000000000000000000" pitchFamily="2" charset="0"/>
-              </a:rPr>
-            </a:br>
-            <a:r>
-              <a:rPr lang="en-US" sz="1000" dirty="0">
-                <a:latin typeface="Roboto" panose="02000000000000000000" pitchFamily="2" charset="0"/>
-                <a:ea typeface="Roboto" panose="02000000000000000000" pitchFamily="2" charset="0"/>
-              </a:rPr>
-              <a:t>Grupo A</a:t>
-            </a:r>
-          </a:p>
-        </p:txBody>
-      </p:sp>
-      <p:sp>
-        <p:nvSpPr>
-          <p:cNvPr id="25" name="CaixaDeTexto 24">
-            <a:extLst>
-              <a:ext uri="{FF2B5EF4-FFF2-40B4-BE49-F238E27FC236}">
-                <a16:creationId xmlns:a16="http://schemas.microsoft.com/office/drawing/2014/main" id="{0E0C0E99-B22F-4090-B5FF-37921B9FBDDE}"/>
-              </a:ext>
-            </a:extLst>
-          </p:cNvPr>
-          <p:cNvSpPr txBox="1"/>
-          <p:nvPr/>
-        </p:nvSpPr>
-        <p:spPr>
-          <a:xfrm>
-            <a:off x="2114351" y="3658892"/>
-            <a:ext cx="727836" cy="400110"/>
-          </a:xfrm>
-          <a:prstGeom prst="rect">
-            <a:avLst/>
-          </a:prstGeom>
-          <a:noFill/>
-        </p:spPr>
-        <p:txBody>
-          <a:bodyPr wrap="square" rtlCol="0">
-            <a:spAutoFit/>
-          </a:bodyPr>
-          <a:lstStyle/>
-          <a:p>
-            <a:r>
-              <a:rPr lang="en-US" sz="1000" dirty="0" err="1">
-                <a:latin typeface="Roboto" panose="02000000000000000000" pitchFamily="2" charset="0"/>
-                <a:ea typeface="Roboto" panose="02000000000000000000" pitchFamily="2" charset="0"/>
-              </a:rPr>
-              <a:t>Cliente</a:t>
-            </a:r>
-            <a:r>
-              <a:rPr lang="en-US" sz="1000" dirty="0">
-                <a:latin typeface="Roboto" panose="02000000000000000000" pitchFamily="2" charset="0"/>
-                <a:ea typeface="Roboto" panose="02000000000000000000" pitchFamily="2" charset="0"/>
-              </a:rPr>
-              <a:t> 4</a:t>
-            </a:r>
-            <a:br>
-              <a:rPr lang="en-US" sz="1000" dirty="0">
-                <a:latin typeface="Roboto" panose="02000000000000000000" pitchFamily="2" charset="0"/>
-                <a:ea typeface="Roboto" panose="02000000000000000000" pitchFamily="2" charset="0"/>
-              </a:rPr>
-            </a:br>
-            <a:r>
-              <a:rPr lang="en-US" sz="1000" dirty="0">
-                <a:latin typeface="Roboto" panose="02000000000000000000" pitchFamily="2" charset="0"/>
-                <a:ea typeface="Roboto" panose="02000000000000000000" pitchFamily="2" charset="0"/>
-              </a:rPr>
-              <a:t>Grupo B</a:t>
-            </a:r>
-          </a:p>
-        </p:txBody>
-      </p:sp>
-      <p:pic>
-        <p:nvPicPr>
-          <p:cNvPr id="27" name="Imagem 26">
-            <a:extLst>
-              <a:ext uri="{FF2B5EF4-FFF2-40B4-BE49-F238E27FC236}">
-                <a16:creationId xmlns:a16="http://schemas.microsoft.com/office/drawing/2014/main" id="{1658A1F9-A668-421F-94A8-C11175B06BB2}"/>
+                <a16:creationId xmlns:a16="http://schemas.microsoft.com/office/drawing/2014/main" id="{39453787-ACC0-4010-956E-69327AF9C0DC}"/>
               </a:ext>
             </a:extLst>
           </p:cNvPr>
@@ -12624,80 +12459,62 @@
         </p:blipFill>
         <p:spPr>
           <a:xfrm>
-            <a:off x="6771022" y="1338081"/>
-            <a:ext cx="908971" cy="908971"/>
+            <a:off x="5495456" y="1369589"/>
+            <a:ext cx="1462590" cy="767860"/>
           </a:xfrm>
           <a:prstGeom prst="rect">
             <a:avLst/>
           </a:prstGeom>
         </p:spPr>
       </p:pic>
-      <p:pic>
-        <p:nvPicPr>
-          <p:cNvPr id="29" name="Imagem 28">
+      <p:cxnSp>
+        <p:nvCxnSpPr>
+          <p:cNvPr id="12" name="Conector: Angulado 11">
             <a:extLst>
               <a:ext uri="{FF2B5EF4-FFF2-40B4-BE49-F238E27FC236}">
-                <a16:creationId xmlns:a16="http://schemas.microsoft.com/office/drawing/2014/main" id="{6DFEBB94-59B3-478A-9B26-0217DD361AAE}"/>
+                <a16:creationId xmlns:a16="http://schemas.microsoft.com/office/drawing/2014/main" id="{230C873C-331A-4664-9ADD-C959D0678814}"/>
               </a:ext>
             </a:extLst>
           </p:cNvPr>
-          <p:cNvPicPr>
-            <a:picLocks noChangeAspect="1"/>
-          </p:cNvPicPr>
+          <p:cNvCxnSpPr>
+            <a:stCxn id="5" idx="2"/>
+            <a:endCxn id="3" idx="3"/>
+          </p:cNvCxnSpPr>
           <p:nvPr/>
-        </p:nvPicPr>
-        <p:blipFill>
-          <a:blip r:embed="rId6"/>
-          <a:stretch>
-            <a:fillRect/>
-          </a:stretch>
-        </p:blipFill>
-        <p:spPr>
-          <a:xfrm>
-            <a:off x="6771022" y="2511350"/>
-            <a:ext cx="908971" cy="908971"/>
-          </a:xfrm>
-          <a:prstGeom prst="rect">
+        </p:nvCxnSpPr>
+        <p:spPr>
+          <a:xfrm rot="5400000">
+            <a:off x="5049408" y="2161280"/>
+            <a:ext cx="1201174" cy="1153513"/>
+          </a:xfrm>
+          <a:prstGeom prst="bentConnector2">
             <a:avLst/>
           </a:prstGeom>
-        </p:spPr>
-      </p:pic>
-      <p:pic>
-        <p:nvPicPr>
-          <p:cNvPr id="30" name="Imagem 29">
+          <a:ln>
+            <a:tailEnd type="triangle"/>
+          </a:ln>
+        </p:spPr>
+        <p:style>
+          <a:lnRef idx="1">
+            <a:schemeClr val="accent1"/>
+          </a:lnRef>
+          <a:fillRef idx="0">
+            <a:schemeClr val="accent1"/>
+          </a:fillRef>
+          <a:effectRef idx="0">
+            <a:schemeClr val="accent1"/>
+          </a:effectRef>
+          <a:fontRef idx="minor">
+            <a:schemeClr val="tx1"/>
+          </a:fontRef>
+        </p:style>
+      </p:cxnSp>
+      <p:sp>
+        <p:nvSpPr>
+          <p:cNvPr id="39" name="Seta: para a Direita 38">
             <a:extLst>
               <a:ext uri="{FF2B5EF4-FFF2-40B4-BE49-F238E27FC236}">
-                <a16:creationId xmlns:a16="http://schemas.microsoft.com/office/drawing/2014/main" id="{BE7C0BB2-7ACF-4C5C-8715-3ADED048AE2E}"/>
-              </a:ext>
-            </a:extLst>
-          </p:cNvPr>
-          <p:cNvPicPr>
-            <a:picLocks noChangeAspect="1"/>
-          </p:cNvPicPr>
-          <p:nvPr/>
-        </p:nvPicPr>
-        <p:blipFill>
-          <a:blip r:embed="rId6"/>
-          <a:stretch>
-            <a:fillRect/>
-          </a:stretch>
-        </p:blipFill>
-        <p:spPr>
-          <a:xfrm>
-            <a:off x="6771022" y="3648754"/>
-            <a:ext cx="908971" cy="908971"/>
-          </a:xfrm>
-          <a:prstGeom prst="rect">
-            <a:avLst/>
-          </a:prstGeom>
-        </p:spPr>
-      </p:pic>
-      <p:sp>
-        <p:nvSpPr>
-          <p:cNvPr id="4" name="Seta: da Esquerda para a Direita 3">
-            <a:extLst>
-              <a:ext uri="{FF2B5EF4-FFF2-40B4-BE49-F238E27FC236}">
-                <a16:creationId xmlns:a16="http://schemas.microsoft.com/office/drawing/2014/main" id="{C5960365-7E97-43DD-BC77-9AB124EE23C6}"/>
+                <a16:creationId xmlns:a16="http://schemas.microsoft.com/office/drawing/2014/main" id="{678F1F8F-63ED-4FDC-8334-38D63F29A173}"/>
               </a:ext>
             </a:extLst>
           </p:cNvPr>
@@ -12705,11 +12522,11 @@
           <p:nvPr/>
         </p:nvSpPr>
         <p:spPr>
-          <a:xfrm rot="1156871">
-            <a:off x="2751758" y="1913696"/>
-            <a:ext cx="1303127" cy="121618"/>
-          </a:xfrm>
-          <a:prstGeom prst="leftRightArrow">
+          <a:xfrm>
+            <a:off x="2185954" y="1529011"/>
+            <a:ext cx="3598158" cy="78417"/>
+          </a:xfrm>
+          <a:prstGeom prst="rightArrow">
             <a:avLst/>
           </a:prstGeom>
         </p:spPr>
@@ -12734,304 +12551,7 @@
           <a:lstStyle/>
           <a:p>
             <a:pPr algn="ctr"/>
-            <a:endParaRPr lang="en-US">
-              <a:latin typeface="Roboto" panose="02000000000000000000" pitchFamily="2" charset="0"/>
-              <a:ea typeface="Roboto" panose="02000000000000000000" pitchFamily="2" charset="0"/>
-            </a:endParaRPr>
-          </a:p>
-        </p:txBody>
-      </p:sp>
-      <p:sp>
-        <p:nvSpPr>
-          <p:cNvPr id="28" name="Seta: da Esquerda para a Direita 27">
-            <a:extLst>
-              <a:ext uri="{FF2B5EF4-FFF2-40B4-BE49-F238E27FC236}">
-                <a16:creationId xmlns:a16="http://schemas.microsoft.com/office/drawing/2014/main" id="{EC8AA25D-553A-4442-991D-BC817247D2A9}"/>
-              </a:ext>
-            </a:extLst>
-          </p:cNvPr>
-          <p:cNvSpPr/>
-          <p:nvPr/>
-        </p:nvSpPr>
-        <p:spPr>
-          <a:xfrm rot="20413155">
-            <a:off x="2796918" y="3517782"/>
-            <a:ext cx="1303127" cy="121618"/>
-          </a:xfrm>
-          <a:prstGeom prst="leftRightArrow">
-            <a:avLst/>
-          </a:prstGeom>
-        </p:spPr>
-        <p:style>
-          <a:lnRef idx="2">
-            <a:schemeClr val="accent1">
-              <a:shade val="50000"/>
-            </a:schemeClr>
-          </a:lnRef>
-          <a:fillRef idx="1">
-            <a:schemeClr val="accent1"/>
-          </a:fillRef>
-          <a:effectRef idx="0">
-            <a:schemeClr val="accent1"/>
-          </a:effectRef>
-          <a:fontRef idx="minor">
-            <a:schemeClr val="lt1"/>
-          </a:fontRef>
-        </p:style>
-        <p:txBody>
-          <a:bodyPr rtlCol="0" anchor="ctr"/>
-          <a:lstStyle/>
-          <a:p>
-            <a:pPr algn="ctr"/>
-            <a:endParaRPr lang="en-US">
-              <a:latin typeface="Roboto" panose="02000000000000000000" pitchFamily="2" charset="0"/>
-              <a:ea typeface="Roboto" panose="02000000000000000000" pitchFamily="2" charset="0"/>
-            </a:endParaRPr>
-          </a:p>
-        </p:txBody>
-      </p:sp>
-      <p:sp>
-        <p:nvSpPr>
-          <p:cNvPr id="32" name="Seta: da Esquerda para a Direita 31">
-            <a:extLst>
-              <a:ext uri="{FF2B5EF4-FFF2-40B4-BE49-F238E27FC236}">
-                <a16:creationId xmlns:a16="http://schemas.microsoft.com/office/drawing/2014/main" id="{0B0411DA-54A9-46DE-9690-6A80A6C3101B}"/>
-              </a:ext>
-            </a:extLst>
-          </p:cNvPr>
-          <p:cNvSpPr/>
-          <p:nvPr/>
-        </p:nvSpPr>
-        <p:spPr>
-          <a:xfrm>
-            <a:off x="2738432" y="2966867"/>
-            <a:ext cx="1303127" cy="121618"/>
-          </a:xfrm>
-          <a:prstGeom prst="leftRightArrow">
-            <a:avLst/>
-          </a:prstGeom>
-        </p:spPr>
-        <p:style>
-          <a:lnRef idx="2">
-            <a:schemeClr val="accent1">
-              <a:shade val="50000"/>
-            </a:schemeClr>
-          </a:lnRef>
-          <a:fillRef idx="1">
-            <a:schemeClr val="accent1"/>
-          </a:fillRef>
-          <a:effectRef idx="0">
-            <a:schemeClr val="accent1"/>
-          </a:effectRef>
-          <a:fontRef idx="minor">
-            <a:schemeClr val="lt1"/>
-          </a:fontRef>
-        </p:style>
-        <p:txBody>
-          <a:bodyPr rtlCol="0" anchor="ctr"/>
-          <a:lstStyle/>
-          <a:p>
-            <a:pPr algn="ctr"/>
-            <a:endParaRPr lang="en-US">
-              <a:latin typeface="Roboto" panose="02000000000000000000" pitchFamily="2" charset="0"/>
-              <a:ea typeface="Roboto" panose="02000000000000000000" pitchFamily="2" charset="0"/>
-            </a:endParaRPr>
-          </a:p>
-        </p:txBody>
-      </p:sp>
-      <p:sp>
-        <p:nvSpPr>
-          <p:cNvPr id="33" name="Seta: da Esquerda para a Direita 32">
-            <a:extLst>
-              <a:ext uri="{FF2B5EF4-FFF2-40B4-BE49-F238E27FC236}">
-                <a16:creationId xmlns:a16="http://schemas.microsoft.com/office/drawing/2014/main" id="{64155881-E211-4191-96B0-F04B8EC65FBB}"/>
-              </a:ext>
-            </a:extLst>
-          </p:cNvPr>
-          <p:cNvSpPr/>
-          <p:nvPr/>
-        </p:nvSpPr>
-        <p:spPr>
-          <a:xfrm rot="615073">
-            <a:off x="2738853" y="2468140"/>
-            <a:ext cx="1303127" cy="121618"/>
-          </a:xfrm>
-          <a:prstGeom prst="leftRightArrow">
-            <a:avLst/>
-          </a:prstGeom>
-        </p:spPr>
-        <p:style>
-          <a:lnRef idx="2">
-            <a:schemeClr val="accent1">
-              <a:shade val="50000"/>
-            </a:schemeClr>
-          </a:lnRef>
-          <a:fillRef idx="1">
-            <a:schemeClr val="accent1"/>
-          </a:fillRef>
-          <a:effectRef idx="0">
-            <a:schemeClr val="accent1"/>
-          </a:effectRef>
-          <a:fontRef idx="minor">
-            <a:schemeClr val="lt1"/>
-          </a:fontRef>
-        </p:style>
-        <p:txBody>
-          <a:bodyPr rtlCol="0" anchor="ctr"/>
-          <a:lstStyle/>
-          <a:p>
-            <a:pPr algn="ctr"/>
-            <a:endParaRPr lang="en-US">
-              <a:latin typeface="Roboto" panose="02000000000000000000" pitchFamily="2" charset="0"/>
-              <a:ea typeface="Roboto" panose="02000000000000000000" pitchFamily="2" charset="0"/>
-            </a:endParaRPr>
-          </a:p>
-        </p:txBody>
-      </p:sp>
-      <p:sp>
-        <p:nvSpPr>
-          <p:cNvPr id="40" name="Seta: da Esquerda para a Direita 39">
-            <a:extLst>
-              <a:ext uri="{FF2B5EF4-FFF2-40B4-BE49-F238E27FC236}">
-                <a16:creationId xmlns:a16="http://schemas.microsoft.com/office/drawing/2014/main" id="{BC61C25B-0392-43F9-9633-401A38678103}"/>
-              </a:ext>
-            </a:extLst>
-          </p:cNvPr>
-          <p:cNvSpPr/>
-          <p:nvPr/>
-        </p:nvSpPr>
-        <p:spPr>
-          <a:xfrm rot="20390928">
-            <a:off x="5173024" y="2020360"/>
-            <a:ext cx="1662036" cy="134476"/>
-          </a:xfrm>
-          <a:prstGeom prst="leftRightArrow">
-            <a:avLst/>
-          </a:prstGeom>
-        </p:spPr>
-        <p:style>
-          <a:lnRef idx="2">
-            <a:schemeClr val="accent1">
-              <a:shade val="50000"/>
-            </a:schemeClr>
-          </a:lnRef>
-          <a:fillRef idx="1">
-            <a:schemeClr val="accent1"/>
-          </a:fillRef>
-          <a:effectRef idx="0">
-            <a:schemeClr val="accent1"/>
-          </a:effectRef>
-          <a:fontRef idx="minor">
-            <a:schemeClr val="lt1"/>
-          </a:fontRef>
-        </p:style>
-        <p:txBody>
-          <a:bodyPr rtlCol="0" anchor="ctr"/>
-          <a:lstStyle/>
-          <a:p>
-            <a:pPr algn="ctr"/>
-            <a:endParaRPr lang="en-US">
-              <a:latin typeface="Roboto" panose="02000000000000000000" pitchFamily="2" charset="0"/>
-              <a:ea typeface="Roboto" panose="02000000000000000000" pitchFamily="2" charset="0"/>
-            </a:endParaRPr>
-          </a:p>
-        </p:txBody>
-      </p:sp>
-      <p:sp>
-        <p:nvSpPr>
-          <p:cNvPr id="41" name="Seta: da Esquerda para a Direita 40">
-            <a:extLst>
-              <a:ext uri="{FF2B5EF4-FFF2-40B4-BE49-F238E27FC236}">
-                <a16:creationId xmlns:a16="http://schemas.microsoft.com/office/drawing/2014/main" id="{9E54F522-02E0-4626-9605-8D1E0C0B6061}"/>
-              </a:ext>
-            </a:extLst>
-          </p:cNvPr>
-          <p:cNvSpPr/>
-          <p:nvPr/>
-        </p:nvSpPr>
-        <p:spPr>
-          <a:xfrm>
-            <a:off x="5199241" y="2880949"/>
-            <a:ext cx="1662036" cy="134476"/>
-          </a:xfrm>
-          <a:prstGeom prst="leftRightArrow">
-            <a:avLst/>
-          </a:prstGeom>
-        </p:spPr>
-        <p:style>
-          <a:lnRef idx="2">
-            <a:schemeClr val="accent1">
-              <a:shade val="50000"/>
-            </a:schemeClr>
-          </a:lnRef>
-          <a:fillRef idx="1">
-            <a:schemeClr val="accent1"/>
-          </a:fillRef>
-          <a:effectRef idx="0">
-            <a:schemeClr val="accent1"/>
-          </a:effectRef>
-          <a:fontRef idx="minor">
-            <a:schemeClr val="lt1"/>
-          </a:fontRef>
-        </p:style>
-        <p:txBody>
-          <a:bodyPr rtlCol="0" anchor="ctr"/>
-          <a:lstStyle/>
-          <a:p>
-            <a:pPr algn="ctr"/>
-            <a:endParaRPr lang="en-US">
-              <a:latin typeface="Roboto" panose="02000000000000000000" pitchFamily="2" charset="0"/>
-              <a:ea typeface="Roboto" panose="02000000000000000000" pitchFamily="2" charset="0"/>
-            </a:endParaRPr>
-          </a:p>
-        </p:txBody>
-      </p:sp>
-      <p:sp>
-        <p:nvSpPr>
-          <p:cNvPr id="42" name="Seta: da Esquerda para a Direita 41">
-            <a:extLst>
-              <a:ext uri="{FF2B5EF4-FFF2-40B4-BE49-F238E27FC236}">
-                <a16:creationId xmlns:a16="http://schemas.microsoft.com/office/drawing/2014/main" id="{C0A0AA99-5514-4995-BFBF-BD445A37AFB5}"/>
-              </a:ext>
-            </a:extLst>
-          </p:cNvPr>
-          <p:cNvSpPr/>
-          <p:nvPr/>
-        </p:nvSpPr>
-        <p:spPr>
-          <a:xfrm rot="1354615">
-            <a:off x="5179107" y="3678772"/>
-            <a:ext cx="1662036" cy="134476"/>
-          </a:xfrm>
-          <a:prstGeom prst="leftRightArrow">
-            <a:avLst/>
-          </a:prstGeom>
-        </p:spPr>
-        <p:style>
-          <a:lnRef idx="2">
-            <a:schemeClr val="accent1">
-              <a:shade val="50000"/>
-            </a:schemeClr>
-          </a:lnRef>
-          <a:fillRef idx="1">
-            <a:schemeClr val="accent1"/>
-          </a:fillRef>
-          <a:effectRef idx="0">
-            <a:schemeClr val="accent1"/>
-          </a:effectRef>
-          <a:fontRef idx="minor">
-            <a:schemeClr val="lt1"/>
-          </a:fontRef>
-        </p:style>
-        <p:txBody>
-          <a:bodyPr rtlCol="0" anchor="ctr"/>
-          <a:lstStyle/>
-          <a:p>
-            <a:pPr algn="ctr"/>
-            <a:endParaRPr lang="en-US">
-              <a:latin typeface="Roboto" panose="02000000000000000000" pitchFamily="2" charset="0"/>
-              <a:ea typeface="Roboto" panose="02000000000000000000" pitchFamily="2" charset="0"/>
-            </a:endParaRPr>
+            <a:endParaRPr lang="pt-BR"/>
           </a:p>
         </p:txBody>
       </p:sp>
@@ -13045,252 +12565,6 @@
   <p:clrMapOvr>
     <a:masterClrMapping/>
   </p:clrMapOvr>
-  <p:timing>
-    <p:tnLst>
-      <p:par>
-        <p:cTn id="1" dur="indefinite" restart="never" nodeType="tmRoot">
-          <p:childTnLst>
-            <p:seq concurrent="1" nextAc="seek">
-              <p:cTn id="2" dur="indefinite" nodeType="mainSeq">
-                <p:childTnLst>
-                  <p:par>
-                    <p:cTn id="3" fill="hold">
-                      <p:stCondLst>
-                        <p:cond delay="indefinite"/>
-                      </p:stCondLst>
-                      <p:childTnLst>
-                        <p:par>
-                          <p:cTn id="4" fill="hold">
-                            <p:stCondLst>
-                              <p:cond delay="0"/>
-                            </p:stCondLst>
-                            <p:childTnLst>
-                              <p:par>
-                                <p:cTn id="5" presetID="1" presetClass="entr" presetSubtype="0" fill="hold" grpId="0" nodeType="clickEffect">
-                                  <p:stCondLst>
-                                    <p:cond delay="0"/>
-                                  </p:stCondLst>
-                                  <p:childTnLst>
-                                    <p:set>
-                                      <p:cBhvr>
-                                        <p:cTn id="6" dur="1" fill="hold">
-                                          <p:stCondLst>
-                                            <p:cond delay="0"/>
-                                          </p:stCondLst>
-                                        </p:cTn>
-                                        <p:tgtEl>
-                                          <p:spTgt spid="4"/>
-                                        </p:tgtEl>
-                                        <p:attrNameLst>
-                                          <p:attrName>style.visibility</p:attrName>
-                                        </p:attrNameLst>
-                                      </p:cBhvr>
-                                      <p:to>
-                                        <p:strVal val="visible"/>
-                                      </p:to>
-                                    </p:set>
-                                  </p:childTnLst>
-                                </p:cTn>
-                              </p:par>
-                              <p:par>
-                                <p:cTn id="7" presetID="1" presetClass="entr" presetSubtype="0" fill="hold" grpId="0" nodeType="withEffect">
-                                  <p:stCondLst>
-                                    <p:cond delay="0"/>
-                                  </p:stCondLst>
-                                  <p:childTnLst>
-                                    <p:set>
-                                      <p:cBhvr>
-                                        <p:cTn id="8" dur="1" fill="hold">
-                                          <p:stCondLst>
-                                            <p:cond delay="0"/>
-                                          </p:stCondLst>
-                                        </p:cTn>
-                                        <p:tgtEl>
-                                          <p:spTgt spid="33"/>
-                                        </p:tgtEl>
-                                        <p:attrNameLst>
-                                          <p:attrName>style.visibility</p:attrName>
-                                        </p:attrNameLst>
-                                      </p:cBhvr>
-                                      <p:to>
-                                        <p:strVal val="visible"/>
-                                      </p:to>
-                                    </p:set>
-                                  </p:childTnLst>
-                                </p:cTn>
-                              </p:par>
-                              <p:par>
-                                <p:cTn id="9" presetID="1" presetClass="entr" presetSubtype="0" fill="hold" grpId="0" nodeType="withEffect">
-                                  <p:stCondLst>
-                                    <p:cond delay="0"/>
-                                  </p:stCondLst>
-                                  <p:childTnLst>
-                                    <p:set>
-                                      <p:cBhvr>
-                                        <p:cTn id="10" dur="1" fill="hold">
-                                          <p:stCondLst>
-                                            <p:cond delay="0"/>
-                                          </p:stCondLst>
-                                        </p:cTn>
-                                        <p:tgtEl>
-                                          <p:spTgt spid="32"/>
-                                        </p:tgtEl>
-                                        <p:attrNameLst>
-                                          <p:attrName>style.visibility</p:attrName>
-                                        </p:attrNameLst>
-                                      </p:cBhvr>
-                                      <p:to>
-                                        <p:strVal val="visible"/>
-                                      </p:to>
-                                    </p:set>
-                                  </p:childTnLst>
-                                </p:cTn>
-                              </p:par>
-                              <p:par>
-                                <p:cTn id="11" presetID="1" presetClass="entr" presetSubtype="0" fill="hold" grpId="0" nodeType="withEffect">
-                                  <p:stCondLst>
-                                    <p:cond delay="0"/>
-                                  </p:stCondLst>
-                                  <p:childTnLst>
-                                    <p:set>
-                                      <p:cBhvr>
-                                        <p:cTn id="12" dur="1" fill="hold">
-                                          <p:stCondLst>
-                                            <p:cond delay="0"/>
-                                          </p:stCondLst>
-                                        </p:cTn>
-                                        <p:tgtEl>
-                                          <p:spTgt spid="28"/>
-                                        </p:tgtEl>
-                                        <p:attrNameLst>
-                                          <p:attrName>style.visibility</p:attrName>
-                                        </p:attrNameLst>
-                                      </p:cBhvr>
-                                      <p:to>
-                                        <p:strVal val="visible"/>
-                                      </p:to>
-                                    </p:set>
-                                  </p:childTnLst>
-                                </p:cTn>
-                              </p:par>
-                              <p:par>
-                                <p:cTn id="13" presetID="1" presetClass="entr" presetSubtype="0" fill="hold" grpId="0" nodeType="withEffect">
-                                  <p:stCondLst>
-                                    <p:cond delay="0"/>
-                                  </p:stCondLst>
-                                  <p:childTnLst>
-                                    <p:set>
-                                      <p:cBhvr>
-                                        <p:cTn id="14" dur="1" fill="hold">
-                                          <p:stCondLst>
-                                            <p:cond delay="0"/>
-                                          </p:stCondLst>
-                                        </p:cTn>
-                                        <p:tgtEl>
-                                          <p:spTgt spid="42"/>
-                                        </p:tgtEl>
-                                        <p:attrNameLst>
-                                          <p:attrName>style.visibility</p:attrName>
-                                        </p:attrNameLst>
-                                      </p:cBhvr>
-                                      <p:to>
-                                        <p:strVal val="visible"/>
-                                      </p:to>
-                                    </p:set>
-                                  </p:childTnLst>
-                                </p:cTn>
-                              </p:par>
-                              <p:par>
-                                <p:cTn id="15" presetID="1" presetClass="entr" presetSubtype="0" fill="hold" grpId="0" nodeType="withEffect">
-                                  <p:stCondLst>
-                                    <p:cond delay="0"/>
-                                  </p:stCondLst>
-                                  <p:childTnLst>
-                                    <p:set>
-                                      <p:cBhvr>
-                                        <p:cTn id="16" dur="1" fill="hold">
-                                          <p:stCondLst>
-                                            <p:cond delay="0"/>
-                                          </p:stCondLst>
-                                        </p:cTn>
-                                        <p:tgtEl>
-                                          <p:spTgt spid="41"/>
-                                        </p:tgtEl>
-                                        <p:attrNameLst>
-                                          <p:attrName>style.visibility</p:attrName>
-                                        </p:attrNameLst>
-                                      </p:cBhvr>
-                                      <p:to>
-                                        <p:strVal val="visible"/>
-                                      </p:to>
-                                    </p:set>
-                                  </p:childTnLst>
-                                </p:cTn>
-                              </p:par>
-                              <p:par>
-                                <p:cTn id="17" presetID="1" presetClass="entr" presetSubtype="0" fill="hold" grpId="0" nodeType="withEffect">
-                                  <p:stCondLst>
-                                    <p:cond delay="0"/>
-                                  </p:stCondLst>
-                                  <p:childTnLst>
-                                    <p:set>
-                                      <p:cBhvr>
-                                        <p:cTn id="18" dur="1" fill="hold">
-                                          <p:stCondLst>
-                                            <p:cond delay="0"/>
-                                          </p:stCondLst>
-                                        </p:cTn>
-                                        <p:tgtEl>
-                                          <p:spTgt spid="40"/>
-                                        </p:tgtEl>
-                                        <p:attrNameLst>
-                                          <p:attrName>style.visibility</p:attrName>
-                                        </p:attrNameLst>
-                                      </p:cBhvr>
-                                      <p:to>
-                                        <p:strVal val="visible"/>
-                                      </p:to>
-                                    </p:set>
-                                  </p:childTnLst>
-                                </p:cTn>
-                              </p:par>
-                            </p:childTnLst>
-                          </p:cTn>
-                        </p:par>
-                      </p:childTnLst>
-                    </p:cTn>
-                  </p:par>
-                </p:childTnLst>
-              </p:cTn>
-              <p:prevCondLst>
-                <p:cond evt="onPrev" delay="0">
-                  <p:tgtEl>
-                    <p:sldTgt/>
-                  </p:tgtEl>
-                </p:cond>
-              </p:prevCondLst>
-              <p:nextCondLst>
-                <p:cond evt="onNext" delay="0">
-                  <p:tgtEl>
-                    <p:sldTgt/>
-                  </p:tgtEl>
-                </p:cond>
-              </p:nextCondLst>
-            </p:seq>
-          </p:childTnLst>
-        </p:cTn>
-      </p:par>
-    </p:tnLst>
-    <p:bldLst>
-      <p:bldP spid="4" grpId="0" animBg="1"/>
-      <p:bldP spid="28" grpId="0" animBg="1"/>
-      <p:bldP spid="32" grpId="0" animBg="1"/>
-      <p:bldP spid="33" grpId="0" animBg="1"/>
-      <p:bldP spid="40" grpId="0" animBg="1"/>
-      <p:bldP spid="41" grpId="0" animBg="1"/>
-      <p:bldP spid="42" grpId="0" animBg="1"/>
-    </p:bldLst>
-  </p:timing>
 </p:sld>
 </file>
 
